--- a/Powercli/VMwareExplore_2024/CODE1744LV - PowerCLI 201 - From the Shell to Writing Scripts.pptx
+++ b/Powercli/VMwareExplore_2024/CODE1744LV - PowerCLI 201 - From the Shell to Writing Scripts.pptx
@@ -5,27 +5,34 @@
     <p:sldMasterId id="2147483937" r:id="rId4"/>
   </p:sldMasterIdLst>
   <p:notesMasterIdLst>
-    <p:notesMasterId r:id="rId15"/>
+    <p:notesMasterId r:id="rId22"/>
   </p:notesMasterIdLst>
   <p:handoutMasterIdLst>
-    <p:handoutMasterId r:id="rId16"/>
+    <p:handoutMasterId r:id="rId23"/>
   </p:handoutMasterIdLst>
   <p:sldIdLst>
     <p:sldId id="2147470580" r:id="rId5"/>
     <p:sldId id="2147470579" r:id="rId6"/>
     <p:sldId id="2147470581" r:id="rId7"/>
-    <p:sldId id="2147470577" r:id="rId8"/>
-    <p:sldId id="2147470582" r:id="rId9"/>
-    <p:sldId id="2147470578" r:id="rId10"/>
-    <p:sldId id="2147470583" r:id="rId11"/>
-    <p:sldId id="2026819541" r:id="rId12"/>
-    <p:sldId id="2026819542" r:id="rId13"/>
-    <p:sldId id="2026819543" r:id="rId14"/>
+    <p:sldId id="2147470582" r:id="rId8"/>
+    <p:sldId id="2147470583" r:id="rId9"/>
+    <p:sldId id="2147470593" r:id="rId10"/>
+    <p:sldId id="2147470578" r:id="rId11"/>
+    <p:sldId id="2147470584" r:id="rId12"/>
+    <p:sldId id="2147470585" r:id="rId13"/>
+    <p:sldId id="2147470586" r:id="rId14"/>
+    <p:sldId id="2147470587" r:id="rId15"/>
+    <p:sldId id="2147470589" r:id="rId16"/>
+    <p:sldId id="2147470590" r:id="rId17"/>
+    <p:sldId id="2147470591" r:id="rId18"/>
+    <p:sldId id="2147470592" r:id="rId19"/>
+    <p:sldId id="2026819541" r:id="rId20"/>
+    <p:sldId id="2026819543" r:id="rId21"/>
   </p:sldIdLst>
   <p:sldSz cx="12188825" cy="6858000"/>
   <p:notesSz cx="6858000" cy="9144000"/>
   <p:custDataLst>
-    <p:tags r:id="rId17"/>
+    <p:tags r:id="rId24"/>
   </p:custDataLst>
   <p:defaultTextStyle>
     <a:defPPr>
@@ -130,16 +137,23 @@
             <p14:sldId id="2147470580"/>
             <p14:sldId id="2147470579"/>
             <p14:sldId id="2147470581"/>
-            <p14:sldId id="2147470577"/>
           </p14:sldIdLst>
         </p14:section>
         <p14:section name="Template" id="{095074CF-EC36-8641-8A3E-A95BC79C523F}">
           <p14:sldIdLst>
             <p14:sldId id="2147470582"/>
+            <p14:sldId id="2147470583"/>
+            <p14:sldId id="2147470593"/>
             <p14:sldId id="2147470578"/>
-            <p14:sldId id="2147470583"/>
+            <p14:sldId id="2147470584"/>
+            <p14:sldId id="2147470585"/>
+            <p14:sldId id="2147470586"/>
+            <p14:sldId id="2147470587"/>
+            <p14:sldId id="2147470589"/>
+            <p14:sldId id="2147470590"/>
+            <p14:sldId id="2147470591"/>
+            <p14:sldId id="2147470592"/>
             <p14:sldId id="2026819541"/>
-            <p14:sldId id="2026819542"/>
             <p14:sldId id="2026819543"/>
           </p14:sldIdLst>
         </p14:section>
@@ -268,7 +282,7 @@
               <a:rPr lang="en-US" smtClean="0">
                 <a:latin typeface="Metropolis" panose="00000500000000000000" pitchFamily="50" charset="0"/>
               </a:rPr>
-              <a:t>6/19/2024</a:t>
+              <a:t>8/9/2024</a:t>
             </a:fld>
             <a:endParaRPr lang="en-US">
               <a:latin typeface="Metropolis" panose="00000500000000000000" pitchFamily="50" charset="0"/>
@@ -446,7 +460,7 @@
             <a:fld id="{3CB6F0DB-E055-41D0-9102-627A646E4242}" type="datetimeFigureOut">
               <a:rPr lang="en-US" smtClean="0"/>
               <a:pPr/>
-              <a:t>6/19/2024</a:t>
+              <a:t>8/9/2024</a:t>
             </a:fld>
             <a:endParaRPr lang="en-US"/>
           </a:p>
@@ -720,91 +734,6 @@
 </p:notesMaster>
 </file>
 
-<file path=ppt/notesSlides/notesSlide1.xml><?xml version="1.0" encoding="utf-8"?>
-<p:notes xmlns:a="http://schemas.openxmlformats.org/drawingml/2006/main" xmlns:r="http://schemas.openxmlformats.org/officeDocument/2006/relationships" xmlns:p="http://schemas.openxmlformats.org/presentationml/2006/main">
-  <p:cSld>
-    <p:spTree>
-      <p:nvGrpSpPr>
-        <p:cNvPr id="1" name=""/>
-        <p:cNvGrpSpPr/>
-        <p:nvPr/>
-      </p:nvGrpSpPr>
-      <p:grpSpPr>
-        <a:xfrm>
-          <a:off x="0" y="0"/>
-          <a:ext cx="0" cy="0"/>
-          <a:chOff x="0" y="0"/>
-          <a:chExt cx="0" cy="0"/>
-        </a:xfrm>
-      </p:grpSpPr>
-      <p:sp>
-        <p:nvSpPr>
-          <p:cNvPr id="2" name="Slide Image Placeholder 1"/>
-          <p:cNvSpPr>
-            <a:spLocks noGrp="1" noRot="1" noChangeAspect="1"/>
-          </p:cNvSpPr>
-          <p:nvPr>
-            <p:ph type="sldImg"/>
-          </p:nvPr>
-        </p:nvSpPr>
-        <p:spPr/>
-      </p:sp>
-      <p:sp>
-        <p:nvSpPr>
-          <p:cNvPr id="3" name="Notes Placeholder 2"/>
-          <p:cNvSpPr>
-            <a:spLocks noGrp="1"/>
-          </p:cNvSpPr>
-          <p:nvPr>
-            <p:ph type="body" idx="1"/>
-          </p:nvPr>
-        </p:nvSpPr>
-        <p:spPr/>
-        <p:txBody>
-          <a:bodyPr/>
-          <a:lstStyle/>
-          <a:p>
-            <a:endParaRPr lang="en-US" dirty="0"/>
-          </a:p>
-        </p:txBody>
-      </p:sp>
-      <p:sp>
-        <p:nvSpPr>
-          <p:cNvPr id="4" name="Slide Number Placeholder 3"/>
-          <p:cNvSpPr>
-            <a:spLocks noGrp="1"/>
-          </p:cNvSpPr>
-          <p:nvPr>
-            <p:ph type="sldNum" sz="quarter" idx="5"/>
-          </p:nvPr>
-        </p:nvSpPr>
-        <p:spPr/>
-        <p:txBody>
-          <a:bodyPr/>
-          <a:lstStyle/>
-          <a:p>
-            <a:fld id="{9F4FBC3A-A12C-40F9-BB8D-BC30C7901396}" type="slidenum">
-              <a:rPr lang="en-US" smtClean="0"/>
-              <a:pPr/>
-              <a:t>9</a:t>
-            </a:fld>
-            <a:endParaRPr lang="en-US" dirty="0"/>
-          </a:p>
-        </p:txBody>
-      </p:sp>
-    </p:spTree>
-    <p:extLst>
-      <p:ext uri="{BB962C8B-B14F-4D97-AF65-F5344CB8AC3E}">
-        <p14:creationId xmlns:p14="http://schemas.microsoft.com/office/powerpoint/2010/main" val="1656509301"/>
-      </p:ext>
-    </p:extLst>
-  </p:cSld>
-  <p:clrMapOvr>
-    <a:masterClrMapping/>
-  </p:clrMapOvr>
-</p:notes>
-</file>
-
 <file path=ppt/slideLayouts/slideLayout1.xml><?xml version="1.0" encoding="utf-8"?>
 <p:sldLayout xmlns:a="http://schemas.openxmlformats.org/drawingml/2006/main" xmlns:r="http://schemas.openxmlformats.org/officeDocument/2006/relationships" xmlns:p="http://schemas.openxmlformats.org/presentationml/2006/main" showMasterSp="0" preserve="1" userDrawn="1">
   <p:cSld name="Title Slide">
@@ -944,7 +873,7 @@
           <a:blip r:embed="rId3">
             <a:extLst>
               <a:ext uri="{96DAC541-7B7A-43D3-8B79-37D633B846F1}">
-                <asvg:svgBlip xmlns:asvg="http://schemas.microsoft.com/office/drawing/2016/SVG/main" xmlns="" r:embed="rId4"/>
+                <asvg:svgBlip xmlns="" xmlns:asvg="http://schemas.microsoft.com/office/drawing/2016/SVG/main" r:embed="rId4"/>
               </a:ext>
             </a:extLst>
           </a:blip>
@@ -1507,7 +1436,7 @@
                 <a16:creationId xmlns:a16="http://schemas.microsoft.com/office/drawing/2014/main" id="{AA1B5F83-A93D-544C-8DB4-B164DBF2F72D}"/>
               </a:ext>
               <a:ext uri="{C183D7F6-B498-43B3-948B-1728B52AA6E4}">
-                <adec:decorative xmlns:adec="http://schemas.microsoft.com/office/drawing/2017/decorative" xmlns="" val="1"/>
+                <adec:decorative xmlns="" xmlns:adec="http://schemas.microsoft.com/office/drawing/2017/decorative" val="1"/>
               </a:ext>
             </a:extLst>
           </p:cNvPr>
@@ -1719,7 +1648,7 @@
                 <a16:creationId xmlns:a16="http://schemas.microsoft.com/office/drawing/2014/main" id="{417D4F8B-2025-D14C-A41E-9C0B401DE6B0}"/>
               </a:ext>
               <a:ext uri="{C183D7F6-B498-43B3-948B-1728B52AA6E4}">
-                <adec:decorative xmlns:adec="http://schemas.microsoft.com/office/drawing/2017/decorative" xmlns="" val="1"/>
+                <adec:decorative xmlns="" xmlns:adec="http://schemas.microsoft.com/office/drawing/2017/decorative" val="1"/>
               </a:ext>
             </a:extLst>
           </p:cNvPr>
@@ -2185,7 +2114,7 @@
                 <a16:creationId xmlns:a16="http://schemas.microsoft.com/office/drawing/2014/main" id="{B164666E-28C9-844E-91D8-ECA2F1E57595}"/>
               </a:ext>
               <a:ext uri="{C183D7F6-B498-43B3-948B-1728B52AA6E4}">
-                <adec:decorative xmlns:adec="http://schemas.microsoft.com/office/drawing/2017/decorative" xmlns="" val="1"/>
+                <adec:decorative xmlns="" xmlns:adec="http://schemas.microsoft.com/office/drawing/2017/decorative" val="1"/>
               </a:ext>
             </a:extLst>
           </p:cNvPr>
@@ -2398,7 +2327,7 @@
                 <a16:creationId xmlns:a16="http://schemas.microsoft.com/office/drawing/2014/main" id="{97B963A1-3810-7A40-8918-6D6D68B4A836}"/>
               </a:ext>
               <a:ext uri="{C183D7F6-B498-43B3-948B-1728B52AA6E4}">
-                <adec:decorative xmlns:adec="http://schemas.microsoft.com/office/drawing/2017/decorative" xmlns="" val="1"/>
+                <adec:decorative xmlns="" xmlns:adec="http://schemas.microsoft.com/office/drawing/2017/decorative" val="1"/>
               </a:ext>
             </a:extLst>
           </p:cNvPr>
@@ -2520,7 +2449,7 @@
                 <a16:creationId xmlns:a16="http://schemas.microsoft.com/office/drawing/2014/main" id="{E17DA4B3-27AC-8A64-FD5E-59AEAE0D8559}"/>
               </a:ext>
               <a:ext uri="{C183D7F6-B498-43B3-948B-1728B52AA6E4}">
-                <adec:decorative xmlns:adec="http://schemas.microsoft.com/office/drawing/2017/decorative" xmlns="" val="1"/>
+                <adec:decorative xmlns="" xmlns:adec="http://schemas.microsoft.com/office/drawing/2017/decorative" val="1"/>
               </a:ext>
             </a:extLst>
           </p:cNvPr>
@@ -3040,7 +2969,7 @@
                 <a16:creationId xmlns:a16="http://schemas.microsoft.com/office/drawing/2014/main" id="{D864AC6E-1611-244C-BA28-696924BAB259}"/>
               </a:ext>
               <a:ext uri="{C183D7F6-B498-43B3-948B-1728B52AA6E4}">
-                <adec:decorative xmlns:adec="http://schemas.microsoft.com/office/drawing/2017/decorative" xmlns="" val="1"/>
+                <adec:decorative xmlns="" xmlns:adec="http://schemas.microsoft.com/office/drawing/2017/decorative" val="1"/>
               </a:ext>
             </a:extLst>
           </p:cNvPr>
@@ -3653,7 +3582,7 @@
                 <a16:creationId xmlns:a16="http://schemas.microsoft.com/office/drawing/2014/main" id="{85B60DB8-F067-969E-72B5-4E90025E5BF8}"/>
               </a:ext>
               <a:ext uri="{C183D7F6-B498-43B3-948B-1728B52AA6E4}">
-                <adec:decorative xmlns:adec="http://schemas.microsoft.com/office/drawing/2017/decorative" xmlns="" val="1"/>
+                <adec:decorative xmlns="" xmlns:adec="http://schemas.microsoft.com/office/drawing/2017/decorative" val="1"/>
               </a:ext>
             </a:extLst>
           </p:cNvPr>
@@ -4156,7 +4085,7 @@
                 <a16:creationId xmlns:a16="http://schemas.microsoft.com/office/drawing/2014/main" id="{F7E2C737-3A4D-924A-88B5-FA4D5C8A07C7}"/>
               </a:ext>
               <a:ext uri="{C183D7F6-B498-43B3-948B-1728B52AA6E4}">
-                <adec:decorative xmlns:adec="http://schemas.microsoft.com/office/drawing/2017/decorative" xmlns="" val="1"/>
+                <adec:decorative xmlns="" xmlns:adec="http://schemas.microsoft.com/office/drawing/2017/decorative" val="1"/>
               </a:ext>
             </a:extLst>
           </p:cNvPr>
@@ -4754,7 +4683,7 @@
                 <a16:creationId xmlns:a16="http://schemas.microsoft.com/office/drawing/2014/main" id="{56D4D92B-574E-4F63-A5BA-8F7282B54C27}"/>
               </a:ext>
               <a:ext uri="{C183D7F6-B498-43B3-948B-1728B52AA6E4}">
-                <adec:decorative xmlns:adec="http://schemas.microsoft.com/office/drawing/2017/decorative" xmlns="" val="1"/>
+                <adec:decorative xmlns="" xmlns:adec="http://schemas.microsoft.com/office/drawing/2017/decorative" val="1"/>
               </a:ext>
             </a:extLst>
           </p:cNvPr>
@@ -4918,7 +4847,7 @@
                 <a16:creationId xmlns:a16="http://schemas.microsoft.com/office/drawing/2014/main" id="{F789B473-DDE6-4450-A111-3761F341AAE3}"/>
               </a:ext>
               <a:ext uri="{C183D7F6-B498-43B3-948B-1728B52AA6E4}">
-                <adec:decorative xmlns:adec="http://schemas.microsoft.com/office/drawing/2017/decorative" xmlns="" val="1"/>
+                <adec:decorative xmlns="" xmlns:adec="http://schemas.microsoft.com/office/drawing/2017/decorative" val="1"/>
               </a:ext>
             </a:extLst>
           </p:cNvPr>
@@ -5428,7 +5357,7 @@
                 <a16:creationId xmlns:a16="http://schemas.microsoft.com/office/drawing/2014/main" id="{14F46384-B6E3-0D43-924E-874DEC2344B1}"/>
               </a:ext>
               <a:ext uri="{C183D7F6-B498-43B3-948B-1728B52AA6E4}">
-                <adec:decorative xmlns:adec="http://schemas.microsoft.com/office/drawing/2017/decorative" xmlns="" val="1"/>
+                <adec:decorative xmlns="" xmlns:adec="http://schemas.microsoft.com/office/drawing/2017/decorative" val="1"/>
               </a:ext>
             </a:extLst>
           </p:cNvPr>
@@ -5575,7 +5504,7 @@
                 <a16:creationId xmlns:a16="http://schemas.microsoft.com/office/drawing/2014/main" id="{33526770-8F35-FB4A-8638-521D0DA87F6C}"/>
               </a:ext>
               <a:ext uri="{C183D7F6-B498-43B3-948B-1728B52AA6E4}">
-                <adec:decorative xmlns:adec="http://schemas.microsoft.com/office/drawing/2017/decorative" xmlns="" val="1"/>
+                <adec:decorative xmlns="" xmlns:adec="http://schemas.microsoft.com/office/drawing/2017/decorative" val="1"/>
               </a:ext>
             </a:extLst>
           </p:cNvPr>
@@ -5722,7 +5651,7 @@
                 <a16:creationId xmlns:a16="http://schemas.microsoft.com/office/drawing/2014/main" id="{73C08A52-2522-8C40-B8B1-C98FEBB888F7}"/>
               </a:ext>
               <a:ext uri="{C183D7F6-B498-43B3-948B-1728B52AA6E4}">
-                <adec:decorative xmlns:adec="http://schemas.microsoft.com/office/drawing/2017/decorative" xmlns="" val="1"/>
+                <adec:decorative xmlns="" xmlns:adec="http://schemas.microsoft.com/office/drawing/2017/decorative" val="1"/>
               </a:ext>
             </a:extLst>
           </p:cNvPr>
@@ -5869,7 +5798,7 @@
                 <a16:creationId xmlns:a16="http://schemas.microsoft.com/office/drawing/2014/main" id="{9B57CCC6-06B1-7342-99B0-BC7C8FBE5E73}"/>
               </a:ext>
               <a:ext uri="{C183D7F6-B498-43B3-948B-1728B52AA6E4}">
-                <adec:decorative xmlns:adec="http://schemas.microsoft.com/office/drawing/2017/decorative" xmlns="" val="1"/>
+                <adec:decorative xmlns="" xmlns:adec="http://schemas.microsoft.com/office/drawing/2017/decorative" val="1"/>
               </a:ext>
             </a:extLst>
           </p:cNvPr>
@@ -6016,7 +5945,7 @@
                 <a16:creationId xmlns:a16="http://schemas.microsoft.com/office/drawing/2014/main" id="{23C87E7C-5ED2-214E-8A38-ED05177A65DC}"/>
               </a:ext>
               <a:ext uri="{C183D7F6-B498-43B3-948B-1728B52AA6E4}">
-                <adec:decorative xmlns:adec="http://schemas.microsoft.com/office/drawing/2017/decorative" xmlns="" val="1"/>
+                <adec:decorative xmlns="" xmlns:adec="http://schemas.microsoft.com/office/drawing/2017/decorative" val="1"/>
               </a:ext>
             </a:extLst>
           </p:cNvPr>
@@ -6785,7 +6714,7 @@
                 <a16:creationId xmlns:a16="http://schemas.microsoft.com/office/drawing/2014/main" id="{5CABBF0D-1BD1-F9E7-64FF-6B8D87E611B7}"/>
               </a:ext>
               <a:ext uri="{C183D7F6-B498-43B3-948B-1728B52AA6E4}">
-                <adec:decorative xmlns:adec="http://schemas.microsoft.com/office/drawing/2017/decorative" xmlns="" val="1"/>
+                <adec:decorative xmlns="" xmlns:adec="http://schemas.microsoft.com/office/drawing/2017/decorative" val="1"/>
               </a:ext>
             </a:extLst>
           </p:cNvPr>
@@ -7245,7 +7174,7 @@
                 <a16:creationId xmlns:a16="http://schemas.microsoft.com/office/drawing/2014/main" id="{B1C210DC-5DBB-4F0D-875F-CD8AAAB938CE}"/>
               </a:ext>
               <a:ext uri="{C183D7F6-B498-43B3-948B-1728B52AA6E4}">
-                <adec:decorative xmlns:adec="http://schemas.microsoft.com/office/drawing/2017/decorative" xmlns="" val="1"/>
+                <adec:decorative xmlns="" xmlns:adec="http://schemas.microsoft.com/office/drawing/2017/decorative" val="1"/>
               </a:ext>
             </a:extLst>
           </p:cNvPr>
@@ -7444,7 +7373,7 @@
                 <a16:creationId xmlns:a16="http://schemas.microsoft.com/office/drawing/2014/main" id="{6FECF9D0-D7A8-43DD-B38D-E1090C0B322F}"/>
               </a:ext>
               <a:ext uri="{C183D7F6-B498-43B3-948B-1728B52AA6E4}">
-                <adec:decorative xmlns:adec="http://schemas.microsoft.com/office/drawing/2017/decorative" xmlns="" val="1"/>
+                <adec:decorative xmlns="" xmlns:adec="http://schemas.microsoft.com/office/drawing/2017/decorative" val="1"/>
               </a:ext>
             </a:extLst>
           </p:cNvPr>
@@ -7657,7 +7586,7 @@
                 <a16:creationId xmlns:a16="http://schemas.microsoft.com/office/drawing/2014/main" id="{446F04B0-7860-407F-85B7-42E38FAFE34B}"/>
               </a:ext>
               <a:ext uri="{C183D7F6-B498-43B3-948B-1728B52AA6E4}">
-                <adec:decorative xmlns:adec="http://schemas.microsoft.com/office/drawing/2017/decorative" xmlns="" val="1"/>
+                <adec:decorative xmlns="" xmlns:adec="http://schemas.microsoft.com/office/drawing/2017/decorative" val="1"/>
               </a:ext>
             </a:extLst>
           </p:cNvPr>
@@ -8084,7 +8013,7 @@
                 <a16:creationId xmlns:a16="http://schemas.microsoft.com/office/drawing/2014/main" id="{085441A7-EBA5-4ABB-8D29-CE4338F0F9B5}"/>
               </a:ext>
               <a:ext uri="{C183D7F6-B498-43B3-948B-1728B52AA6E4}">
-                <adec:decorative xmlns:adec="http://schemas.microsoft.com/office/drawing/2017/decorative" xmlns="" val="1"/>
+                <adec:decorative xmlns="" xmlns:adec="http://schemas.microsoft.com/office/drawing/2017/decorative" val="1"/>
               </a:ext>
             </a:extLst>
           </p:cNvPr>
@@ -8301,7 +8230,7 @@
                 <a16:creationId xmlns:a16="http://schemas.microsoft.com/office/drawing/2014/main" id="{45D908EF-1F96-4808-A8DB-F55AB9E8E436}"/>
               </a:ext>
               <a:ext uri="{C183D7F6-B498-43B3-948B-1728B52AA6E4}">
-                <adec:decorative xmlns:adec="http://schemas.microsoft.com/office/drawing/2017/decorative" xmlns="" val="1"/>
+                <adec:decorative xmlns="" xmlns:adec="http://schemas.microsoft.com/office/drawing/2017/decorative" val="1"/>
               </a:ext>
             </a:extLst>
           </p:cNvPr>
@@ -8514,7 +8443,7 @@
                 <a16:creationId xmlns:a16="http://schemas.microsoft.com/office/drawing/2014/main" id="{5670C03F-6336-45E3-A9F4-0CD130D80D1B}"/>
               </a:ext>
               <a:ext uri="{C183D7F6-B498-43B3-948B-1728B52AA6E4}">
-                <adec:decorative xmlns:adec="http://schemas.microsoft.com/office/drawing/2017/decorative" xmlns="" val="1"/>
+                <adec:decorative xmlns="" xmlns:adec="http://schemas.microsoft.com/office/drawing/2017/decorative" val="1"/>
               </a:ext>
             </a:extLst>
           </p:cNvPr>
@@ -8727,7 +8656,7 @@
                 <a16:creationId xmlns:a16="http://schemas.microsoft.com/office/drawing/2014/main" id="{3019BB56-AE7C-42CA-A8FF-432F4F176B8B}"/>
               </a:ext>
               <a:ext uri="{C183D7F6-B498-43B3-948B-1728B52AA6E4}">
-                <adec:decorative xmlns:adec="http://schemas.microsoft.com/office/drawing/2017/decorative" xmlns="" val="1"/>
+                <adec:decorative xmlns="" xmlns:adec="http://schemas.microsoft.com/office/drawing/2017/decorative" val="1"/>
               </a:ext>
             </a:extLst>
           </p:cNvPr>
@@ -9154,7 +9083,7 @@
                 <a16:creationId xmlns:a16="http://schemas.microsoft.com/office/drawing/2014/main" id="{A1FDF9D3-5B68-4A75-97BF-2C5113CFAA66}"/>
               </a:ext>
               <a:ext uri="{C183D7F6-B498-43B3-948B-1728B52AA6E4}">
-                <adec:decorative xmlns:adec="http://schemas.microsoft.com/office/drawing/2017/decorative" xmlns="" val="1"/>
+                <adec:decorative xmlns="" xmlns:adec="http://schemas.microsoft.com/office/drawing/2017/decorative" val="1"/>
               </a:ext>
             </a:extLst>
           </p:cNvPr>
@@ -9353,7 +9282,7 @@
                 <a16:creationId xmlns:a16="http://schemas.microsoft.com/office/drawing/2014/main" id="{C551C90A-573F-4E4A-9359-5C7B0F546BF9}"/>
               </a:ext>
               <a:ext uri="{C183D7F6-B498-43B3-948B-1728B52AA6E4}">
-                <adec:decorative xmlns:adec="http://schemas.microsoft.com/office/drawing/2017/decorative" xmlns="" val="1"/>
+                <adec:decorative xmlns="" xmlns:adec="http://schemas.microsoft.com/office/drawing/2017/decorative" val="1"/>
               </a:ext>
             </a:extLst>
           </p:cNvPr>
@@ -9555,7 +9484,7 @@
                 <a16:creationId xmlns:a16="http://schemas.microsoft.com/office/drawing/2014/main" id="{AF79E162-3D8F-4829-A4AD-02A03597B11A}"/>
               </a:ext>
               <a:ext uri="{C183D7F6-B498-43B3-948B-1728B52AA6E4}">
-                <adec:decorative xmlns:adec="http://schemas.microsoft.com/office/drawing/2017/decorative" xmlns="" val="1"/>
+                <adec:decorative xmlns="" xmlns:adec="http://schemas.microsoft.com/office/drawing/2017/decorative" val="1"/>
               </a:ext>
             </a:extLst>
           </p:cNvPr>
@@ -9768,7 +9697,7 @@
                 <a16:creationId xmlns:a16="http://schemas.microsoft.com/office/drawing/2014/main" id="{026B9B36-08E7-4664-970C-13123F24C793}"/>
               </a:ext>
               <a:ext uri="{C183D7F6-B498-43B3-948B-1728B52AA6E4}">
-                <adec:decorative xmlns:adec="http://schemas.microsoft.com/office/drawing/2017/decorative" xmlns="" val="1"/>
+                <adec:decorative xmlns="" xmlns:adec="http://schemas.microsoft.com/office/drawing/2017/decorative" val="1"/>
               </a:ext>
             </a:extLst>
           </p:cNvPr>
@@ -9985,7 +9914,7 @@
                 <a16:creationId xmlns:a16="http://schemas.microsoft.com/office/drawing/2014/main" id="{7EAB1992-E472-4489-8A4E-A8FE45DE10CF}"/>
               </a:ext>
               <a:ext uri="{C183D7F6-B498-43B3-948B-1728B52AA6E4}">
-                <adec:decorative xmlns:adec="http://schemas.microsoft.com/office/drawing/2017/decorative" xmlns="" val="1"/>
+                <adec:decorative xmlns="" xmlns:adec="http://schemas.microsoft.com/office/drawing/2017/decorative" val="1"/>
               </a:ext>
             </a:extLst>
           </p:cNvPr>
@@ -10559,7 +10488,7 @@
           <a:blip r:embed="rId3">
             <a:extLst>
               <a:ext uri="{96DAC541-7B7A-43D3-8B79-37D633B846F1}">
-                <asvg:svgBlip xmlns:asvg="http://schemas.microsoft.com/office/drawing/2016/SVG/main" xmlns="" r:embed="rId4"/>
+                <asvg:svgBlip xmlns="" xmlns:asvg="http://schemas.microsoft.com/office/drawing/2016/SVG/main" r:embed="rId4"/>
               </a:ext>
             </a:extLst>
           </a:blip>
@@ -10744,7 +10673,7 @@
           <a:blip r:embed="rId3">
             <a:extLst>
               <a:ext uri="{96DAC541-7B7A-43D3-8B79-37D633B846F1}">
-                <asvg:svgBlip xmlns:asvg="http://schemas.microsoft.com/office/drawing/2016/SVG/main" xmlns="" r:embed="rId4"/>
+                <asvg:svgBlip xmlns="" xmlns:asvg="http://schemas.microsoft.com/office/drawing/2016/SVG/main" r:embed="rId4"/>
               </a:ext>
             </a:extLst>
           </a:blip>
@@ -11006,7 +10935,7 @@
           <a:blip r:embed="rId2">
             <a:extLst>
               <a:ext uri="{96DAC541-7B7A-43D3-8B79-37D633B846F1}">
-                <asvg:svgBlip xmlns:asvg="http://schemas.microsoft.com/office/drawing/2016/SVG/main" xmlns="" r:embed="rId3"/>
+                <asvg:svgBlip xmlns="" xmlns:asvg="http://schemas.microsoft.com/office/drawing/2016/SVG/main" r:embed="rId3"/>
               </a:ext>
             </a:extLst>
           </a:blip>
@@ -11259,7 +11188,7 @@
                 <a16:creationId xmlns:a16="http://schemas.microsoft.com/office/drawing/2014/main" id="{B59E37DB-3217-4772-AE8E-E9673A139975}"/>
               </a:ext>
               <a:ext uri="{C183D7F6-B498-43B3-948B-1728B52AA6E4}">
-                <adec:decorative xmlns:adec="http://schemas.microsoft.com/office/drawing/2017/decorative" xmlns="" val="1"/>
+                <adec:decorative xmlns="" xmlns:adec="http://schemas.microsoft.com/office/drawing/2017/decorative" val="1"/>
               </a:ext>
             </a:extLst>
           </p:cNvPr>
@@ -11308,7 +11237,7 @@
                 <a16:creationId xmlns:a16="http://schemas.microsoft.com/office/drawing/2014/main" id="{F0DFE264-D676-EA48-BBA7-F4F0331FA268}"/>
               </a:ext>
               <a:ext uri="{C183D7F6-B498-43B3-948B-1728B52AA6E4}">
-                <adec:decorative xmlns:adec="http://schemas.microsoft.com/office/drawing/2017/decorative" xmlns="" val="1"/>
+                <adec:decorative xmlns="" xmlns:adec="http://schemas.microsoft.com/office/drawing/2017/decorative" val="1"/>
               </a:ext>
             </a:extLst>
           </p:cNvPr>
@@ -11411,7 +11340,7 @@
                 <a16:creationId xmlns:a16="http://schemas.microsoft.com/office/drawing/2014/main" id="{A0BB7D6E-2488-A644-A910-415B17221FBC}"/>
               </a:ext>
               <a:ext uri="{C183D7F6-B498-43B3-948B-1728B52AA6E4}">
-                <adec:decorative xmlns:adec="http://schemas.microsoft.com/office/drawing/2017/decorative" xmlns="" val="1"/>
+                <adec:decorative xmlns="" xmlns:adec="http://schemas.microsoft.com/office/drawing/2017/decorative" val="1"/>
               </a:ext>
             </a:extLst>
           </p:cNvPr>
@@ -16360,7 +16289,7 @@
           <a:blip r:embed="rId2">
             <a:extLst>
               <a:ext uri="{96DAC541-7B7A-43D3-8B79-37D633B846F1}">
-                <asvg:svgBlip xmlns:asvg="http://schemas.microsoft.com/office/drawing/2016/SVG/main" xmlns="" r:embed="rId3"/>
+                <asvg:svgBlip xmlns="" xmlns:asvg="http://schemas.microsoft.com/office/drawing/2016/SVG/main" r:embed="rId3"/>
               </a:ext>
             </a:extLst>
           </a:blip>
@@ -18919,7 +18848,7 @@
           <a:blip r:embed="rId28">
             <a:extLst>
               <a:ext uri="{96DAC541-7B7A-43D3-8B79-37D633B846F1}">
-                <asvg:svgBlip xmlns:asvg="http://schemas.microsoft.com/office/drawing/2016/SVG/main" xmlns="" r:embed="rId29"/>
+                <asvg:svgBlip xmlns="" xmlns:asvg="http://schemas.microsoft.com/office/drawing/2016/SVG/main" r:embed="rId29"/>
               </a:ext>
             </a:extLst>
           </a:blip>
@@ -20388,6 +20317,875 @@
           <p:cNvPr id="2" name="Title 1">
             <a:extLst>
               <a:ext uri="{FF2B5EF4-FFF2-40B4-BE49-F238E27FC236}">
+                <a16:creationId xmlns:a16="http://schemas.microsoft.com/office/drawing/2014/main" id="{0D9FDAE6-550E-E975-BD01-08906590C472}"/>
+              </a:ext>
+            </a:extLst>
+          </p:cNvPr>
+          <p:cNvSpPr>
+            <a:spLocks noGrp="1"/>
+          </p:cNvSpPr>
+          <p:nvPr>
+            <p:ph type="title"/>
+          </p:nvPr>
+        </p:nvSpPr>
+        <p:spPr/>
+        <p:txBody>
+          <a:bodyPr/>
+          <a:lstStyle/>
+          <a:p>
+            <a:r>
+              <a:rPr lang="en-US" dirty="0" smtClean="0"/>
+              <a:t>PowerShell vs. C# vs. </a:t>
+            </a:r>
+            <a:r>
+              <a:rPr lang="en-US" dirty="0" err="1" smtClean="0"/>
+              <a:t>.Net</a:t>
+            </a:r>
+            <a:endParaRPr lang="en-US" dirty="0"/>
+          </a:p>
+        </p:txBody>
+      </p:sp>
+      <p:sp>
+        <p:nvSpPr>
+          <p:cNvPr id="5" name="Content Placeholder 4">
+            <a:extLst>
+              <a:ext uri="{FF2B5EF4-FFF2-40B4-BE49-F238E27FC236}">
+                <a16:creationId xmlns:a16="http://schemas.microsoft.com/office/drawing/2014/main" id="{8FBEB278-6650-3A11-7DCD-A90016572E5A}"/>
+              </a:ext>
+            </a:extLst>
+          </p:cNvPr>
+          <p:cNvSpPr>
+            <a:spLocks noGrp="1"/>
+          </p:cNvSpPr>
+          <p:nvPr>
+            <p:ph sz="quarter" idx="14"/>
+          </p:nvPr>
+        </p:nvSpPr>
+        <p:spPr/>
+        <p:txBody>
+          <a:bodyPr/>
+          <a:lstStyle/>
+          <a:p>
+            <a:pPr marL="342900" indent="-342900"/>
+            <a:r>
+              <a:rPr lang="en-US" dirty="0" smtClean="0"/>
+              <a:t>PowerShell vs. C# (See Sharp) vs. </a:t>
+            </a:r>
+            <a:r>
+              <a:rPr lang="en-US" dirty="0" err="1" smtClean="0"/>
+              <a:t>.net</a:t>
+            </a:r>
+            <a:r>
+              <a:rPr lang="en-US" dirty="0" smtClean="0"/>
+              <a:t> (Dot Net)</a:t>
+            </a:r>
+          </a:p>
+          <a:p>
+            <a:pPr marL="342900" indent="-342900"/>
+            <a:endParaRPr lang="en-US" dirty="0" smtClean="0"/>
+          </a:p>
+          <a:p>
+            <a:pPr marL="342900" indent="-342900"/>
+            <a:endParaRPr lang="en-US" dirty="0"/>
+          </a:p>
+        </p:txBody>
+      </p:sp>
+    </p:spTree>
+    <p:extLst>
+      <p:ext uri="{BB962C8B-B14F-4D97-AF65-F5344CB8AC3E}">
+        <p14:creationId xmlns:p14="http://schemas.microsoft.com/office/powerpoint/2010/main" val="3865169922"/>
+      </p:ext>
+    </p:extLst>
+  </p:cSld>
+  <p:clrMapOvr>
+    <a:masterClrMapping/>
+  </p:clrMapOvr>
+  <mc:AlternateContent xmlns:mc="http://schemas.openxmlformats.org/markup-compatibility/2006" xmlns:p14="http://schemas.microsoft.com/office/powerpoint/2010/main">
+    <mc:Choice Requires="p14">
+      <p:transition spd="med" p14:dur="700">
+        <p:fade/>
+      </p:transition>
+    </mc:Choice>
+    <mc:Fallback xmlns="">
+      <p:transition spd="med">
+        <p:fade/>
+      </p:transition>
+    </mc:Fallback>
+  </mc:AlternateContent>
+</p:sld>
+</file>
+
+<file path=ppt/slides/slide11.xml><?xml version="1.0" encoding="utf-8"?>
+<p:sld xmlns:a="http://schemas.openxmlformats.org/drawingml/2006/main" xmlns:r="http://schemas.openxmlformats.org/officeDocument/2006/relationships" xmlns:p="http://schemas.openxmlformats.org/presentationml/2006/main">
+  <p:cSld>
+    <p:spTree>
+      <p:nvGrpSpPr>
+        <p:cNvPr id="1" name=""/>
+        <p:cNvGrpSpPr/>
+        <p:nvPr/>
+      </p:nvGrpSpPr>
+      <p:grpSpPr>
+        <a:xfrm>
+          <a:off x="0" y="0"/>
+          <a:ext cx="0" cy="0"/>
+          <a:chOff x="0" y="0"/>
+          <a:chExt cx="0" cy="0"/>
+        </a:xfrm>
+      </p:grpSpPr>
+      <p:sp>
+        <p:nvSpPr>
+          <p:cNvPr id="2" name="Title 1">
+            <a:extLst>
+              <a:ext uri="{FF2B5EF4-FFF2-40B4-BE49-F238E27FC236}">
+                <a16:creationId xmlns:a16="http://schemas.microsoft.com/office/drawing/2014/main" id="{0D9FDAE6-550E-E975-BD01-08906590C472}"/>
+              </a:ext>
+            </a:extLst>
+          </p:cNvPr>
+          <p:cNvSpPr>
+            <a:spLocks noGrp="1"/>
+          </p:cNvSpPr>
+          <p:nvPr>
+            <p:ph type="title"/>
+          </p:nvPr>
+        </p:nvSpPr>
+        <p:spPr/>
+        <p:txBody>
+          <a:bodyPr/>
+          <a:lstStyle/>
+          <a:p>
+            <a:r>
+              <a:rPr lang="en-US" dirty="0" smtClean="0"/>
+              <a:t>Converting Developer Center Output to useable PowerShell/</a:t>
+            </a:r>
+            <a:r>
+              <a:rPr lang="en-US" dirty="0" err="1" smtClean="0"/>
+              <a:t>PowerCLI</a:t>
+            </a:r>
+            <a:endParaRPr lang="en-US" dirty="0"/>
+          </a:p>
+        </p:txBody>
+      </p:sp>
+      <p:sp>
+        <p:nvSpPr>
+          <p:cNvPr id="5" name="Content Placeholder 4">
+            <a:extLst>
+              <a:ext uri="{FF2B5EF4-FFF2-40B4-BE49-F238E27FC236}">
+                <a16:creationId xmlns:a16="http://schemas.microsoft.com/office/drawing/2014/main" id="{8FBEB278-6650-3A11-7DCD-A90016572E5A}"/>
+              </a:ext>
+            </a:extLst>
+          </p:cNvPr>
+          <p:cNvSpPr>
+            <a:spLocks noGrp="1"/>
+          </p:cNvSpPr>
+          <p:nvPr>
+            <p:ph sz="quarter" idx="14"/>
+          </p:nvPr>
+        </p:nvSpPr>
+        <p:spPr/>
+        <p:txBody>
+          <a:bodyPr/>
+          <a:lstStyle/>
+          <a:p>
+            <a:pPr marL="342900" indent="-342900"/>
+            <a:endParaRPr lang="en-US" dirty="0" smtClean="0"/>
+          </a:p>
+          <a:p>
+            <a:pPr marL="342900" indent="-342900"/>
+            <a:endParaRPr lang="en-US" dirty="0"/>
+          </a:p>
+        </p:txBody>
+      </p:sp>
+    </p:spTree>
+    <p:extLst>
+      <p:ext uri="{BB962C8B-B14F-4D97-AF65-F5344CB8AC3E}">
+        <p14:creationId xmlns:p14="http://schemas.microsoft.com/office/powerpoint/2010/main" val="4093665524"/>
+      </p:ext>
+    </p:extLst>
+  </p:cSld>
+  <p:clrMapOvr>
+    <a:masterClrMapping/>
+  </p:clrMapOvr>
+  <mc:AlternateContent xmlns:mc="http://schemas.openxmlformats.org/markup-compatibility/2006" xmlns:p14="http://schemas.microsoft.com/office/powerpoint/2010/main">
+    <mc:Choice Requires="p14">
+      <p:transition spd="med" p14:dur="700">
+        <p:fade/>
+      </p:transition>
+    </mc:Choice>
+    <mc:Fallback xmlns="">
+      <p:transition spd="med">
+        <p:fade/>
+      </p:transition>
+    </mc:Fallback>
+  </mc:AlternateContent>
+</p:sld>
+</file>
+
+<file path=ppt/slides/slide12.xml><?xml version="1.0" encoding="utf-8"?>
+<p:sld xmlns:a="http://schemas.openxmlformats.org/drawingml/2006/main" xmlns:r="http://schemas.openxmlformats.org/officeDocument/2006/relationships" xmlns:p="http://schemas.openxmlformats.org/presentationml/2006/main">
+  <p:cSld>
+    <p:spTree>
+      <p:nvGrpSpPr>
+        <p:cNvPr id="1" name=""/>
+        <p:cNvGrpSpPr/>
+        <p:nvPr/>
+      </p:nvGrpSpPr>
+      <p:grpSpPr>
+        <a:xfrm>
+          <a:off x="0" y="0"/>
+          <a:ext cx="0" cy="0"/>
+          <a:chOff x="0" y="0"/>
+          <a:chExt cx="0" cy="0"/>
+        </a:xfrm>
+      </p:grpSpPr>
+      <p:sp>
+        <p:nvSpPr>
+          <p:cNvPr id="2" name="Title 1">
+            <a:extLst>
+              <a:ext uri="{FF2B5EF4-FFF2-40B4-BE49-F238E27FC236}">
+                <a16:creationId xmlns:a16="http://schemas.microsoft.com/office/drawing/2014/main" id="{0D9FDAE6-550E-E975-BD01-08906590C472}"/>
+              </a:ext>
+            </a:extLst>
+          </p:cNvPr>
+          <p:cNvSpPr>
+            <a:spLocks noGrp="1"/>
+          </p:cNvSpPr>
+          <p:nvPr>
+            <p:ph type="title"/>
+          </p:nvPr>
+        </p:nvSpPr>
+        <p:spPr/>
+        <p:txBody>
+          <a:bodyPr/>
+          <a:lstStyle/>
+          <a:p>
+            <a:r>
+              <a:rPr lang="en-US" dirty="0" smtClean="0"/>
+              <a:t>Get-Help</a:t>
+            </a:r>
+            <a:endParaRPr lang="en-US" dirty="0"/>
+          </a:p>
+        </p:txBody>
+      </p:sp>
+      <p:sp>
+        <p:nvSpPr>
+          <p:cNvPr id="5" name="Content Placeholder 4">
+            <a:extLst>
+              <a:ext uri="{FF2B5EF4-FFF2-40B4-BE49-F238E27FC236}">
+                <a16:creationId xmlns:a16="http://schemas.microsoft.com/office/drawing/2014/main" id="{8FBEB278-6650-3A11-7DCD-A90016572E5A}"/>
+              </a:ext>
+            </a:extLst>
+          </p:cNvPr>
+          <p:cNvSpPr>
+            <a:spLocks noGrp="1"/>
+          </p:cNvSpPr>
+          <p:nvPr>
+            <p:ph sz="quarter" idx="14"/>
+          </p:nvPr>
+        </p:nvSpPr>
+        <p:spPr/>
+        <p:txBody>
+          <a:bodyPr/>
+          <a:lstStyle/>
+          <a:p>
+            <a:pPr marL="342900" indent="-342900"/>
+            <a:r>
+              <a:rPr lang="en-US" dirty="0" smtClean="0"/>
+              <a:t>Get-Help</a:t>
+            </a:r>
+          </a:p>
+          <a:p>
+            <a:pPr marL="342900" indent="-342900"/>
+            <a:endParaRPr lang="en-US" dirty="0" smtClean="0"/>
+          </a:p>
+          <a:p>
+            <a:pPr marL="342900" indent="-342900"/>
+            <a:endParaRPr lang="en-US" dirty="0"/>
+          </a:p>
+        </p:txBody>
+      </p:sp>
+    </p:spTree>
+    <p:extLst>
+      <p:ext uri="{BB962C8B-B14F-4D97-AF65-F5344CB8AC3E}">
+        <p14:creationId xmlns:p14="http://schemas.microsoft.com/office/powerpoint/2010/main" val="3955589728"/>
+      </p:ext>
+    </p:extLst>
+  </p:cSld>
+  <p:clrMapOvr>
+    <a:masterClrMapping/>
+  </p:clrMapOvr>
+  <mc:AlternateContent xmlns:mc="http://schemas.openxmlformats.org/markup-compatibility/2006" xmlns:p14="http://schemas.microsoft.com/office/powerpoint/2010/main">
+    <mc:Choice Requires="p14">
+      <p:transition spd="med" p14:dur="700">
+        <p:fade/>
+      </p:transition>
+    </mc:Choice>
+    <mc:Fallback xmlns="">
+      <p:transition spd="med">
+        <p:fade/>
+      </p:transition>
+    </mc:Fallback>
+  </mc:AlternateContent>
+</p:sld>
+</file>
+
+<file path=ppt/slides/slide13.xml><?xml version="1.0" encoding="utf-8"?>
+<p:sld xmlns:a="http://schemas.openxmlformats.org/drawingml/2006/main" xmlns:r="http://schemas.openxmlformats.org/officeDocument/2006/relationships" xmlns:p="http://schemas.openxmlformats.org/presentationml/2006/main">
+  <p:cSld>
+    <p:spTree>
+      <p:nvGrpSpPr>
+        <p:cNvPr id="1" name=""/>
+        <p:cNvGrpSpPr/>
+        <p:nvPr/>
+      </p:nvGrpSpPr>
+      <p:grpSpPr>
+        <a:xfrm>
+          <a:off x="0" y="0"/>
+          <a:ext cx="0" cy="0"/>
+          <a:chOff x="0" y="0"/>
+          <a:chExt cx="0" cy="0"/>
+        </a:xfrm>
+      </p:grpSpPr>
+      <p:sp>
+        <p:nvSpPr>
+          <p:cNvPr id="2" name="Title 1">
+            <a:extLst>
+              <a:ext uri="{FF2B5EF4-FFF2-40B4-BE49-F238E27FC236}">
+                <a16:creationId xmlns:a16="http://schemas.microsoft.com/office/drawing/2014/main" id="{0D9FDAE6-550E-E975-BD01-08906590C472}"/>
+              </a:ext>
+            </a:extLst>
+          </p:cNvPr>
+          <p:cNvSpPr>
+            <a:spLocks noGrp="1"/>
+          </p:cNvSpPr>
+          <p:nvPr>
+            <p:ph type="title"/>
+          </p:nvPr>
+        </p:nvSpPr>
+        <p:spPr/>
+        <p:txBody>
+          <a:bodyPr/>
+          <a:lstStyle/>
+          <a:p>
+            <a:r>
+              <a:rPr lang="en-US" dirty="0" smtClean="0"/>
+              <a:t>Related Links</a:t>
+            </a:r>
+            <a:endParaRPr lang="en-US" dirty="0"/>
+          </a:p>
+        </p:txBody>
+      </p:sp>
+      <p:sp>
+        <p:nvSpPr>
+          <p:cNvPr id="5" name="Content Placeholder 4">
+            <a:extLst>
+              <a:ext uri="{FF2B5EF4-FFF2-40B4-BE49-F238E27FC236}">
+                <a16:creationId xmlns:a16="http://schemas.microsoft.com/office/drawing/2014/main" id="{8FBEB278-6650-3A11-7DCD-A90016572E5A}"/>
+              </a:ext>
+            </a:extLst>
+          </p:cNvPr>
+          <p:cNvSpPr>
+            <a:spLocks noGrp="1"/>
+          </p:cNvSpPr>
+          <p:nvPr>
+            <p:ph sz="quarter" idx="14"/>
+          </p:nvPr>
+        </p:nvSpPr>
+        <p:spPr/>
+        <p:txBody>
+          <a:bodyPr/>
+          <a:lstStyle/>
+          <a:p>
+            <a:pPr marL="342900" indent="-342900"/>
+            <a:r>
+              <a:rPr lang="en-US" dirty="0" smtClean="0"/>
+              <a:t>Related Links</a:t>
+            </a:r>
+          </a:p>
+          <a:p>
+            <a:pPr marL="342900" indent="-342900"/>
+            <a:endParaRPr lang="en-US" dirty="0" smtClean="0"/>
+          </a:p>
+          <a:p>
+            <a:pPr marL="342900" indent="-342900"/>
+            <a:endParaRPr lang="en-US" dirty="0"/>
+          </a:p>
+        </p:txBody>
+      </p:sp>
+    </p:spTree>
+    <p:extLst>
+      <p:ext uri="{BB962C8B-B14F-4D97-AF65-F5344CB8AC3E}">
+        <p14:creationId xmlns:p14="http://schemas.microsoft.com/office/powerpoint/2010/main" val="2713429391"/>
+      </p:ext>
+    </p:extLst>
+  </p:cSld>
+  <p:clrMapOvr>
+    <a:masterClrMapping/>
+  </p:clrMapOvr>
+  <mc:AlternateContent xmlns:mc="http://schemas.openxmlformats.org/markup-compatibility/2006" xmlns:p14="http://schemas.microsoft.com/office/powerpoint/2010/main">
+    <mc:Choice Requires="p14">
+      <p:transition spd="med" p14:dur="700">
+        <p:fade/>
+      </p:transition>
+    </mc:Choice>
+    <mc:Fallback xmlns="">
+      <p:transition spd="med">
+        <p:fade/>
+      </p:transition>
+    </mc:Fallback>
+  </mc:AlternateContent>
+</p:sld>
+</file>
+
+<file path=ppt/slides/slide14.xml><?xml version="1.0" encoding="utf-8"?>
+<p:sld xmlns:a="http://schemas.openxmlformats.org/drawingml/2006/main" xmlns:r="http://schemas.openxmlformats.org/officeDocument/2006/relationships" xmlns:p="http://schemas.openxmlformats.org/presentationml/2006/main">
+  <p:cSld>
+    <p:spTree>
+      <p:nvGrpSpPr>
+        <p:cNvPr id="1" name=""/>
+        <p:cNvGrpSpPr/>
+        <p:nvPr/>
+      </p:nvGrpSpPr>
+      <p:grpSpPr>
+        <a:xfrm>
+          <a:off x="0" y="0"/>
+          <a:ext cx="0" cy="0"/>
+          <a:chOff x="0" y="0"/>
+          <a:chExt cx="0" cy="0"/>
+        </a:xfrm>
+      </p:grpSpPr>
+      <p:sp>
+        <p:nvSpPr>
+          <p:cNvPr id="2" name="Title 1">
+            <a:extLst>
+              <a:ext uri="{FF2B5EF4-FFF2-40B4-BE49-F238E27FC236}">
+                <a16:creationId xmlns:a16="http://schemas.microsoft.com/office/drawing/2014/main" id="{0D9FDAE6-550E-E975-BD01-08906590C472}"/>
+              </a:ext>
+            </a:extLst>
+          </p:cNvPr>
+          <p:cNvSpPr>
+            <a:spLocks noGrp="1"/>
+          </p:cNvSpPr>
+          <p:nvPr>
+            <p:ph type="title"/>
+          </p:nvPr>
+        </p:nvSpPr>
+        <p:spPr/>
+        <p:txBody>
+          <a:bodyPr/>
+          <a:lstStyle/>
+          <a:p>
+            <a:r>
+              <a:rPr lang="en-US" dirty="0" smtClean="0"/>
+              <a:t>Get-Member</a:t>
+            </a:r>
+            <a:endParaRPr lang="en-US" dirty="0"/>
+          </a:p>
+        </p:txBody>
+      </p:sp>
+      <p:sp>
+        <p:nvSpPr>
+          <p:cNvPr id="5" name="Content Placeholder 4">
+            <a:extLst>
+              <a:ext uri="{FF2B5EF4-FFF2-40B4-BE49-F238E27FC236}">
+                <a16:creationId xmlns:a16="http://schemas.microsoft.com/office/drawing/2014/main" id="{8FBEB278-6650-3A11-7DCD-A90016572E5A}"/>
+              </a:ext>
+            </a:extLst>
+          </p:cNvPr>
+          <p:cNvSpPr>
+            <a:spLocks noGrp="1"/>
+          </p:cNvSpPr>
+          <p:nvPr>
+            <p:ph sz="quarter" idx="14"/>
+          </p:nvPr>
+        </p:nvSpPr>
+        <p:spPr/>
+        <p:txBody>
+          <a:bodyPr/>
+          <a:lstStyle/>
+          <a:p>
+            <a:pPr marL="342900" indent="-342900"/>
+            <a:r>
+              <a:rPr lang="en-US" dirty="0" smtClean="0"/>
+              <a:t>Get-Member –</a:t>
+            </a:r>
+            <a:r>
+              <a:rPr lang="en-US" dirty="0" err="1" smtClean="0"/>
+              <a:t>InputObject</a:t>
+            </a:r>
+            <a:r>
+              <a:rPr lang="en-US" dirty="0" smtClean="0"/>
+              <a:t> $</a:t>
+            </a:r>
+            <a:r>
+              <a:rPr lang="en-US" dirty="0" err="1" smtClean="0"/>
+              <a:t>myobject</a:t>
+            </a:r>
+            <a:endParaRPr lang="en-US" dirty="0" smtClean="0"/>
+          </a:p>
+          <a:p>
+            <a:pPr marL="342900" indent="-342900"/>
+            <a:endParaRPr lang="en-US" dirty="0" smtClean="0"/>
+          </a:p>
+          <a:p>
+            <a:pPr marL="342900" indent="-342900"/>
+            <a:endParaRPr lang="en-US" dirty="0"/>
+          </a:p>
+        </p:txBody>
+      </p:sp>
+    </p:spTree>
+    <p:extLst>
+      <p:ext uri="{BB962C8B-B14F-4D97-AF65-F5344CB8AC3E}">
+        <p14:creationId xmlns:p14="http://schemas.microsoft.com/office/powerpoint/2010/main" val="3185604838"/>
+      </p:ext>
+    </p:extLst>
+  </p:cSld>
+  <p:clrMapOvr>
+    <a:masterClrMapping/>
+  </p:clrMapOvr>
+  <mc:AlternateContent xmlns:mc="http://schemas.openxmlformats.org/markup-compatibility/2006" xmlns:p14="http://schemas.microsoft.com/office/powerpoint/2010/main">
+    <mc:Choice Requires="p14">
+      <p:transition spd="med" p14:dur="700">
+        <p:fade/>
+      </p:transition>
+    </mc:Choice>
+    <mc:Fallback xmlns="">
+      <p:transition spd="med">
+        <p:fade/>
+      </p:transition>
+    </mc:Fallback>
+  </mc:AlternateContent>
+</p:sld>
+</file>
+
+<file path=ppt/slides/slide15.xml><?xml version="1.0" encoding="utf-8"?>
+<p:sld xmlns:a="http://schemas.openxmlformats.org/drawingml/2006/main" xmlns:r="http://schemas.openxmlformats.org/officeDocument/2006/relationships" xmlns:p="http://schemas.openxmlformats.org/presentationml/2006/main">
+  <p:cSld>
+    <p:spTree>
+      <p:nvGrpSpPr>
+        <p:cNvPr id="1" name=""/>
+        <p:cNvGrpSpPr/>
+        <p:nvPr/>
+      </p:nvGrpSpPr>
+      <p:grpSpPr>
+        <a:xfrm>
+          <a:off x="0" y="0"/>
+          <a:ext cx="0" cy="0"/>
+          <a:chOff x="0" y="0"/>
+          <a:chExt cx="0" cy="0"/>
+        </a:xfrm>
+      </p:grpSpPr>
+      <p:sp>
+        <p:nvSpPr>
+          <p:cNvPr id="2" name="Title 1">
+            <a:extLst>
+              <a:ext uri="{FF2B5EF4-FFF2-40B4-BE49-F238E27FC236}">
+                <a16:creationId xmlns:a16="http://schemas.microsoft.com/office/drawing/2014/main" id="{0D9FDAE6-550E-E975-BD01-08906590C472}"/>
+              </a:ext>
+            </a:extLst>
+          </p:cNvPr>
+          <p:cNvSpPr>
+            <a:spLocks noGrp="1"/>
+          </p:cNvSpPr>
+          <p:nvPr>
+            <p:ph type="title"/>
+          </p:nvPr>
+        </p:nvSpPr>
+        <p:spPr/>
+        <p:txBody>
+          <a:bodyPr/>
+          <a:lstStyle/>
+          <a:p>
+            <a:r>
+              <a:rPr lang="en-US" dirty="0" smtClean="0"/>
+              <a:t>Resources</a:t>
+            </a:r>
+            <a:endParaRPr lang="en-US" dirty="0"/>
+          </a:p>
+        </p:txBody>
+      </p:sp>
+      <p:sp>
+        <p:nvSpPr>
+          <p:cNvPr id="5" name="Content Placeholder 4">
+            <a:extLst>
+              <a:ext uri="{FF2B5EF4-FFF2-40B4-BE49-F238E27FC236}">
+                <a16:creationId xmlns:a16="http://schemas.microsoft.com/office/drawing/2014/main" id="{8FBEB278-6650-3A11-7DCD-A90016572E5A}"/>
+              </a:ext>
+            </a:extLst>
+          </p:cNvPr>
+          <p:cNvSpPr>
+            <a:spLocks noGrp="1"/>
+          </p:cNvSpPr>
+          <p:nvPr>
+            <p:ph sz="quarter" idx="14"/>
+          </p:nvPr>
+        </p:nvSpPr>
+        <p:spPr/>
+        <p:txBody>
+          <a:bodyPr/>
+          <a:lstStyle/>
+          <a:p>
+            <a:pPr marL="342900" indent="-342900"/>
+            <a:r>
+              <a:rPr lang="en-US" dirty="0"/>
+              <a:t>https://developer.broadcom.com/</a:t>
+            </a:r>
+            <a:endParaRPr lang="en-US" dirty="0" smtClean="0"/>
+          </a:p>
+          <a:p>
+            <a:pPr marL="342900" indent="-342900"/>
+            <a:r>
+              <a:rPr lang="en-US" dirty="0"/>
+              <a:t>https://community.broadcom.com/home</a:t>
+            </a:r>
+            <a:endParaRPr lang="en-US" dirty="0" smtClean="0"/>
+          </a:p>
+          <a:p>
+            <a:pPr marL="342900" indent="-342900"/>
+            <a:endParaRPr lang="en-US" dirty="0"/>
+          </a:p>
+        </p:txBody>
+      </p:sp>
+    </p:spTree>
+    <p:extLst>
+      <p:ext uri="{BB962C8B-B14F-4D97-AF65-F5344CB8AC3E}">
+        <p14:creationId xmlns:p14="http://schemas.microsoft.com/office/powerpoint/2010/main" val="471172170"/>
+      </p:ext>
+    </p:extLst>
+  </p:cSld>
+  <p:clrMapOvr>
+    <a:masterClrMapping/>
+  </p:clrMapOvr>
+  <mc:AlternateContent xmlns:mc="http://schemas.openxmlformats.org/markup-compatibility/2006" xmlns:p14="http://schemas.microsoft.com/office/powerpoint/2010/main">
+    <mc:Choice Requires="p14">
+      <p:transition spd="med" p14:dur="700">
+        <p:fade/>
+      </p:transition>
+    </mc:Choice>
+    <mc:Fallback xmlns="">
+      <p:transition spd="med">
+        <p:fade/>
+      </p:transition>
+    </mc:Fallback>
+  </mc:AlternateContent>
+</p:sld>
+</file>
+
+<file path=ppt/slides/slide16.xml><?xml version="1.0" encoding="utf-8"?>
+<p:sld xmlns:a="http://schemas.openxmlformats.org/drawingml/2006/main" xmlns:r="http://schemas.openxmlformats.org/officeDocument/2006/relationships" xmlns:p="http://schemas.openxmlformats.org/presentationml/2006/main">
+  <p:cSld>
+    <p:spTree>
+      <p:nvGrpSpPr>
+        <p:cNvPr id="1" name=""/>
+        <p:cNvGrpSpPr/>
+        <p:nvPr/>
+      </p:nvGrpSpPr>
+      <p:grpSpPr>
+        <a:xfrm>
+          <a:off x="0" y="0"/>
+          <a:ext cx="0" cy="0"/>
+          <a:chOff x="0" y="0"/>
+          <a:chExt cx="0" cy="0"/>
+        </a:xfrm>
+      </p:grpSpPr>
+      <p:sp>
+        <p:nvSpPr>
+          <p:cNvPr id="2" name="Title 1">
+            <a:extLst>
+              <a:ext uri="{FF2B5EF4-FFF2-40B4-BE49-F238E27FC236}">
+                <a16:creationId xmlns:a16="http://schemas.microsoft.com/office/drawing/2014/main" id="{8EB89D28-96EC-2EFE-AC89-524B0B698CEA}"/>
+              </a:ext>
+            </a:extLst>
+          </p:cNvPr>
+          <p:cNvSpPr>
+            <a:spLocks noGrp="1"/>
+          </p:cNvSpPr>
+          <p:nvPr>
+            <p:ph type="title"/>
+          </p:nvPr>
+        </p:nvSpPr>
+        <p:spPr/>
+        <p:txBody>
+          <a:bodyPr/>
+          <a:lstStyle/>
+          <a:p>
+            <a:r>
+              <a:rPr lang="en-US" sz="4000" dirty="0">
+                <a:solidFill>
+                  <a:schemeClr val="bg1"/>
+                </a:solidFill>
+              </a:rPr>
+              <a:t>Please take </a:t>
+            </a:r>
+            <a:br>
+              <a:rPr lang="en-US" sz="4000" dirty="0">
+                <a:solidFill>
+                  <a:schemeClr val="bg1"/>
+                </a:solidFill>
+              </a:rPr>
+            </a:br>
+            <a:r>
+              <a:rPr lang="en-US" sz="4000" dirty="0">
+                <a:solidFill>
+                  <a:schemeClr val="bg1"/>
+                </a:solidFill>
+              </a:rPr>
+              <a:t>your survey.</a:t>
+            </a:r>
+            <a:endParaRPr lang="en-US" sz="4000" dirty="0"/>
+          </a:p>
+        </p:txBody>
+      </p:sp>
+      <p:sp>
+        <p:nvSpPr>
+          <p:cNvPr id="3" name="Subtitle 2">
+            <a:extLst>
+              <a:ext uri="{FF2B5EF4-FFF2-40B4-BE49-F238E27FC236}">
+                <a16:creationId xmlns:a16="http://schemas.microsoft.com/office/drawing/2014/main" id="{72AB6EE2-A795-0B32-903A-22365F29631E}"/>
+              </a:ext>
+            </a:extLst>
+          </p:cNvPr>
+          <p:cNvSpPr>
+            <a:spLocks noGrp="1"/>
+          </p:cNvSpPr>
+          <p:nvPr>
+            <p:ph type="subTitle" idx="10"/>
+          </p:nvPr>
+        </p:nvSpPr>
+        <p:spPr/>
+        <p:txBody>
+          <a:bodyPr/>
+          <a:lstStyle/>
+          <a:p>
+            <a:endParaRPr lang="en-US" dirty="0"/>
+          </a:p>
+        </p:txBody>
+      </p:sp>
+      <p:sp>
+        <p:nvSpPr>
+          <p:cNvPr id="4" name="TextBox 3">
+            <a:extLst>
+              <a:ext uri="{FF2B5EF4-FFF2-40B4-BE49-F238E27FC236}">
+                <a16:creationId xmlns:a16="http://schemas.microsoft.com/office/drawing/2014/main" id="{1296680E-15AF-2278-3275-B47338D845B6}"/>
+              </a:ext>
+            </a:extLst>
+          </p:cNvPr>
+          <p:cNvSpPr txBox="1"/>
+          <p:nvPr/>
+        </p:nvSpPr>
+        <p:spPr>
+          <a:xfrm>
+            <a:off x="588494" y="6395860"/>
+            <a:ext cx="3855223" cy="215444"/>
+          </a:xfrm>
+          <a:prstGeom prst="rect">
+            <a:avLst/>
+          </a:prstGeom>
+          <a:noFill/>
+        </p:spPr>
+        <p:txBody>
+          <a:bodyPr wrap="none" lIns="0" tIns="0" rIns="0" bIns="0" rtlCol="0">
+            <a:spAutoFit/>
+          </a:bodyPr>
+          <a:lstStyle/>
+          <a:p>
+            <a:pPr algn="l">
+              <a:lnSpc>
+                <a:spcPct val="100000"/>
+              </a:lnSpc>
+            </a:pPr>
+            <a:r>
+              <a:rPr lang="en-US" sz="700" spc="0" baseline="0" dirty="0">
+                <a:ln/>
+                <a:solidFill>
+                  <a:schemeClr val="bg1"/>
+                </a:solidFill>
+                <a:latin typeface="Metropolis-Regular"/>
+                <a:sym typeface="Metropolis-Regular"/>
+                <a:rtl val="0"/>
+              </a:rPr>
+              <a:t>Broadcom Proprietary and Confidential. Copyright © 2024 Broadcom. </a:t>
+            </a:r>
+          </a:p>
+          <a:p>
+            <a:pPr marL="0" marR="0" lvl="0" indent="0" algn="l" defTabSz="914400" rtl="0" eaLnBrk="1" fontAlgn="auto" latinLnBrk="0" hangingPunct="1">
+              <a:lnSpc>
+                <a:spcPct val="100000"/>
+              </a:lnSpc>
+              <a:spcBef>
+                <a:spcPts val="0"/>
+              </a:spcBef>
+              <a:spcAft>
+                <a:spcPts val="0"/>
+              </a:spcAft>
+              <a:buClrTx/>
+              <a:buSzTx/>
+              <a:buFontTx/>
+              <a:buNone/>
+              <a:tabLst/>
+              <a:defRPr/>
+            </a:pPr>
+            <a:r>
+              <a:rPr lang="en-US" sz="700" spc="0" baseline="0" dirty="0">
+                <a:ln/>
+                <a:solidFill>
+                  <a:schemeClr val="bg1"/>
+                </a:solidFill>
+                <a:latin typeface="Metropolis-Regular"/>
+                <a:sym typeface="Metropolis-Regular"/>
+                <a:rtl val="0"/>
+              </a:rPr>
+              <a:t>All Rights Reserved. The term “Broadcom” refers to Broadcom Inc. and/or its subsidiaries.</a:t>
+            </a:r>
+          </a:p>
+        </p:txBody>
+      </p:sp>
+    </p:spTree>
+    <p:extLst>
+      <p:ext uri="{BB962C8B-B14F-4D97-AF65-F5344CB8AC3E}">
+        <p14:creationId xmlns:p14="http://schemas.microsoft.com/office/powerpoint/2010/main" val="2198077059"/>
+      </p:ext>
+    </p:extLst>
+  </p:cSld>
+  <p:clrMapOvr>
+    <a:masterClrMapping/>
+  </p:clrMapOvr>
+  <mc:AlternateContent xmlns:mc="http://schemas.openxmlformats.org/markup-compatibility/2006" xmlns:p14="http://schemas.microsoft.com/office/powerpoint/2010/main">
+    <mc:Choice Requires="p14">
+      <p:transition spd="med" p14:dur="700">
+        <p:fade/>
+      </p:transition>
+    </mc:Choice>
+    <mc:Fallback xmlns="">
+      <p:transition spd="med">
+        <p:fade/>
+      </p:transition>
+    </mc:Fallback>
+  </mc:AlternateContent>
+</p:sld>
+</file>
+
+<file path=ppt/slides/slide17.xml><?xml version="1.0" encoding="utf-8"?>
+<p:sld xmlns:a="http://schemas.openxmlformats.org/drawingml/2006/main" xmlns:r="http://schemas.openxmlformats.org/officeDocument/2006/relationships" xmlns:p="http://schemas.openxmlformats.org/presentationml/2006/main">
+  <p:cSld>
+    <p:spTree>
+      <p:nvGrpSpPr>
+        <p:cNvPr id="1" name=""/>
+        <p:cNvGrpSpPr/>
+        <p:nvPr/>
+      </p:nvGrpSpPr>
+      <p:grpSpPr>
+        <a:xfrm>
+          <a:off x="0" y="0"/>
+          <a:ext cx="0" cy="0"/>
+          <a:chOff x="0" y="0"/>
+          <a:chExt cx="0" cy="0"/>
+        </a:xfrm>
+      </p:grpSpPr>
+      <p:sp>
+        <p:nvSpPr>
+          <p:cNvPr id="2" name="Title 1">
+            <a:extLst>
+              <a:ext uri="{FF2B5EF4-FFF2-40B4-BE49-F238E27FC236}">
                 <a16:creationId xmlns:a16="http://schemas.microsoft.com/office/drawing/2014/main" id="{8EB89D28-96EC-2EFE-AC89-524B0B698CEA}"/>
               </a:ext>
             </a:extLst>
@@ -21855,7 +22653,7 @@
 </file>
 
 <file path=ppt/slides/slide4.xml><?xml version="1.0" encoding="utf-8"?>
-<p:sld xmlns:a="http://schemas.openxmlformats.org/drawingml/2006/main" xmlns:r="http://schemas.openxmlformats.org/officeDocument/2006/relationships" xmlns:p="http://schemas.openxmlformats.org/presentationml/2006/main" show="0">
+<p:sld xmlns:a="http://schemas.openxmlformats.org/drawingml/2006/main" xmlns:r="http://schemas.openxmlformats.org/officeDocument/2006/relationships" xmlns:p="http://schemas.openxmlformats.org/presentationml/2006/main">
   <p:cSld>
     <p:spTree>
       <p:nvGrpSpPr>
@@ -21873,10 +22671,101 @@
       </p:grpSpPr>
       <p:sp>
         <p:nvSpPr>
-          <p:cNvPr id="2" name="Title 1">
+          <p:cNvPr id="13" name="Text Placeholder 12">
             <a:extLst>
               <a:ext uri="{FF2B5EF4-FFF2-40B4-BE49-F238E27FC236}">
-                <a16:creationId xmlns:a16="http://schemas.microsoft.com/office/drawing/2014/main" id="{61BBD50C-D47A-20CC-E6F1-C270E713D952}"/>
+                <a16:creationId xmlns:a16="http://schemas.microsoft.com/office/drawing/2014/main" id="{222FB045-4DAE-A1C8-DF9F-B4AA0ED41E3E}"/>
+              </a:ext>
+            </a:extLst>
+          </p:cNvPr>
+          <p:cNvSpPr>
+            <a:spLocks noGrp="1"/>
+          </p:cNvSpPr>
+          <p:nvPr>
+            <p:ph type="body" sz="quarter" idx="11"/>
+          </p:nvPr>
+        </p:nvSpPr>
+        <p:spPr/>
+        <p:txBody>
+          <a:bodyPr/>
+          <a:lstStyle/>
+          <a:p>
+            <a:r>
+              <a:rPr lang="en-US" dirty="0" smtClean="0"/>
+              <a:t>Justin Sider</a:t>
+            </a:r>
+            <a:endParaRPr lang="en-US" dirty="0"/>
+          </a:p>
+        </p:txBody>
+      </p:sp>
+      <p:sp>
+        <p:nvSpPr>
+          <p:cNvPr id="14" name="Text Placeholder 13">
+            <a:extLst>
+              <a:ext uri="{FF2B5EF4-FFF2-40B4-BE49-F238E27FC236}">
+                <a16:creationId xmlns:a16="http://schemas.microsoft.com/office/drawing/2014/main" id="{C02107BA-34B4-85E7-3812-729A10DEF8A7}"/>
+              </a:ext>
+            </a:extLst>
+          </p:cNvPr>
+          <p:cNvSpPr>
+            <a:spLocks noGrp="1"/>
+          </p:cNvSpPr>
+          <p:nvPr>
+            <p:ph type="body" sz="quarter" idx="12"/>
+          </p:nvPr>
+        </p:nvSpPr>
+        <p:spPr/>
+        <p:txBody>
+          <a:bodyPr/>
+          <a:lstStyle/>
+          <a:p>
+            <a:r>
+              <a:rPr lang="en-US" dirty="0" smtClean="0"/>
+              <a:t>Chief PowerShell Officer – Belay Technologies</a:t>
+            </a:r>
+            <a:endParaRPr lang="en-US" dirty="0"/>
+          </a:p>
+        </p:txBody>
+      </p:sp>
+      <p:sp>
+        <p:nvSpPr>
+          <p:cNvPr id="15" name="Text Placeholder 14">
+            <a:extLst>
+              <a:ext uri="{FF2B5EF4-FFF2-40B4-BE49-F238E27FC236}">
+                <a16:creationId xmlns:a16="http://schemas.microsoft.com/office/drawing/2014/main" id="{E4890F4D-2A2A-476E-87B3-B4740C3D18E2}"/>
+              </a:ext>
+            </a:extLst>
+          </p:cNvPr>
+          <p:cNvSpPr>
+            <a:spLocks noGrp="1"/>
+          </p:cNvSpPr>
+          <p:nvPr>
+            <p:ph type="body" sz="quarter" idx="14"/>
+          </p:nvPr>
+        </p:nvSpPr>
+        <p:spPr/>
+        <p:txBody>
+          <a:bodyPr/>
+          <a:lstStyle/>
+          <a:p>
+            <a:r>
+              <a:rPr lang="en-US" dirty="0"/>
+              <a:t>#</a:t>
+            </a:r>
+            <a:r>
+              <a:rPr lang="en-US" dirty="0" smtClean="0"/>
+              <a:t>CODE1744LV</a:t>
+            </a:r>
+            <a:endParaRPr lang="en-US" dirty="0"/>
+          </a:p>
+        </p:txBody>
+      </p:sp>
+      <p:sp>
+        <p:nvSpPr>
+          <p:cNvPr id="8" name="Title 4" title="Title">
+            <a:extLst>
+              <a:ext uri="{FF2B5EF4-FFF2-40B4-BE49-F238E27FC236}">
+                <a16:creationId xmlns:a16="http://schemas.microsoft.com/office/drawing/2014/main" id="{6AF36ABC-9C30-E49E-A919-AC10E0F93B73}"/>
               </a:ext>
             </a:extLst>
           </p:cNvPr>
@@ -21892,16 +22781,24 @@
           <a:bodyPr/>
           <a:lstStyle/>
           <a:p>
-            <a:endParaRPr lang="en-US"/>
+            <a:r>
+              <a:rPr lang="en-US" sz="4000" dirty="0" err="1" smtClean="0"/>
+              <a:t>PowerCLI</a:t>
+            </a:r>
+            <a:r>
+              <a:rPr lang="en-US" sz="4000" dirty="0" smtClean="0"/>
+              <a:t> 201</a:t>
+            </a:r>
+            <a:endParaRPr lang="en-US" dirty="0"/>
           </a:p>
         </p:txBody>
       </p:sp>
       <p:sp>
         <p:nvSpPr>
-          <p:cNvPr id="3" name="Subtitle 2">
+          <p:cNvPr id="9" name="Subtitle 5" title="Subtitle">
             <a:extLst>
               <a:ext uri="{FF2B5EF4-FFF2-40B4-BE49-F238E27FC236}">
-                <a16:creationId xmlns:a16="http://schemas.microsoft.com/office/drawing/2014/main" id="{95EF5967-220B-5169-0BB7-AA56F9CC275C}"/>
+                <a16:creationId xmlns:a16="http://schemas.microsoft.com/office/drawing/2014/main" id="{5C458ECF-94C9-BC18-C2C8-2A294DE58AE8}"/>
               </a:ext>
             </a:extLst>
           </p:cNvPr>
@@ -21909,7 +22806,49 @@
             <a:spLocks noGrp="1"/>
           </p:cNvSpPr>
           <p:nvPr>
-            <p:ph type="subTitle" idx="10"/>
+            <p:ph type="subTitle" idx="4294967295"/>
+          </p:nvPr>
+        </p:nvSpPr>
+        <p:spPr>
+          <a:xfrm>
+            <a:off x="588494" y="4446003"/>
+            <a:ext cx="5505917" cy="416403"/>
+          </a:xfrm>
+        </p:spPr>
+        <p:txBody>
+          <a:bodyPr/>
+          <a:lstStyle/>
+          <a:p>
+            <a:r>
+              <a:rPr lang="en-US" dirty="0" smtClean="0">
+                <a:solidFill>
+                  <a:schemeClr val="bg1"/>
+                </a:solidFill>
+              </a:rPr>
+              <a:t>From the Shell to Writing Scripts</a:t>
+            </a:r>
+            <a:endParaRPr lang="en-US" dirty="0">
+              <a:solidFill>
+                <a:schemeClr val="bg1"/>
+              </a:solidFill>
+            </a:endParaRPr>
+          </a:p>
+        </p:txBody>
+      </p:sp>
+      <p:sp>
+        <p:nvSpPr>
+          <p:cNvPr id="16" name="Text Placeholder 15">
+            <a:extLst>
+              <a:ext uri="{FF2B5EF4-FFF2-40B4-BE49-F238E27FC236}">
+                <a16:creationId xmlns:a16="http://schemas.microsoft.com/office/drawing/2014/main" id="{BF074FE7-E33A-7CFF-F7B5-3B08607D6660}"/>
+              </a:ext>
+            </a:extLst>
+          </p:cNvPr>
+          <p:cNvSpPr>
+            <a:spLocks noGrp="1"/>
+          </p:cNvSpPr>
+          <p:nvPr>
+            <p:ph type="body" sz="quarter" idx="15"/>
           </p:nvPr>
         </p:nvSpPr>
         <p:spPr/>
@@ -21917,64 +22856,97 @@
           <a:bodyPr/>
           <a:lstStyle/>
           <a:p>
+            <a:r>
+              <a:rPr lang="en-US" dirty="0" smtClean="0"/>
+              <a:t>CODE1744LV</a:t>
+            </a:r>
             <a:endParaRPr lang="en-US" dirty="0"/>
           </a:p>
         </p:txBody>
       </p:sp>
       <p:sp>
         <p:nvSpPr>
-          <p:cNvPr id="4" name="Text Placeholder 3">
+          <p:cNvPr id="2" name="TextBox 1">
             <a:extLst>
               <a:ext uri="{FF2B5EF4-FFF2-40B4-BE49-F238E27FC236}">
-                <a16:creationId xmlns:a16="http://schemas.microsoft.com/office/drawing/2014/main" id="{4E1B46B0-8B3F-FC6D-D991-49C3BE248DB9}"/>
+                <a16:creationId xmlns:a16="http://schemas.microsoft.com/office/drawing/2014/main" id="{918E8234-B800-C09A-FE76-981EEA56F954}"/>
               </a:ext>
             </a:extLst>
           </p:cNvPr>
-          <p:cNvSpPr>
-            <a:spLocks noGrp="1"/>
-          </p:cNvSpPr>
-          <p:nvPr>
-            <p:ph type="body" sz="quarter" idx="12"/>
-          </p:nvPr>
+          <p:cNvSpPr txBox="1"/>
+          <p:nvPr/>
         </p:nvSpPr>
-        <p:spPr/>
+        <p:spPr>
+          <a:xfrm>
+            <a:off x="588494" y="6395860"/>
+            <a:ext cx="3855223" cy="215444"/>
+          </a:xfrm>
+          <a:prstGeom prst="rect">
+            <a:avLst/>
+          </a:prstGeom>
+          <a:noFill/>
+        </p:spPr>
         <p:txBody>
-          <a:bodyPr/>
+          <a:bodyPr wrap="none" lIns="0" tIns="0" rIns="0" bIns="0" rtlCol="0">
+            <a:spAutoFit/>
+          </a:bodyPr>
           <a:lstStyle/>
           <a:p>
-            <a:endParaRPr lang="en-US" dirty="0"/>
-          </a:p>
-        </p:txBody>
-      </p:sp>
-      <p:sp>
-        <p:nvSpPr>
-          <p:cNvPr id="5" name="Text Placeholder 4">
-            <a:extLst>
-              <a:ext uri="{FF2B5EF4-FFF2-40B4-BE49-F238E27FC236}">
-                <a16:creationId xmlns:a16="http://schemas.microsoft.com/office/drawing/2014/main" id="{8E93427D-9CB4-A44D-35EC-0DE1989F5A84}"/>
-              </a:ext>
-            </a:extLst>
-          </p:cNvPr>
-          <p:cNvSpPr>
-            <a:spLocks noGrp="1"/>
-          </p:cNvSpPr>
-          <p:nvPr>
-            <p:ph type="body" sz="quarter" idx="13"/>
-          </p:nvPr>
-        </p:nvSpPr>
-        <p:spPr/>
-        <p:txBody>
-          <a:bodyPr/>
-          <a:lstStyle/>
-          <a:p>
-            <a:endParaRPr lang="en-US"/>
+            <a:pPr algn="l">
+              <a:lnSpc>
+                <a:spcPct val="100000"/>
+              </a:lnSpc>
+            </a:pPr>
+            <a:r>
+              <a:rPr lang="en-US" sz="700" spc="0" baseline="0" dirty="0">
+                <a:ln/>
+                <a:solidFill>
+                  <a:schemeClr val="bg1"/>
+                </a:solidFill>
+                <a:latin typeface="Metropolis-Regular"/>
+                <a:sym typeface="Metropolis-Regular"/>
+                <a:rtl val="0"/>
+              </a:rPr>
+              <a:t>Broadcom Proprietary and Confidential. Copyright © 2024 Broadcom. </a:t>
+            </a:r>
+          </a:p>
+          <a:p>
+            <a:pPr marL="0" marR="0" lvl="0" indent="0" algn="l" defTabSz="914400" rtl="0" eaLnBrk="1" fontAlgn="auto" latinLnBrk="0" hangingPunct="1">
+              <a:lnSpc>
+                <a:spcPct val="100000"/>
+              </a:lnSpc>
+              <a:spcBef>
+                <a:spcPts val="0"/>
+              </a:spcBef>
+              <a:spcAft>
+                <a:spcPts val="0"/>
+              </a:spcAft>
+              <a:buClrTx/>
+              <a:buSzTx/>
+              <a:buFontTx/>
+              <a:buNone/>
+              <a:tabLst/>
+              <a:defRPr/>
+            </a:pPr>
+            <a:r>
+              <a:rPr lang="en-US" sz="700" spc="0" baseline="0" dirty="0">
+                <a:ln/>
+                <a:solidFill>
+                  <a:schemeClr val="bg1"/>
+                </a:solidFill>
+                <a:latin typeface="Metropolis-Regular"/>
+                <a:sym typeface="Metropolis-Regular"/>
+                <a:rtl val="0"/>
+              </a:rPr>
+              <a:t>All Rights Reserved. The term “Broadcom” refers to Broadcom Inc. and/or its subsidiaries.</a:t>
+            </a:r>
           </a:p>
         </p:txBody>
       </p:sp>
     </p:spTree>
     <p:extLst>
       <p:ext uri="{BB962C8B-B14F-4D97-AF65-F5344CB8AC3E}">
-        <p14:creationId xmlns:p14="http://schemas.microsoft.com/office/powerpoint/2010/main" val="313266367"/>
+        <p14:creationId xmlns:p14="http://schemas.microsoft.com/office/powerpoint/2010/main" val="3129537273"/>
       </p:ext>
     </p:extLst>
   </p:cSld>
@@ -22015,85 +22987,10 @@
       </p:grpSpPr>
       <p:sp>
         <p:nvSpPr>
-          <p:cNvPr id="13" name="Text Placeholder 12">
+          <p:cNvPr id="2" name="Title 1">
             <a:extLst>
               <a:ext uri="{FF2B5EF4-FFF2-40B4-BE49-F238E27FC236}">
-                <a16:creationId xmlns:a16="http://schemas.microsoft.com/office/drawing/2014/main" id="{222FB045-4DAE-A1C8-DF9F-B4AA0ED41E3E}"/>
-              </a:ext>
-            </a:extLst>
-          </p:cNvPr>
-          <p:cNvSpPr>
-            <a:spLocks noGrp="1"/>
-          </p:cNvSpPr>
-          <p:nvPr>
-            <p:ph type="body" sz="quarter" idx="11"/>
-          </p:nvPr>
-        </p:nvSpPr>
-        <p:spPr/>
-        <p:txBody>
-          <a:bodyPr/>
-          <a:lstStyle/>
-          <a:p>
-            <a:endParaRPr lang="en-US"/>
-          </a:p>
-        </p:txBody>
-      </p:sp>
-      <p:sp>
-        <p:nvSpPr>
-          <p:cNvPr id="14" name="Text Placeholder 13">
-            <a:extLst>
-              <a:ext uri="{FF2B5EF4-FFF2-40B4-BE49-F238E27FC236}">
-                <a16:creationId xmlns:a16="http://schemas.microsoft.com/office/drawing/2014/main" id="{C02107BA-34B4-85E7-3812-729A10DEF8A7}"/>
-              </a:ext>
-            </a:extLst>
-          </p:cNvPr>
-          <p:cNvSpPr>
-            <a:spLocks noGrp="1"/>
-          </p:cNvSpPr>
-          <p:nvPr>
-            <p:ph type="body" sz="quarter" idx="12"/>
-          </p:nvPr>
-        </p:nvSpPr>
-        <p:spPr/>
-        <p:txBody>
-          <a:bodyPr/>
-          <a:lstStyle/>
-          <a:p>
-            <a:endParaRPr lang="en-US"/>
-          </a:p>
-        </p:txBody>
-      </p:sp>
-      <p:sp>
-        <p:nvSpPr>
-          <p:cNvPr id="15" name="Text Placeholder 14">
-            <a:extLst>
-              <a:ext uri="{FF2B5EF4-FFF2-40B4-BE49-F238E27FC236}">
-                <a16:creationId xmlns:a16="http://schemas.microsoft.com/office/drawing/2014/main" id="{E4890F4D-2A2A-476E-87B3-B4740C3D18E2}"/>
-              </a:ext>
-            </a:extLst>
-          </p:cNvPr>
-          <p:cNvSpPr>
-            <a:spLocks noGrp="1"/>
-          </p:cNvSpPr>
-          <p:nvPr>
-            <p:ph type="body" sz="quarter" idx="14"/>
-          </p:nvPr>
-        </p:nvSpPr>
-        <p:spPr/>
-        <p:txBody>
-          <a:bodyPr/>
-          <a:lstStyle/>
-          <a:p>
-            <a:endParaRPr lang="en-US" dirty="0"/>
-          </a:p>
-        </p:txBody>
-      </p:sp>
-      <p:sp>
-        <p:nvSpPr>
-          <p:cNvPr id="8" name="Title 4" title="Title">
-            <a:extLst>
-              <a:ext uri="{FF2B5EF4-FFF2-40B4-BE49-F238E27FC236}">
-                <a16:creationId xmlns:a16="http://schemas.microsoft.com/office/drawing/2014/main" id="{6AF36ABC-9C30-E49E-A919-AC10E0F93B73}"/>
+                <a16:creationId xmlns:a16="http://schemas.microsoft.com/office/drawing/2014/main" id="{0D9FDAE6-550E-E975-BD01-08906590C472}"/>
               </a:ext>
             </a:extLst>
           </p:cNvPr>
@@ -22109,20 +23006,16 @@
           <a:bodyPr/>
           <a:lstStyle/>
           <a:p>
-            <a:r>
-              <a:rPr lang="en-US" sz="4000" dirty="0"/>
-              <a:t>Session Title</a:t>
-            </a:r>
             <a:endParaRPr lang="en-US" dirty="0"/>
           </a:p>
         </p:txBody>
       </p:sp>
       <p:sp>
         <p:nvSpPr>
-          <p:cNvPr id="9" name="Subtitle 5" title="Subtitle">
+          <p:cNvPr id="4" name="Subtitle 3">
             <a:extLst>
               <a:ext uri="{FF2B5EF4-FFF2-40B4-BE49-F238E27FC236}">
-                <a16:creationId xmlns:a16="http://schemas.microsoft.com/office/drawing/2014/main" id="{5C458ECF-94C9-BC18-C2C8-2A294DE58AE8}"/>
+                <a16:creationId xmlns:a16="http://schemas.microsoft.com/office/drawing/2014/main" id="{8F886DCA-5B59-24C0-2C79-4E661832C1EA}"/>
               </a:ext>
             </a:extLst>
           </p:cNvPr>
@@ -22130,36 +23023,24 @@
             <a:spLocks noGrp="1"/>
           </p:cNvSpPr>
           <p:nvPr>
-            <p:ph type="subTitle" idx="4294967295"/>
+            <p:ph type="subTitle" idx="10"/>
           </p:nvPr>
         </p:nvSpPr>
-        <p:spPr>
-          <a:xfrm>
-            <a:off x="588494" y="4446003"/>
-            <a:ext cx="5505917" cy="416403"/>
-          </a:xfrm>
-        </p:spPr>
+        <p:spPr/>
         <p:txBody>
           <a:bodyPr/>
           <a:lstStyle/>
           <a:p>
-            <a:r>
-              <a:rPr lang="en-US" dirty="0">
-                <a:solidFill>
-                  <a:schemeClr val="bg1"/>
-                </a:solidFill>
-              </a:rPr>
-              <a:t>Session Subtitle</a:t>
-            </a:r>
+            <a:endParaRPr lang="en-US"/>
           </a:p>
         </p:txBody>
       </p:sp>
       <p:sp>
         <p:nvSpPr>
-          <p:cNvPr id="16" name="Text Placeholder 15">
+          <p:cNvPr id="5" name="Content Placeholder 4">
             <a:extLst>
               <a:ext uri="{FF2B5EF4-FFF2-40B4-BE49-F238E27FC236}">
-                <a16:creationId xmlns:a16="http://schemas.microsoft.com/office/drawing/2014/main" id="{BF074FE7-E33A-7CFF-F7B5-3B08607D6660}"/>
+                <a16:creationId xmlns:a16="http://schemas.microsoft.com/office/drawing/2014/main" id="{8FBEB278-6650-3A11-7DCD-A90016572E5A}"/>
               </a:ext>
             </a:extLst>
           </p:cNvPr>
@@ -22167,7 +23048,7 @@
             <a:spLocks noGrp="1"/>
           </p:cNvSpPr>
           <p:nvPr>
-            <p:ph type="body" sz="quarter" idx="15"/>
+            <p:ph sz="quarter" idx="14"/>
           </p:nvPr>
         </p:nvSpPr>
         <p:spPr/>
@@ -22175,85 +23056,17 @@
           <a:bodyPr/>
           <a:lstStyle/>
           <a:p>
-            <a:endParaRPr lang="en-US" dirty="0"/>
-          </a:p>
-        </p:txBody>
-      </p:sp>
-      <p:sp>
-        <p:nvSpPr>
-          <p:cNvPr id="2" name="TextBox 1">
-            <a:extLst>
-              <a:ext uri="{FF2B5EF4-FFF2-40B4-BE49-F238E27FC236}">
-                <a16:creationId xmlns:a16="http://schemas.microsoft.com/office/drawing/2014/main" id="{918E8234-B800-C09A-FE76-981EEA56F954}"/>
-              </a:ext>
-            </a:extLst>
-          </p:cNvPr>
-          <p:cNvSpPr txBox="1"/>
-          <p:nvPr/>
-        </p:nvSpPr>
-        <p:spPr>
-          <a:xfrm>
-            <a:off x="588494" y="6395860"/>
-            <a:ext cx="3855223" cy="215444"/>
-          </a:xfrm>
-          <a:prstGeom prst="rect">
-            <a:avLst/>
-          </a:prstGeom>
-          <a:noFill/>
-        </p:spPr>
-        <p:txBody>
-          <a:bodyPr wrap="none" lIns="0" tIns="0" rIns="0" bIns="0" rtlCol="0">
-            <a:spAutoFit/>
-          </a:bodyPr>
-          <a:lstStyle/>
-          <a:p>
-            <a:pPr algn="l">
-              <a:lnSpc>
-                <a:spcPct val="100000"/>
-              </a:lnSpc>
-            </a:pPr>
-            <a:r>
-              <a:rPr lang="en-US" sz="700" spc="0" baseline="0" dirty="0">
-                <a:ln/>
-                <a:solidFill>
-                  <a:schemeClr val="bg1"/>
-                </a:solidFill>
-                <a:latin typeface="Metropolis-Regular"/>
-                <a:sym typeface="Metropolis-Regular"/>
-                <a:rtl val="0"/>
-              </a:rPr>
-              <a:t>Broadcom Proprietary and Confidential. Copyright © 2024 Broadcom. </a:t>
-            </a:r>
-          </a:p>
-          <a:p>
-            <a:pPr marL="0" marR="0" lvl="0" indent="0" algn="l" defTabSz="914400" rtl="0" eaLnBrk="1" fontAlgn="auto" latinLnBrk="0" hangingPunct="1">
-              <a:lnSpc>
-                <a:spcPct val="100000"/>
-              </a:lnSpc>
-              <a:spcBef>
-                <a:spcPts val="0"/>
-              </a:spcBef>
-              <a:spcAft>
-                <a:spcPts val="0"/>
-              </a:spcAft>
-              <a:buClrTx/>
-              <a:buSzTx/>
-              <a:buFontTx/>
-              <a:buNone/>
-              <a:tabLst/>
-              <a:defRPr/>
-            </a:pPr>
-            <a:r>
-              <a:rPr lang="en-US" sz="700" spc="0" baseline="0" dirty="0">
-                <a:ln/>
-                <a:solidFill>
-                  <a:schemeClr val="bg1"/>
-                </a:solidFill>
-                <a:latin typeface="Metropolis-Regular"/>
-                <a:sym typeface="Metropolis-Regular"/>
-                <a:rtl val="0"/>
-              </a:rPr>
-              <a:t>All Rights Reserved. The term “Broadcom” refers to Broadcom Inc. and/or its subsidiaries.</a:t>
+            <a:r>
+              <a:rPr lang="en-US" dirty="0"/>
+              <a:t>In this session we will quickly review the PowerShell basics before jumping into the advanced topics of script writing. The focus will be on how to convert the UI actions into actionable PowerShell code. This session will cover the vSphere Developer center 'Code Capture' feature so that new </a:t>
+            </a:r>
+            <a:r>
+              <a:rPr lang="en-US" dirty="0" err="1"/>
+              <a:t>PowerCLI</a:t>
+            </a:r>
+            <a:r>
+              <a:rPr lang="en-US" dirty="0"/>
+              <a:t> users can understand how to generate their own code from the Center user interface.</a:t>
             </a:r>
           </a:p>
         </p:txBody>
@@ -22261,7 +23074,7 @@
     </p:spTree>
     <p:extLst>
       <p:ext uri="{BB962C8B-B14F-4D97-AF65-F5344CB8AC3E}">
-        <p14:creationId xmlns:p14="http://schemas.microsoft.com/office/powerpoint/2010/main" val="3129537273"/>
+        <p14:creationId xmlns:p14="http://schemas.microsoft.com/office/powerpoint/2010/main" val="425867983"/>
       </p:ext>
     </p:extLst>
   </p:cSld>
@@ -22302,13 +23115,7 @@
       </p:grpSpPr>
       <p:sp>
         <p:nvSpPr>
-          <p:cNvPr id="2" name="Title 1">
-            <a:extLst>
-              <a:ext uri="{FF2B5EF4-FFF2-40B4-BE49-F238E27FC236}">
-                <a16:creationId xmlns:a16="http://schemas.microsoft.com/office/drawing/2014/main" id="{0D9FDAE6-550E-E975-BD01-08906590C472}"/>
-              </a:ext>
-            </a:extLst>
-          </p:cNvPr>
+          <p:cNvPr id="2" name="Title 1"/>
           <p:cNvSpPr>
             <a:spLocks noGrp="1"/>
           </p:cNvSpPr>
@@ -22321,44 +23128,17 @@
           <a:bodyPr/>
           <a:lstStyle/>
           <a:p>
+            <a:r>
+              <a:rPr lang="en-US" dirty="0" smtClean="0"/>
+              <a:t>Agenda</a:t>
+            </a:r>
             <a:endParaRPr lang="en-US" dirty="0"/>
           </a:p>
         </p:txBody>
       </p:sp>
       <p:sp>
         <p:nvSpPr>
-          <p:cNvPr id="4" name="Subtitle 3">
-            <a:extLst>
-              <a:ext uri="{FF2B5EF4-FFF2-40B4-BE49-F238E27FC236}">
-                <a16:creationId xmlns:a16="http://schemas.microsoft.com/office/drawing/2014/main" id="{8F886DCA-5B59-24C0-2C79-4E661832C1EA}"/>
-              </a:ext>
-            </a:extLst>
-          </p:cNvPr>
-          <p:cNvSpPr>
-            <a:spLocks noGrp="1"/>
-          </p:cNvSpPr>
-          <p:nvPr>
-            <p:ph type="subTitle" idx="10"/>
-          </p:nvPr>
-        </p:nvSpPr>
-        <p:spPr/>
-        <p:txBody>
-          <a:bodyPr/>
-          <a:lstStyle/>
-          <a:p>
-            <a:endParaRPr lang="en-US"/>
-          </a:p>
-        </p:txBody>
-      </p:sp>
-      <p:sp>
-        <p:nvSpPr>
-          <p:cNvPr id="5" name="Content Placeholder 4">
-            <a:extLst>
-              <a:ext uri="{FF2B5EF4-FFF2-40B4-BE49-F238E27FC236}">
-                <a16:creationId xmlns:a16="http://schemas.microsoft.com/office/drawing/2014/main" id="{8FBEB278-6650-3A11-7DCD-A90016572E5A}"/>
-              </a:ext>
-            </a:extLst>
-          </p:cNvPr>
+          <p:cNvPr id="4" name="Content Placeholder 3"/>
           <p:cNvSpPr>
             <a:spLocks noGrp="1"/>
           </p:cNvSpPr>
@@ -22371,6 +23151,131 @@
           <a:bodyPr/>
           <a:lstStyle/>
           <a:p>
+            <a:pPr marL="457200" indent="-457200">
+              <a:buFont typeface="+mj-lt"/>
+              <a:buAutoNum type="arabicPeriod"/>
+            </a:pPr>
+            <a:r>
+              <a:rPr lang="en-US" dirty="0" smtClean="0"/>
+              <a:t>PowerShell Basics</a:t>
+            </a:r>
+          </a:p>
+          <a:p>
+            <a:pPr marL="457200" indent="-457200">
+              <a:buFont typeface="+mj-lt"/>
+              <a:buAutoNum type="arabicPeriod"/>
+            </a:pPr>
+            <a:r>
+              <a:rPr lang="en-US" dirty="0" smtClean="0"/>
+              <a:t>What is a Script?</a:t>
+            </a:r>
+          </a:p>
+          <a:p>
+            <a:pPr marL="457200" indent="-457200">
+              <a:buFont typeface="+mj-lt"/>
+              <a:buAutoNum type="arabicPeriod"/>
+            </a:pPr>
+            <a:r>
+              <a:rPr lang="en-US" dirty="0" smtClean="0"/>
+              <a:t>VMware Developer Center</a:t>
+            </a:r>
+          </a:p>
+          <a:p>
+            <a:pPr marL="457200" indent="-457200">
+              <a:buFont typeface="+mj-lt"/>
+              <a:buAutoNum type="arabicPeriod"/>
+            </a:pPr>
+            <a:r>
+              <a:rPr lang="en-US" dirty="0" smtClean="0"/>
+              <a:t>PowerShell vs. C# vs. </a:t>
+            </a:r>
+            <a:r>
+              <a:rPr lang="en-US" dirty="0" err="1" smtClean="0"/>
+              <a:t>.Net</a:t>
+            </a:r>
+            <a:endParaRPr lang="en-US" dirty="0" smtClean="0"/>
+          </a:p>
+          <a:p>
+            <a:pPr marL="457200" indent="-457200">
+              <a:buFont typeface="+mj-lt"/>
+              <a:buAutoNum type="arabicPeriod"/>
+            </a:pPr>
+            <a:r>
+              <a:rPr lang="en-US" dirty="0" smtClean="0"/>
+              <a:t>Converting Developer Center Output to Useable PowerShell/</a:t>
+            </a:r>
+            <a:r>
+              <a:rPr lang="en-US" dirty="0" err="1" smtClean="0"/>
+              <a:t>PowerCLI</a:t>
+            </a:r>
+            <a:endParaRPr lang="en-US" dirty="0" smtClean="0"/>
+          </a:p>
+          <a:p>
+            <a:pPr marL="457200" indent="-457200">
+              <a:buFont typeface="+mj-lt"/>
+              <a:buAutoNum type="arabicPeriod"/>
+            </a:pPr>
+            <a:r>
+              <a:rPr lang="en-US" dirty="0" smtClean="0"/>
+              <a:t>Get-Help</a:t>
+            </a:r>
+          </a:p>
+          <a:p>
+            <a:pPr marL="457200" indent="-457200">
+              <a:buFont typeface="+mj-lt"/>
+              <a:buAutoNum type="arabicPeriod"/>
+            </a:pPr>
+            <a:r>
+              <a:rPr lang="en-US" dirty="0" smtClean="0"/>
+              <a:t>Related Links</a:t>
+            </a:r>
+          </a:p>
+          <a:p>
+            <a:pPr marL="457200" indent="-457200">
+              <a:buFont typeface="+mj-lt"/>
+              <a:buAutoNum type="arabicPeriod"/>
+            </a:pPr>
+            <a:r>
+              <a:rPr lang="en-US" dirty="0" smtClean="0"/>
+              <a:t>Get-Member</a:t>
+            </a:r>
+          </a:p>
+          <a:p>
+            <a:pPr marL="457200" indent="-457200">
+              <a:buFont typeface="+mj-lt"/>
+              <a:buAutoNum type="arabicPeriod"/>
+            </a:pPr>
+            <a:r>
+              <a:rPr lang="en-US" dirty="0" smtClean="0"/>
+              <a:t>Resources</a:t>
+            </a:r>
+          </a:p>
+          <a:p>
+            <a:pPr marL="457200" indent="-457200">
+              <a:buFont typeface="+mj-lt"/>
+              <a:buAutoNum type="arabicPeriod"/>
+            </a:pPr>
+            <a:endParaRPr lang="en-US" dirty="0" smtClean="0"/>
+          </a:p>
+          <a:p>
+            <a:pPr marL="457200" indent="-457200">
+              <a:buFont typeface="+mj-lt"/>
+              <a:buAutoNum type="arabicPeriod"/>
+            </a:pPr>
+            <a:endParaRPr lang="en-US" dirty="0" smtClean="0"/>
+          </a:p>
+          <a:p>
+            <a:pPr marL="457200" indent="-457200">
+              <a:buFont typeface="+mj-lt"/>
+              <a:buAutoNum type="arabicPeriod"/>
+            </a:pPr>
+            <a:endParaRPr lang="en-US" dirty="0" smtClean="0"/>
+          </a:p>
+          <a:p>
+            <a:pPr marL="457200" indent="-457200">
+              <a:buFont typeface="+mj-lt"/>
+              <a:buAutoNum type="arabicPeriod"/>
+            </a:pPr>
             <a:endParaRPr lang="en-US" dirty="0"/>
           </a:p>
         </p:txBody>
@@ -22378,7 +23283,7 @@
     </p:spTree>
     <p:extLst>
       <p:ext uri="{BB962C8B-B14F-4D97-AF65-F5344CB8AC3E}">
-        <p14:creationId xmlns:p14="http://schemas.microsoft.com/office/powerpoint/2010/main" val="594509113"/>
+        <p14:creationId xmlns:p14="http://schemas.microsoft.com/office/powerpoint/2010/main" val="1925369033"/>
       </p:ext>
     </p:extLst>
   </p:cSld>
@@ -22438,32 +23343,11 @@
           <a:bodyPr/>
           <a:lstStyle/>
           <a:p>
+            <a:r>
+              <a:rPr lang="en-US" dirty="0" smtClean="0"/>
+              <a:t>PowerShell Basics</a:t>
+            </a:r>
             <a:endParaRPr lang="en-US" dirty="0"/>
-          </a:p>
-        </p:txBody>
-      </p:sp>
-      <p:sp>
-        <p:nvSpPr>
-          <p:cNvPr id="4" name="Subtitle 3">
-            <a:extLst>
-              <a:ext uri="{FF2B5EF4-FFF2-40B4-BE49-F238E27FC236}">
-                <a16:creationId xmlns:a16="http://schemas.microsoft.com/office/drawing/2014/main" id="{8F886DCA-5B59-24C0-2C79-4E661832C1EA}"/>
-              </a:ext>
-            </a:extLst>
-          </p:cNvPr>
-          <p:cNvSpPr>
-            <a:spLocks noGrp="1"/>
-          </p:cNvSpPr>
-          <p:nvPr>
-            <p:ph type="subTitle" idx="10"/>
-          </p:nvPr>
-        </p:nvSpPr>
-        <p:spPr/>
-        <p:txBody>
-          <a:bodyPr/>
-          <a:lstStyle/>
-          <a:p>
-            <a:endParaRPr lang="en-US"/>
           </a:p>
         </p:txBody>
       </p:sp>
@@ -22488,18 +23372,18 @@
           <a:bodyPr/>
           <a:lstStyle/>
           <a:p>
-            <a:r>
-              <a:rPr lang="en-US" dirty="0"/>
-              <a:t>In this session we will quickly review the PowerShell basics before jumping into the advanced topics of script writing. The focus will be on how to convert the UI actions into actionable PowerShell code. This session will cover the vSphere Developer center 'Code Capture' feature so that new </a:t>
-            </a:r>
-            <a:r>
-              <a:rPr lang="en-US" dirty="0" err="1"/>
-              <a:t>PowerCLI</a:t>
-            </a:r>
-            <a:r>
-              <a:rPr lang="en-US" dirty="0"/>
-              <a:t> users can understand how to generate their own code from the Center user interface.</a:t>
-            </a:r>
+            <a:pPr marL="342900" indent="-342900"/>
+            <a:r>
+              <a:rPr lang="en-US" dirty="0" smtClean="0"/>
+              <a:t>PowerShell Basics</a:t>
+            </a:r>
+          </a:p>
+          <a:p>
+            <a:pPr marL="342900" indent="-342900"/>
+            <a:endParaRPr lang="en-US" dirty="0" smtClean="0"/>
+          </a:p>
+          <a:p>
+            <a:pPr marL="342900" indent="-342900"/>
             <a:endParaRPr lang="en-US" dirty="0"/>
           </a:p>
         </p:txBody>
@@ -22507,7 +23391,7 @@
     </p:spTree>
     <p:extLst>
       <p:ext uri="{BB962C8B-B14F-4D97-AF65-F5344CB8AC3E}">
-        <p14:creationId xmlns:p14="http://schemas.microsoft.com/office/powerpoint/2010/main" val="425867983"/>
+        <p14:creationId xmlns:p14="http://schemas.microsoft.com/office/powerpoint/2010/main" val="594509113"/>
       </p:ext>
     </p:extLst>
   </p:cSld>
@@ -22551,7 +23435,7 @@
           <p:cNvPr id="2" name="Title 1">
             <a:extLst>
               <a:ext uri="{FF2B5EF4-FFF2-40B4-BE49-F238E27FC236}">
-                <a16:creationId xmlns:a16="http://schemas.microsoft.com/office/drawing/2014/main" id="{8EB89D28-96EC-2EFE-AC89-524B0B698CEA}"/>
+                <a16:creationId xmlns:a16="http://schemas.microsoft.com/office/drawing/2014/main" id="{0D9FDAE6-550E-E975-BD01-08906590C472}"/>
               </a:ext>
             </a:extLst>
           </p:cNvPr>
@@ -22568,38 +23452,19 @@
           <a:lstStyle/>
           <a:p>
             <a:r>
-              <a:rPr lang="en-US" sz="4000" dirty="0">
-                <a:solidFill>
-                  <a:schemeClr val="bg1"/>
-                </a:solidFill>
-              </a:rPr>
-              <a:t>Please take </a:t>
-            </a:r>
-            <a:br>
-              <a:rPr lang="en-US" sz="4000" dirty="0">
-                <a:solidFill>
-                  <a:schemeClr val="bg1"/>
-                </a:solidFill>
-              </a:rPr>
-            </a:br>
-            <a:r>
-              <a:rPr lang="en-US" sz="4000" dirty="0">
-                <a:solidFill>
-                  <a:schemeClr val="bg1"/>
-                </a:solidFill>
-              </a:rPr>
-              <a:t>your survey.</a:t>
-            </a:r>
-            <a:endParaRPr lang="en-US" sz="4000" dirty="0"/>
+              <a:rPr lang="en-US" dirty="0" smtClean="0"/>
+              <a:t>What is a Script?</a:t>
+            </a:r>
+            <a:endParaRPr lang="en-US" dirty="0"/>
           </a:p>
         </p:txBody>
       </p:sp>
       <p:sp>
         <p:nvSpPr>
-          <p:cNvPr id="3" name="Subtitle 2">
+          <p:cNvPr id="5" name="Content Placeholder 4">
             <a:extLst>
               <a:ext uri="{FF2B5EF4-FFF2-40B4-BE49-F238E27FC236}">
-                <a16:creationId xmlns:a16="http://schemas.microsoft.com/office/drawing/2014/main" id="{72AB6EE2-A795-0B32-903A-22365F29631E}"/>
+                <a16:creationId xmlns:a16="http://schemas.microsoft.com/office/drawing/2014/main" id="{8FBEB278-6650-3A11-7DCD-A90016572E5A}"/>
               </a:ext>
             </a:extLst>
           </p:cNvPr>
@@ -22607,7 +23472,7 @@
             <a:spLocks noGrp="1"/>
           </p:cNvSpPr>
           <p:nvPr>
-            <p:ph type="subTitle" idx="10"/>
+            <p:ph sz="quarter" idx="14"/>
           </p:nvPr>
         </p:nvSpPr>
         <p:spPr/>
@@ -22615,93 +23480,26 @@
           <a:bodyPr/>
           <a:lstStyle/>
           <a:p>
+            <a:pPr marL="342900" indent="-342900"/>
+            <a:r>
+              <a:rPr lang="en-US" dirty="0" smtClean="0"/>
+              <a:t>What is a Script?</a:t>
+            </a:r>
+          </a:p>
+          <a:p>
+            <a:pPr marL="342900" indent="-342900"/>
+            <a:endParaRPr lang="en-US" dirty="0" smtClean="0"/>
+          </a:p>
+          <a:p>
+            <a:pPr marL="342900" indent="-342900"/>
             <a:endParaRPr lang="en-US" dirty="0"/>
-          </a:p>
-        </p:txBody>
-      </p:sp>
-      <p:sp>
-        <p:nvSpPr>
-          <p:cNvPr id="4" name="TextBox 3">
-            <a:extLst>
-              <a:ext uri="{FF2B5EF4-FFF2-40B4-BE49-F238E27FC236}">
-                <a16:creationId xmlns:a16="http://schemas.microsoft.com/office/drawing/2014/main" id="{1296680E-15AF-2278-3275-B47338D845B6}"/>
-              </a:ext>
-            </a:extLst>
-          </p:cNvPr>
-          <p:cNvSpPr txBox="1"/>
-          <p:nvPr/>
-        </p:nvSpPr>
-        <p:spPr>
-          <a:xfrm>
-            <a:off x="588494" y="6395860"/>
-            <a:ext cx="3855223" cy="215444"/>
-          </a:xfrm>
-          <a:prstGeom prst="rect">
-            <a:avLst/>
-          </a:prstGeom>
-          <a:noFill/>
-        </p:spPr>
-        <p:txBody>
-          <a:bodyPr wrap="none" lIns="0" tIns="0" rIns="0" bIns="0" rtlCol="0">
-            <a:spAutoFit/>
-          </a:bodyPr>
-          <a:lstStyle/>
-          <a:p>
-            <a:pPr algn="l">
-              <a:lnSpc>
-                <a:spcPct val="100000"/>
-              </a:lnSpc>
-            </a:pPr>
-            <a:r>
-              <a:rPr lang="en-US" sz="700" spc="0" baseline="0" dirty="0">
-                <a:ln/>
-                <a:solidFill>
-                  <a:schemeClr val="bg1"/>
-                </a:solidFill>
-                <a:latin typeface="Metropolis-Regular"/>
-                <a:sym typeface="Metropolis-Regular"/>
-                <a:rtl val="0"/>
-              </a:rPr>
-              <a:t>Broadcom Proprietary and Confidential. Copyright © 2024 Broadcom. </a:t>
-            </a:r>
-          </a:p>
-          <a:p>
-            <a:pPr marL="0" marR="0" lvl="0" indent="0" algn="l" defTabSz="914400" rtl="0" eaLnBrk="1" fontAlgn="auto" latinLnBrk="0" hangingPunct="1">
-              <a:lnSpc>
-                <a:spcPct val="100000"/>
-              </a:lnSpc>
-              <a:spcBef>
-                <a:spcPts val="0"/>
-              </a:spcBef>
-              <a:spcAft>
-                <a:spcPts val="0"/>
-              </a:spcAft>
-              <a:buClrTx/>
-              <a:buSzTx/>
-              <a:buFontTx/>
-              <a:buNone/>
-              <a:tabLst/>
-              <a:defRPr/>
-            </a:pPr>
-            <a:r>
-              <a:rPr lang="en-US" sz="700" spc="0" baseline="0" dirty="0">
-                <a:ln/>
-                <a:solidFill>
-                  <a:schemeClr val="bg1"/>
-                </a:solidFill>
-                <a:latin typeface="Metropolis-Regular"/>
-                <a:sym typeface="Metropolis-Regular"/>
-                <a:rtl val="0"/>
-              </a:rPr>
-              <a:t>All Rights Reserved. The term “Broadcom” refers to Broadcom Inc. and/or its subsidiaries.</a:t>
-            </a:r>
           </a:p>
         </p:txBody>
       </p:sp>
     </p:spTree>
     <p:extLst>
       <p:ext uri="{BB962C8B-B14F-4D97-AF65-F5344CB8AC3E}">
-        <p14:creationId xmlns:p14="http://schemas.microsoft.com/office/powerpoint/2010/main" val="2198077059"/>
+        <p14:creationId xmlns:p14="http://schemas.microsoft.com/office/powerpoint/2010/main" val="235647852"/>
       </p:ext>
     </p:extLst>
   </p:cSld>
@@ -22745,7 +23543,7 @@
           <p:cNvPr id="2" name="Title 1">
             <a:extLst>
               <a:ext uri="{FF2B5EF4-FFF2-40B4-BE49-F238E27FC236}">
-                <a16:creationId xmlns:a16="http://schemas.microsoft.com/office/drawing/2014/main" id="{8EB89D28-96EC-2EFE-AC89-524B0B698CEA}"/>
+                <a16:creationId xmlns:a16="http://schemas.microsoft.com/office/drawing/2014/main" id="{0D9FDAE6-550E-E975-BD01-08906590C472}"/>
               </a:ext>
             </a:extLst>
           </p:cNvPr>
@@ -22756,884 +23554,60 @@
             <p:ph type="title"/>
           </p:nvPr>
         </p:nvSpPr>
-        <p:spPr>
-          <a:xfrm>
-            <a:off x="589108" y="1790119"/>
-            <a:ext cx="5937816" cy="1229360"/>
-          </a:xfrm>
-        </p:spPr>
+        <p:spPr/>
         <p:txBody>
           <a:bodyPr/>
           <a:lstStyle/>
           <a:p>
-            <a:pPr>
-              <a:lnSpc>
-                <a:spcPct val="150000"/>
-              </a:lnSpc>
-            </a:pPr>
-            <a:r>
-              <a:rPr lang="en-US" sz="4000" dirty="0">
-                <a:solidFill>
-                  <a:schemeClr val="bg1"/>
-                </a:solidFill>
-              </a:rPr>
-              <a:t>Stay Connected</a:t>
-            </a:r>
-            <a:br>
-              <a:rPr lang="en-US" sz="4000" dirty="0">
-                <a:solidFill>
-                  <a:schemeClr val="bg1"/>
-                </a:solidFill>
-              </a:rPr>
-            </a:br>
-            <a:r>
-              <a:rPr lang="en-US" sz="2400" dirty="0">
-                <a:solidFill>
-                  <a:schemeClr val="bg1"/>
-                </a:solidFill>
-              </a:rPr>
-              <a:t>Let’s continue the conversation</a:t>
-            </a:r>
-            <a:endParaRPr lang="en-US" sz="4000" dirty="0"/>
+            <a:r>
+              <a:rPr lang="en-US" dirty="0" smtClean="0"/>
+              <a:t>VMware Developer Center</a:t>
+            </a:r>
+            <a:endParaRPr lang="en-US" dirty="0"/>
           </a:p>
         </p:txBody>
       </p:sp>
       <p:sp>
         <p:nvSpPr>
-          <p:cNvPr id="7" name="Subtitle">
+          <p:cNvPr id="5" name="Content Placeholder 4">
             <a:extLst>
               <a:ext uri="{FF2B5EF4-FFF2-40B4-BE49-F238E27FC236}">
-                <a16:creationId xmlns:a16="http://schemas.microsoft.com/office/drawing/2014/main" id="{691992C1-94D7-6F63-24A2-9014ECDA6F67}"/>
+                <a16:creationId xmlns:a16="http://schemas.microsoft.com/office/drawing/2014/main" id="{8FBEB278-6650-3A11-7DCD-A90016572E5A}"/>
               </a:ext>
             </a:extLst>
           </p:cNvPr>
-          <p:cNvSpPr txBox="1">
-            <a:spLocks/>
+          <p:cNvSpPr>
+            <a:spLocks noGrp="1"/>
           </p:cNvSpPr>
-          <p:nvPr/>
+          <p:nvPr>
+            <p:ph sz="quarter" idx="14"/>
+          </p:nvPr>
         </p:nvSpPr>
-        <p:spPr>
-          <a:xfrm>
-            <a:off x="602966" y="3706846"/>
-            <a:ext cx="5937816" cy="700882"/>
-          </a:xfrm>
-          <a:prstGeom prst="rect">
-            <a:avLst/>
-          </a:prstGeom>
-        </p:spPr>
+        <p:spPr/>
         <p:txBody>
-          <a:bodyPr vert="horz" lIns="0" tIns="0" rIns="0" bIns="0" rtlCol="0">
-            <a:noAutofit/>
-          </a:bodyPr>
-          <a:lstStyle>
-            <a:lvl1pPr marL="0" indent="0" algn="l" defTabSz="914400" rtl="0" eaLnBrk="1" latinLnBrk="0" hangingPunct="1">
-              <a:lnSpc>
-                <a:spcPct val="100000"/>
-              </a:lnSpc>
-              <a:spcBef>
-                <a:spcPts val="1200"/>
-              </a:spcBef>
-              <a:buClr>
-                <a:schemeClr val="tx1">
-                  <a:lumMod val="60000"/>
-                  <a:lumOff val="40000"/>
-                </a:schemeClr>
-              </a:buClr>
-              <a:buSzPct val="90000"/>
-              <a:buFont typeface="Arial" panose="020B0604020202020204" pitchFamily="34" charset="0"/>
-              <a:buNone/>
-              <a:defRPr sz="2400" kern="1200">
-                <a:solidFill>
-                  <a:schemeClr val="tx2"/>
-                </a:solidFill>
-                <a:latin typeface="+mj-lt"/>
-                <a:ea typeface="+mn-ea"/>
-                <a:cs typeface="+mn-cs"/>
-              </a:defRPr>
-            </a:lvl1pPr>
-            <a:lvl2pPr marL="457200" indent="0" algn="ctr" defTabSz="914400" rtl="0" eaLnBrk="1" latinLnBrk="0" hangingPunct="1">
-              <a:lnSpc>
-                <a:spcPct val="100000"/>
-              </a:lnSpc>
-              <a:spcBef>
-                <a:spcPts val="1200"/>
-              </a:spcBef>
-              <a:buClr>
-                <a:schemeClr val="tx1"/>
-              </a:buClr>
-              <a:buSzPct val="90000"/>
-              <a:buFont typeface="Arial" panose="020B0604020202020204" pitchFamily="34" charset="0"/>
-              <a:buNone/>
-              <a:defRPr sz="2000" kern="1200">
-                <a:solidFill>
-                  <a:schemeClr val="tx2"/>
-                </a:solidFill>
-                <a:latin typeface="+mn-lt"/>
-                <a:ea typeface="+mn-ea"/>
-                <a:cs typeface="+mn-cs"/>
-              </a:defRPr>
-            </a:lvl2pPr>
-            <a:lvl3pPr marL="914400" indent="0" algn="ctr" defTabSz="914400" rtl="0" eaLnBrk="1" latinLnBrk="0" hangingPunct="1">
-              <a:lnSpc>
-                <a:spcPct val="100000"/>
-              </a:lnSpc>
-              <a:spcBef>
-                <a:spcPts val="1200"/>
-              </a:spcBef>
-              <a:spcAft>
-                <a:spcPts val="0"/>
-              </a:spcAft>
-              <a:buClr>
-                <a:schemeClr val="tx1"/>
-              </a:buClr>
-              <a:buSzPct val="90000"/>
-              <a:buFont typeface="Camphor Std" panose="020B0504030404020204" pitchFamily="34" charset="0"/>
-              <a:buNone/>
-              <a:defRPr sz="1800" kern="1200">
-                <a:solidFill>
-                  <a:schemeClr val="tx2"/>
-                </a:solidFill>
-                <a:latin typeface="+mn-lt"/>
-                <a:ea typeface="+mn-ea"/>
-                <a:cs typeface="+mn-cs"/>
-              </a:defRPr>
-            </a:lvl3pPr>
-            <a:lvl4pPr marL="1371600" indent="0" algn="ctr" defTabSz="914400" rtl="0" eaLnBrk="1" latinLnBrk="0" hangingPunct="1">
-              <a:lnSpc>
-                <a:spcPct val="100000"/>
-              </a:lnSpc>
-              <a:spcBef>
-                <a:spcPts val="1200"/>
-              </a:spcBef>
-              <a:buClr>
-                <a:schemeClr val="tx1"/>
-              </a:buClr>
-              <a:buSzPct val="90000"/>
-              <a:buFont typeface="Arial" panose="020B0604020202020204" pitchFamily="34" charset="0"/>
-              <a:buNone/>
-              <a:defRPr sz="1600" kern="1200">
-                <a:solidFill>
-                  <a:schemeClr val="tx2"/>
-                </a:solidFill>
-                <a:latin typeface="+mn-lt"/>
-                <a:ea typeface="+mn-ea"/>
-                <a:cs typeface="+mn-cs"/>
-              </a:defRPr>
-            </a:lvl4pPr>
-            <a:lvl5pPr marL="1828800" indent="0" algn="ctr" defTabSz="914400" rtl="0" eaLnBrk="1" latinLnBrk="0" hangingPunct="1">
-              <a:lnSpc>
-                <a:spcPct val="100000"/>
-              </a:lnSpc>
-              <a:spcBef>
-                <a:spcPts val="1200"/>
-              </a:spcBef>
-              <a:buClr>
-                <a:schemeClr val="tx1"/>
-              </a:buClr>
-              <a:buSzPct val="90000"/>
-              <a:buFont typeface="Camphor Std" panose="020B0504030404020204" pitchFamily="34" charset="0"/>
-              <a:buNone/>
-              <a:tabLst/>
-              <a:defRPr sz="1600" kern="1200">
-                <a:solidFill>
-                  <a:schemeClr val="tx2"/>
-                </a:solidFill>
-                <a:latin typeface="+mn-lt"/>
-                <a:ea typeface="+mn-ea"/>
-                <a:cs typeface="+mn-cs"/>
-              </a:defRPr>
-            </a:lvl5pPr>
-            <a:lvl6pPr marL="2286000" indent="0" algn="ctr" defTabSz="914400" rtl="0" eaLnBrk="1" latinLnBrk="0" hangingPunct="1">
-              <a:lnSpc>
-                <a:spcPct val="100000"/>
-              </a:lnSpc>
-              <a:spcBef>
-                <a:spcPts val="1200"/>
-              </a:spcBef>
-              <a:buClr>
-                <a:schemeClr val="tx1"/>
-              </a:buClr>
-              <a:buSzPct val="90000"/>
-              <a:buFont typeface="Arial" panose="020B0604020202020204" pitchFamily="34" charset="0"/>
-              <a:buNone/>
-              <a:tabLst/>
-              <a:defRPr sz="1600" kern="1200">
-                <a:solidFill>
-                  <a:schemeClr val="tx2"/>
-                </a:solidFill>
-                <a:latin typeface="+mn-lt"/>
-                <a:ea typeface="+mn-ea"/>
-                <a:cs typeface="+mn-cs"/>
-              </a:defRPr>
-            </a:lvl6pPr>
-            <a:lvl7pPr marL="2743200" indent="0" algn="ctr" defTabSz="914400" rtl="0" eaLnBrk="1" latinLnBrk="0" hangingPunct="1">
-              <a:lnSpc>
-                <a:spcPct val="100000"/>
-              </a:lnSpc>
-              <a:spcBef>
-                <a:spcPts val="1200"/>
-              </a:spcBef>
-              <a:buClr>
-                <a:schemeClr val="tx1"/>
-              </a:buClr>
-              <a:buSzPct val="90000"/>
-              <a:buFont typeface="System Font Regular"/>
-              <a:buNone/>
-              <a:tabLst/>
-              <a:defRPr sz="1600" kern="1200">
-                <a:solidFill>
-                  <a:schemeClr val="tx2"/>
-                </a:solidFill>
-                <a:latin typeface="+mn-lt"/>
-                <a:ea typeface="+mn-ea"/>
-                <a:cs typeface="+mn-cs"/>
-              </a:defRPr>
-            </a:lvl7pPr>
-            <a:lvl8pPr marL="3200400" indent="0" algn="ctr" defTabSz="914400" rtl="0" eaLnBrk="1" latinLnBrk="0" hangingPunct="1">
-              <a:lnSpc>
-                <a:spcPct val="100000"/>
-              </a:lnSpc>
-              <a:spcBef>
-                <a:spcPts val="1200"/>
-              </a:spcBef>
-              <a:buClr>
-                <a:schemeClr val="tx1"/>
-              </a:buClr>
-              <a:buSzPct val="90000"/>
-              <a:buFont typeface="Arial" panose="020B0604020202020204" pitchFamily="34" charset="0"/>
-              <a:buNone/>
-              <a:tabLst/>
-              <a:defRPr sz="1600" kern="1200">
-                <a:solidFill>
-                  <a:schemeClr val="tx2"/>
-                </a:solidFill>
-                <a:latin typeface="+mn-lt"/>
-                <a:ea typeface="+mn-ea"/>
-                <a:cs typeface="+mn-cs"/>
-              </a:defRPr>
-            </a:lvl8pPr>
-            <a:lvl9pPr marL="3657600" indent="0" algn="ctr" defTabSz="914400" rtl="0" eaLnBrk="1" latinLnBrk="0" hangingPunct="1">
-              <a:lnSpc>
-                <a:spcPct val="100000"/>
-              </a:lnSpc>
-              <a:spcBef>
-                <a:spcPts val="1200"/>
-              </a:spcBef>
-              <a:buClr>
-                <a:schemeClr val="tx1"/>
-              </a:buClr>
-              <a:buSzPct val="90000"/>
-              <a:buFont typeface="System Font Regular"/>
-              <a:buNone/>
-              <a:tabLst/>
-              <a:defRPr sz="1600" kern="1200">
-                <a:solidFill>
-                  <a:schemeClr val="tx2"/>
-                </a:solidFill>
-                <a:latin typeface="+mn-lt"/>
-                <a:ea typeface="+mn-ea"/>
-                <a:cs typeface="+mn-cs"/>
-              </a:defRPr>
-            </a:lvl9pPr>
-          </a:lstStyle>
-          <a:p>
-            <a:pPr lvl="0"/>
-            <a:r>
-              <a:rPr lang="en-US" dirty="0">
-                <a:solidFill>
-                  <a:schemeClr val="bg1"/>
-                </a:solidFill>
-              </a:rPr>
-              <a:t>Follow us @</a:t>
-            </a:r>
-          </a:p>
-        </p:txBody>
-      </p:sp>
-      <p:sp>
-        <p:nvSpPr>
-          <p:cNvPr id="8" name="Subtitle">
-            <a:extLst>
-              <a:ext uri="{FF2B5EF4-FFF2-40B4-BE49-F238E27FC236}">
-                <a16:creationId xmlns:a16="http://schemas.microsoft.com/office/drawing/2014/main" id="{AC644614-4D49-5ACC-86D4-DA1DB135B622}"/>
-              </a:ext>
-            </a:extLst>
-          </p:cNvPr>
-          <p:cNvSpPr txBox="1">
-            <a:spLocks/>
-          </p:cNvSpPr>
-          <p:nvPr/>
-        </p:nvSpPr>
-        <p:spPr>
-          <a:xfrm>
-            <a:off x="589108" y="4631993"/>
-            <a:ext cx="5937816" cy="700882"/>
-          </a:xfrm>
-          <a:prstGeom prst="rect">
-            <a:avLst/>
-          </a:prstGeom>
-        </p:spPr>
-        <p:txBody>
-          <a:bodyPr vert="horz" lIns="0" tIns="0" rIns="0" bIns="0" rtlCol="0">
-            <a:noAutofit/>
-          </a:bodyPr>
-          <a:lstStyle>
-            <a:lvl1pPr marL="0" indent="0" algn="l" defTabSz="914400" rtl="0" eaLnBrk="1" latinLnBrk="0" hangingPunct="1">
-              <a:lnSpc>
-                <a:spcPct val="100000"/>
-              </a:lnSpc>
-              <a:spcBef>
-                <a:spcPts val="1200"/>
-              </a:spcBef>
-              <a:buClr>
-                <a:schemeClr val="tx1">
-                  <a:lumMod val="60000"/>
-                  <a:lumOff val="40000"/>
-                </a:schemeClr>
-              </a:buClr>
-              <a:buSzPct val="90000"/>
-              <a:buFont typeface="Arial" panose="020B0604020202020204" pitchFamily="34" charset="0"/>
-              <a:buNone/>
-              <a:defRPr sz="2400" kern="1200">
-                <a:solidFill>
-                  <a:schemeClr val="tx2"/>
-                </a:solidFill>
-                <a:latin typeface="+mj-lt"/>
-                <a:ea typeface="+mn-ea"/>
-                <a:cs typeface="+mn-cs"/>
-              </a:defRPr>
-            </a:lvl1pPr>
-            <a:lvl2pPr marL="457200" indent="0" algn="ctr" defTabSz="914400" rtl="0" eaLnBrk="1" latinLnBrk="0" hangingPunct="1">
-              <a:lnSpc>
-                <a:spcPct val="100000"/>
-              </a:lnSpc>
-              <a:spcBef>
-                <a:spcPts val="1200"/>
-              </a:spcBef>
-              <a:buClr>
-                <a:schemeClr val="tx1"/>
-              </a:buClr>
-              <a:buSzPct val="90000"/>
-              <a:buFont typeface="Arial" panose="020B0604020202020204" pitchFamily="34" charset="0"/>
-              <a:buNone/>
-              <a:defRPr sz="2000" kern="1200">
-                <a:solidFill>
-                  <a:schemeClr val="tx2"/>
-                </a:solidFill>
-                <a:latin typeface="+mn-lt"/>
-                <a:ea typeface="+mn-ea"/>
-                <a:cs typeface="+mn-cs"/>
-              </a:defRPr>
-            </a:lvl2pPr>
-            <a:lvl3pPr marL="914400" indent="0" algn="ctr" defTabSz="914400" rtl="0" eaLnBrk="1" latinLnBrk="0" hangingPunct="1">
-              <a:lnSpc>
-                <a:spcPct val="100000"/>
-              </a:lnSpc>
-              <a:spcBef>
-                <a:spcPts val="1200"/>
-              </a:spcBef>
-              <a:spcAft>
-                <a:spcPts val="0"/>
-              </a:spcAft>
-              <a:buClr>
-                <a:schemeClr val="tx1"/>
-              </a:buClr>
-              <a:buSzPct val="90000"/>
-              <a:buFont typeface="Camphor Std" panose="020B0504030404020204" pitchFamily="34" charset="0"/>
-              <a:buNone/>
-              <a:defRPr sz="1800" kern="1200">
-                <a:solidFill>
-                  <a:schemeClr val="tx2"/>
-                </a:solidFill>
-                <a:latin typeface="+mn-lt"/>
-                <a:ea typeface="+mn-ea"/>
-                <a:cs typeface="+mn-cs"/>
-              </a:defRPr>
-            </a:lvl3pPr>
-            <a:lvl4pPr marL="1371600" indent="0" algn="ctr" defTabSz="914400" rtl="0" eaLnBrk="1" latinLnBrk="0" hangingPunct="1">
-              <a:lnSpc>
-                <a:spcPct val="100000"/>
-              </a:lnSpc>
-              <a:spcBef>
-                <a:spcPts val="1200"/>
-              </a:spcBef>
-              <a:buClr>
-                <a:schemeClr val="tx1"/>
-              </a:buClr>
-              <a:buSzPct val="90000"/>
-              <a:buFont typeface="Arial" panose="020B0604020202020204" pitchFamily="34" charset="0"/>
-              <a:buNone/>
-              <a:defRPr sz="1600" kern="1200">
-                <a:solidFill>
-                  <a:schemeClr val="tx2"/>
-                </a:solidFill>
-                <a:latin typeface="+mn-lt"/>
-                <a:ea typeface="+mn-ea"/>
-                <a:cs typeface="+mn-cs"/>
-              </a:defRPr>
-            </a:lvl4pPr>
-            <a:lvl5pPr marL="1828800" indent="0" algn="ctr" defTabSz="914400" rtl="0" eaLnBrk="1" latinLnBrk="0" hangingPunct="1">
-              <a:lnSpc>
-                <a:spcPct val="100000"/>
-              </a:lnSpc>
-              <a:spcBef>
-                <a:spcPts val="1200"/>
-              </a:spcBef>
-              <a:buClr>
-                <a:schemeClr val="tx1"/>
-              </a:buClr>
-              <a:buSzPct val="90000"/>
-              <a:buFont typeface="Camphor Std" panose="020B0504030404020204" pitchFamily="34" charset="0"/>
-              <a:buNone/>
-              <a:tabLst/>
-              <a:defRPr sz="1600" kern="1200">
-                <a:solidFill>
-                  <a:schemeClr val="tx2"/>
-                </a:solidFill>
-                <a:latin typeface="+mn-lt"/>
-                <a:ea typeface="+mn-ea"/>
-                <a:cs typeface="+mn-cs"/>
-              </a:defRPr>
-            </a:lvl5pPr>
-            <a:lvl6pPr marL="2286000" indent="0" algn="ctr" defTabSz="914400" rtl="0" eaLnBrk="1" latinLnBrk="0" hangingPunct="1">
-              <a:lnSpc>
-                <a:spcPct val="100000"/>
-              </a:lnSpc>
-              <a:spcBef>
-                <a:spcPts val="1200"/>
-              </a:spcBef>
-              <a:buClr>
-                <a:schemeClr val="tx1"/>
-              </a:buClr>
-              <a:buSzPct val="90000"/>
-              <a:buFont typeface="Arial" panose="020B0604020202020204" pitchFamily="34" charset="0"/>
-              <a:buNone/>
-              <a:tabLst/>
-              <a:defRPr sz="1600" kern="1200">
-                <a:solidFill>
-                  <a:schemeClr val="tx2"/>
-                </a:solidFill>
-                <a:latin typeface="+mn-lt"/>
-                <a:ea typeface="+mn-ea"/>
-                <a:cs typeface="+mn-cs"/>
-              </a:defRPr>
-            </a:lvl6pPr>
-            <a:lvl7pPr marL="2743200" indent="0" algn="ctr" defTabSz="914400" rtl="0" eaLnBrk="1" latinLnBrk="0" hangingPunct="1">
-              <a:lnSpc>
-                <a:spcPct val="100000"/>
-              </a:lnSpc>
-              <a:spcBef>
-                <a:spcPts val="1200"/>
-              </a:spcBef>
-              <a:buClr>
-                <a:schemeClr val="tx1"/>
-              </a:buClr>
-              <a:buSzPct val="90000"/>
-              <a:buFont typeface="System Font Regular"/>
-              <a:buNone/>
-              <a:tabLst/>
-              <a:defRPr sz="1600" kern="1200">
-                <a:solidFill>
-                  <a:schemeClr val="tx2"/>
-                </a:solidFill>
-                <a:latin typeface="+mn-lt"/>
-                <a:ea typeface="+mn-ea"/>
-                <a:cs typeface="+mn-cs"/>
-              </a:defRPr>
-            </a:lvl7pPr>
-            <a:lvl8pPr marL="3200400" indent="0" algn="ctr" defTabSz="914400" rtl="0" eaLnBrk="1" latinLnBrk="0" hangingPunct="1">
-              <a:lnSpc>
-                <a:spcPct val="100000"/>
-              </a:lnSpc>
-              <a:spcBef>
-                <a:spcPts val="1200"/>
-              </a:spcBef>
-              <a:buClr>
-                <a:schemeClr val="tx1"/>
-              </a:buClr>
-              <a:buSzPct val="90000"/>
-              <a:buFont typeface="Arial" panose="020B0604020202020204" pitchFamily="34" charset="0"/>
-              <a:buNone/>
-              <a:tabLst/>
-              <a:defRPr sz="1600" kern="1200">
-                <a:solidFill>
-                  <a:schemeClr val="tx2"/>
-                </a:solidFill>
-                <a:latin typeface="+mn-lt"/>
-                <a:ea typeface="+mn-ea"/>
-                <a:cs typeface="+mn-cs"/>
-              </a:defRPr>
-            </a:lvl8pPr>
-            <a:lvl9pPr marL="3657600" indent="0" algn="ctr" defTabSz="914400" rtl="0" eaLnBrk="1" latinLnBrk="0" hangingPunct="1">
-              <a:lnSpc>
-                <a:spcPct val="100000"/>
-              </a:lnSpc>
-              <a:spcBef>
-                <a:spcPts val="1200"/>
-              </a:spcBef>
-              <a:buClr>
-                <a:schemeClr val="tx1"/>
-              </a:buClr>
-              <a:buSzPct val="90000"/>
-              <a:buFont typeface="System Font Regular"/>
-              <a:buNone/>
-              <a:tabLst/>
-              <a:defRPr sz="1600" kern="1200">
-                <a:solidFill>
-                  <a:schemeClr val="tx2"/>
-                </a:solidFill>
-                <a:latin typeface="+mn-lt"/>
-                <a:ea typeface="+mn-ea"/>
-                <a:cs typeface="+mn-cs"/>
-              </a:defRPr>
-            </a:lvl9pPr>
-          </a:lstStyle>
-          <a:p>
-            <a:pPr lvl="0"/>
-            <a:r>
-              <a:rPr lang="en-US" dirty="0">
-                <a:solidFill>
-                  <a:schemeClr val="bg1"/>
-                </a:solidFill>
-              </a:rPr>
-              <a:t>Visit us @</a:t>
-            </a:r>
-          </a:p>
-        </p:txBody>
-      </p:sp>
-      <p:sp>
-        <p:nvSpPr>
-          <p:cNvPr id="9" name="Subtitle">
-            <a:extLst>
-              <a:ext uri="{FF2B5EF4-FFF2-40B4-BE49-F238E27FC236}">
-                <a16:creationId xmlns:a16="http://schemas.microsoft.com/office/drawing/2014/main" id="{D1A7EC52-7EE4-21B7-2494-9B5C987DFCB6}"/>
-              </a:ext>
-            </a:extLst>
-          </p:cNvPr>
-          <p:cNvSpPr txBox="1">
-            <a:spLocks/>
-          </p:cNvSpPr>
-          <p:nvPr/>
-        </p:nvSpPr>
-        <p:spPr>
-          <a:xfrm>
-            <a:off x="589108" y="5534787"/>
-            <a:ext cx="5937816" cy="700882"/>
-          </a:xfrm>
-          <a:prstGeom prst="rect">
-            <a:avLst/>
-          </a:prstGeom>
-        </p:spPr>
-        <p:txBody>
-          <a:bodyPr vert="horz" lIns="0" tIns="0" rIns="0" bIns="0" rtlCol="0">
-            <a:noAutofit/>
-          </a:bodyPr>
-          <a:lstStyle>
-            <a:lvl1pPr marL="0" indent="0" algn="l" defTabSz="914400" rtl="0" eaLnBrk="1" latinLnBrk="0" hangingPunct="1">
-              <a:lnSpc>
-                <a:spcPct val="100000"/>
-              </a:lnSpc>
-              <a:spcBef>
-                <a:spcPts val="1200"/>
-              </a:spcBef>
-              <a:buClr>
-                <a:schemeClr val="tx1">
-                  <a:lumMod val="60000"/>
-                  <a:lumOff val="40000"/>
-                </a:schemeClr>
-              </a:buClr>
-              <a:buSzPct val="90000"/>
-              <a:buFont typeface="Arial" panose="020B0604020202020204" pitchFamily="34" charset="0"/>
-              <a:buNone/>
-              <a:defRPr sz="2400" kern="1200">
-                <a:solidFill>
-                  <a:schemeClr val="tx2"/>
-                </a:solidFill>
-                <a:latin typeface="+mj-lt"/>
-                <a:ea typeface="+mn-ea"/>
-                <a:cs typeface="+mn-cs"/>
-              </a:defRPr>
-            </a:lvl1pPr>
-            <a:lvl2pPr marL="457200" indent="0" algn="ctr" defTabSz="914400" rtl="0" eaLnBrk="1" latinLnBrk="0" hangingPunct="1">
-              <a:lnSpc>
-                <a:spcPct val="100000"/>
-              </a:lnSpc>
-              <a:spcBef>
-                <a:spcPts val="1200"/>
-              </a:spcBef>
-              <a:buClr>
-                <a:schemeClr val="tx1"/>
-              </a:buClr>
-              <a:buSzPct val="90000"/>
-              <a:buFont typeface="Arial" panose="020B0604020202020204" pitchFamily="34" charset="0"/>
-              <a:buNone/>
-              <a:defRPr sz="2000" kern="1200">
-                <a:solidFill>
-                  <a:schemeClr val="tx2"/>
-                </a:solidFill>
-                <a:latin typeface="+mn-lt"/>
-                <a:ea typeface="+mn-ea"/>
-                <a:cs typeface="+mn-cs"/>
-              </a:defRPr>
-            </a:lvl2pPr>
-            <a:lvl3pPr marL="914400" indent="0" algn="ctr" defTabSz="914400" rtl="0" eaLnBrk="1" latinLnBrk="0" hangingPunct="1">
-              <a:lnSpc>
-                <a:spcPct val="100000"/>
-              </a:lnSpc>
-              <a:spcBef>
-                <a:spcPts val="1200"/>
-              </a:spcBef>
-              <a:spcAft>
-                <a:spcPts val="0"/>
-              </a:spcAft>
-              <a:buClr>
-                <a:schemeClr val="tx1"/>
-              </a:buClr>
-              <a:buSzPct val="90000"/>
-              <a:buFont typeface="Camphor Std" panose="020B0504030404020204" pitchFamily="34" charset="0"/>
-              <a:buNone/>
-              <a:defRPr sz="1800" kern="1200">
-                <a:solidFill>
-                  <a:schemeClr val="tx2"/>
-                </a:solidFill>
-                <a:latin typeface="+mn-lt"/>
-                <a:ea typeface="+mn-ea"/>
-                <a:cs typeface="+mn-cs"/>
-              </a:defRPr>
-            </a:lvl3pPr>
-            <a:lvl4pPr marL="1371600" indent="0" algn="ctr" defTabSz="914400" rtl="0" eaLnBrk="1" latinLnBrk="0" hangingPunct="1">
-              <a:lnSpc>
-                <a:spcPct val="100000"/>
-              </a:lnSpc>
-              <a:spcBef>
-                <a:spcPts val="1200"/>
-              </a:spcBef>
-              <a:buClr>
-                <a:schemeClr val="tx1"/>
-              </a:buClr>
-              <a:buSzPct val="90000"/>
-              <a:buFont typeface="Arial" panose="020B0604020202020204" pitchFamily="34" charset="0"/>
-              <a:buNone/>
-              <a:defRPr sz="1600" kern="1200">
-                <a:solidFill>
-                  <a:schemeClr val="tx2"/>
-                </a:solidFill>
-                <a:latin typeface="+mn-lt"/>
-                <a:ea typeface="+mn-ea"/>
-                <a:cs typeface="+mn-cs"/>
-              </a:defRPr>
-            </a:lvl4pPr>
-            <a:lvl5pPr marL="1828800" indent="0" algn="ctr" defTabSz="914400" rtl="0" eaLnBrk="1" latinLnBrk="0" hangingPunct="1">
-              <a:lnSpc>
-                <a:spcPct val="100000"/>
-              </a:lnSpc>
-              <a:spcBef>
-                <a:spcPts val="1200"/>
-              </a:spcBef>
-              <a:buClr>
-                <a:schemeClr val="tx1"/>
-              </a:buClr>
-              <a:buSzPct val="90000"/>
-              <a:buFont typeface="Camphor Std" panose="020B0504030404020204" pitchFamily="34" charset="0"/>
-              <a:buNone/>
-              <a:tabLst/>
-              <a:defRPr sz="1600" kern="1200">
-                <a:solidFill>
-                  <a:schemeClr val="tx2"/>
-                </a:solidFill>
-                <a:latin typeface="+mn-lt"/>
-                <a:ea typeface="+mn-ea"/>
-                <a:cs typeface="+mn-cs"/>
-              </a:defRPr>
-            </a:lvl5pPr>
-            <a:lvl6pPr marL="2286000" indent="0" algn="ctr" defTabSz="914400" rtl="0" eaLnBrk="1" latinLnBrk="0" hangingPunct="1">
-              <a:lnSpc>
-                <a:spcPct val="100000"/>
-              </a:lnSpc>
-              <a:spcBef>
-                <a:spcPts val="1200"/>
-              </a:spcBef>
-              <a:buClr>
-                <a:schemeClr val="tx1"/>
-              </a:buClr>
-              <a:buSzPct val="90000"/>
-              <a:buFont typeface="Arial" panose="020B0604020202020204" pitchFamily="34" charset="0"/>
-              <a:buNone/>
-              <a:tabLst/>
-              <a:defRPr sz="1600" kern="1200">
-                <a:solidFill>
-                  <a:schemeClr val="tx2"/>
-                </a:solidFill>
-                <a:latin typeface="+mn-lt"/>
-                <a:ea typeface="+mn-ea"/>
-                <a:cs typeface="+mn-cs"/>
-              </a:defRPr>
-            </a:lvl6pPr>
-            <a:lvl7pPr marL="2743200" indent="0" algn="ctr" defTabSz="914400" rtl="0" eaLnBrk="1" latinLnBrk="0" hangingPunct="1">
-              <a:lnSpc>
-                <a:spcPct val="100000"/>
-              </a:lnSpc>
-              <a:spcBef>
-                <a:spcPts val="1200"/>
-              </a:spcBef>
-              <a:buClr>
-                <a:schemeClr val="tx1"/>
-              </a:buClr>
-              <a:buSzPct val="90000"/>
-              <a:buFont typeface="System Font Regular"/>
-              <a:buNone/>
-              <a:tabLst/>
-              <a:defRPr sz="1600" kern="1200">
-                <a:solidFill>
-                  <a:schemeClr val="tx2"/>
-                </a:solidFill>
-                <a:latin typeface="+mn-lt"/>
-                <a:ea typeface="+mn-ea"/>
-                <a:cs typeface="+mn-cs"/>
-              </a:defRPr>
-            </a:lvl7pPr>
-            <a:lvl8pPr marL="3200400" indent="0" algn="ctr" defTabSz="914400" rtl="0" eaLnBrk="1" latinLnBrk="0" hangingPunct="1">
-              <a:lnSpc>
-                <a:spcPct val="100000"/>
-              </a:lnSpc>
-              <a:spcBef>
-                <a:spcPts val="1200"/>
-              </a:spcBef>
-              <a:buClr>
-                <a:schemeClr val="tx1"/>
-              </a:buClr>
-              <a:buSzPct val="90000"/>
-              <a:buFont typeface="Arial" panose="020B0604020202020204" pitchFamily="34" charset="0"/>
-              <a:buNone/>
-              <a:tabLst/>
-              <a:defRPr sz="1600" kern="1200">
-                <a:solidFill>
-                  <a:schemeClr val="tx2"/>
-                </a:solidFill>
-                <a:latin typeface="+mn-lt"/>
-                <a:ea typeface="+mn-ea"/>
-                <a:cs typeface="+mn-cs"/>
-              </a:defRPr>
-            </a:lvl8pPr>
-            <a:lvl9pPr marL="3657600" indent="0" algn="ctr" defTabSz="914400" rtl="0" eaLnBrk="1" latinLnBrk="0" hangingPunct="1">
-              <a:lnSpc>
-                <a:spcPct val="100000"/>
-              </a:lnSpc>
-              <a:spcBef>
-                <a:spcPts val="1200"/>
-              </a:spcBef>
-              <a:buClr>
-                <a:schemeClr val="tx1"/>
-              </a:buClr>
-              <a:buSzPct val="90000"/>
-              <a:buFont typeface="System Font Regular"/>
-              <a:buNone/>
-              <a:tabLst/>
-              <a:defRPr sz="1600" kern="1200">
-                <a:solidFill>
-                  <a:schemeClr val="tx2"/>
-                </a:solidFill>
-                <a:latin typeface="+mn-lt"/>
-                <a:ea typeface="+mn-ea"/>
-                <a:cs typeface="+mn-cs"/>
-              </a:defRPr>
-            </a:lvl9pPr>
-          </a:lstStyle>
-          <a:p>
-            <a:pPr lvl="0"/>
-            <a:r>
-              <a:rPr lang="en-US" dirty="0">
-                <a:solidFill>
-                  <a:schemeClr val="bg1"/>
-                </a:solidFill>
-              </a:rPr>
-              <a:t>Dig deeper with </a:t>
-            </a:r>
-          </a:p>
-        </p:txBody>
-      </p:sp>
-      <p:sp>
-        <p:nvSpPr>
-          <p:cNvPr id="3" name="TextBox 2">
-            <a:extLst>
-              <a:ext uri="{FF2B5EF4-FFF2-40B4-BE49-F238E27FC236}">
-                <a16:creationId xmlns:a16="http://schemas.microsoft.com/office/drawing/2014/main" id="{A15D6AEA-5157-ADE8-76A5-8507CE788903}"/>
-              </a:ext>
-            </a:extLst>
-          </p:cNvPr>
-          <p:cNvSpPr txBox="1"/>
-          <p:nvPr/>
-        </p:nvSpPr>
-        <p:spPr>
-          <a:xfrm>
-            <a:off x="588494" y="6395860"/>
-            <a:ext cx="3855223" cy="215444"/>
-          </a:xfrm>
-          <a:prstGeom prst="rect">
-            <a:avLst/>
-          </a:prstGeom>
-          <a:noFill/>
-        </p:spPr>
-        <p:txBody>
-          <a:bodyPr wrap="none" lIns="0" tIns="0" rIns="0" bIns="0" rtlCol="0">
-            <a:spAutoFit/>
-          </a:bodyPr>
+          <a:bodyPr/>
           <a:lstStyle/>
           <a:p>
-            <a:pPr algn="l">
-              <a:lnSpc>
-                <a:spcPct val="100000"/>
-              </a:lnSpc>
-            </a:pPr>
-            <a:r>
-              <a:rPr lang="en-US" sz="700" spc="0" baseline="0" dirty="0">
-                <a:ln/>
-                <a:solidFill>
-                  <a:schemeClr val="bg1"/>
-                </a:solidFill>
-                <a:latin typeface="Metropolis-Regular"/>
-                <a:sym typeface="Metropolis-Regular"/>
-                <a:rtl val="0"/>
-              </a:rPr>
-              <a:t>Broadcom Proprietary and Confidential. Copyright © 2024 Broadcom. </a:t>
-            </a:r>
-          </a:p>
-          <a:p>
-            <a:pPr marL="0" marR="0" lvl="0" indent="0" algn="l" defTabSz="914400" rtl="0" eaLnBrk="1" fontAlgn="auto" latinLnBrk="0" hangingPunct="1">
-              <a:lnSpc>
-                <a:spcPct val="100000"/>
-              </a:lnSpc>
-              <a:spcBef>
-                <a:spcPts val="0"/>
-              </a:spcBef>
-              <a:spcAft>
-                <a:spcPts val="0"/>
-              </a:spcAft>
-              <a:buClrTx/>
-              <a:buSzTx/>
-              <a:buFontTx/>
-              <a:buNone/>
-              <a:tabLst/>
-              <a:defRPr/>
-            </a:pPr>
-            <a:r>
-              <a:rPr lang="en-US" sz="700" spc="0" baseline="0" dirty="0">
-                <a:ln/>
-                <a:solidFill>
-                  <a:schemeClr val="bg1"/>
-                </a:solidFill>
-                <a:latin typeface="Metropolis-Regular"/>
-                <a:sym typeface="Metropolis-Regular"/>
-                <a:rtl val="0"/>
-              </a:rPr>
-              <a:t>All Rights Reserved. The term “Broadcom” refers to Broadcom Inc. and/or its subsidiaries.</a:t>
-            </a:r>
+            <a:pPr marL="342900" indent="-342900"/>
+            <a:r>
+              <a:rPr lang="en-US" dirty="0" smtClean="0"/>
+              <a:t>VMware Developer Center</a:t>
+            </a:r>
+          </a:p>
+          <a:p>
+            <a:pPr marL="342900" indent="-342900"/>
+            <a:endParaRPr lang="en-US" dirty="0" smtClean="0"/>
+          </a:p>
+          <a:p>
+            <a:pPr marL="342900" indent="-342900"/>
+            <a:endParaRPr lang="en-US" dirty="0"/>
           </a:p>
         </p:txBody>
       </p:sp>
     </p:spTree>
     <p:extLst>
       <p:ext uri="{BB962C8B-B14F-4D97-AF65-F5344CB8AC3E}">
-        <p14:creationId xmlns:p14="http://schemas.microsoft.com/office/powerpoint/2010/main" val="2186636965"/>
+        <p14:creationId xmlns:p14="http://schemas.microsoft.com/office/powerpoint/2010/main" val="2568143770"/>
       </p:ext>
     </p:extLst>
   </p:cSld>
@@ -24567,26 +24541,12 @@
 </file>
 
 <file path=customXml/item1.xml><?xml version="1.0" encoding="utf-8"?>
-<p:properties xmlns:p="http://schemas.microsoft.com/office/2006/metadata/properties" xmlns:xsi="http://www.w3.org/2001/XMLSchema-instance" xmlns:pc="http://schemas.microsoft.com/office/infopath/2007/PartnerControls">
-  <documentManagement>
-    <lcf76f155ced4ddcb4097134ff3c332f xmlns="34d4d772-b3f2-47fc-9a2d-2126f9957ae8">
-      <Terms xmlns="http://schemas.microsoft.com/office/infopath/2007/PartnerControls"/>
-    </lcf76f155ced4ddcb4097134ff3c332f>
-    <TaxCatchAll xmlns="d345b56e-75a0-4ca8-9b4b-110cb999efd5" xsi:nil="true"/>
-    <SharedWithUsers xmlns="d345b56e-75a0-4ca8-9b4b-110cb999efd5">
-      <UserInfo>
-        <DisplayName>Juanly Cabrera</DisplayName>
-        <AccountId>17</AccountId>
-        <AccountType/>
-      </UserInfo>
-      <UserInfo>
-        <DisplayName>Andre Fernandes</DisplayName>
-        <AccountId>20</AccountId>
-        <AccountType/>
-      </UserInfo>
-    </SharedWithUsers>
-  </documentManagement>
-</p:properties>
+<?mso-contentType ?>
+<FormTemplates xmlns="http://schemas.microsoft.com/sharepoint/v3/contenttype/forms">
+  <Display>DocumentLibraryForm</Display>
+  <Edit>DocumentLibraryForm</Edit>
+  <New>DocumentLibraryForm</New>
+</FormTemplates>
 </file>
 
 <file path=customXml/item2.xml><?xml version="1.0" encoding="utf-8"?>
@@ -24825,27 +24785,32 @@
 </file>
 
 <file path=customXml/item3.xml><?xml version="1.0" encoding="utf-8"?>
-<?mso-contentType ?>
-<FormTemplates xmlns="http://schemas.microsoft.com/sharepoint/v3/contenttype/forms">
-  <Display>DocumentLibraryForm</Display>
-  <Edit>DocumentLibraryForm</Edit>
-  <New>DocumentLibraryForm</New>
-</FormTemplates>
+<p:properties xmlns:p="http://schemas.microsoft.com/office/2006/metadata/properties" xmlns:xsi="http://www.w3.org/2001/XMLSchema-instance" xmlns:pc="http://schemas.microsoft.com/office/infopath/2007/PartnerControls">
+  <documentManagement>
+    <lcf76f155ced4ddcb4097134ff3c332f xmlns="34d4d772-b3f2-47fc-9a2d-2126f9957ae8">
+      <Terms xmlns="http://schemas.microsoft.com/office/infopath/2007/PartnerControls"/>
+    </lcf76f155ced4ddcb4097134ff3c332f>
+    <TaxCatchAll xmlns="d345b56e-75a0-4ca8-9b4b-110cb999efd5" xsi:nil="true"/>
+    <SharedWithUsers xmlns="d345b56e-75a0-4ca8-9b4b-110cb999efd5">
+      <UserInfo>
+        <DisplayName>Juanly Cabrera</DisplayName>
+        <AccountId>17</AccountId>
+        <AccountType/>
+      </UserInfo>
+      <UserInfo>
+        <DisplayName>Andre Fernandes</DisplayName>
+        <AccountId>20</AccountId>
+        <AccountType/>
+      </UserInfo>
+    </SharedWithUsers>
+  </documentManagement>
+</p:properties>
 </file>
 
 <file path=customXml/itemProps1.xml><?xml version="1.0" encoding="utf-8"?>
-<ds:datastoreItem xmlns:ds="http://schemas.openxmlformats.org/officeDocument/2006/customXml" ds:itemID="{51634573-F7D8-4ECC-B5FF-91D1E5D2E650}">
+<ds:datastoreItem xmlns:ds="http://schemas.openxmlformats.org/officeDocument/2006/customXml" ds:itemID="{BAD99180-4DF7-4231-B572-5E5D5B192DA4}">
   <ds:schemaRefs>
-    <ds:schemaRef ds:uri="34d4d772-b3f2-47fc-9a2d-2126f9957ae8"/>
-    <ds:schemaRef ds:uri="d345b56e-75a0-4ca8-9b4b-110cb999efd5"/>
-    <ds:schemaRef ds:uri="http://purl.org/dc/dcmitype/"/>
-    <ds:schemaRef ds:uri="http://purl.org/dc/elements/1.1/"/>
-    <ds:schemaRef ds:uri="http://purl.org/dc/terms/"/>
-    <ds:schemaRef ds:uri="http://schemas.microsoft.com/office/2006/documentManagement/types"/>
-    <ds:schemaRef ds:uri="http://schemas.microsoft.com/office/2006/metadata/properties"/>
-    <ds:schemaRef ds:uri="http://schemas.microsoft.com/office/infopath/2007/PartnerControls"/>
-    <ds:schemaRef ds:uri="http://schemas.openxmlformats.org/package/2006/metadata/core-properties"/>
-    <ds:schemaRef ds:uri="http://www.w3.org/XML/1998/namespace"/>
+    <ds:schemaRef ds:uri="http://schemas.microsoft.com/sharepoint/v3/contenttype/forms"/>
   </ds:schemaRefs>
 </ds:datastoreItem>
 </file>
@@ -24870,9 +24835,18 @@
 </file>
 
 <file path=customXml/itemProps3.xml><?xml version="1.0" encoding="utf-8"?>
-<ds:datastoreItem xmlns:ds="http://schemas.openxmlformats.org/officeDocument/2006/customXml" ds:itemID="{BAD99180-4DF7-4231-B572-5E5D5B192DA4}">
+<ds:datastoreItem xmlns:ds="http://schemas.openxmlformats.org/officeDocument/2006/customXml" ds:itemID="{51634573-F7D8-4ECC-B5FF-91D1E5D2E650}">
   <ds:schemaRefs>
-    <ds:schemaRef ds:uri="http://schemas.microsoft.com/sharepoint/v3/contenttype/forms"/>
+    <ds:schemaRef ds:uri="34d4d772-b3f2-47fc-9a2d-2126f9957ae8"/>
+    <ds:schemaRef ds:uri="d345b56e-75a0-4ca8-9b4b-110cb999efd5"/>
+    <ds:schemaRef ds:uri="http://purl.org/dc/dcmitype/"/>
+    <ds:schemaRef ds:uri="http://purl.org/dc/elements/1.1/"/>
+    <ds:schemaRef ds:uri="http://purl.org/dc/terms/"/>
+    <ds:schemaRef ds:uri="http://schemas.microsoft.com/office/2006/documentManagement/types"/>
+    <ds:schemaRef ds:uri="http://schemas.microsoft.com/office/2006/metadata/properties"/>
+    <ds:schemaRef ds:uri="http://schemas.microsoft.com/office/infopath/2007/PartnerControls"/>
+    <ds:schemaRef ds:uri="http://schemas.openxmlformats.org/package/2006/metadata/core-properties"/>
+    <ds:schemaRef ds:uri="http://www.w3.org/XML/1998/namespace"/>
   </ds:schemaRefs>
 </ds:datastoreItem>
 </file>
--- a/Powercli/VMwareExplore_2024/CODE1744LV - PowerCLI 201 - From the Shell to Writing Scripts.pptx
+++ b/Powercli/VMwareExplore_2024/CODE1744LV - PowerCLI 201 - From the Shell to Writing Scripts.pptx
@@ -5,34 +5,41 @@
     <p:sldMasterId id="2147483937" r:id="rId4"/>
   </p:sldMasterIdLst>
   <p:notesMasterIdLst>
-    <p:notesMasterId r:id="rId22"/>
+    <p:notesMasterId r:id="rId29"/>
   </p:notesMasterIdLst>
   <p:handoutMasterIdLst>
-    <p:handoutMasterId r:id="rId23"/>
+    <p:handoutMasterId r:id="rId30"/>
   </p:handoutMasterIdLst>
   <p:sldIdLst>
-    <p:sldId id="2147470580" r:id="rId5"/>
-    <p:sldId id="2147470579" r:id="rId6"/>
-    <p:sldId id="2147470581" r:id="rId7"/>
-    <p:sldId id="2147470582" r:id="rId8"/>
-    <p:sldId id="2147470583" r:id="rId9"/>
-    <p:sldId id="2147470593" r:id="rId10"/>
-    <p:sldId id="2147470578" r:id="rId11"/>
-    <p:sldId id="2147470584" r:id="rId12"/>
-    <p:sldId id="2147470585" r:id="rId13"/>
-    <p:sldId id="2147470586" r:id="rId14"/>
-    <p:sldId id="2147470587" r:id="rId15"/>
-    <p:sldId id="2147470589" r:id="rId16"/>
-    <p:sldId id="2147470590" r:id="rId17"/>
-    <p:sldId id="2147470591" r:id="rId18"/>
-    <p:sldId id="2147470592" r:id="rId19"/>
-    <p:sldId id="2026819541" r:id="rId20"/>
-    <p:sldId id="2026819543" r:id="rId21"/>
+    <p:sldId id="2147470582" r:id="rId5"/>
+    <p:sldId id="2147470594" r:id="rId6"/>
+    <p:sldId id="2147470596" r:id="rId7"/>
+    <p:sldId id="2147470593" r:id="rId8"/>
+    <p:sldId id="2147470578" r:id="rId9"/>
+    <p:sldId id="2147470597" r:id="rId10"/>
+    <p:sldId id="2147470610" r:id="rId11"/>
+    <p:sldId id="2147470598" r:id="rId12"/>
+    <p:sldId id="2147470584" r:id="rId13"/>
+    <p:sldId id="2147470599" r:id="rId14"/>
+    <p:sldId id="2147470600" r:id="rId15"/>
+    <p:sldId id="2147470601" r:id="rId16"/>
+    <p:sldId id="2147470602" r:id="rId17"/>
+    <p:sldId id="2147470603" r:id="rId18"/>
+    <p:sldId id="2147470604" r:id="rId19"/>
+    <p:sldId id="2147470605" r:id="rId20"/>
+    <p:sldId id="2147470606" r:id="rId21"/>
+    <p:sldId id="2147470607" r:id="rId22"/>
+    <p:sldId id="2147470608" r:id="rId23"/>
+    <p:sldId id="2147470589" r:id="rId24"/>
+    <p:sldId id="2147470609" r:id="rId25"/>
+    <p:sldId id="2147470611" r:id="rId26"/>
+    <p:sldId id="2147470592" r:id="rId27"/>
+    <p:sldId id="2026819541" r:id="rId28"/>
   </p:sldIdLst>
   <p:sldSz cx="12188825" cy="6858000"/>
   <p:notesSz cx="6858000" cy="9144000"/>
   <p:custDataLst>
-    <p:tags r:id="rId24"/>
+    <p:tags r:id="rId31"/>
   </p:custDataLst>
   <p:defaultTextStyle>
     <a:defPPr>
@@ -133,28 +140,34 @@
     <p:ext uri="{521415D9-36F7-43E2-AB2F-B90AF26B5E84}">
       <p14:sectionLst xmlns:p14="http://schemas.microsoft.com/office/powerpoint/2010/main">
         <p14:section name="Instructional content" id="{58BEA273-1560-4F40-882D-D72BE2F08D38}">
-          <p14:sldIdLst>
-            <p14:sldId id="2147470580"/>
-            <p14:sldId id="2147470579"/>
-            <p14:sldId id="2147470581"/>
-          </p14:sldIdLst>
+          <p14:sldIdLst/>
         </p14:section>
         <p14:section name="Template" id="{095074CF-EC36-8641-8A3E-A95BC79C523F}">
           <p14:sldIdLst>
             <p14:sldId id="2147470582"/>
-            <p14:sldId id="2147470583"/>
+            <p14:sldId id="2147470594"/>
+            <p14:sldId id="2147470596"/>
             <p14:sldId id="2147470593"/>
             <p14:sldId id="2147470578"/>
+            <p14:sldId id="2147470597"/>
+            <p14:sldId id="2147470610"/>
+            <p14:sldId id="2147470598"/>
             <p14:sldId id="2147470584"/>
-            <p14:sldId id="2147470585"/>
-            <p14:sldId id="2147470586"/>
-            <p14:sldId id="2147470587"/>
+            <p14:sldId id="2147470599"/>
+            <p14:sldId id="2147470600"/>
+            <p14:sldId id="2147470601"/>
+            <p14:sldId id="2147470602"/>
+            <p14:sldId id="2147470603"/>
+            <p14:sldId id="2147470604"/>
+            <p14:sldId id="2147470605"/>
+            <p14:sldId id="2147470606"/>
+            <p14:sldId id="2147470607"/>
+            <p14:sldId id="2147470608"/>
             <p14:sldId id="2147470589"/>
-            <p14:sldId id="2147470590"/>
-            <p14:sldId id="2147470591"/>
+            <p14:sldId id="2147470609"/>
+            <p14:sldId id="2147470611"/>
             <p14:sldId id="2147470592"/>
             <p14:sldId id="2026819541"/>
-            <p14:sldId id="2026819543"/>
           </p14:sldIdLst>
         </p14:section>
         <p14:section name="APPENDIX" id="{06BBF2D1-F34A-3D41-AB4D-E6ADB4E37BD5}">
@@ -282,7 +295,7 @@
               <a:rPr lang="en-US" smtClean="0">
                 <a:latin typeface="Metropolis" panose="00000500000000000000" pitchFamily="50" charset="0"/>
               </a:rPr>
-              <a:t>8/9/2024</a:t>
+              <a:t>8/17/2024</a:t>
             </a:fld>
             <a:endParaRPr lang="en-US">
               <a:latin typeface="Metropolis" panose="00000500000000000000" pitchFamily="50" charset="0"/>
@@ -460,7 +473,7 @@
             <a:fld id="{3CB6F0DB-E055-41D0-9102-627A646E4242}" type="datetimeFigureOut">
               <a:rPr lang="en-US" smtClean="0"/>
               <a:pPr/>
-              <a:t>8/9/2024</a:t>
+              <a:t>8/17/2024</a:t>
             </a:fld>
             <a:endParaRPr lang="en-US"/>
           </a:p>
@@ -873,7 +886,7 @@
           <a:blip r:embed="rId3">
             <a:extLst>
               <a:ext uri="{96DAC541-7B7A-43D3-8B79-37D633B846F1}">
-                <asvg:svgBlip xmlns="" xmlns:asvg="http://schemas.microsoft.com/office/drawing/2016/SVG/main" r:embed="rId4"/>
+                <asvg:svgBlip xmlns:asvg="http://schemas.microsoft.com/office/drawing/2016/SVG/main" xmlns="" r:embed="rId4"/>
               </a:ext>
             </a:extLst>
           </a:blip>
@@ -1436,7 +1449,7 @@
                 <a16:creationId xmlns:a16="http://schemas.microsoft.com/office/drawing/2014/main" id="{AA1B5F83-A93D-544C-8DB4-B164DBF2F72D}"/>
               </a:ext>
               <a:ext uri="{C183D7F6-B498-43B3-948B-1728B52AA6E4}">
-                <adec:decorative xmlns="" xmlns:adec="http://schemas.microsoft.com/office/drawing/2017/decorative" val="1"/>
+                <adec:decorative xmlns:adec="http://schemas.microsoft.com/office/drawing/2017/decorative" xmlns="" val="1"/>
               </a:ext>
             </a:extLst>
           </p:cNvPr>
@@ -1648,7 +1661,7 @@
                 <a16:creationId xmlns:a16="http://schemas.microsoft.com/office/drawing/2014/main" id="{417D4F8B-2025-D14C-A41E-9C0B401DE6B0}"/>
               </a:ext>
               <a:ext uri="{C183D7F6-B498-43B3-948B-1728B52AA6E4}">
-                <adec:decorative xmlns="" xmlns:adec="http://schemas.microsoft.com/office/drawing/2017/decorative" val="1"/>
+                <adec:decorative xmlns:adec="http://schemas.microsoft.com/office/drawing/2017/decorative" xmlns="" val="1"/>
               </a:ext>
             </a:extLst>
           </p:cNvPr>
@@ -2114,7 +2127,7 @@
                 <a16:creationId xmlns:a16="http://schemas.microsoft.com/office/drawing/2014/main" id="{B164666E-28C9-844E-91D8-ECA2F1E57595}"/>
               </a:ext>
               <a:ext uri="{C183D7F6-B498-43B3-948B-1728B52AA6E4}">
-                <adec:decorative xmlns="" xmlns:adec="http://schemas.microsoft.com/office/drawing/2017/decorative" val="1"/>
+                <adec:decorative xmlns:adec="http://schemas.microsoft.com/office/drawing/2017/decorative" xmlns="" val="1"/>
               </a:ext>
             </a:extLst>
           </p:cNvPr>
@@ -2327,7 +2340,7 @@
                 <a16:creationId xmlns:a16="http://schemas.microsoft.com/office/drawing/2014/main" id="{97B963A1-3810-7A40-8918-6D6D68B4A836}"/>
               </a:ext>
               <a:ext uri="{C183D7F6-B498-43B3-948B-1728B52AA6E4}">
-                <adec:decorative xmlns="" xmlns:adec="http://schemas.microsoft.com/office/drawing/2017/decorative" val="1"/>
+                <adec:decorative xmlns:adec="http://schemas.microsoft.com/office/drawing/2017/decorative" xmlns="" val="1"/>
               </a:ext>
             </a:extLst>
           </p:cNvPr>
@@ -2449,7 +2462,7 @@
                 <a16:creationId xmlns:a16="http://schemas.microsoft.com/office/drawing/2014/main" id="{E17DA4B3-27AC-8A64-FD5E-59AEAE0D8559}"/>
               </a:ext>
               <a:ext uri="{C183D7F6-B498-43B3-948B-1728B52AA6E4}">
-                <adec:decorative xmlns="" xmlns:adec="http://schemas.microsoft.com/office/drawing/2017/decorative" val="1"/>
+                <adec:decorative xmlns:adec="http://schemas.microsoft.com/office/drawing/2017/decorative" xmlns="" val="1"/>
               </a:ext>
             </a:extLst>
           </p:cNvPr>
@@ -2969,7 +2982,7 @@
                 <a16:creationId xmlns:a16="http://schemas.microsoft.com/office/drawing/2014/main" id="{D864AC6E-1611-244C-BA28-696924BAB259}"/>
               </a:ext>
               <a:ext uri="{C183D7F6-B498-43B3-948B-1728B52AA6E4}">
-                <adec:decorative xmlns="" xmlns:adec="http://schemas.microsoft.com/office/drawing/2017/decorative" val="1"/>
+                <adec:decorative xmlns:adec="http://schemas.microsoft.com/office/drawing/2017/decorative" xmlns="" val="1"/>
               </a:ext>
             </a:extLst>
           </p:cNvPr>
@@ -3582,7 +3595,7 @@
                 <a16:creationId xmlns:a16="http://schemas.microsoft.com/office/drawing/2014/main" id="{85B60DB8-F067-969E-72B5-4E90025E5BF8}"/>
               </a:ext>
               <a:ext uri="{C183D7F6-B498-43B3-948B-1728B52AA6E4}">
-                <adec:decorative xmlns="" xmlns:adec="http://schemas.microsoft.com/office/drawing/2017/decorative" val="1"/>
+                <adec:decorative xmlns:adec="http://schemas.microsoft.com/office/drawing/2017/decorative" xmlns="" val="1"/>
               </a:ext>
             </a:extLst>
           </p:cNvPr>
@@ -4085,7 +4098,7 @@
                 <a16:creationId xmlns:a16="http://schemas.microsoft.com/office/drawing/2014/main" id="{F7E2C737-3A4D-924A-88B5-FA4D5C8A07C7}"/>
               </a:ext>
               <a:ext uri="{C183D7F6-B498-43B3-948B-1728B52AA6E4}">
-                <adec:decorative xmlns="" xmlns:adec="http://schemas.microsoft.com/office/drawing/2017/decorative" val="1"/>
+                <adec:decorative xmlns:adec="http://schemas.microsoft.com/office/drawing/2017/decorative" xmlns="" val="1"/>
               </a:ext>
             </a:extLst>
           </p:cNvPr>
@@ -4683,7 +4696,7 @@
                 <a16:creationId xmlns:a16="http://schemas.microsoft.com/office/drawing/2014/main" id="{56D4D92B-574E-4F63-A5BA-8F7282B54C27}"/>
               </a:ext>
               <a:ext uri="{C183D7F6-B498-43B3-948B-1728B52AA6E4}">
-                <adec:decorative xmlns="" xmlns:adec="http://schemas.microsoft.com/office/drawing/2017/decorative" val="1"/>
+                <adec:decorative xmlns:adec="http://schemas.microsoft.com/office/drawing/2017/decorative" xmlns="" val="1"/>
               </a:ext>
             </a:extLst>
           </p:cNvPr>
@@ -4847,7 +4860,7 @@
                 <a16:creationId xmlns:a16="http://schemas.microsoft.com/office/drawing/2014/main" id="{F789B473-DDE6-4450-A111-3761F341AAE3}"/>
               </a:ext>
               <a:ext uri="{C183D7F6-B498-43B3-948B-1728B52AA6E4}">
-                <adec:decorative xmlns="" xmlns:adec="http://schemas.microsoft.com/office/drawing/2017/decorative" val="1"/>
+                <adec:decorative xmlns:adec="http://schemas.microsoft.com/office/drawing/2017/decorative" xmlns="" val="1"/>
               </a:ext>
             </a:extLst>
           </p:cNvPr>
@@ -5357,7 +5370,7 @@
                 <a16:creationId xmlns:a16="http://schemas.microsoft.com/office/drawing/2014/main" id="{14F46384-B6E3-0D43-924E-874DEC2344B1}"/>
               </a:ext>
               <a:ext uri="{C183D7F6-B498-43B3-948B-1728B52AA6E4}">
-                <adec:decorative xmlns="" xmlns:adec="http://schemas.microsoft.com/office/drawing/2017/decorative" val="1"/>
+                <adec:decorative xmlns:adec="http://schemas.microsoft.com/office/drawing/2017/decorative" xmlns="" val="1"/>
               </a:ext>
             </a:extLst>
           </p:cNvPr>
@@ -5504,7 +5517,7 @@
                 <a16:creationId xmlns:a16="http://schemas.microsoft.com/office/drawing/2014/main" id="{33526770-8F35-FB4A-8638-521D0DA87F6C}"/>
               </a:ext>
               <a:ext uri="{C183D7F6-B498-43B3-948B-1728B52AA6E4}">
-                <adec:decorative xmlns="" xmlns:adec="http://schemas.microsoft.com/office/drawing/2017/decorative" val="1"/>
+                <adec:decorative xmlns:adec="http://schemas.microsoft.com/office/drawing/2017/decorative" xmlns="" val="1"/>
               </a:ext>
             </a:extLst>
           </p:cNvPr>
@@ -5651,7 +5664,7 @@
                 <a16:creationId xmlns:a16="http://schemas.microsoft.com/office/drawing/2014/main" id="{73C08A52-2522-8C40-B8B1-C98FEBB888F7}"/>
               </a:ext>
               <a:ext uri="{C183D7F6-B498-43B3-948B-1728B52AA6E4}">
-                <adec:decorative xmlns="" xmlns:adec="http://schemas.microsoft.com/office/drawing/2017/decorative" val="1"/>
+                <adec:decorative xmlns:adec="http://schemas.microsoft.com/office/drawing/2017/decorative" xmlns="" val="1"/>
               </a:ext>
             </a:extLst>
           </p:cNvPr>
@@ -5798,7 +5811,7 @@
                 <a16:creationId xmlns:a16="http://schemas.microsoft.com/office/drawing/2014/main" id="{9B57CCC6-06B1-7342-99B0-BC7C8FBE5E73}"/>
               </a:ext>
               <a:ext uri="{C183D7F6-B498-43B3-948B-1728B52AA6E4}">
-                <adec:decorative xmlns="" xmlns:adec="http://schemas.microsoft.com/office/drawing/2017/decorative" val="1"/>
+                <adec:decorative xmlns:adec="http://schemas.microsoft.com/office/drawing/2017/decorative" xmlns="" val="1"/>
               </a:ext>
             </a:extLst>
           </p:cNvPr>
@@ -5945,7 +5958,7 @@
                 <a16:creationId xmlns:a16="http://schemas.microsoft.com/office/drawing/2014/main" id="{23C87E7C-5ED2-214E-8A38-ED05177A65DC}"/>
               </a:ext>
               <a:ext uri="{C183D7F6-B498-43B3-948B-1728B52AA6E4}">
-                <adec:decorative xmlns="" xmlns:adec="http://schemas.microsoft.com/office/drawing/2017/decorative" val="1"/>
+                <adec:decorative xmlns:adec="http://schemas.microsoft.com/office/drawing/2017/decorative" xmlns="" val="1"/>
               </a:ext>
             </a:extLst>
           </p:cNvPr>
@@ -6714,7 +6727,7 @@
                 <a16:creationId xmlns:a16="http://schemas.microsoft.com/office/drawing/2014/main" id="{5CABBF0D-1BD1-F9E7-64FF-6B8D87E611B7}"/>
               </a:ext>
               <a:ext uri="{C183D7F6-B498-43B3-948B-1728B52AA6E4}">
-                <adec:decorative xmlns="" xmlns:adec="http://schemas.microsoft.com/office/drawing/2017/decorative" val="1"/>
+                <adec:decorative xmlns:adec="http://schemas.microsoft.com/office/drawing/2017/decorative" xmlns="" val="1"/>
               </a:ext>
             </a:extLst>
           </p:cNvPr>
@@ -7174,7 +7187,7 @@
                 <a16:creationId xmlns:a16="http://schemas.microsoft.com/office/drawing/2014/main" id="{B1C210DC-5DBB-4F0D-875F-CD8AAAB938CE}"/>
               </a:ext>
               <a:ext uri="{C183D7F6-B498-43B3-948B-1728B52AA6E4}">
-                <adec:decorative xmlns="" xmlns:adec="http://schemas.microsoft.com/office/drawing/2017/decorative" val="1"/>
+                <adec:decorative xmlns:adec="http://schemas.microsoft.com/office/drawing/2017/decorative" xmlns="" val="1"/>
               </a:ext>
             </a:extLst>
           </p:cNvPr>
@@ -7373,7 +7386,7 @@
                 <a16:creationId xmlns:a16="http://schemas.microsoft.com/office/drawing/2014/main" id="{6FECF9D0-D7A8-43DD-B38D-E1090C0B322F}"/>
               </a:ext>
               <a:ext uri="{C183D7F6-B498-43B3-948B-1728B52AA6E4}">
-                <adec:decorative xmlns="" xmlns:adec="http://schemas.microsoft.com/office/drawing/2017/decorative" val="1"/>
+                <adec:decorative xmlns:adec="http://schemas.microsoft.com/office/drawing/2017/decorative" xmlns="" val="1"/>
               </a:ext>
             </a:extLst>
           </p:cNvPr>
@@ -7586,7 +7599,7 @@
                 <a16:creationId xmlns:a16="http://schemas.microsoft.com/office/drawing/2014/main" id="{446F04B0-7860-407F-85B7-42E38FAFE34B}"/>
               </a:ext>
               <a:ext uri="{C183D7F6-B498-43B3-948B-1728B52AA6E4}">
-                <adec:decorative xmlns="" xmlns:adec="http://schemas.microsoft.com/office/drawing/2017/decorative" val="1"/>
+                <adec:decorative xmlns:adec="http://schemas.microsoft.com/office/drawing/2017/decorative" xmlns="" val="1"/>
               </a:ext>
             </a:extLst>
           </p:cNvPr>
@@ -8013,7 +8026,7 @@
                 <a16:creationId xmlns:a16="http://schemas.microsoft.com/office/drawing/2014/main" id="{085441A7-EBA5-4ABB-8D29-CE4338F0F9B5}"/>
               </a:ext>
               <a:ext uri="{C183D7F6-B498-43B3-948B-1728B52AA6E4}">
-                <adec:decorative xmlns="" xmlns:adec="http://schemas.microsoft.com/office/drawing/2017/decorative" val="1"/>
+                <adec:decorative xmlns:adec="http://schemas.microsoft.com/office/drawing/2017/decorative" xmlns="" val="1"/>
               </a:ext>
             </a:extLst>
           </p:cNvPr>
@@ -8230,7 +8243,7 @@
                 <a16:creationId xmlns:a16="http://schemas.microsoft.com/office/drawing/2014/main" id="{45D908EF-1F96-4808-A8DB-F55AB9E8E436}"/>
               </a:ext>
               <a:ext uri="{C183D7F6-B498-43B3-948B-1728B52AA6E4}">
-                <adec:decorative xmlns="" xmlns:adec="http://schemas.microsoft.com/office/drawing/2017/decorative" val="1"/>
+                <adec:decorative xmlns:adec="http://schemas.microsoft.com/office/drawing/2017/decorative" xmlns="" val="1"/>
               </a:ext>
             </a:extLst>
           </p:cNvPr>
@@ -8443,7 +8456,7 @@
                 <a16:creationId xmlns:a16="http://schemas.microsoft.com/office/drawing/2014/main" id="{5670C03F-6336-45E3-A9F4-0CD130D80D1B}"/>
               </a:ext>
               <a:ext uri="{C183D7F6-B498-43B3-948B-1728B52AA6E4}">
-                <adec:decorative xmlns="" xmlns:adec="http://schemas.microsoft.com/office/drawing/2017/decorative" val="1"/>
+                <adec:decorative xmlns:adec="http://schemas.microsoft.com/office/drawing/2017/decorative" xmlns="" val="1"/>
               </a:ext>
             </a:extLst>
           </p:cNvPr>
@@ -8656,7 +8669,7 @@
                 <a16:creationId xmlns:a16="http://schemas.microsoft.com/office/drawing/2014/main" id="{3019BB56-AE7C-42CA-A8FF-432F4F176B8B}"/>
               </a:ext>
               <a:ext uri="{C183D7F6-B498-43B3-948B-1728B52AA6E4}">
-                <adec:decorative xmlns="" xmlns:adec="http://schemas.microsoft.com/office/drawing/2017/decorative" val="1"/>
+                <adec:decorative xmlns:adec="http://schemas.microsoft.com/office/drawing/2017/decorative" xmlns="" val="1"/>
               </a:ext>
             </a:extLst>
           </p:cNvPr>
@@ -9083,7 +9096,7 @@
                 <a16:creationId xmlns:a16="http://schemas.microsoft.com/office/drawing/2014/main" id="{A1FDF9D3-5B68-4A75-97BF-2C5113CFAA66}"/>
               </a:ext>
               <a:ext uri="{C183D7F6-B498-43B3-948B-1728B52AA6E4}">
-                <adec:decorative xmlns="" xmlns:adec="http://schemas.microsoft.com/office/drawing/2017/decorative" val="1"/>
+                <adec:decorative xmlns:adec="http://schemas.microsoft.com/office/drawing/2017/decorative" xmlns="" val="1"/>
               </a:ext>
             </a:extLst>
           </p:cNvPr>
@@ -9282,7 +9295,7 @@
                 <a16:creationId xmlns:a16="http://schemas.microsoft.com/office/drawing/2014/main" id="{C551C90A-573F-4E4A-9359-5C7B0F546BF9}"/>
               </a:ext>
               <a:ext uri="{C183D7F6-B498-43B3-948B-1728B52AA6E4}">
-                <adec:decorative xmlns="" xmlns:adec="http://schemas.microsoft.com/office/drawing/2017/decorative" val="1"/>
+                <adec:decorative xmlns:adec="http://schemas.microsoft.com/office/drawing/2017/decorative" xmlns="" val="1"/>
               </a:ext>
             </a:extLst>
           </p:cNvPr>
@@ -9484,7 +9497,7 @@
                 <a16:creationId xmlns:a16="http://schemas.microsoft.com/office/drawing/2014/main" id="{AF79E162-3D8F-4829-A4AD-02A03597B11A}"/>
               </a:ext>
               <a:ext uri="{C183D7F6-B498-43B3-948B-1728B52AA6E4}">
-                <adec:decorative xmlns="" xmlns:adec="http://schemas.microsoft.com/office/drawing/2017/decorative" val="1"/>
+                <adec:decorative xmlns:adec="http://schemas.microsoft.com/office/drawing/2017/decorative" xmlns="" val="1"/>
               </a:ext>
             </a:extLst>
           </p:cNvPr>
@@ -9697,7 +9710,7 @@
                 <a16:creationId xmlns:a16="http://schemas.microsoft.com/office/drawing/2014/main" id="{026B9B36-08E7-4664-970C-13123F24C793}"/>
               </a:ext>
               <a:ext uri="{C183D7F6-B498-43B3-948B-1728B52AA6E4}">
-                <adec:decorative xmlns="" xmlns:adec="http://schemas.microsoft.com/office/drawing/2017/decorative" val="1"/>
+                <adec:decorative xmlns:adec="http://schemas.microsoft.com/office/drawing/2017/decorative" xmlns="" val="1"/>
               </a:ext>
             </a:extLst>
           </p:cNvPr>
@@ -9914,7 +9927,7 @@
                 <a16:creationId xmlns:a16="http://schemas.microsoft.com/office/drawing/2014/main" id="{7EAB1992-E472-4489-8A4E-A8FE45DE10CF}"/>
               </a:ext>
               <a:ext uri="{C183D7F6-B498-43B3-948B-1728B52AA6E4}">
-                <adec:decorative xmlns="" xmlns:adec="http://schemas.microsoft.com/office/drawing/2017/decorative" val="1"/>
+                <adec:decorative xmlns:adec="http://schemas.microsoft.com/office/drawing/2017/decorative" xmlns="" val="1"/>
               </a:ext>
             </a:extLst>
           </p:cNvPr>
@@ -10488,7 +10501,7 @@
           <a:blip r:embed="rId3">
             <a:extLst>
               <a:ext uri="{96DAC541-7B7A-43D3-8B79-37D633B846F1}">
-                <asvg:svgBlip xmlns="" xmlns:asvg="http://schemas.microsoft.com/office/drawing/2016/SVG/main" r:embed="rId4"/>
+                <asvg:svgBlip xmlns:asvg="http://schemas.microsoft.com/office/drawing/2016/SVG/main" xmlns="" r:embed="rId4"/>
               </a:ext>
             </a:extLst>
           </a:blip>
@@ -10673,7 +10686,7 @@
           <a:blip r:embed="rId3">
             <a:extLst>
               <a:ext uri="{96DAC541-7B7A-43D3-8B79-37D633B846F1}">
-                <asvg:svgBlip xmlns="" xmlns:asvg="http://schemas.microsoft.com/office/drawing/2016/SVG/main" r:embed="rId4"/>
+                <asvg:svgBlip xmlns:asvg="http://schemas.microsoft.com/office/drawing/2016/SVG/main" xmlns="" r:embed="rId4"/>
               </a:ext>
             </a:extLst>
           </a:blip>
@@ -10935,7 +10948,7 @@
           <a:blip r:embed="rId2">
             <a:extLst>
               <a:ext uri="{96DAC541-7B7A-43D3-8B79-37D633B846F1}">
-                <asvg:svgBlip xmlns="" xmlns:asvg="http://schemas.microsoft.com/office/drawing/2016/SVG/main" r:embed="rId3"/>
+                <asvg:svgBlip xmlns:asvg="http://schemas.microsoft.com/office/drawing/2016/SVG/main" xmlns="" r:embed="rId3"/>
               </a:ext>
             </a:extLst>
           </a:blip>
@@ -11188,7 +11201,7 @@
                 <a16:creationId xmlns:a16="http://schemas.microsoft.com/office/drawing/2014/main" id="{B59E37DB-3217-4772-AE8E-E9673A139975}"/>
               </a:ext>
               <a:ext uri="{C183D7F6-B498-43B3-948B-1728B52AA6E4}">
-                <adec:decorative xmlns="" xmlns:adec="http://schemas.microsoft.com/office/drawing/2017/decorative" val="1"/>
+                <adec:decorative xmlns:adec="http://schemas.microsoft.com/office/drawing/2017/decorative" xmlns="" val="1"/>
               </a:ext>
             </a:extLst>
           </p:cNvPr>
@@ -11237,7 +11250,7 @@
                 <a16:creationId xmlns:a16="http://schemas.microsoft.com/office/drawing/2014/main" id="{F0DFE264-D676-EA48-BBA7-F4F0331FA268}"/>
               </a:ext>
               <a:ext uri="{C183D7F6-B498-43B3-948B-1728B52AA6E4}">
-                <adec:decorative xmlns="" xmlns:adec="http://schemas.microsoft.com/office/drawing/2017/decorative" val="1"/>
+                <adec:decorative xmlns:adec="http://schemas.microsoft.com/office/drawing/2017/decorative" xmlns="" val="1"/>
               </a:ext>
             </a:extLst>
           </p:cNvPr>
@@ -11340,7 +11353,7 @@
                 <a16:creationId xmlns:a16="http://schemas.microsoft.com/office/drawing/2014/main" id="{A0BB7D6E-2488-A644-A910-415B17221FBC}"/>
               </a:ext>
               <a:ext uri="{C183D7F6-B498-43B3-948B-1728B52AA6E4}">
-                <adec:decorative xmlns="" xmlns:adec="http://schemas.microsoft.com/office/drawing/2017/decorative" val="1"/>
+                <adec:decorative xmlns:adec="http://schemas.microsoft.com/office/drawing/2017/decorative" xmlns="" val="1"/>
               </a:ext>
             </a:extLst>
           </p:cNvPr>
@@ -16289,7 +16302,7 @@
           <a:blip r:embed="rId2">
             <a:extLst>
               <a:ext uri="{96DAC541-7B7A-43D3-8B79-37D633B846F1}">
-                <asvg:svgBlip xmlns="" xmlns:asvg="http://schemas.microsoft.com/office/drawing/2016/SVG/main" r:embed="rId3"/>
+                <asvg:svgBlip xmlns:asvg="http://schemas.microsoft.com/office/drawing/2016/SVG/main" xmlns="" r:embed="rId3"/>
               </a:ext>
             </a:extLst>
           </a:blip>
@@ -18848,7 +18861,7 @@
           <a:blip r:embed="rId28">
             <a:extLst>
               <a:ext uri="{96DAC541-7B7A-43D3-8B79-37D633B846F1}">
-                <asvg:svgBlip xmlns="" xmlns:asvg="http://schemas.microsoft.com/office/drawing/2016/SVG/main" r:embed="rId29"/>
+                <asvg:svgBlip xmlns:asvg="http://schemas.microsoft.com/office/drawing/2016/SVG/main" xmlns="" r:embed="rId29"/>
               </a:ext>
             </a:extLst>
           </a:blip>
@@ -19512,7 +19525,7 @@
 </file>
 
 <file path=ppt/slides/slide1.xml><?xml version="1.0" encoding="utf-8"?>
-<p:sld xmlns:a="http://schemas.openxmlformats.org/drawingml/2006/main" xmlns:r="http://schemas.openxmlformats.org/officeDocument/2006/relationships" xmlns:p="http://schemas.openxmlformats.org/presentationml/2006/main" show="0">
+<p:sld xmlns:a="http://schemas.openxmlformats.org/drawingml/2006/main" xmlns:r="http://schemas.openxmlformats.org/officeDocument/2006/relationships" xmlns:p="http://schemas.openxmlformats.org/presentationml/2006/main">
   <p:cSld>
     <p:spTree>
       <p:nvGrpSpPr>
@@ -19530,10 +19543,101 @@
       </p:grpSpPr>
       <p:sp>
         <p:nvSpPr>
-          <p:cNvPr id="2" name="Title 1">
+          <p:cNvPr id="13" name="Text Placeholder 12">
             <a:extLst>
               <a:ext uri="{FF2B5EF4-FFF2-40B4-BE49-F238E27FC236}">
-                <a16:creationId xmlns:a16="http://schemas.microsoft.com/office/drawing/2014/main" id="{168374A4-8AEB-800A-566E-4F1AB585A89A}"/>
+                <a16:creationId xmlns:a16="http://schemas.microsoft.com/office/drawing/2014/main" id="{222FB045-4DAE-A1C8-DF9F-B4AA0ED41E3E}"/>
+              </a:ext>
+            </a:extLst>
+          </p:cNvPr>
+          <p:cNvSpPr>
+            <a:spLocks noGrp="1"/>
+          </p:cNvSpPr>
+          <p:nvPr>
+            <p:ph type="body" sz="quarter" idx="11"/>
+          </p:nvPr>
+        </p:nvSpPr>
+        <p:spPr/>
+        <p:txBody>
+          <a:bodyPr/>
+          <a:lstStyle/>
+          <a:p>
+            <a:r>
+              <a:rPr lang="en-US" dirty="0" smtClean="0"/>
+              <a:t>Justin Sider</a:t>
+            </a:r>
+            <a:endParaRPr lang="en-US" dirty="0"/>
+          </a:p>
+        </p:txBody>
+      </p:sp>
+      <p:sp>
+        <p:nvSpPr>
+          <p:cNvPr id="14" name="Text Placeholder 13">
+            <a:extLst>
+              <a:ext uri="{FF2B5EF4-FFF2-40B4-BE49-F238E27FC236}">
+                <a16:creationId xmlns:a16="http://schemas.microsoft.com/office/drawing/2014/main" id="{C02107BA-34B4-85E7-3812-729A10DEF8A7}"/>
+              </a:ext>
+            </a:extLst>
+          </p:cNvPr>
+          <p:cNvSpPr>
+            <a:spLocks noGrp="1"/>
+          </p:cNvSpPr>
+          <p:nvPr>
+            <p:ph type="body" sz="quarter" idx="12"/>
+          </p:nvPr>
+        </p:nvSpPr>
+        <p:spPr/>
+        <p:txBody>
+          <a:bodyPr/>
+          <a:lstStyle/>
+          <a:p>
+            <a:r>
+              <a:rPr lang="en-US" dirty="0" smtClean="0"/>
+              <a:t>Chief PowerShell Officer – Belay Technologies</a:t>
+            </a:r>
+            <a:endParaRPr lang="en-US" dirty="0"/>
+          </a:p>
+        </p:txBody>
+      </p:sp>
+      <p:sp>
+        <p:nvSpPr>
+          <p:cNvPr id="15" name="Text Placeholder 14">
+            <a:extLst>
+              <a:ext uri="{FF2B5EF4-FFF2-40B4-BE49-F238E27FC236}">
+                <a16:creationId xmlns:a16="http://schemas.microsoft.com/office/drawing/2014/main" id="{E4890F4D-2A2A-476E-87B3-B4740C3D18E2}"/>
+              </a:ext>
+            </a:extLst>
+          </p:cNvPr>
+          <p:cNvSpPr>
+            <a:spLocks noGrp="1"/>
+          </p:cNvSpPr>
+          <p:nvPr>
+            <p:ph type="body" sz="quarter" idx="14"/>
+          </p:nvPr>
+        </p:nvSpPr>
+        <p:spPr/>
+        <p:txBody>
+          <a:bodyPr/>
+          <a:lstStyle/>
+          <a:p>
+            <a:r>
+              <a:rPr lang="en-US" dirty="0"/>
+              <a:t>#</a:t>
+            </a:r>
+            <a:r>
+              <a:rPr lang="en-US" dirty="0" smtClean="0"/>
+              <a:t>CODE1744LV</a:t>
+            </a:r>
+            <a:endParaRPr lang="en-US" dirty="0"/>
+          </a:p>
+        </p:txBody>
+      </p:sp>
+      <p:sp>
+        <p:nvSpPr>
+          <p:cNvPr id="8" name="Title 4" title="Title">
+            <a:extLst>
+              <a:ext uri="{FF2B5EF4-FFF2-40B4-BE49-F238E27FC236}">
+                <a16:creationId xmlns:a16="http://schemas.microsoft.com/office/drawing/2014/main" id="{6AF36ABC-9C30-E49E-A919-AC10E0F93B73}"/>
               </a:ext>
             </a:extLst>
           </p:cNvPr>
@@ -19544,26 +19648,18 @@
             <p:ph type="title"/>
           </p:nvPr>
         </p:nvSpPr>
-        <p:spPr>
-          <a:xfrm>
-            <a:off x="608013" y="546019"/>
-            <a:ext cx="11001004" cy="381000"/>
-          </a:xfrm>
-        </p:spPr>
+        <p:spPr/>
         <p:txBody>
           <a:bodyPr/>
           <a:lstStyle/>
           <a:p>
             <a:r>
-              <a:rPr lang="en-US" dirty="0"/>
-              <a:t>Quick Guide</a:t>
-            </a:r>
-            <a:br>
-              <a:rPr lang="en-US" dirty="0"/>
-            </a:br>
-            <a:r>
-              <a:rPr lang="en-US" sz="2000" dirty="0"/>
-              <a:t>Start here to store and create your presentation</a:t>
+              <a:rPr lang="en-US" sz="4000" dirty="0" err="1" smtClean="0"/>
+              <a:t>PowerCLI</a:t>
+            </a:r>
+            <a:r>
+              <a:rPr lang="en-US" sz="4000" dirty="0" smtClean="0"/>
+              <a:t> 201</a:t>
             </a:r>
             <a:endParaRPr lang="en-US" dirty="0"/>
           </a:p>
@@ -19571,10 +19667,10 @@
       </p:sp>
       <p:sp>
         <p:nvSpPr>
-          <p:cNvPr id="4" name="Content Placeholder 3">
+          <p:cNvPr id="9" name="Subtitle 5" title="Subtitle">
             <a:extLst>
               <a:ext uri="{FF2B5EF4-FFF2-40B4-BE49-F238E27FC236}">
-                <a16:creationId xmlns:a16="http://schemas.microsoft.com/office/drawing/2014/main" id="{8EA01140-1085-AE81-AFA5-D43AF97713F8}"/>
+                <a16:creationId xmlns:a16="http://schemas.microsoft.com/office/drawing/2014/main" id="{5C458ECF-94C9-BC18-C2C8-2A294DE58AE8}"/>
               </a:ext>
             </a:extLst>
           </p:cNvPr>
@@ -19582,261 +19678,112 @@
             <a:spLocks noGrp="1"/>
           </p:cNvSpPr>
           <p:nvPr>
-            <p:ph sz="quarter" idx="17"/>
+            <p:ph type="subTitle" idx="4294967295"/>
           </p:nvPr>
         </p:nvSpPr>
         <p:spPr>
           <a:xfrm>
-            <a:off x="6514827" y="1195126"/>
-            <a:ext cx="5486399" cy="4572000"/>
+            <a:off x="588494" y="4446003"/>
+            <a:ext cx="5505917" cy="416403"/>
           </a:xfrm>
         </p:spPr>
         <p:txBody>
-          <a:bodyPr vert="horz" lIns="0" tIns="0" rIns="0" bIns="0" rtlCol="0" anchor="t">
-            <a:noAutofit/>
-          </a:bodyPr>
+          <a:bodyPr/>
           <a:lstStyle/>
           <a:p>
             <a:r>
-              <a:rPr lang="en-US" sz="1200" dirty="0"/>
-              <a:t>How to store and share your PowerPoint on Box or locally.</a:t>
-            </a:r>
-          </a:p>
-          <a:p>
-            <a:pPr marL="342900" indent="-342900">
-              <a:buFont typeface="+mj-lt"/>
-              <a:buAutoNum type="arabicPeriod"/>
-            </a:pPr>
-            <a:r>
-              <a:rPr lang="en-US" sz="1200" dirty="0"/>
-              <a:t>Identify a location in Box and store your PowerPoint deck. Share the document with collaborators as needed.</a:t>
-            </a:r>
-          </a:p>
-          <a:p>
-            <a:pPr marL="342900" indent="-342900">
-              <a:buFont typeface="+mj-lt"/>
-              <a:buAutoNum type="arabicPeriod"/>
-            </a:pPr>
-            <a:r>
-              <a:rPr lang="en-US" sz="1200" dirty="0"/>
-              <a:t>Edit in PowerPoint. Do not edit in Google Slides.</a:t>
-            </a:r>
-          </a:p>
-          <a:p>
-            <a:pPr marL="342900" indent="-342900">
-              <a:buFont typeface="+mj-lt"/>
-              <a:buAutoNum type="arabicPeriod"/>
-            </a:pPr>
-            <a:endParaRPr lang="en-US" sz="1200" dirty="0"/>
-          </a:p>
-          <a:p>
-            <a:pPr marL="342900" indent="-342900">
-              <a:buFont typeface="+mj-lt"/>
-              <a:buAutoNum type="arabicPeriod"/>
-            </a:pPr>
-            <a:endParaRPr lang="en-US" sz="1200" dirty="0"/>
-          </a:p>
-          <a:p>
-            <a:pPr marL="342900" indent="-342900">
-              <a:buFont typeface="+mj-lt"/>
-              <a:buAutoNum type="arabicPeriod"/>
-            </a:pPr>
-            <a:endParaRPr lang="en-US" sz="1200" dirty="0"/>
-          </a:p>
-          <a:p>
-            <a:pPr marL="342900" indent="-342900">
-              <a:buFont typeface="+mj-lt"/>
-              <a:buAutoNum type="arabicPeriod"/>
-            </a:pPr>
-            <a:endParaRPr lang="en-US" sz="1200" dirty="0"/>
-          </a:p>
-          <a:p>
-            <a:pPr marL="228600" indent="-228600">
-              <a:buFont typeface="+mj-lt"/>
-              <a:buAutoNum type="arabicPeriod"/>
-            </a:pPr>
-            <a:r>
-              <a:rPr lang="en-US" sz="1200" dirty="0"/>
-              <a:t>Lock the file while you are editing it to avoid versioning issues.</a:t>
-            </a:r>
-            <a:br>
-              <a:rPr lang="en-US" sz="1200" dirty="0"/>
-            </a:br>
-            <a:r>
-              <a:rPr lang="en-US" sz="1200" dirty="0"/>
-              <a:t/>
-            </a:r>
-            <a:br>
-              <a:rPr lang="en-US" sz="1200" dirty="0"/>
-            </a:br>
-            <a:r>
-              <a:rPr lang="en-US" sz="1200" dirty="0"/>
-              <a:t/>
-            </a:r>
-            <a:br>
-              <a:rPr lang="en-US" sz="1200" dirty="0"/>
-            </a:br>
-            <a:r>
-              <a:rPr lang="en-US" sz="1200" dirty="0"/>
-              <a:t/>
-            </a:r>
-            <a:br>
-              <a:rPr lang="en-US" sz="1200" dirty="0"/>
-            </a:br>
-            <a:r>
-              <a:rPr lang="en-US" sz="1200" dirty="0"/>
-              <a:t/>
-            </a:r>
-            <a:br>
-              <a:rPr lang="en-US" sz="1200" dirty="0"/>
-            </a:br>
-            <a:endParaRPr lang="en-US" sz="1200" dirty="0"/>
-          </a:p>
-          <a:p>
-            <a:pPr marL="342900" indent="-342900">
-              <a:buFont typeface="+mj-lt"/>
-              <a:buAutoNum type="arabicPeriod"/>
-            </a:pPr>
-            <a:r>
-              <a:rPr lang="en-US" sz="1200" dirty="0"/>
-              <a:t>Save the PowerPoint and you will see your edits reflected in the version on Box. Alternatively, you can upload a new file version.</a:t>
-            </a:r>
+              <a:rPr lang="en-US" dirty="0" smtClean="0">
+                <a:solidFill>
+                  <a:schemeClr val="bg1"/>
+                </a:solidFill>
+              </a:rPr>
+              <a:t>From the Shell to Writing Scripts</a:t>
+            </a:r>
+            <a:endParaRPr lang="en-US" dirty="0">
+              <a:solidFill>
+                <a:schemeClr val="bg1"/>
+              </a:solidFill>
+            </a:endParaRPr>
           </a:p>
         </p:txBody>
       </p:sp>
-      <p:pic>
-        <p:nvPicPr>
-          <p:cNvPr id="5" name="Picture 4" descr="A screenshot of a computer&#10;&#10;Description automatically generated">
+      <p:sp>
+        <p:nvSpPr>
+          <p:cNvPr id="16" name="Text Placeholder 15">
             <a:extLst>
               <a:ext uri="{FF2B5EF4-FFF2-40B4-BE49-F238E27FC236}">
-                <a16:creationId xmlns:a16="http://schemas.microsoft.com/office/drawing/2014/main" id="{6284501C-3A20-9015-D6F5-C47D46224D11}"/>
+                <a16:creationId xmlns:a16="http://schemas.microsoft.com/office/drawing/2014/main" id="{BF074FE7-E33A-7CFF-F7B5-3B08607D6660}"/>
               </a:ext>
             </a:extLst>
           </p:cNvPr>
-          <p:cNvPicPr>
-            <a:picLocks noChangeAspect="1"/>
-          </p:cNvPicPr>
+          <p:cNvSpPr>
+            <a:spLocks noGrp="1"/>
+          </p:cNvSpPr>
+          <p:nvPr>
+            <p:ph type="body" sz="quarter" idx="15"/>
+          </p:nvPr>
+        </p:nvSpPr>
+        <p:spPr/>
+        <p:txBody>
+          <a:bodyPr/>
+          <a:lstStyle/>
+          <a:p>
+            <a:r>
+              <a:rPr lang="en-US" dirty="0" smtClean="0"/>
+              <a:t>CODE1744LV</a:t>
+            </a:r>
+            <a:endParaRPr lang="en-US" dirty="0"/>
+          </a:p>
+        </p:txBody>
+      </p:sp>
+      <p:sp>
+        <p:nvSpPr>
+          <p:cNvPr id="2" name="TextBox 1">
+            <a:extLst>
+              <a:ext uri="{FF2B5EF4-FFF2-40B4-BE49-F238E27FC236}">
+                <a16:creationId xmlns:a16="http://schemas.microsoft.com/office/drawing/2014/main" id="{918E8234-B800-C09A-FE76-981EEA56F954}"/>
+              </a:ext>
+            </a:extLst>
+          </p:cNvPr>
+          <p:cNvSpPr txBox="1"/>
           <p:nvPr/>
-        </p:nvPicPr>
-        <p:blipFill>
-          <a:blip r:embed="rId2"/>
-          <a:stretch>
-            <a:fillRect/>
-          </a:stretch>
-        </p:blipFill>
+        </p:nvSpPr>
         <p:spPr>
           <a:xfrm>
-            <a:off x="6810633" y="2210460"/>
-            <a:ext cx="1891933" cy="1418949"/>
+            <a:off x="588494" y="6395860"/>
+            <a:ext cx="3855223" cy="215444"/>
           </a:xfrm>
           <a:prstGeom prst="rect">
             <a:avLst/>
           </a:prstGeom>
-        </p:spPr>
-      </p:pic>
-      <p:pic>
-        <p:nvPicPr>
-          <p:cNvPr id="7" name="Picture 6" descr="A screenshot of a computer application&#10;&#10;Description automatically generated">
-            <a:extLst>
-              <a:ext uri="{FF2B5EF4-FFF2-40B4-BE49-F238E27FC236}">
-                <a16:creationId xmlns:a16="http://schemas.microsoft.com/office/drawing/2014/main" id="{DE0102BD-5E98-B621-2090-08534538440D}"/>
-              </a:ext>
-            </a:extLst>
-          </p:cNvPr>
-          <p:cNvPicPr>
-            <a:picLocks noChangeAspect="1"/>
-          </p:cNvPicPr>
-          <p:nvPr/>
-        </p:nvPicPr>
-        <p:blipFill rotWithShape="1">
-          <a:blip r:embed="rId3"/>
-          <a:srcRect b="35883"/>
-          <a:stretch/>
-        </p:blipFill>
-        <p:spPr>
-          <a:xfrm>
-            <a:off x="6705532" y="3897940"/>
-            <a:ext cx="2932457" cy="994905"/>
-          </a:xfrm>
-          <a:prstGeom prst="rect">
-            <a:avLst/>
-          </a:prstGeom>
-        </p:spPr>
-      </p:pic>
-      <p:cxnSp>
-        <p:nvCxnSpPr>
-          <p:cNvPr id="14" name="Straight Connector 13">
-            <a:extLst>
-              <a:ext uri="{FF2B5EF4-FFF2-40B4-BE49-F238E27FC236}">
-                <a16:creationId xmlns:a16="http://schemas.microsoft.com/office/drawing/2014/main" id="{F003287D-7B5B-C7A2-0029-94F7C0F0A814}"/>
-              </a:ext>
-            </a:extLst>
-          </p:cNvPr>
-          <p:cNvCxnSpPr>
-            <a:cxnSpLocks/>
-          </p:cNvCxnSpPr>
-          <p:nvPr/>
-        </p:nvCxnSpPr>
-        <p:spPr bwMode="gray">
-          <a:xfrm>
-            <a:off x="6810633" y="3142503"/>
-            <a:ext cx="1736293" cy="436887"/>
-          </a:xfrm>
-          <a:prstGeom prst="line">
-            <a:avLst/>
-          </a:prstGeom>
-          <a:ln w="25400">
-            <a:solidFill>
-              <a:srgbClr val="B72835"/>
-            </a:solidFill>
-            <a:miter lim="800000"/>
-            <a:tailEnd type="none"/>
-          </a:ln>
-        </p:spPr>
-        <p:style>
-          <a:lnRef idx="1">
-            <a:schemeClr val="accent1"/>
-          </a:lnRef>
-          <a:fillRef idx="0">
-            <a:schemeClr val="accent1"/>
-          </a:fillRef>
-          <a:effectRef idx="0">
-            <a:schemeClr val="accent1"/>
-          </a:effectRef>
-          <a:fontRef idx="minor">
-            <a:schemeClr val="tx1"/>
-          </a:fontRef>
-        </p:style>
-      </p:cxnSp>
-      <p:sp>
-        <p:nvSpPr>
-          <p:cNvPr id="3" name="Content Placeholder 3">
-            <a:extLst>
-              <a:ext uri="{FF2B5EF4-FFF2-40B4-BE49-F238E27FC236}">
-                <a16:creationId xmlns:a16="http://schemas.microsoft.com/office/drawing/2014/main" id="{37E5F0BE-AFCE-EC92-7E6E-AF0D84D08872}"/>
-              </a:ext>
-            </a:extLst>
-          </p:cNvPr>
-          <p:cNvSpPr txBox="1">
-            <a:spLocks/>
-          </p:cNvSpPr>
-          <p:nvPr/>
-        </p:nvSpPr>
-        <p:spPr>
-          <a:xfrm>
-            <a:off x="608013" y="1195126"/>
-            <a:ext cx="5313783" cy="3723715"/>
-          </a:xfrm>
-          <a:prstGeom prst="rect">
-            <a:avLst/>
-          </a:prstGeom>
+          <a:noFill/>
         </p:spPr>
         <p:txBody>
-          <a:bodyPr vert="horz" lIns="0" tIns="0" rIns="0" bIns="0" rtlCol="0" anchor="t">
-            <a:noAutofit/>
+          <a:bodyPr wrap="none" lIns="0" tIns="0" rIns="0" bIns="0" rtlCol="0">
+            <a:spAutoFit/>
           </a:bodyPr>
-          <a:lstStyle>
-            <a:lvl1pPr marL="0" indent="0" algn="l" defTabSz="914400" rtl="0" eaLnBrk="1" latinLnBrk="0" hangingPunct="1">
+          <a:lstStyle/>
+          <a:p>
+            <a:pPr algn="l">
+              <a:lnSpc>
+                <a:spcPct val="100000"/>
+              </a:lnSpc>
+            </a:pPr>
+            <a:r>
+              <a:rPr lang="en-US" sz="700" spc="0" baseline="0" dirty="0">
+                <a:ln/>
+                <a:solidFill>
+                  <a:schemeClr val="bg1"/>
+                </a:solidFill>
+                <a:latin typeface="Metropolis-Regular"/>
+                <a:sym typeface="Metropolis-Regular"/>
+                <a:rtl val="0"/>
+              </a:rPr>
+              <a:t>Broadcom Proprietary and Confidential. Copyright © 2024 Broadcom. </a:t>
+            </a:r>
+          </a:p>
+          <a:p>
+            <a:pPr marL="0" marR="0" lvl="0" indent="0" algn="l" defTabSz="914400" rtl="0" eaLnBrk="1" fontAlgn="auto" latinLnBrk="0" hangingPunct="1">
               <a:lnSpc>
                 <a:spcPct val="100000"/>
               </a:lnSpc>
@@ -19844,436 +19791,34 @@
                 <a:spcPts val="0"/>
               </a:spcBef>
               <a:spcAft>
-                <a:spcPts val="1200"/>
+                <a:spcPts val="0"/>
               </a:spcAft>
-              <a:buClr>
-                <a:schemeClr val="tx1">
-                  <a:lumMod val="60000"/>
-                  <a:lumOff val="40000"/>
-                </a:schemeClr>
-              </a:buClr>
-              <a:buSzPct val="90000"/>
-              <a:buFont typeface="Arial" panose="020B0604020202020204" pitchFamily="34" charset="0"/>
-              <a:buChar char="​"/>
-              <a:defRPr lang="en-US" sz="1800" kern="1200" dirty="0">
-                <a:solidFill>
-                  <a:schemeClr val="tx1"/>
-                </a:solidFill>
-                <a:latin typeface="+mn-lt"/>
-                <a:ea typeface="+mn-ea"/>
-                <a:cs typeface="+mn-cs"/>
-              </a:defRPr>
-            </a:lvl1pPr>
-            <a:lvl2pPr marL="457200" indent="-184150" algn="l" defTabSz="914400" rtl="0" eaLnBrk="1" latinLnBrk="0" hangingPunct="1">
-              <a:lnSpc>
-                <a:spcPct val="100000"/>
-              </a:lnSpc>
-              <a:spcBef>
-                <a:spcPts val="0"/>
-              </a:spcBef>
-              <a:spcAft>
-                <a:spcPts val="1200"/>
-              </a:spcAft>
-              <a:buClr>
-                <a:schemeClr val="bg2">
-                  <a:lumMod val="25000"/>
-                </a:schemeClr>
-              </a:buClr>
-              <a:buSzPct val="90000"/>
-              <a:buFont typeface="Arial" panose="020B0604020202020204" pitchFamily="34" charset="0"/>
-              <a:buChar char="•"/>
-              <a:defRPr lang="en-US" sz="1600" kern="1200" dirty="0">
-                <a:solidFill>
-                  <a:schemeClr val="tx1"/>
-                </a:solidFill>
-                <a:latin typeface="+mn-lt"/>
-                <a:ea typeface="+mn-ea"/>
-                <a:cs typeface="+mn-cs"/>
-              </a:defRPr>
-            </a:lvl2pPr>
-            <a:lvl3pPr marL="744538" indent="-169863" algn="l" defTabSz="914400" rtl="0" eaLnBrk="1" latinLnBrk="0" hangingPunct="1">
-              <a:lnSpc>
-                <a:spcPct val="100000"/>
-              </a:lnSpc>
-              <a:spcBef>
-                <a:spcPts val="0"/>
-              </a:spcBef>
-              <a:spcAft>
-                <a:spcPts val="1200"/>
-              </a:spcAft>
-              <a:buClr>
-                <a:schemeClr val="bg2">
-                  <a:lumMod val="25000"/>
-                </a:schemeClr>
-              </a:buClr>
-              <a:buSzPct val="90000"/>
-              <a:buFont typeface="Camphor Std" panose="020B0504030404020204" pitchFamily="34" charset="0"/>
-              <a:buChar char="–"/>
-              <a:defRPr lang="en-US" sz="1400" kern="1200" dirty="0">
-                <a:solidFill>
-                  <a:schemeClr val="tx1"/>
-                </a:solidFill>
-                <a:latin typeface="+mn-lt"/>
-                <a:ea typeface="+mn-ea"/>
-                <a:cs typeface="+mn-cs"/>
-              </a:defRPr>
-            </a:lvl3pPr>
-            <a:lvl4pPr marL="969963" indent="-166688" algn="l" defTabSz="914400" rtl="0" eaLnBrk="1" latinLnBrk="0" hangingPunct="1">
-              <a:lnSpc>
-                <a:spcPct val="100000"/>
-              </a:lnSpc>
-              <a:spcBef>
-                <a:spcPts val="0"/>
-              </a:spcBef>
-              <a:spcAft>
-                <a:spcPts val="1200"/>
-              </a:spcAft>
-              <a:buClr>
-                <a:schemeClr val="bg2">
-                  <a:lumMod val="25000"/>
-                </a:schemeClr>
-              </a:buClr>
-              <a:buSzPct val="90000"/>
-              <a:buFont typeface="Arial" panose="020B0604020202020204" pitchFamily="34" charset="0"/>
-              <a:buChar char="•"/>
-              <a:defRPr lang="en-US" sz="1200" kern="1200" dirty="0">
-                <a:solidFill>
-                  <a:schemeClr val="tx1"/>
-                </a:solidFill>
-                <a:latin typeface="+mn-lt"/>
-                <a:ea typeface="+mn-ea"/>
-                <a:cs typeface="+mn-cs"/>
-              </a:defRPr>
-            </a:lvl4pPr>
-            <a:lvl5pPr marL="1143000" indent="-138113" algn="l" defTabSz="914400" rtl="0" eaLnBrk="1" latinLnBrk="0" hangingPunct="1">
-              <a:lnSpc>
-                <a:spcPct val="100000"/>
-              </a:lnSpc>
-              <a:spcBef>
-                <a:spcPts val="0"/>
-              </a:spcBef>
-              <a:spcAft>
-                <a:spcPts val="1200"/>
-              </a:spcAft>
-              <a:buClr>
-                <a:schemeClr val="bg2">
-                  <a:lumMod val="25000"/>
-                </a:schemeClr>
-              </a:buClr>
-              <a:buSzPct val="90000"/>
-              <a:buFont typeface="Camphor Std" panose="020B0504030404020204" pitchFamily="34" charset="0"/>
-              <a:buChar char="–"/>
+              <a:buClrTx/>
+              <a:buSzTx/>
+              <a:buFontTx/>
+              <a:buNone/>
               <a:tabLst/>
-              <a:defRPr lang="en-US" sz="1200" kern="1200" dirty="0">
-                <a:solidFill>
-                  <a:schemeClr val="tx1"/>
-                </a:solidFill>
-                <a:latin typeface="+mn-lt"/>
-                <a:ea typeface="+mn-ea"/>
-                <a:cs typeface="+mn-cs"/>
-              </a:defRPr>
-            </a:lvl5pPr>
-            <a:lvl6pPr marL="1258888" indent="-111125" algn="l" defTabSz="914400" rtl="0" eaLnBrk="1" latinLnBrk="0" hangingPunct="1">
-              <a:lnSpc>
-                <a:spcPct val="100000"/>
-              </a:lnSpc>
-              <a:spcBef>
-                <a:spcPts val="0"/>
-              </a:spcBef>
-              <a:spcAft>
-                <a:spcPts val="1200"/>
-              </a:spcAft>
-              <a:buClr>
-                <a:schemeClr val="bg2">
-                  <a:lumMod val="25000"/>
-                </a:schemeClr>
-              </a:buClr>
-              <a:buSzPct val="90000"/>
-              <a:buFont typeface="Arial" panose="020B0604020202020204" pitchFamily="34" charset="0"/>
-              <a:buChar char="•"/>
-              <a:tabLst/>
-              <a:defRPr lang="en-US" sz="1200" kern="1200" dirty="0">
-                <a:solidFill>
-                  <a:schemeClr val="tx1"/>
-                </a:solidFill>
-                <a:latin typeface="+mn-lt"/>
-                <a:ea typeface="+mn-ea"/>
-                <a:cs typeface="+mn-cs"/>
-              </a:defRPr>
-            </a:lvl6pPr>
-            <a:lvl7pPr marL="1379538" indent="-120650" algn="l" defTabSz="914400" rtl="0" eaLnBrk="1" latinLnBrk="0" hangingPunct="1">
-              <a:lnSpc>
-                <a:spcPct val="100000"/>
-              </a:lnSpc>
-              <a:spcBef>
-                <a:spcPts val="0"/>
-              </a:spcBef>
-              <a:spcAft>
-                <a:spcPts val="1200"/>
-              </a:spcAft>
-              <a:buClr>
-                <a:schemeClr val="bg2">
-                  <a:lumMod val="25000"/>
-                </a:schemeClr>
-              </a:buClr>
-              <a:buSzPct val="90000"/>
-              <a:buFont typeface="System Font Regular"/>
-              <a:buChar char="-"/>
-              <a:tabLst/>
-              <a:defRPr lang="en-US" sz="1200" kern="1200" dirty="0">
-                <a:solidFill>
-                  <a:schemeClr val="tx1"/>
-                </a:solidFill>
-                <a:latin typeface="+mn-lt"/>
-                <a:ea typeface="+mn-ea"/>
-                <a:cs typeface="+mn-cs"/>
-              </a:defRPr>
-            </a:lvl7pPr>
-            <a:lvl8pPr marL="1550988" indent="-120650" algn="l" defTabSz="914400" rtl="0" eaLnBrk="1" latinLnBrk="0" hangingPunct="1">
-              <a:lnSpc>
-                <a:spcPct val="100000"/>
-              </a:lnSpc>
-              <a:spcBef>
-                <a:spcPts val="0"/>
-              </a:spcBef>
-              <a:spcAft>
-                <a:spcPts val="1200"/>
-              </a:spcAft>
-              <a:buClr>
-                <a:schemeClr val="bg2">
-                  <a:lumMod val="25000"/>
-                </a:schemeClr>
-              </a:buClr>
-              <a:buSzPct val="90000"/>
-              <a:buFont typeface="Arial" panose="020B0604020202020204" pitchFamily="34" charset="0"/>
-              <a:buChar char="•"/>
-              <a:tabLst/>
-              <a:defRPr lang="en-US" sz="1200" kern="1200" dirty="0">
-                <a:solidFill>
-                  <a:schemeClr val="tx1"/>
-                </a:solidFill>
-                <a:latin typeface="+mn-lt"/>
-                <a:ea typeface="+mn-ea"/>
-                <a:cs typeface="+mn-cs"/>
-              </a:defRPr>
-            </a:lvl8pPr>
-            <a:lvl9pPr marL="1722438" indent="-120650" algn="l" defTabSz="914400" rtl="0" eaLnBrk="1" latinLnBrk="0" hangingPunct="1">
-              <a:lnSpc>
-                <a:spcPct val="100000"/>
-              </a:lnSpc>
-              <a:spcBef>
-                <a:spcPts val="0"/>
-              </a:spcBef>
-              <a:spcAft>
-                <a:spcPts val="1200"/>
-              </a:spcAft>
-              <a:buClr>
-                <a:schemeClr val="bg2">
-                  <a:lumMod val="25000"/>
-                </a:schemeClr>
-              </a:buClr>
-              <a:buSzPct val="90000"/>
-              <a:buFont typeface="System Font Regular"/>
-              <a:buChar char="-"/>
-              <a:tabLst/>
-              <a:defRPr lang="en-US" sz="1200" kern="1200" dirty="0">
-                <a:solidFill>
-                  <a:schemeClr val="tx1"/>
-                </a:solidFill>
-                <a:latin typeface="+mn-lt"/>
-                <a:ea typeface="+mn-ea"/>
-                <a:cs typeface="+mn-cs"/>
-              </a:defRPr>
-            </a:lvl9pPr>
-          </a:lstStyle>
-          <a:p>
-            <a:pPr marL="285750" indent="-285750">
-              <a:buFont typeface="Arial" panose="020B0604020202020204" pitchFamily="34" charset="0"/>
-              <a:buChar char="•"/>
+              <a:defRPr/>
             </a:pPr>
             <a:r>
-              <a:rPr lang="en-US" sz="1200" dirty="0"/>
-              <a:t>Use Box or save locally when storing your PowerPoint document to avoid unexpected behaviors introduced by Google Drive storage and inadvertent Google Slide conversion.</a:t>
-            </a:r>
-          </a:p>
-          <a:p>
-            <a:pPr marL="285750" indent="-285750">
-              <a:buFont typeface="Arial" panose="020B0604020202020204" pitchFamily="34" charset="0"/>
-              <a:buChar char="•"/>
-            </a:pPr>
-            <a:r>
-              <a:rPr lang="en-US" sz="1200" dirty="0"/>
-              <a:t>Google Slides will introduce unexpected behaviors:</a:t>
-            </a:r>
-          </a:p>
-          <a:p>
-            <a:pPr marL="800100" lvl="1" indent="-342900"/>
-            <a:r>
-              <a:rPr lang="en-US" sz="1200" dirty="0"/>
-              <a:t>Metropolis will not render correctly—a substitute Google font will replace it</a:t>
-            </a:r>
-          </a:p>
-          <a:p>
-            <a:pPr marL="800100" lvl="1" indent="-342900"/>
-            <a:r>
-              <a:rPr lang="en-US" sz="1200" dirty="0"/>
-              <a:t>Charts and graphs will lose their association with Excel documents </a:t>
-            </a:r>
-          </a:p>
-          <a:p>
-            <a:pPr marL="800100" lvl="1" indent="-342900"/>
-            <a:r>
-              <a:rPr lang="en-US" sz="1200" dirty="0"/>
-              <a:t>Animation functionality will be changed or lost</a:t>
-            </a:r>
-          </a:p>
-          <a:p>
-            <a:pPr marL="342900" indent="-342900">
-              <a:buFont typeface="Arial" panose="020B0604020202020204" pitchFamily="34" charset="0"/>
-              <a:buChar char="•"/>
-            </a:pPr>
-            <a:r>
-              <a:rPr lang="en-US" sz="1200" dirty="0"/>
-              <a:t>If you store your PowerPoint on Google drive, change your settings so Google Slides does not open by default:</a:t>
-            </a:r>
-          </a:p>
-          <a:p>
-            <a:pPr marL="800100" lvl="1" indent="-342900"/>
-            <a:r>
-              <a:rPr lang="en-US" sz="1200" dirty="0"/>
-              <a:t>Go to </a:t>
-            </a:r>
-            <a:r>
-              <a:rPr lang="en-US" sz="1200" dirty="0" err="1"/>
-              <a:t>drive.google.com</a:t>
-            </a:r>
-            <a:r>
-              <a:rPr lang="en-US" sz="1200" dirty="0"/>
-              <a:t>. Click Settings          Settings</a:t>
-            </a:r>
-          </a:p>
-          <a:p>
-            <a:pPr marL="800100" lvl="1" indent="-342900"/>
-            <a:r>
-              <a:rPr lang="en-US" sz="1200" dirty="0"/>
-              <a:t>Click Manage apps. </a:t>
-            </a:r>
-          </a:p>
-          <a:p>
-            <a:pPr marL="800100" lvl="1" indent="-342900"/>
-            <a:r>
-              <a:rPr lang="en-US" sz="1200" dirty="0"/>
-              <a:t>Find Slides. Next to the app, to the left of "Use by default," </a:t>
-            </a:r>
-            <a:br>
-              <a:rPr lang="en-US" sz="1200" dirty="0"/>
-            </a:br>
-            <a:r>
-              <a:rPr lang="en-US" sz="1200" b="1" i="1" dirty="0"/>
-              <a:t>uncheck the box.</a:t>
-            </a:r>
-            <a:endParaRPr lang="en-US" sz="1200" dirty="0"/>
+              <a:rPr lang="en-US" sz="700" spc="0" baseline="0" dirty="0">
+                <a:ln/>
+                <a:solidFill>
+                  <a:schemeClr val="bg1"/>
+                </a:solidFill>
+                <a:latin typeface="Metropolis-Regular"/>
+                <a:sym typeface="Metropolis-Regular"/>
+                <a:rtl val="0"/>
+              </a:rPr>
+              <a:t>All Rights Reserved. The term “Broadcom” refers to Broadcom Inc. and/or its subsidiaries.</a:t>
+            </a:r>
           </a:p>
         </p:txBody>
       </p:sp>
-      <p:pic>
-        <p:nvPicPr>
-          <p:cNvPr id="6" name="Picture 5" descr="Settings">
-            <a:extLst>
-              <a:ext uri="{FF2B5EF4-FFF2-40B4-BE49-F238E27FC236}">
-                <a16:creationId xmlns:a16="http://schemas.microsoft.com/office/drawing/2014/main" id="{47D153FD-1F9A-9D6E-B522-F5DA9056014E}"/>
-              </a:ext>
-            </a:extLst>
-          </p:cNvPr>
-          <p:cNvPicPr>
-            <a:picLocks noChangeAspect="1" noChangeArrowheads="1"/>
-          </p:cNvPicPr>
-          <p:nvPr/>
-        </p:nvPicPr>
-        <p:blipFill>
-          <a:blip r:embed="rId4">
-            <a:extLst>
-              <a:ext uri="{28A0092B-C50C-407E-A947-70E740481C1C}">
-                <a14:useLocalDpi xmlns:a14="http://schemas.microsoft.com/office/drawing/2010/main" val="0"/>
-              </a:ext>
-            </a:extLst>
-          </a:blip>
-          <a:srcRect/>
-          <a:stretch>
-            <a:fillRect/>
-          </a:stretch>
-        </p:blipFill>
-        <p:spPr bwMode="auto">
-          <a:xfrm>
-            <a:off x="4199681" y="4117782"/>
-            <a:ext cx="228600" cy="228601"/>
-          </a:xfrm>
-          <a:prstGeom prst="rect">
-            <a:avLst/>
-          </a:prstGeom>
-          <a:noFill/>
-          <a:extLst>
-            <a:ext uri="{909E8E84-426E-40DD-AFC4-6F175D3DCCD1}">
-              <a14:hiddenFill xmlns:a14="http://schemas.microsoft.com/office/drawing/2010/main">
-                <a:solidFill>
-                  <a:srgbClr val="FFFFFF"/>
-                </a:solidFill>
-              </a14:hiddenFill>
-            </a:ext>
-          </a:extLst>
-        </p:spPr>
-      </p:pic>
-      <p:pic>
-        <p:nvPicPr>
-          <p:cNvPr id="9" name="Picture 6" descr="and then">
-            <a:extLst>
-              <a:ext uri="{FF2B5EF4-FFF2-40B4-BE49-F238E27FC236}">
-                <a16:creationId xmlns:a16="http://schemas.microsoft.com/office/drawing/2014/main" id="{C78962AE-4D7C-7FCF-841C-B8CB585AE66F}"/>
-              </a:ext>
-            </a:extLst>
-          </p:cNvPr>
-          <p:cNvPicPr>
-            <a:picLocks noChangeAspect="1" noChangeArrowheads="1"/>
-          </p:cNvPicPr>
-          <p:nvPr/>
-        </p:nvPicPr>
-        <p:blipFill>
-          <a:blip r:embed="rId5">
-            <a:extLst>
-              <a:ext uri="{28A0092B-C50C-407E-A947-70E740481C1C}">
-                <a14:useLocalDpi xmlns:a14="http://schemas.microsoft.com/office/drawing/2010/main" val="0"/>
-              </a:ext>
-            </a:extLst>
-          </a:blip>
-          <a:srcRect/>
-          <a:stretch>
-            <a:fillRect/>
-          </a:stretch>
-        </p:blipFill>
-        <p:spPr bwMode="auto">
-          <a:xfrm>
-            <a:off x="4413640" y="4117782"/>
-            <a:ext cx="228600" cy="228601"/>
-          </a:xfrm>
-          <a:prstGeom prst="rect">
-            <a:avLst/>
-          </a:prstGeom>
-          <a:noFill/>
-          <a:extLst>
-            <a:ext uri="{909E8E84-426E-40DD-AFC4-6F175D3DCCD1}">
-              <a14:hiddenFill xmlns:a14="http://schemas.microsoft.com/office/drawing/2010/main">
-                <a:solidFill>
-                  <a:srgbClr val="FFFFFF"/>
-                </a:solidFill>
-              </a14:hiddenFill>
-            </a:ext>
-          </a:extLst>
-        </p:spPr>
-      </p:pic>
     </p:spTree>
     <p:extLst>
       <p:ext uri="{BB962C8B-B14F-4D97-AF65-F5344CB8AC3E}">
-        <p14:creationId xmlns:p14="http://schemas.microsoft.com/office/powerpoint/2010/main" val="466393727"/>
+        <p14:creationId xmlns:p14="http://schemas.microsoft.com/office/powerpoint/2010/main" val="3129537273"/>
       </p:ext>
     </p:extLst>
   </p:cSld>
@@ -20314,13 +19859,7 @@
       </p:grpSpPr>
       <p:sp>
         <p:nvSpPr>
-          <p:cNvPr id="2" name="Title 1">
-            <a:extLst>
-              <a:ext uri="{FF2B5EF4-FFF2-40B4-BE49-F238E27FC236}">
-                <a16:creationId xmlns:a16="http://schemas.microsoft.com/office/drawing/2014/main" id="{0D9FDAE6-550E-E975-BD01-08906590C472}"/>
-              </a:ext>
-            </a:extLst>
-          </p:cNvPr>
+          <p:cNvPr id="2" name="Title 1"/>
           <p:cNvSpPr>
             <a:spLocks noGrp="1"/>
           </p:cNvSpPr>
@@ -20335,11 +19874,7 @@
           <a:p>
             <a:r>
               <a:rPr lang="en-US" dirty="0" smtClean="0"/>
-              <a:t>PowerShell vs. C# vs. </a:t>
-            </a:r>
-            <a:r>
-              <a:rPr lang="en-US" dirty="0" err="1" smtClean="0"/>
-              <a:t>.Net</a:t>
+              <a:t>VMware Developer Center</a:t>
             </a:r>
             <a:endParaRPr lang="en-US" dirty="0"/>
           </a:p>
@@ -20347,13 +19882,30 @@
       </p:sp>
       <p:sp>
         <p:nvSpPr>
-          <p:cNvPr id="5" name="Content Placeholder 4">
-            <a:extLst>
-              <a:ext uri="{FF2B5EF4-FFF2-40B4-BE49-F238E27FC236}">
-                <a16:creationId xmlns:a16="http://schemas.microsoft.com/office/drawing/2014/main" id="{8FBEB278-6650-3A11-7DCD-A90016572E5A}"/>
-              </a:ext>
-            </a:extLst>
-          </p:cNvPr>
+          <p:cNvPr id="3" name="Subtitle 2"/>
+          <p:cNvSpPr>
+            <a:spLocks noGrp="1"/>
+          </p:cNvSpPr>
+          <p:nvPr>
+            <p:ph type="subTitle" idx="10"/>
+          </p:nvPr>
+        </p:nvSpPr>
+        <p:spPr/>
+        <p:txBody>
+          <a:bodyPr/>
+          <a:lstStyle/>
+          <a:p>
+            <a:r>
+              <a:rPr lang="en-US" dirty="0" smtClean="0"/>
+              <a:t>Best thing since sliced bread!</a:t>
+            </a:r>
+            <a:endParaRPr lang="en-US" dirty="0"/>
+          </a:p>
+        </p:txBody>
+      </p:sp>
+      <p:sp>
+        <p:nvSpPr>
+          <p:cNvPr id="4" name="Content Placeholder 3"/>
           <p:cNvSpPr>
             <a:spLocks noGrp="1"/>
           </p:cNvSpPr>
@@ -20366,34 +19918,42 @@
           <a:bodyPr/>
           <a:lstStyle/>
           <a:p>
-            <a:pPr marL="342900" indent="-342900"/>
             <a:r>
               <a:rPr lang="en-US" dirty="0" smtClean="0"/>
-              <a:t>PowerShell vs. C# (See Sharp) vs. </a:t>
-            </a:r>
-            <a:r>
-              <a:rPr lang="en-US" dirty="0" err="1" smtClean="0"/>
-              <a:t>.net</a:t>
-            </a:r>
-            <a:r>
-              <a:rPr lang="en-US" dirty="0" smtClean="0"/>
-              <a:t> (Dot Net)</a:t>
-            </a:r>
-          </a:p>
-          <a:p>
-            <a:pPr marL="342900" indent="-342900"/>
-            <a:endParaRPr lang="en-US" dirty="0" smtClean="0"/>
-          </a:p>
-          <a:p>
-            <a:pPr marL="342900" indent="-342900"/>
+              <a:t>Great tool for new developers! – Yes that means you!</a:t>
+            </a:r>
             <a:endParaRPr lang="en-US" dirty="0"/>
           </a:p>
         </p:txBody>
       </p:sp>
+      <p:pic>
+        <p:nvPicPr>
+          <p:cNvPr id="5" name="Picture 4"/>
+          <p:cNvPicPr>
+            <a:picLocks noChangeAspect="1"/>
+          </p:cNvPicPr>
+          <p:nvPr/>
+        </p:nvPicPr>
+        <p:blipFill>
+          <a:blip r:embed="rId2"/>
+          <a:stretch>
+            <a:fillRect/>
+          </a:stretch>
+        </p:blipFill>
+        <p:spPr>
+          <a:xfrm>
+            <a:off x="2443776" y="2329876"/>
+            <a:ext cx="5593737" cy="3745610"/>
+          </a:xfrm>
+          <a:prstGeom prst="rect">
+            <a:avLst/>
+          </a:prstGeom>
+        </p:spPr>
+      </p:pic>
     </p:spTree>
     <p:extLst>
       <p:ext uri="{BB962C8B-B14F-4D97-AF65-F5344CB8AC3E}">
-        <p14:creationId xmlns:p14="http://schemas.microsoft.com/office/powerpoint/2010/main" val="3865169922"/>
+        <p14:creationId xmlns:p14="http://schemas.microsoft.com/office/powerpoint/2010/main" val="2039187561"/>
       </p:ext>
     </p:extLst>
   </p:cSld>
@@ -20434,13 +19994,7 @@
       </p:grpSpPr>
       <p:sp>
         <p:nvSpPr>
-          <p:cNvPr id="2" name="Title 1">
-            <a:extLst>
-              <a:ext uri="{FF2B5EF4-FFF2-40B4-BE49-F238E27FC236}">
-                <a16:creationId xmlns:a16="http://schemas.microsoft.com/office/drawing/2014/main" id="{0D9FDAE6-550E-E975-BD01-08906590C472}"/>
-              </a:ext>
-            </a:extLst>
-          </p:cNvPr>
+          <p:cNvPr id="2" name="Title 1"/>
           <p:cNvSpPr>
             <a:spLocks noGrp="1"/>
           </p:cNvSpPr>
@@ -20455,11 +20009,7 @@
           <a:p>
             <a:r>
               <a:rPr lang="en-US" dirty="0" smtClean="0"/>
-              <a:t>Converting Developer Center Output to useable PowerShell/</a:t>
-            </a:r>
-            <a:r>
-              <a:rPr lang="en-US" dirty="0" err="1" smtClean="0"/>
-              <a:t>PowerCLI</a:t>
+              <a:t>VMware Developer Center</a:t>
             </a:r>
             <a:endParaRPr lang="en-US" dirty="0"/>
           </a:p>
@@ -20467,13 +20017,30 @@
       </p:sp>
       <p:sp>
         <p:nvSpPr>
-          <p:cNvPr id="5" name="Content Placeholder 4">
-            <a:extLst>
-              <a:ext uri="{FF2B5EF4-FFF2-40B4-BE49-F238E27FC236}">
-                <a16:creationId xmlns:a16="http://schemas.microsoft.com/office/drawing/2014/main" id="{8FBEB278-6650-3A11-7DCD-A90016572E5A}"/>
-              </a:ext>
-            </a:extLst>
-          </p:cNvPr>
+          <p:cNvPr id="3" name="Subtitle 2"/>
+          <p:cNvSpPr>
+            <a:spLocks noGrp="1"/>
+          </p:cNvSpPr>
+          <p:nvPr>
+            <p:ph type="subTitle" idx="10"/>
+          </p:nvPr>
+        </p:nvSpPr>
+        <p:spPr/>
+        <p:txBody>
+          <a:bodyPr/>
+          <a:lstStyle/>
+          <a:p>
+            <a:r>
+              <a:rPr lang="en-US" dirty="0" smtClean="0"/>
+              <a:t>API Explorer</a:t>
+            </a:r>
+            <a:endParaRPr lang="en-US" dirty="0"/>
+          </a:p>
+        </p:txBody>
+      </p:sp>
+      <p:sp>
+        <p:nvSpPr>
+          <p:cNvPr id="4" name="Content Placeholder 3"/>
           <p:cNvSpPr>
             <a:spLocks noGrp="1"/>
           </p:cNvSpPr>
@@ -20486,19 +20053,106 @@
           <a:bodyPr/>
           <a:lstStyle/>
           <a:p>
-            <a:pPr marL="342900" indent="-342900"/>
-            <a:endParaRPr lang="en-US" dirty="0" smtClean="0"/>
-          </a:p>
-          <a:p>
-            <a:pPr marL="342900" indent="-342900"/>
+            <a:r>
+              <a:rPr lang="en-US" dirty="0" smtClean="0"/>
+              <a:t>Explore the REST endpoints of multiple vSphere API’s</a:t>
+            </a:r>
             <a:endParaRPr lang="en-US" dirty="0"/>
           </a:p>
         </p:txBody>
       </p:sp>
+      <p:pic>
+        <p:nvPicPr>
+          <p:cNvPr id="5" name="Picture 4"/>
+          <p:cNvPicPr>
+            <a:picLocks noChangeAspect="1"/>
+          </p:cNvPicPr>
+          <p:nvPr/>
+        </p:nvPicPr>
+        <p:blipFill>
+          <a:blip r:embed="rId2"/>
+          <a:stretch>
+            <a:fillRect/>
+          </a:stretch>
+        </p:blipFill>
+        <p:spPr>
+          <a:xfrm>
+            <a:off x="616505" y="1989993"/>
+            <a:ext cx="6760241" cy="4093613"/>
+          </a:xfrm>
+          <a:prstGeom prst="rect">
+            <a:avLst/>
+          </a:prstGeom>
+          <a:ln>
+            <a:noFill/>
+          </a:ln>
+          <a:effectLst>
+            <a:outerShdw blurRad="190500" algn="tl" rotWithShape="0">
+              <a:srgbClr val="000000">
+                <a:alpha val="70000"/>
+              </a:srgbClr>
+            </a:outerShdw>
+          </a:effectLst>
+        </p:spPr>
+      </p:pic>
+      <p:pic>
+        <p:nvPicPr>
+          <p:cNvPr id="7" name="Picture 6"/>
+          <p:cNvPicPr>
+            <a:picLocks noChangeAspect="1"/>
+          </p:cNvPicPr>
+          <p:nvPr/>
+        </p:nvPicPr>
+        <p:blipFill>
+          <a:blip r:embed="rId3"/>
+          <a:stretch>
+            <a:fillRect/>
+          </a:stretch>
+        </p:blipFill>
+        <p:spPr>
+          <a:xfrm>
+            <a:off x="7573680" y="412751"/>
+            <a:ext cx="4306307" cy="2400787"/>
+          </a:xfrm>
+          <a:prstGeom prst="snip2DiagRect">
+            <a:avLst/>
+          </a:prstGeom>
+          <a:solidFill>
+            <a:srgbClr val="FFFFFF">
+              <a:shade val="85000"/>
+            </a:srgbClr>
+          </a:solidFill>
+          <a:ln w="88900" cap="sq">
+            <a:solidFill>
+              <a:srgbClr val="FFFFFF"/>
+            </a:solidFill>
+            <a:miter lim="800000"/>
+          </a:ln>
+          <a:effectLst>
+            <a:outerShdw blurRad="88900" algn="tl" rotWithShape="0">
+              <a:srgbClr val="000000">
+                <a:alpha val="45000"/>
+              </a:srgbClr>
+            </a:outerShdw>
+          </a:effectLst>
+          <a:scene3d>
+            <a:camera prst="orthographicFront"/>
+            <a:lightRig rig="twoPt" dir="t">
+              <a:rot lat="0" lon="0" rev="7200000"/>
+            </a:lightRig>
+          </a:scene3d>
+          <a:sp3d>
+            <a:bevelT w="25400" h="19050"/>
+            <a:contourClr>
+              <a:srgbClr val="FFFFFF"/>
+            </a:contourClr>
+          </a:sp3d>
+        </p:spPr>
+      </p:pic>
     </p:spTree>
     <p:extLst>
       <p:ext uri="{BB962C8B-B14F-4D97-AF65-F5344CB8AC3E}">
-        <p14:creationId xmlns:p14="http://schemas.microsoft.com/office/powerpoint/2010/main" val="4093665524"/>
+        <p14:creationId xmlns:p14="http://schemas.microsoft.com/office/powerpoint/2010/main" val="2878125489"/>
       </p:ext>
     </p:extLst>
   </p:cSld>
@@ -20539,13 +20193,7 @@
       </p:grpSpPr>
       <p:sp>
         <p:nvSpPr>
-          <p:cNvPr id="2" name="Title 1">
-            <a:extLst>
-              <a:ext uri="{FF2B5EF4-FFF2-40B4-BE49-F238E27FC236}">
-                <a16:creationId xmlns:a16="http://schemas.microsoft.com/office/drawing/2014/main" id="{0D9FDAE6-550E-E975-BD01-08906590C472}"/>
-              </a:ext>
-            </a:extLst>
-          </p:cNvPr>
+          <p:cNvPr id="2" name="Title 1"/>
           <p:cNvSpPr>
             <a:spLocks noGrp="1"/>
           </p:cNvSpPr>
@@ -20560,7 +20208,7 @@
           <a:p>
             <a:r>
               <a:rPr lang="en-US" dirty="0" smtClean="0"/>
-              <a:t>Get-Help</a:t>
+              <a:t>VMware Developer Center</a:t>
             </a:r>
             <a:endParaRPr lang="en-US" dirty="0"/>
           </a:p>
@@ -20568,13 +20216,30 @@
       </p:sp>
       <p:sp>
         <p:nvSpPr>
-          <p:cNvPr id="5" name="Content Placeholder 4">
-            <a:extLst>
-              <a:ext uri="{FF2B5EF4-FFF2-40B4-BE49-F238E27FC236}">
-                <a16:creationId xmlns:a16="http://schemas.microsoft.com/office/drawing/2014/main" id="{8FBEB278-6650-3A11-7DCD-A90016572E5A}"/>
-              </a:ext>
-            </a:extLst>
-          </p:cNvPr>
+          <p:cNvPr id="3" name="Subtitle 2"/>
+          <p:cNvSpPr>
+            <a:spLocks noGrp="1"/>
+          </p:cNvSpPr>
+          <p:nvPr>
+            <p:ph type="subTitle" idx="10"/>
+          </p:nvPr>
+        </p:nvSpPr>
+        <p:spPr/>
+        <p:txBody>
+          <a:bodyPr/>
+          <a:lstStyle/>
+          <a:p>
+            <a:r>
+              <a:rPr lang="en-US" dirty="0" smtClean="0"/>
+              <a:t>Code Capture</a:t>
+            </a:r>
+            <a:endParaRPr lang="en-US" dirty="0"/>
+          </a:p>
+        </p:txBody>
+      </p:sp>
+      <p:sp>
+        <p:nvSpPr>
+          <p:cNvPr id="4" name="Content Placeholder 3"/>
           <p:cNvSpPr>
             <a:spLocks noGrp="1"/>
           </p:cNvSpPr>
@@ -20587,26 +20252,126 @@
           <a:bodyPr/>
           <a:lstStyle/>
           <a:p>
-            <a:pPr marL="342900" indent="-342900"/>
             <a:r>
               <a:rPr lang="en-US" dirty="0" smtClean="0"/>
-              <a:t>Get-Help</a:t>
-            </a:r>
-          </a:p>
-          <a:p>
-            <a:pPr marL="342900" indent="-342900"/>
-            <a:endParaRPr lang="en-US" dirty="0" smtClean="0"/>
-          </a:p>
-          <a:p>
-            <a:pPr marL="342900" indent="-342900"/>
+              <a:t>Perform UI actions</a:t>
+            </a:r>
+          </a:p>
+          <a:p>
+            <a:pPr lvl="1"/>
+            <a:r>
+              <a:rPr lang="en-US" dirty="0" smtClean="0"/>
+              <a:t>Spits out “code”</a:t>
+            </a:r>
+          </a:p>
+          <a:p>
+            <a:pPr lvl="1"/>
+            <a:r>
+              <a:rPr lang="en-US" dirty="0" smtClean="0"/>
+              <a:t>Multiple language options!</a:t>
+            </a:r>
             <a:endParaRPr lang="en-US" dirty="0"/>
           </a:p>
         </p:txBody>
       </p:sp>
+      <p:pic>
+        <p:nvPicPr>
+          <p:cNvPr id="6" name="Picture 5"/>
+          <p:cNvPicPr>
+            <a:picLocks noChangeAspect="1"/>
+          </p:cNvPicPr>
+          <p:nvPr/>
+        </p:nvPicPr>
+        <p:blipFill>
+          <a:blip r:embed="rId2"/>
+          <a:stretch>
+            <a:fillRect/>
+          </a:stretch>
+        </p:blipFill>
+        <p:spPr>
+          <a:xfrm>
+            <a:off x="6412187" y="603251"/>
+            <a:ext cx="4904505" cy="5568950"/>
+          </a:xfrm>
+          <a:prstGeom prst="snip2DiagRect">
+            <a:avLst/>
+          </a:prstGeom>
+          <a:solidFill>
+            <a:srgbClr val="FFFFFF">
+              <a:shade val="85000"/>
+            </a:srgbClr>
+          </a:solidFill>
+          <a:ln w="88900" cap="sq">
+            <a:solidFill>
+              <a:srgbClr val="FFFFFF"/>
+            </a:solidFill>
+            <a:miter lim="800000"/>
+          </a:ln>
+          <a:effectLst>
+            <a:outerShdw blurRad="88900" algn="tl" rotWithShape="0">
+              <a:srgbClr val="000000">
+                <a:alpha val="45000"/>
+              </a:srgbClr>
+            </a:outerShdw>
+          </a:effectLst>
+          <a:scene3d>
+            <a:camera prst="orthographicFront"/>
+            <a:lightRig rig="twoPt" dir="t">
+              <a:rot lat="0" lon="0" rev="7200000"/>
+            </a:lightRig>
+          </a:scene3d>
+          <a:sp3d>
+            <a:bevelT w="25400" h="19050"/>
+            <a:contourClr>
+              <a:srgbClr val="FFFFFF"/>
+            </a:contourClr>
+          </a:sp3d>
+        </p:spPr>
+      </p:pic>
+      <p:pic>
+        <p:nvPicPr>
+          <p:cNvPr id="7" name="Picture 6"/>
+          <p:cNvPicPr>
+            <a:picLocks noChangeAspect="1"/>
+          </p:cNvPicPr>
+          <p:nvPr/>
+        </p:nvPicPr>
+        <p:blipFill>
+          <a:blip r:embed="rId3"/>
+          <a:stretch>
+            <a:fillRect/>
+          </a:stretch>
+        </p:blipFill>
+        <p:spPr>
+          <a:xfrm>
+            <a:off x="1513443" y="3387726"/>
+            <a:ext cx="2514951" cy="1943371"/>
+          </a:xfrm>
+          <a:prstGeom prst="round2DiagRect">
+            <a:avLst>
+              <a:gd name="adj1" fmla="val 16667"/>
+              <a:gd name="adj2" fmla="val 0"/>
+            </a:avLst>
+          </a:prstGeom>
+          <a:ln w="88900" cap="sq">
+            <a:solidFill>
+              <a:srgbClr val="FFFFFF"/>
+            </a:solidFill>
+            <a:miter lim="800000"/>
+          </a:ln>
+          <a:effectLst>
+            <a:outerShdw blurRad="254000" algn="tl" rotWithShape="0">
+              <a:srgbClr val="000000">
+                <a:alpha val="43000"/>
+              </a:srgbClr>
+            </a:outerShdw>
+          </a:effectLst>
+        </p:spPr>
+      </p:pic>
     </p:spTree>
     <p:extLst>
       <p:ext uri="{BB962C8B-B14F-4D97-AF65-F5344CB8AC3E}">
-        <p14:creationId xmlns:p14="http://schemas.microsoft.com/office/powerpoint/2010/main" val="3955589728"/>
+        <p14:creationId xmlns:p14="http://schemas.microsoft.com/office/powerpoint/2010/main" val="1454674422"/>
       </p:ext>
     </p:extLst>
   </p:cSld>
@@ -20647,13 +20412,7 @@
       </p:grpSpPr>
       <p:sp>
         <p:nvSpPr>
-          <p:cNvPr id="2" name="Title 1">
-            <a:extLst>
-              <a:ext uri="{FF2B5EF4-FFF2-40B4-BE49-F238E27FC236}">
-                <a16:creationId xmlns:a16="http://schemas.microsoft.com/office/drawing/2014/main" id="{0D9FDAE6-550E-E975-BD01-08906590C472}"/>
-              </a:ext>
-            </a:extLst>
-          </p:cNvPr>
+          <p:cNvPr id="2" name="Title 1"/>
           <p:cNvSpPr>
             <a:spLocks noGrp="1"/>
           </p:cNvSpPr>
@@ -20668,7 +20427,7 @@
           <a:p>
             <a:r>
               <a:rPr lang="en-US" dirty="0" smtClean="0"/>
-              <a:t>Related Links</a:t>
+              <a:t>VMware Developer Center</a:t>
             </a:r>
             <a:endParaRPr lang="en-US" dirty="0"/>
           </a:p>
@@ -20676,18 +20435,12 @@
       </p:sp>
       <p:sp>
         <p:nvSpPr>
-          <p:cNvPr id="5" name="Content Placeholder 4">
-            <a:extLst>
-              <a:ext uri="{FF2B5EF4-FFF2-40B4-BE49-F238E27FC236}">
-                <a16:creationId xmlns:a16="http://schemas.microsoft.com/office/drawing/2014/main" id="{8FBEB278-6650-3A11-7DCD-A90016572E5A}"/>
-              </a:ext>
-            </a:extLst>
-          </p:cNvPr>
+          <p:cNvPr id="3" name="Subtitle 2"/>
           <p:cNvSpPr>
             <a:spLocks noGrp="1"/>
           </p:cNvSpPr>
           <p:nvPr>
-            <p:ph sz="quarter" idx="14"/>
+            <p:ph type="subTitle" idx="10"/>
           </p:nvPr>
         </p:nvSpPr>
         <p:spPr/>
@@ -20695,26 +20448,112 @@
           <a:bodyPr/>
           <a:lstStyle/>
           <a:p>
-            <a:pPr marL="342900" indent="-342900"/>
             <a:r>
               <a:rPr lang="en-US" dirty="0" smtClean="0"/>
-              <a:t>Related Links</a:t>
-            </a:r>
-          </a:p>
-          <a:p>
-            <a:pPr marL="342900" indent="-342900"/>
-            <a:endParaRPr lang="en-US" dirty="0" smtClean="0"/>
-          </a:p>
-          <a:p>
-            <a:pPr marL="342900" indent="-342900"/>
+              <a:t>Rest vs. Soap</a:t>
+            </a:r>
             <a:endParaRPr lang="en-US" dirty="0"/>
+          </a:p>
+        </p:txBody>
+      </p:sp>
+      <p:pic>
+        <p:nvPicPr>
+          <p:cNvPr id="5" name="Picture 4"/>
+          <p:cNvPicPr>
+            <a:picLocks noChangeAspect="1"/>
+          </p:cNvPicPr>
+          <p:nvPr/>
+        </p:nvPicPr>
+        <p:blipFill>
+          <a:blip r:embed="rId2"/>
+          <a:stretch>
+            <a:fillRect/>
+          </a:stretch>
+        </p:blipFill>
+        <p:spPr>
+          <a:xfrm>
+            <a:off x="688488" y="2022231"/>
+            <a:ext cx="4813974" cy="3187132"/>
+          </a:xfrm>
+          <a:prstGeom prst="rect">
+            <a:avLst/>
+          </a:prstGeom>
+        </p:spPr>
+      </p:pic>
+      <p:pic>
+        <p:nvPicPr>
+          <p:cNvPr id="6" name="Picture 5"/>
+          <p:cNvPicPr>
+            <a:picLocks noChangeAspect="1"/>
+          </p:cNvPicPr>
+          <p:nvPr/>
+        </p:nvPicPr>
+        <p:blipFill>
+          <a:blip r:embed="rId3"/>
+          <a:stretch>
+            <a:fillRect/>
+          </a:stretch>
+        </p:blipFill>
+        <p:spPr>
+          <a:xfrm>
+            <a:off x="7415152" y="1862861"/>
+            <a:ext cx="4216892" cy="3346502"/>
+          </a:xfrm>
+          <a:prstGeom prst="rect">
+            <a:avLst/>
+          </a:prstGeom>
+        </p:spPr>
+      </p:pic>
+      <p:sp>
+        <p:nvSpPr>
+          <p:cNvPr id="7" name="TextBox 6"/>
+          <p:cNvSpPr txBox="1"/>
+          <p:nvPr/>
+        </p:nvSpPr>
+        <p:spPr>
+          <a:xfrm>
+            <a:off x="5894083" y="3131850"/>
+            <a:ext cx="1521069" cy="967894"/>
+          </a:xfrm>
+          <a:prstGeom prst="rect">
+            <a:avLst/>
+          </a:prstGeom>
+          <a:noFill/>
+        </p:spPr>
+        <p:txBody>
+          <a:bodyPr wrap="square" lIns="0" tIns="0" rIns="0" bIns="0" rtlCol="0">
+            <a:spAutoFit/>
+          </a:bodyPr>
+          <a:lstStyle/>
+          <a:p>
+            <a:pPr algn="l">
+              <a:lnSpc>
+                <a:spcPct val="130000"/>
+              </a:lnSpc>
+            </a:pPr>
+            <a:r>
+              <a:rPr lang="en-US" sz="5400" dirty="0">
+                <a:solidFill>
+                  <a:schemeClr val="tx2"/>
+                </a:solidFill>
+              </a:rPr>
+              <a:t>v</a:t>
+            </a:r>
+            <a:r>
+              <a:rPr lang="en-US" sz="5400" dirty="0" smtClean="0">
+                <a:solidFill>
+                  <a:schemeClr val="tx2"/>
+                </a:solidFill>
+              </a:rPr>
+              <a:t>s.</a:t>
+            </a:r>
           </a:p>
         </p:txBody>
       </p:sp>
     </p:spTree>
     <p:extLst>
       <p:ext uri="{BB962C8B-B14F-4D97-AF65-F5344CB8AC3E}">
-        <p14:creationId xmlns:p14="http://schemas.microsoft.com/office/powerpoint/2010/main" val="2713429391"/>
+        <p14:creationId xmlns:p14="http://schemas.microsoft.com/office/powerpoint/2010/main" val="4247551793"/>
       </p:ext>
     </p:extLst>
   </p:cSld>
@@ -20755,13 +20594,7 @@
       </p:grpSpPr>
       <p:sp>
         <p:nvSpPr>
-          <p:cNvPr id="2" name="Title 1">
-            <a:extLst>
-              <a:ext uri="{FF2B5EF4-FFF2-40B4-BE49-F238E27FC236}">
-                <a16:creationId xmlns:a16="http://schemas.microsoft.com/office/drawing/2014/main" id="{0D9FDAE6-550E-E975-BD01-08906590C472}"/>
-              </a:ext>
-            </a:extLst>
-          </p:cNvPr>
+          <p:cNvPr id="2" name="Title 1"/>
           <p:cNvSpPr>
             <a:spLocks noGrp="1"/>
           </p:cNvSpPr>
@@ -20775,8 +20608,12 @@
           <a:lstStyle/>
           <a:p>
             <a:r>
+              <a:rPr lang="en-US" dirty="0"/>
+              <a:t>PowerShell vs. C# vs. .</a:t>
+            </a:r>
+            <a:r>
               <a:rPr lang="en-US" dirty="0" smtClean="0"/>
-              <a:t>Get-Member</a:t>
+              <a:t>NET</a:t>
             </a:r>
             <a:endParaRPr lang="en-US" dirty="0"/>
           </a:p>
@@ -20784,18 +20621,12 @@
       </p:sp>
       <p:sp>
         <p:nvSpPr>
-          <p:cNvPr id="5" name="Content Placeholder 4">
-            <a:extLst>
-              <a:ext uri="{FF2B5EF4-FFF2-40B4-BE49-F238E27FC236}">
-                <a16:creationId xmlns:a16="http://schemas.microsoft.com/office/drawing/2014/main" id="{8FBEB278-6650-3A11-7DCD-A90016572E5A}"/>
-              </a:ext>
-            </a:extLst>
-          </p:cNvPr>
+          <p:cNvPr id="3" name="Subtitle 2"/>
           <p:cNvSpPr>
             <a:spLocks noGrp="1"/>
           </p:cNvSpPr>
           <p:nvPr>
-            <p:ph sz="quarter" idx="14"/>
+            <p:ph type="subTitle" idx="10"/>
           </p:nvPr>
         </p:nvSpPr>
         <p:spPr/>
@@ -20803,39 +20634,379 @@
           <a:bodyPr/>
           <a:lstStyle/>
           <a:p>
-            <a:pPr marL="342900" indent="-342900"/>
             <a:r>
               <a:rPr lang="en-US" dirty="0" smtClean="0"/>
-              <a:t>Get-Member –</a:t>
-            </a:r>
-            <a:r>
-              <a:rPr lang="en-US" dirty="0" err="1" smtClean="0"/>
-              <a:t>InputObject</a:t>
-            </a:r>
-            <a:r>
-              <a:rPr lang="en-US" dirty="0" smtClean="0"/>
-              <a:t> $</a:t>
-            </a:r>
-            <a:r>
-              <a:rPr lang="en-US" dirty="0" err="1" smtClean="0"/>
-              <a:t>myobject</a:t>
-            </a:r>
-            <a:endParaRPr lang="en-US" dirty="0" smtClean="0"/>
-          </a:p>
-          <a:p>
-            <a:pPr marL="342900" indent="-342900"/>
-            <a:endParaRPr lang="en-US" dirty="0" smtClean="0"/>
-          </a:p>
-          <a:p>
-            <a:pPr marL="342900" indent="-342900"/>
+              <a:t>Generally speaking…</a:t>
+            </a:r>
             <a:endParaRPr lang="en-US" dirty="0"/>
+          </a:p>
+        </p:txBody>
+      </p:sp>
+      <p:sp>
+        <p:nvSpPr>
+          <p:cNvPr id="5" name="Rectangle 4"/>
+          <p:cNvSpPr/>
+          <p:nvPr/>
+        </p:nvSpPr>
+        <p:spPr>
+          <a:xfrm>
+            <a:off x="1661746" y="3156439"/>
+            <a:ext cx="8645400" cy="1749669"/>
+          </a:xfrm>
+          <a:prstGeom prst="rect">
+            <a:avLst/>
+          </a:prstGeom>
+          <a:solidFill>
+            <a:schemeClr val="accent1"/>
+          </a:solidFill>
+          <a:ln>
+            <a:noFill/>
+          </a:ln>
+          <a:effectLst/>
+        </p:spPr>
+        <p:style>
+          <a:lnRef idx="1">
+            <a:schemeClr val="accent1"/>
+          </a:lnRef>
+          <a:fillRef idx="3">
+            <a:schemeClr val="accent1"/>
+          </a:fillRef>
+          <a:effectRef idx="2">
+            <a:schemeClr val="accent1"/>
+          </a:effectRef>
+          <a:fontRef idx="minor">
+            <a:schemeClr val="lt1"/>
+          </a:fontRef>
+        </p:style>
+        <p:txBody>
+          <a:bodyPr rot="0" spcFirstLastPara="0" vertOverflow="overflow" horzOverflow="overflow" vert="horz" wrap="square" lIns="91440" tIns="45720" rIns="91440" bIns="45720" numCol="1" spcCol="0" rtlCol="0" fromWordArt="0" anchor="ctr" anchorCtr="0" forceAA="0" compatLnSpc="1">
+            <a:prstTxWarp prst="textNoShape">
+              <a:avLst/>
+            </a:prstTxWarp>
+            <a:noAutofit/>
+          </a:bodyPr>
+          <a:lstStyle/>
+          <a:p>
+            <a:pPr algn="ctr">
+              <a:spcAft>
+                <a:spcPts val="600"/>
+              </a:spcAft>
+            </a:pPr>
+            <a:r>
+              <a:rPr lang="en-US" sz="1200" dirty="0" smtClean="0">
+                <a:solidFill>
+                  <a:schemeClr val="bg1"/>
+                </a:solidFill>
+              </a:rPr>
+              <a:t>.</a:t>
+            </a:r>
+            <a:r>
+              <a:rPr lang="en-US" sz="1200" dirty="0" smtClean="0">
+                <a:solidFill>
+                  <a:schemeClr val="bg1"/>
+                </a:solidFill>
+              </a:rPr>
+              <a:t>NET</a:t>
+            </a:r>
+            <a:r>
+              <a:rPr lang="en-US" sz="1200" dirty="0" smtClean="0">
+                <a:solidFill>
+                  <a:schemeClr val="bg1"/>
+                </a:solidFill>
+              </a:rPr>
+              <a:t> </a:t>
+            </a:r>
+            <a:r>
+              <a:rPr lang="en-US" sz="1200" dirty="0" smtClean="0">
+                <a:solidFill>
+                  <a:schemeClr val="bg1"/>
+                </a:solidFill>
+              </a:rPr>
+              <a:t>(dot net)</a:t>
+            </a:r>
+          </a:p>
+          <a:p>
+            <a:pPr algn="ctr">
+              <a:spcAft>
+                <a:spcPts val="600"/>
+              </a:spcAft>
+            </a:pPr>
+            <a:r>
+              <a:rPr lang="en-US" sz="1200" dirty="0" smtClean="0">
+                <a:solidFill>
+                  <a:schemeClr val="bg1"/>
+                </a:solidFill>
+              </a:rPr>
+              <a:t>Framework and Libraries</a:t>
+            </a:r>
+          </a:p>
+        </p:txBody>
+      </p:sp>
+      <p:sp>
+        <p:nvSpPr>
+          <p:cNvPr id="6" name="Rectangle 5"/>
+          <p:cNvSpPr/>
+          <p:nvPr/>
+        </p:nvSpPr>
+        <p:spPr>
+          <a:xfrm>
+            <a:off x="1661746" y="1257300"/>
+            <a:ext cx="4378569" cy="1899139"/>
+          </a:xfrm>
+          <a:prstGeom prst="rect">
+            <a:avLst/>
+          </a:prstGeom>
+          <a:solidFill>
+            <a:schemeClr val="accent3">
+              <a:lumMod val="75000"/>
+            </a:schemeClr>
+          </a:solidFill>
+          <a:ln>
+            <a:noFill/>
+          </a:ln>
+          <a:effectLst/>
+        </p:spPr>
+        <p:style>
+          <a:lnRef idx="1">
+            <a:schemeClr val="accent1"/>
+          </a:lnRef>
+          <a:fillRef idx="3">
+            <a:schemeClr val="accent1"/>
+          </a:fillRef>
+          <a:effectRef idx="2">
+            <a:schemeClr val="accent1"/>
+          </a:effectRef>
+          <a:fontRef idx="minor">
+            <a:schemeClr val="lt1"/>
+          </a:fontRef>
+        </p:style>
+        <p:txBody>
+          <a:bodyPr rot="0" spcFirstLastPara="0" vertOverflow="overflow" horzOverflow="overflow" vert="horz" wrap="square" lIns="91440" tIns="45720" rIns="91440" bIns="45720" numCol="1" spcCol="0" rtlCol="0" fromWordArt="0" anchor="ctr" anchorCtr="0" forceAA="0" compatLnSpc="1">
+            <a:prstTxWarp prst="textNoShape">
+              <a:avLst/>
+            </a:prstTxWarp>
+            <a:noAutofit/>
+          </a:bodyPr>
+          <a:lstStyle/>
+          <a:p>
+            <a:pPr algn="ctr">
+              <a:spcAft>
+                <a:spcPts val="600"/>
+              </a:spcAft>
+            </a:pPr>
+            <a:r>
+              <a:rPr lang="en-US" sz="1200" dirty="0" smtClean="0">
+                <a:solidFill>
+                  <a:schemeClr val="bg1"/>
+                </a:solidFill>
+              </a:rPr>
+              <a:t>PowerShell</a:t>
+            </a:r>
+          </a:p>
+          <a:p>
+            <a:pPr algn="ctr">
+              <a:spcAft>
+                <a:spcPts val="600"/>
+              </a:spcAft>
+            </a:pPr>
+            <a:r>
+              <a:rPr lang="en-US" sz="1200" dirty="0" smtClean="0">
+                <a:solidFill>
+                  <a:schemeClr val="bg1"/>
+                </a:solidFill>
+              </a:rPr>
+              <a:t>Scripting language</a:t>
+            </a:r>
+          </a:p>
+          <a:p>
+            <a:pPr algn="ctr">
+              <a:spcAft>
+                <a:spcPts val="600"/>
+              </a:spcAft>
+            </a:pPr>
+            <a:r>
+              <a:rPr lang="en-US" sz="1200" dirty="0" smtClean="0">
+                <a:solidFill>
+                  <a:schemeClr val="bg1"/>
+                </a:solidFill>
+              </a:rPr>
+              <a:t>Non-Compiled</a:t>
+            </a:r>
+          </a:p>
+        </p:txBody>
+      </p:sp>
+      <p:sp>
+        <p:nvSpPr>
+          <p:cNvPr id="7" name="Rectangle 6"/>
+          <p:cNvSpPr/>
+          <p:nvPr/>
+        </p:nvSpPr>
+        <p:spPr>
+          <a:xfrm>
+            <a:off x="5928577" y="1257299"/>
+            <a:ext cx="4378569" cy="1899139"/>
+          </a:xfrm>
+          <a:prstGeom prst="rect">
+            <a:avLst/>
+          </a:prstGeom>
+          <a:solidFill>
+            <a:schemeClr val="tx2">
+              <a:lumMod val="50000"/>
+              <a:lumOff val="50000"/>
+            </a:schemeClr>
+          </a:solidFill>
+          <a:ln>
+            <a:noFill/>
+          </a:ln>
+          <a:effectLst/>
+        </p:spPr>
+        <p:style>
+          <a:lnRef idx="1">
+            <a:schemeClr val="accent1"/>
+          </a:lnRef>
+          <a:fillRef idx="3">
+            <a:schemeClr val="accent1"/>
+          </a:fillRef>
+          <a:effectRef idx="2">
+            <a:schemeClr val="accent1"/>
+          </a:effectRef>
+          <a:fontRef idx="minor">
+            <a:schemeClr val="lt1"/>
+          </a:fontRef>
+        </p:style>
+        <p:txBody>
+          <a:bodyPr rot="0" spcFirstLastPara="0" vertOverflow="overflow" horzOverflow="overflow" vert="horz" wrap="square" lIns="91440" tIns="45720" rIns="91440" bIns="45720" numCol="1" spcCol="0" rtlCol="0" fromWordArt="0" anchor="ctr" anchorCtr="0" forceAA="0" compatLnSpc="1">
+            <a:prstTxWarp prst="textNoShape">
+              <a:avLst/>
+            </a:prstTxWarp>
+            <a:noAutofit/>
+          </a:bodyPr>
+          <a:lstStyle/>
+          <a:p>
+            <a:pPr algn="ctr">
+              <a:spcAft>
+                <a:spcPts val="600"/>
+              </a:spcAft>
+            </a:pPr>
+            <a:r>
+              <a:rPr lang="en-US" sz="1200" dirty="0" smtClean="0">
+                <a:solidFill>
+                  <a:schemeClr val="bg1"/>
+                </a:solidFill>
+              </a:rPr>
+              <a:t>C#</a:t>
+            </a:r>
+          </a:p>
+          <a:p>
+            <a:pPr algn="ctr">
+              <a:spcAft>
+                <a:spcPts val="600"/>
+              </a:spcAft>
+            </a:pPr>
+            <a:r>
+              <a:rPr lang="en-US" sz="1200" dirty="0" smtClean="0">
+                <a:solidFill>
+                  <a:schemeClr val="bg1"/>
+                </a:solidFill>
+              </a:rPr>
+              <a:t>Programming Language</a:t>
+            </a:r>
+            <a:br>
+              <a:rPr lang="en-US" sz="1200" dirty="0" smtClean="0">
+                <a:solidFill>
+                  <a:schemeClr val="bg1"/>
+                </a:solidFill>
+              </a:rPr>
+            </a:br>
+            <a:r>
+              <a:rPr lang="en-US" sz="1200" dirty="0" smtClean="0">
+                <a:solidFill>
+                  <a:schemeClr val="bg1"/>
+                </a:solidFill>
+              </a:rPr>
+              <a:t>Compiled</a:t>
+            </a:r>
+          </a:p>
+        </p:txBody>
+      </p:sp>
+      <p:sp>
+        <p:nvSpPr>
+          <p:cNvPr id="8" name="TextBox 7"/>
+          <p:cNvSpPr txBox="1"/>
+          <p:nvPr/>
+        </p:nvSpPr>
+        <p:spPr>
+          <a:xfrm>
+            <a:off x="7077807" y="5055577"/>
+            <a:ext cx="3823162" cy="720197"/>
+          </a:xfrm>
+          <a:prstGeom prst="rect">
+            <a:avLst/>
+          </a:prstGeom>
+          <a:noFill/>
+        </p:spPr>
+        <p:txBody>
+          <a:bodyPr wrap="none" lIns="0" tIns="0" rIns="0" bIns="0" rtlCol="0">
+            <a:spAutoFit/>
+          </a:bodyPr>
+          <a:lstStyle/>
+          <a:p>
+            <a:pPr algn="l">
+              <a:lnSpc>
+                <a:spcPct val="130000"/>
+              </a:lnSpc>
+            </a:pPr>
+            <a:r>
+              <a:rPr lang="en-US" sz="1800" dirty="0" smtClean="0">
+                <a:solidFill>
+                  <a:schemeClr val="tx2"/>
+                </a:solidFill>
+              </a:rPr>
+              <a:t>But there is more to the story … </a:t>
+            </a:r>
+          </a:p>
+          <a:p>
+            <a:pPr algn="l">
+              <a:lnSpc>
+                <a:spcPct val="130000"/>
+              </a:lnSpc>
+            </a:pPr>
+            <a:r>
+              <a:rPr lang="en-US" dirty="0" smtClean="0">
+                <a:solidFill>
+                  <a:schemeClr val="tx2"/>
+                </a:solidFill>
+              </a:rPr>
+              <a:t>Check out the </a:t>
+            </a:r>
+            <a:r>
+              <a:rPr lang="en-US" dirty="0" err="1" smtClean="0">
+                <a:solidFill>
+                  <a:schemeClr val="tx2"/>
+                </a:solidFill>
+              </a:rPr>
+              <a:t>PowerCLI</a:t>
+            </a:r>
+            <a:r>
+              <a:rPr lang="en-US" dirty="0" smtClean="0">
+                <a:solidFill>
+                  <a:schemeClr val="tx2"/>
+                </a:solidFill>
+              </a:rPr>
+              <a:t> 301 session!</a:t>
+            </a:r>
+            <a:endParaRPr lang="en-US" sz="1800" dirty="0" smtClean="0">
+              <a:solidFill>
+                <a:schemeClr val="tx2"/>
+              </a:solidFill>
+            </a:endParaRPr>
           </a:p>
         </p:txBody>
       </p:sp>
     </p:spTree>
     <p:extLst>
       <p:ext uri="{BB962C8B-B14F-4D97-AF65-F5344CB8AC3E}">
-        <p14:creationId xmlns:p14="http://schemas.microsoft.com/office/powerpoint/2010/main" val="3185604838"/>
+        <p14:creationId xmlns:p14="http://schemas.microsoft.com/office/powerpoint/2010/main" val="1462015492"/>
       </p:ext>
     </p:extLst>
   </p:cSld>
@@ -20876,13 +21047,7 @@
       </p:grpSpPr>
       <p:sp>
         <p:nvSpPr>
-          <p:cNvPr id="2" name="Title 1">
-            <a:extLst>
-              <a:ext uri="{FF2B5EF4-FFF2-40B4-BE49-F238E27FC236}">
-                <a16:creationId xmlns:a16="http://schemas.microsoft.com/office/drawing/2014/main" id="{0D9FDAE6-550E-E975-BD01-08906590C472}"/>
-              </a:ext>
-            </a:extLst>
-          </p:cNvPr>
+          <p:cNvPr id="2" name="Title 1"/>
           <p:cNvSpPr>
             <a:spLocks noGrp="1"/>
           </p:cNvSpPr>
@@ -20896,8 +21061,12 @@
           <a:lstStyle/>
           <a:p>
             <a:r>
-              <a:rPr lang="en-US" dirty="0" smtClean="0"/>
-              <a:t>Resources</a:t>
+              <a:rPr lang="en-US" dirty="0"/>
+              <a:t>Converting Developer Center Output to useable PowerShell/</a:t>
+            </a:r>
+            <a:r>
+              <a:rPr lang="en-US" dirty="0" err="1"/>
+              <a:t>PowerCLI</a:t>
             </a:r>
             <a:endParaRPr lang="en-US" dirty="0"/>
           </a:p>
@@ -20905,18 +21074,12 @@
       </p:sp>
       <p:sp>
         <p:nvSpPr>
-          <p:cNvPr id="5" name="Content Placeholder 4">
-            <a:extLst>
-              <a:ext uri="{FF2B5EF4-FFF2-40B4-BE49-F238E27FC236}">
-                <a16:creationId xmlns:a16="http://schemas.microsoft.com/office/drawing/2014/main" id="{8FBEB278-6650-3A11-7DCD-A90016572E5A}"/>
-              </a:ext>
-            </a:extLst>
-          </p:cNvPr>
+          <p:cNvPr id="3" name="Subtitle 2"/>
           <p:cNvSpPr>
             <a:spLocks noGrp="1"/>
           </p:cNvSpPr>
           <p:nvPr>
-            <p:ph sz="quarter" idx="14"/>
+            <p:ph type="subTitle" idx="10"/>
           </p:nvPr>
         </p:nvSpPr>
         <p:spPr/>
@@ -20924,31 +21087,194 @@
           <a:bodyPr/>
           <a:lstStyle/>
           <a:p>
-            <a:pPr marL="342900" indent="-342900"/>
-            <a:r>
-              <a:rPr lang="en-US" dirty="0"/>
-              <a:t>https://developer.broadcom.com/</a:t>
-            </a:r>
-            <a:endParaRPr lang="en-US" dirty="0" smtClean="0"/>
-          </a:p>
-          <a:p>
-            <a:pPr marL="342900" indent="-342900"/>
-            <a:r>
-              <a:rPr lang="en-US" dirty="0"/>
-              <a:t>https://community.broadcom.com/home</a:t>
-            </a:r>
-            <a:endParaRPr lang="en-US" dirty="0" smtClean="0"/>
-          </a:p>
-          <a:p>
-            <a:pPr marL="342900" indent="-342900"/>
+            <a:r>
+              <a:rPr lang="en-US" dirty="0" smtClean="0"/>
+              <a:t>This should be easy…. Thank a </a:t>
+            </a:r>
+            <a:r>
+              <a:rPr lang="en-US" dirty="0" err="1" smtClean="0"/>
+              <a:t>PowerCLI</a:t>
+            </a:r>
+            <a:r>
+              <a:rPr lang="en-US" dirty="0" smtClean="0"/>
+              <a:t> developer today!</a:t>
+            </a:r>
             <a:endParaRPr lang="en-US" dirty="0"/>
           </a:p>
         </p:txBody>
       </p:sp>
+      <p:pic>
+        <p:nvPicPr>
+          <p:cNvPr id="5" name="Picture 4"/>
+          <p:cNvPicPr>
+            <a:picLocks noChangeAspect="1"/>
+          </p:cNvPicPr>
+          <p:nvPr/>
+        </p:nvPicPr>
+        <p:blipFill>
+          <a:blip r:embed="rId2"/>
+          <a:stretch>
+            <a:fillRect/>
+          </a:stretch>
+        </p:blipFill>
+        <p:spPr>
+          <a:xfrm>
+            <a:off x="6929903" y="2586379"/>
+            <a:ext cx="3210373" cy="476316"/>
+          </a:xfrm>
+          <a:prstGeom prst="rect">
+            <a:avLst/>
+          </a:prstGeom>
+          <a:ln>
+            <a:noFill/>
+          </a:ln>
+          <a:effectLst>
+            <a:outerShdw blurRad="190500" algn="tl" rotWithShape="0">
+              <a:srgbClr val="000000">
+                <a:alpha val="70000"/>
+              </a:srgbClr>
+            </a:outerShdw>
+          </a:effectLst>
+        </p:spPr>
+      </p:pic>
+      <p:pic>
+        <p:nvPicPr>
+          <p:cNvPr id="6" name="Picture 5"/>
+          <p:cNvPicPr>
+            <a:picLocks noChangeAspect="1"/>
+          </p:cNvPicPr>
+          <p:nvPr/>
+        </p:nvPicPr>
+        <p:blipFill>
+          <a:blip r:embed="rId3"/>
+          <a:stretch>
+            <a:fillRect/>
+          </a:stretch>
+        </p:blipFill>
+        <p:spPr>
+          <a:xfrm>
+            <a:off x="2077699" y="2557800"/>
+            <a:ext cx="2267266" cy="504895"/>
+          </a:xfrm>
+          <a:prstGeom prst="rect">
+            <a:avLst/>
+          </a:prstGeom>
+          <a:ln>
+            <a:noFill/>
+          </a:ln>
+          <a:effectLst>
+            <a:outerShdw blurRad="190500" algn="tl" rotWithShape="0">
+              <a:srgbClr val="000000">
+                <a:alpha val="70000"/>
+              </a:srgbClr>
+            </a:outerShdw>
+          </a:effectLst>
+        </p:spPr>
+      </p:pic>
+      <p:sp>
+        <p:nvSpPr>
+          <p:cNvPr id="7" name="TextBox 6"/>
+          <p:cNvSpPr txBox="1"/>
+          <p:nvPr/>
+        </p:nvSpPr>
+        <p:spPr>
+          <a:xfrm>
+            <a:off x="7592971" y="2129945"/>
+            <a:ext cx="705321" cy="322652"/>
+          </a:xfrm>
+          <a:prstGeom prst="rect">
+            <a:avLst/>
+          </a:prstGeom>
+          <a:noFill/>
+        </p:spPr>
+        <p:txBody>
+          <a:bodyPr wrap="none" lIns="0" tIns="0" rIns="0" bIns="0" rtlCol="0">
+            <a:spAutoFit/>
+          </a:bodyPr>
+          <a:lstStyle/>
+          <a:p>
+            <a:pPr algn="l">
+              <a:lnSpc>
+                <a:spcPct val="130000"/>
+              </a:lnSpc>
+            </a:pPr>
+            <a:r>
+              <a:rPr lang="en-US" sz="1800" dirty="0" smtClean="0">
+                <a:solidFill>
+                  <a:schemeClr val="tx2"/>
+                </a:solidFill>
+              </a:rPr>
+              <a:t>Reality</a:t>
+            </a:r>
+          </a:p>
+        </p:txBody>
+      </p:sp>
+      <p:sp>
+        <p:nvSpPr>
+          <p:cNvPr id="8" name="TextBox 7"/>
+          <p:cNvSpPr txBox="1"/>
+          <p:nvPr/>
+        </p:nvSpPr>
+        <p:spPr>
+          <a:xfrm>
+            <a:off x="2553497" y="2095431"/>
+            <a:ext cx="1205458" cy="322652"/>
+          </a:xfrm>
+          <a:prstGeom prst="rect">
+            <a:avLst/>
+          </a:prstGeom>
+          <a:noFill/>
+        </p:spPr>
+        <p:txBody>
+          <a:bodyPr wrap="none" lIns="0" tIns="0" rIns="0" bIns="0" rtlCol="0">
+            <a:spAutoFit/>
+          </a:bodyPr>
+          <a:lstStyle/>
+          <a:p>
+            <a:pPr algn="l">
+              <a:lnSpc>
+                <a:spcPct val="130000"/>
+              </a:lnSpc>
+            </a:pPr>
+            <a:r>
+              <a:rPr lang="en-US" sz="1800" dirty="0" smtClean="0">
+                <a:solidFill>
+                  <a:schemeClr val="tx2"/>
+                </a:solidFill>
+              </a:rPr>
+              <a:t>Expectation</a:t>
+            </a:r>
+          </a:p>
+        </p:txBody>
+      </p:sp>
+      <p:pic>
+        <p:nvPicPr>
+          <p:cNvPr id="9" name="Picture 8"/>
+          <p:cNvPicPr>
+            <a:picLocks noChangeAspect="1"/>
+          </p:cNvPicPr>
+          <p:nvPr/>
+        </p:nvPicPr>
+        <p:blipFill>
+          <a:blip r:embed="rId4"/>
+          <a:stretch>
+            <a:fillRect/>
+          </a:stretch>
+        </p:blipFill>
+        <p:spPr>
+          <a:xfrm>
+            <a:off x="3402623" y="3715984"/>
+            <a:ext cx="4290218" cy="2559429"/>
+          </a:xfrm>
+          <a:prstGeom prst="rect">
+            <a:avLst/>
+          </a:prstGeom>
+        </p:spPr>
+      </p:pic>
     </p:spTree>
     <p:extLst>
       <p:ext uri="{BB962C8B-B14F-4D97-AF65-F5344CB8AC3E}">
-        <p14:creationId xmlns:p14="http://schemas.microsoft.com/office/powerpoint/2010/main" val="471172170"/>
+        <p14:creationId xmlns:p14="http://schemas.microsoft.com/office/powerpoint/2010/main" val="4119113909"/>
       </p:ext>
     </p:extLst>
   </p:cSld>
@@ -20989,13 +21315,7 @@
       </p:grpSpPr>
       <p:sp>
         <p:nvSpPr>
-          <p:cNvPr id="2" name="Title 1">
-            <a:extLst>
-              <a:ext uri="{FF2B5EF4-FFF2-40B4-BE49-F238E27FC236}">
-                <a16:creationId xmlns:a16="http://schemas.microsoft.com/office/drawing/2014/main" id="{8EB89D28-96EC-2EFE-AC89-524B0B698CEA}"/>
-              </a:ext>
-            </a:extLst>
-          </p:cNvPr>
+          <p:cNvPr id="2" name="Title 1"/>
           <p:cNvSpPr>
             <a:spLocks noGrp="1"/>
           </p:cNvSpPr>
@@ -21009,41 +21329,20 @@
           <a:lstStyle/>
           <a:p>
             <a:r>
-              <a:rPr lang="en-US" sz="4000" dirty="0">
-                <a:solidFill>
-                  <a:schemeClr val="bg1"/>
-                </a:solidFill>
-              </a:rPr>
-              <a:t>Please take </a:t>
-            </a:r>
-            <a:br>
-              <a:rPr lang="en-US" sz="4000" dirty="0">
-                <a:solidFill>
-                  <a:schemeClr val="bg1"/>
-                </a:solidFill>
-              </a:rPr>
-            </a:br>
-            <a:r>
-              <a:rPr lang="en-US" sz="4000" dirty="0">
-                <a:solidFill>
-                  <a:schemeClr val="bg1"/>
-                </a:solidFill>
-              </a:rPr>
-              <a:t>your survey.</a:t>
-            </a:r>
-            <a:endParaRPr lang="en-US" sz="4000" dirty="0"/>
+              <a:rPr lang="en-US" dirty="0"/>
+              <a:t>Converting Developer Center Output to useable PowerShell/</a:t>
+            </a:r>
+            <a:r>
+              <a:rPr lang="en-US" dirty="0" err="1"/>
+              <a:t>PowerCLI</a:t>
+            </a:r>
+            <a:endParaRPr lang="en-US" dirty="0"/>
           </a:p>
         </p:txBody>
       </p:sp>
       <p:sp>
         <p:nvSpPr>
-          <p:cNvPr id="3" name="Subtitle 2">
-            <a:extLst>
-              <a:ext uri="{FF2B5EF4-FFF2-40B4-BE49-F238E27FC236}">
-                <a16:creationId xmlns:a16="http://schemas.microsoft.com/office/drawing/2014/main" id="{72AB6EE2-A795-0B32-903A-22365F29631E}"/>
-              </a:ext>
-            </a:extLst>
-          </p:cNvPr>
+          <p:cNvPr id="3" name="Subtitle 2"/>
           <p:cNvSpPr>
             <a:spLocks noGrp="1"/>
           </p:cNvSpPr>
@@ -21056,26 +21355,121 @@
           <a:bodyPr/>
           <a:lstStyle/>
           <a:p>
+            <a:r>
+              <a:rPr lang="en-US" dirty="0" smtClean="0"/>
+              <a:t>Get-View FTW!</a:t>
+            </a:r>
             <a:endParaRPr lang="en-US" dirty="0"/>
           </a:p>
         </p:txBody>
       </p:sp>
+      <p:pic>
+        <p:nvPicPr>
+          <p:cNvPr id="5" name="Picture 4"/>
+          <p:cNvPicPr>
+            <a:picLocks noChangeAspect="1"/>
+          </p:cNvPicPr>
+          <p:nvPr/>
+        </p:nvPicPr>
+        <p:blipFill>
+          <a:blip r:embed="rId2"/>
+          <a:stretch>
+            <a:fillRect/>
+          </a:stretch>
+        </p:blipFill>
+        <p:spPr>
+          <a:xfrm>
+            <a:off x="828041" y="2760828"/>
+            <a:ext cx="3210373" cy="476316"/>
+          </a:xfrm>
+          <a:prstGeom prst="rect">
+            <a:avLst/>
+          </a:prstGeom>
+          <a:ln>
+            <a:noFill/>
+          </a:ln>
+          <a:effectLst>
+            <a:outerShdw blurRad="190500" algn="tl" rotWithShape="0">
+              <a:srgbClr val="000000">
+                <a:alpha val="70000"/>
+              </a:srgbClr>
+            </a:outerShdw>
+          </a:effectLst>
+        </p:spPr>
+      </p:pic>
+      <p:pic>
+        <p:nvPicPr>
+          <p:cNvPr id="10" name="Picture 9"/>
+          <p:cNvPicPr>
+            <a:picLocks noChangeAspect="1"/>
+          </p:cNvPicPr>
+          <p:nvPr/>
+        </p:nvPicPr>
+        <p:blipFill>
+          <a:blip r:embed="rId3"/>
+          <a:stretch>
+            <a:fillRect/>
+          </a:stretch>
+        </p:blipFill>
+        <p:spPr>
+          <a:xfrm>
+            <a:off x="5727245" y="935701"/>
+            <a:ext cx="6021522" cy="5640034"/>
+          </a:xfrm>
+          <a:prstGeom prst="rect">
+            <a:avLst/>
+          </a:prstGeom>
+        </p:spPr>
+      </p:pic>
+      <p:cxnSp>
+        <p:nvCxnSpPr>
+          <p:cNvPr id="12" name="Straight Arrow Connector 11"/>
+          <p:cNvCxnSpPr>
+            <a:stCxn id="5" idx="3"/>
+          </p:cNvCxnSpPr>
+          <p:nvPr/>
+        </p:nvCxnSpPr>
+        <p:spPr bwMode="gray">
+          <a:xfrm>
+            <a:off x="4038414" y="2998986"/>
+            <a:ext cx="1834848" cy="3252345"/>
+          </a:xfrm>
+          <a:prstGeom prst="straightConnector1">
+            <a:avLst/>
+          </a:prstGeom>
+          <a:ln w="25400">
+            <a:solidFill>
+              <a:srgbClr val="FF0000"/>
+            </a:solidFill>
+            <a:miter lim="800000"/>
+            <a:tailEnd type="triangle"/>
+          </a:ln>
+        </p:spPr>
+        <p:style>
+          <a:lnRef idx="1">
+            <a:schemeClr val="accent1"/>
+          </a:lnRef>
+          <a:fillRef idx="0">
+            <a:schemeClr val="accent1"/>
+          </a:fillRef>
+          <a:effectRef idx="0">
+            <a:schemeClr val="accent1"/>
+          </a:effectRef>
+          <a:fontRef idx="minor">
+            <a:schemeClr val="tx1"/>
+          </a:fontRef>
+        </p:style>
+      </p:cxnSp>
       <p:sp>
         <p:nvSpPr>
-          <p:cNvPr id="4" name="TextBox 3">
-            <a:extLst>
-              <a:ext uri="{FF2B5EF4-FFF2-40B4-BE49-F238E27FC236}">
-                <a16:creationId xmlns:a16="http://schemas.microsoft.com/office/drawing/2014/main" id="{1296680E-15AF-2278-3275-B47338D845B6}"/>
-              </a:ext>
-            </a:extLst>
-          </p:cNvPr>
+          <p:cNvPr id="13" name="TextBox 12"/>
           <p:cNvSpPr txBox="1"/>
           <p:nvPr/>
         </p:nvSpPr>
         <p:spPr>
           <a:xfrm>
-            <a:off x="588494" y="6395860"/>
-            <a:ext cx="3855223" cy="215444"/>
+            <a:off x="1055077" y="4695092"/>
+            <a:ext cx="3629199" cy="720197"/>
           </a:xfrm>
           <a:prstGeom prst="rect">
             <a:avLst/>
@@ -21090,59 +21484,52 @@
           <a:p>
             <a:pPr algn="l">
               <a:lnSpc>
-                <a:spcPct val="100000"/>
+                <a:spcPct val="130000"/>
               </a:lnSpc>
             </a:pPr>
             <a:r>
-              <a:rPr lang="en-US" sz="700" spc="0" baseline="0" dirty="0">
-                <a:ln/>
-                <a:solidFill>
-                  <a:schemeClr val="bg1"/>
-                </a:solidFill>
-                <a:latin typeface="Metropolis-Regular"/>
-                <a:sym typeface="Metropolis-Regular"/>
-                <a:rtl val="0"/>
+              <a:rPr lang="en-US" sz="1800" dirty="0" err="1" smtClean="0">
+                <a:solidFill>
+                  <a:schemeClr val="tx2"/>
+                </a:solidFill>
               </a:rPr>
-              <a:t>Broadcom Proprietary and Confidential. Copyright © 2024 Broadcom. </a:t>
-            </a:r>
-          </a:p>
-          <a:p>
-            <a:pPr marL="0" marR="0" lvl="0" indent="0" algn="l" defTabSz="914400" rtl="0" eaLnBrk="1" fontAlgn="auto" latinLnBrk="0" hangingPunct="1">
+              <a:t>MoRef</a:t>
+            </a:r>
+            <a:r>
+              <a:rPr lang="en-US" sz="1800" dirty="0" smtClean="0">
+                <a:solidFill>
+                  <a:schemeClr val="tx2"/>
+                </a:solidFill>
+              </a:rPr>
+              <a:t> – Manage Object Reference</a:t>
+            </a:r>
+          </a:p>
+          <a:p>
+            <a:pPr algn="l">
               <a:lnSpc>
-                <a:spcPct val="100000"/>
+                <a:spcPct val="130000"/>
               </a:lnSpc>
-              <a:spcBef>
-                <a:spcPts val="0"/>
-              </a:spcBef>
-              <a:spcAft>
-                <a:spcPts val="0"/>
-              </a:spcAft>
-              <a:buClrTx/>
-              <a:buSzTx/>
-              <a:buFontTx/>
-              <a:buNone/>
-              <a:tabLst/>
-              <a:defRPr/>
             </a:pPr>
             <a:r>
-              <a:rPr lang="en-US" sz="700" spc="0" baseline="0" dirty="0">
-                <a:ln/>
-                <a:solidFill>
-                  <a:schemeClr val="bg1"/>
-                </a:solidFill>
-                <a:latin typeface="Metropolis-Regular"/>
-                <a:sym typeface="Metropolis-Regular"/>
-                <a:rtl val="0"/>
+              <a:rPr lang="en-US" dirty="0" smtClean="0">
+                <a:solidFill>
+                  <a:schemeClr val="tx2"/>
+                </a:solidFill>
               </a:rPr>
-              <a:t>All Rights Reserved. The term “Broadcom” refers to Broadcom Inc. and/or its subsidiaries.</a:t>
-            </a:r>
+              <a:t>Learn to love it!</a:t>
+            </a:r>
+            <a:endParaRPr lang="en-US" sz="1800" dirty="0" smtClean="0">
+              <a:solidFill>
+                <a:schemeClr val="tx2"/>
+              </a:solidFill>
+            </a:endParaRPr>
           </a:p>
         </p:txBody>
       </p:sp>
     </p:spTree>
     <p:extLst>
       <p:ext uri="{BB962C8B-B14F-4D97-AF65-F5344CB8AC3E}">
-        <p14:creationId xmlns:p14="http://schemas.microsoft.com/office/powerpoint/2010/main" val="2198077059"/>
+        <p14:creationId xmlns:p14="http://schemas.microsoft.com/office/powerpoint/2010/main" val="1214134555"/>
       </p:ext>
     </p:extLst>
   </p:cSld>
@@ -21183,6 +21570,632 @@
       </p:grpSpPr>
       <p:sp>
         <p:nvSpPr>
+          <p:cNvPr id="2" name="Title 1"/>
+          <p:cNvSpPr>
+            <a:spLocks noGrp="1"/>
+          </p:cNvSpPr>
+          <p:nvPr>
+            <p:ph type="title"/>
+          </p:nvPr>
+        </p:nvSpPr>
+        <p:spPr/>
+        <p:txBody>
+          <a:bodyPr/>
+          <a:lstStyle/>
+          <a:p>
+            <a:r>
+              <a:rPr lang="en-US" dirty="0" smtClean="0"/>
+              <a:t>Managed Object Browser (the MOB)</a:t>
+            </a:r>
+            <a:endParaRPr lang="en-US" dirty="0"/>
+          </a:p>
+        </p:txBody>
+      </p:sp>
+      <p:sp>
+        <p:nvSpPr>
+          <p:cNvPr id="3" name="Subtitle 2"/>
+          <p:cNvSpPr>
+            <a:spLocks noGrp="1"/>
+          </p:cNvSpPr>
+          <p:nvPr>
+            <p:ph type="subTitle" idx="10"/>
+          </p:nvPr>
+        </p:nvSpPr>
+        <p:spPr/>
+        <p:txBody>
+          <a:bodyPr/>
+          <a:lstStyle/>
+          <a:p>
+            <a:r>
+              <a:rPr lang="en-US" dirty="0" smtClean="0"/>
+              <a:t>Careful talking about this in Vegas</a:t>
+            </a:r>
+            <a:endParaRPr lang="en-US" dirty="0"/>
+          </a:p>
+        </p:txBody>
+      </p:sp>
+      <p:sp>
+        <p:nvSpPr>
+          <p:cNvPr id="4" name="Content Placeholder 3"/>
+          <p:cNvSpPr>
+            <a:spLocks noGrp="1"/>
+          </p:cNvSpPr>
+          <p:nvPr>
+            <p:ph sz="quarter" idx="14"/>
+          </p:nvPr>
+        </p:nvSpPr>
+        <p:spPr/>
+        <p:txBody>
+          <a:bodyPr/>
+          <a:lstStyle/>
+          <a:p>
+            <a:r>
+              <a:rPr lang="en-US" dirty="0" smtClean="0"/>
+              <a:t>Https://&lt;vcenter&gt;/mob </a:t>
+            </a:r>
+          </a:p>
+          <a:p>
+            <a:endParaRPr lang="en-US" dirty="0"/>
+          </a:p>
+        </p:txBody>
+      </p:sp>
+      <p:pic>
+        <p:nvPicPr>
+          <p:cNvPr id="7" name="Picture 6"/>
+          <p:cNvPicPr>
+            <a:picLocks noChangeAspect="1"/>
+          </p:cNvPicPr>
+          <p:nvPr/>
+        </p:nvPicPr>
+        <p:blipFill>
+          <a:blip r:embed="rId2"/>
+          <a:stretch>
+            <a:fillRect/>
+          </a:stretch>
+        </p:blipFill>
+        <p:spPr>
+          <a:xfrm>
+            <a:off x="6341867" y="811830"/>
+            <a:ext cx="4943158" cy="5782879"/>
+          </a:xfrm>
+          <a:prstGeom prst="rect">
+            <a:avLst/>
+          </a:prstGeom>
+        </p:spPr>
+      </p:pic>
+      <p:pic>
+        <p:nvPicPr>
+          <p:cNvPr id="8" name="Picture 7"/>
+          <p:cNvPicPr>
+            <a:picLocks noChangeAspect="1"/>
+          </p:cNvPicPr>
+          <p:nvPr/>
+        </p:nvPicPr>
+        <p:blipFill>
+          <a:blip r:embed="rId3"/>
+          <a:stretch>
+            <a:fillRect/>
+          </a:stretch>
+        </p:blipFill>
+        <p:spPr>
+          <a:xfrm>
+            <a:off x="1065434" y="3368895"/>
+            <a:ext cx="3210373" cy="476316"/>
+          </a:xfrm>
+          <a:prstGeom prst="rect">
+            <a:avLst/>
+          </a:prstGeom>
+          <a:ln>
+            <a:noFill/>
+          </a:ln>
+          <a:effectLst>
+            <a:outerShdw blurRad="190500" algn="tl" rotWithShape="0">
+              <a:srgbClr val="000000">
+                <a:alpha val="70000"/>
+              </a:srgbClr>
+            </a:outerShdw>
+          </a:effectLst>
+        </p:spPr>
+      </p:pic>
+      <p:sp>
+        <p:nvSpPr>
+          <p:cNvPr id="9" name="TextBox 8"/>
+          <p:cNvSpPr txBox="1"/>
+          <p:nvPr/>
+        </p:nvSpPr>
+        <p:spPr>
+          <a:xfrm>
+            <a:off x="1728502" y="2912461"/>
+            <a:ext cx="705321" cy="322652"/>
+          </a:xfrm>
+          <a:prstGeom prst="rect">
+            <a:avLst/>
+          </a:prstGeom>
+          <a:noFill/>
+        </p:spPr>
+        <p:txBody>
+          <a:bodyPr wrap="none" lIns="0" tIns="0" rIns="0" bIns="0" rtlCol="0">
+            <a:spAutoFit/>
+          </a:bodyPr>
+          <a:lstStyle/>
+          <a:p>
+            <a:pPr algn="l">
+              <a:lnSpc>
+                <a:spcPct val="130000"/>
+              </a:lnSpc>
+            </a:pPr>
+            <a:r>
+              <a:rPr lang="en-US" sz="1800" dirty="0" smtClean="0">
+                <a:solidFill>
+                  <a:schemeClr val="tx2"/>
+                </a:solidFill>
+              </a:rPr>
+              <a:t>Reality</a:t>
+            </a:r>
+          </a:p>
+        </p:txBody>
+      </p:sp>
+      <p:cxnSp>
+        <p:nvCxnSpPr>
+          <p:cNvPr id="11" name="Straight Arrow Connector 10"/>
+          <p:cNvCxnSpPr>
+            <a:stCxn id="8" idx="3"/>
+          </p:cNvCxnSpPr>
+          <p:nvPr/>
+        </p:nvCxnSpPr>
+        <p:spPr bwMode="gray">
+          <a:xfrm flipV="1">
+            <a:off x="4275807" y="2206869"/>
+            <a:ext cx="4613216" cy="1400184"/>
+          </a:xfrm>
+          <a:prstGeom prst="straightConnector1">
+            <a:avLst/>
+          </a:prstGeom>
+          <a:ln w="25400">
+            <a:solidFill>
+              <a:schemeClr val="tx1"/>
+            </a:solidFill>
+            <a:miter lim="800000"/>
+            <a:tailEnd type="triangle"/>
+          </a:ln>
+        </p:spPr>
+        <p:style>
+          <a:lnRef idx="1">
+            <a:schemeClr val="accent1"/>
+          </a:lnRef>
+          <a:fillRef idx="0">
+            <a:schemeClr val="accent1"/>
+          </a:fillRef>
+          <a:effectRef idx="0">
+            <a:schemeClr val="accent1"/>
+          </a:effectRef>
+          <a:fontRef idx="minor">
+            <a:schemeClr val="tx1"/>
+          </a:fontRef>
+        </p:style>
+      </p:cxnSp>
+    </p:spTree>
+    <p:extLst>
+      <p:ext uri="{BB962C8B-B14F-4D97-AF65-F5344CB8AC3E}">
+        <p14:creationId xmlns:p14="http://schemas.microsoft.com/office/powerpoint/2010/main" val="2157312111"/>
+      </p:ext>
+    </p:extLst>
+  </p:cSld>
+  <p:clrMapOvr>
+    <a:masterClrMapping/>
+  </p:clrMapOvr>
+  <mc:AlternateContent xmlns:mc="http://schemas.openxmlformats.org/markup-compatibility/2006" xmlns:p14="http://schemas.microsoft.com/office/powerpoint/2010/main">
+    <mc:Choice Requires="p14">
+      <p:transition spd="med" p14:dur="700">
+        <p:fade/>
+      </p:transition>
+    </mc:Choice>
+    <mc:Fallback xmlns="">
+      <p:transition spd="med">
+        <p:fade/>
+      </p:transition>
+    </mc:Fallback>
+  </mc:AlternateContent>
+</p:sld>
+</file>
+
+<file path=ppt/slides/slide18.xml><?xml version="1.0" encoding="utf-8"?>
+<p:sld xmlns:a="http://schemas.openxmlformats.org/drawingml/2006/main" xmlns:r="http://schemas.openxmlformats.org/officeDocument/2006/relationships" xmlns:p="http://schemas.openxmlformats.org/presentationml/2006/main">
+  <p:cSld>
+    <p:spTree>
+      <p:nvGrpSpPr>
+        <p:cNvPr id="1" name=""/>
+        <p:cNvGrpSpPr/>
+        <p:nvPr/>
+      </p:nvGrpSpPr>
+      <p:grpSpPr>
+        <a:xfrm>
+          <a:off x="0" y="0"/>
+          <a:ext cx="0" cy="0"/>
+          <a:chOff x="0" y="0"/>
+          <a:chExt cx="0" cy="0"/>
+        </a:xfrm>
+      </p:grpSpPr>
+      <p:sp>
+        <p:nvSpPr>
+          <p:cNvPr id="2" name="Title 1"/>
+          <p:cNvSpPr>
+            <a:spLocks noGrp="1"/>
+          </p:cNvSpPr>
+          <p:nvPr>
+            <p:ph type="title"/>
+          </p:nvPr>
+        </p:nvSpPr>
+        <p:spPr/>
+        <p:txBody>
+          <a:bodyPr/>
+          <a:lstStyle/>
+          <a:p>
+            <a:r>
+              <a:rPr lang="en-US" dirty="0" smtClean="0"/>
+              <a:t>Get-Member</a:t>
+            </a:r>
+            <a:endParaRPr lang="en-US" dirty="0"/>
+          </a:p>
+        </p:txBody>
+      </p:sp>
+      <p:sp>
+        <p:nvSpPr>
+          <p:cNvPr id="3" name="Subtitle 2"/>
+          <p:cNvSpPr>
+            <a:spLocks noGrp="1"/>
+          </p:cNvSpPr>
+          <p:nvPr>
+            <p:ph type="subTitle" idx="10"/>
+          </p:nvPr>
+        </p:nvSpPr>
+        <p:spPr/>
+        <p:txBody>
+          <a:bodyPr/>
+          <a:lstStyle/>
+          <a:p>
+            <a:r>
+              <a:rPr lang="en-US" dirty="0" smtClean="0"/>
+              <a:t>What methods are available?</a:t>
+            </a:r>
+            <a:endParaRPr lang="en-US" dirty="0"/>
+          </a:p>
+        </p:txBody>
+      </p:sp>
+      <p:sp>
+        <p:nvSpPr>
+          <p:cNvPr id="4" name="Content Placeholder 3"/>
+          <p:cNvSpPr>
+            <a:spLocks noGrp="1"/>
+          </p:cNvSpPr>
+          <p:nvPr>
+            <p:ph sz="quarter" idx="14"/>
+          </p:nvPr>
+        </p:nvSpPr>
+        <p:spPr/>
+        <p:txBody>
+          <a:bodyPr/>
+          <a:lstStyle/>
+          <a:p>
+            <a:r>
+              <a:rPr lang="en-US" dirty="0" smtClean="0"/>
+              <a:t>Get-Member –</a:t>
+            </a:r>
+            <a:r>
+              <a:rPr lang="en-US" dirty="0" err="1" smtClean="0"/>
+              <a:t>InputObject</a:t>
+            </a:r>
+            <a:r>
+              <a:rPr lang="en-US" dirty="0" smtClean="0"/>
+              <a:t> (</a:t>
+            </a:r>
+            <a:r>
+              <a:rPr lang="en-US" dirty="0"/>
+              <a:t>Get-VM “DC0_H0_VM0”) | Where-Object {$_.</a:t>
+            </a:r>
+            <a:r>
+              <a:rPr lang="en-US" dirty="0" err="1"/>
+              <a:t>MemberType</a:t>
+            </a:r>
+            <a:r>
+              <a:rPr lang="en-US" dirty="0"/>
+              <a:t> -like "Method"}</a:t>
+            </a:r>
+          </a:p>
+        </p:txBody>
+      </p:sp>
+      <p:pic>
+        <p:nvPicPr>
+          <p:cNvPr id="5" name="Picture 4"/>
+          <p:cNvPicPr>
+            <a:picLocks noChangeAspect="1"/>
+          </p:cNvPicPr>
+          <p:nvPr/>
+        </p:nvPicPr>
+        <p:blipFill>
+          <a:blip r:embed="rId2"/>
+          <a:stretch>
+            <a:fillRect/>
+          </a:stretch>
+        </p:blipFill>
+        <p:spPr>
+          <a:xfrm>
+            <a:off x="729761" y="2240370"/>
+            <a:ext cx="10463645" cy="2653605"/>
+          </a:xfrm>
+          <a:prstGeom prst="rect">
+            <a:avLst/>
+          </a:prstGeom>
+        </p:spPr>
+      </p:pic>
+      <p:sp>
+        <p:nvSpPr>
+          <p:cNvPr id="6" name="TextBox 5"/>
+          <p:cNvSpPr txBox="1"/>
+          <p:nvPr/>
+        </p:nvSpPr>
+        <p:spPr>
+          <a:xfrm>
+            <a:off x="2250831" y="5254553"/>
+            <a:ext cx="5681042" cy="360099"/>
+          </a:xfrm>
+          <a:prstGeom prst="rect">
+            <a:avLst/>
+          </a:prstGeom>
+          <a:noFill/>
+        </p:spPr>
+        <p:txBody>
+          <a:bodyPr wrap="none" lIns="0" tIns="0" rIns="0" bIns="0" rtlCol="0">
+            <a:spAutoFit/>
+          </a:bodyPr>
+          <a:lstStyle/>
+          <a:p>
+            <a:pPr algn="l">
+              <a:lnSpc>
+                <a:spcPct val="130000"/>
+              </a:lnSpc>
+            </a:pPr>
+            <a:r>
+              <a:rPr lang="en-US" sz="1800" dirty="0" err="1" smtClean="0">
+                <a:solidFill>
+                  <a:schemeClr val="tx2"/>
+                </a:solidFill>
+              </a:rPr>
+              <a:t>Uhhhhhh</a:t>
+            </a:r>
+            <a:r>
+              <a:rPr lang="en-US" sz="1800" dirty="0" smtClean="0">
+                <a:solidFill>
+                  <a:schemeClr val="tx2"/>
+                </a:solidFill>
+              </a:rPr>
+              <a:t>……..   Where is the </a:t>
+            </a:r>
+            <a:r>
+              <a:rPr lang="en-US" sz="1800" dirty="0" err="1" smtClean="0">
+                <a:solidFill>
+                  <a:schemeClr val="tx2"/>
+                </a:solidFill>
+              </a:rPr>
+              <a:t>ShutdownGuest</a:t>
+            </a:r>
+            <a:r>
+              <a:rPr lang="en-US" sz="1800" dirty="0" smtClean="0">
+                <a:solidFill>
+                  <a:schemeClr val="tx2"/>
+                </a:solidFill>
+              </a:rPr>
+              <a:t> Method?</a:t>
+            </a:r>
+          </a:p>
+        </p:txBody>
+      </p:sp>
+    </p:spTree>
+    <p:extLst>
+      <p:ext uri="{BB962C8B-B14F-4D97-AF65-F5344CB8AC3E}">
+        <p14:creationId xmlns:p14="http://schemas.microsoft.com/office/powerpoint/2010/main" val="1044529797"/>
+      </p:ext>
+    </p:extLst>
+  </p:cSld>
+  <p:clrMapOvr>
+    <a:masterClrMapping/>
+  </p:clrMapOvr>
+  <mc:AlternateContent xmlns:mc="http://schemas.openxmlformats.org/markup-compatibility/2006" xmlns:p14="http://schemas.microsoft.com/office/powerpoint/2010/main">
+    <mc:Choice Requires="p14">
+      <p:transition spd="med" p14:dur="700">
+        <p:fade/>
+      </p:transition>
+    </mc:Choice>
+    <mc:Fallback xmlns="">
+      <p:transition spd="med">
+        <p:fade/>
+      </p:transition>
+    </mc:Fallback>
+  </mc:AlternateContent>
+</p:sld>
+</file>
+
+<file path=ppt/slides/slide19.xml><?xml version="1.0" encoding="utf-8"?>
+<p:sld xmlns:a="http://schemas.openxmlformats.org/drawingml/2006/main" xmlns:r="http://schemas.openxmlformats.org/officeDocument/2006/relationships" xmlns:p="http://schemas.openxmlformats.org/presentationml/2006/main">
+  <p:cSld>
+    <p:spTree>
+      <p:nvGrpSpPr>
+        <p:cNvPr id="1" name=""/>
+        <p:cNvGrpSpPr/>
+        <p:nvPr/>
+      </p:nvGrpSpPr>
+      <p:grpSpPr>
+        <a:xfrm>
+          <a:off x="0" y="0"/>
+          <a:ext cx="0" cy="0"/>
+          <a:chOff x="0" y="0"/>
+          <a:chExt cx="0" cy="0"/>
+        </a:xfrm>
+      </p:grpSpPr>
+      <p:sp>
+        <p:nvSpPr>
+          <p:cNvPr id="2" name="Title 1"/>
+          <p:cNvSpPr>
+            <a:spLocks noGrp="1"/>
+          </p:cNvSpPr>
+          <p:nvPr>
+            <p:ph type="title"/>
+          </p:nvPr>
+        </p:nvSpPr>
+        <p:spPr/>
+        <p:txBody>
+          <a:bodyPr/>
+          <a:lstStyle/>
+          <a:p>
+            <a:r>
+              <a:rPr lang="en-US" dirty="0" smtClean="0"/>
+              <a:t>Get-Member</a:t>
+            </a:r>
+            <a:endParaRPr lang="en-US" dirty="0"/>
+          </a:p>
+        </p:txBody>
+      </p:sp>
+      <p:sp>
+        <p:nvSpPr>
+          <p:cNvPr id="3" name="Subtitle 2"/>
+          <p:cNvSpPr>
+            <a:spLocks noGrp="1"/>
+          </p:cNvSpPr>
+          <p:nvPr>
+            <p:ph type="subTitle" idx="10"/>
+          </p:nvPr>
+        </p:nvSpPr>
+        <p:spPr/>
+        <p:txBody>
+          <a:bodyPr/>
+          <a:lstStyle/>
+          <a:p>
+            <a:r>
+              <a:rPr lang="en-US" dirty="0" smtClean="0"/>
+              <a:t>Good thing this is a 200 level session!</a:t>
+            </a:r>
+            <a:endParaRPr lang="en-US" dirty="0"/>
+          </a:p>
+        </p:txBody>
+      </p:sp>
+      <p:sp>
+        <p:nvSpPr>
+          <p:cNvPr id="4" name="Content Placeholder 3"/>
+          <p:cNvSpPr>
+            <a:spLocks noGrp="1"/>
+          </p:cNvSpPr>
+          <p:nvPr>
+            <p:ph sz="quarter" idx="14"/>
+          </p:nvPr>
+        </p:nvSpPr>
+        <p:spPr/>
+        <p:txBody>
+          <a:bodyPr/>
+          <a:lstStyle/>
+          <a:p>
+            <a:r>
+              <a:rPr lang="en-US" dirty="0" smtClean="0"/>
+              <a:t>Get-Member –</a:t>
+            </a:r>
+            <a:r>
+              <a:rPr lang="en-US" dirty="0" err="1" smtClean="0"/>
+              <a:t>InputObject</a:t>
+            </a:r>
+            <a:r>
+              <a:rPr lang="en-US" dirty="0" smtClean="0"/>
+              <a:t> (</a:t>
+            </a:r>
+            <a:r>
+              <a:rPr lang="en-US" dirty="0"/>
+              <a:t>Get-VM “DC0_H0_VM0” </a:t>
+            </a:r>
+            <a:r>
+              <a:rPr lang="en-US" dirty="0" smtClean="0"/>
+              <a:t>| Get-view) </a:t>
+            </a:r>
+            <a:r>
+              <a:rPr lang="en-US" dirty="0"/>
+              <a:t>| Where-Object {$_.</a:t>
+            </a:r>
+            <a:r>
+              <a:rPr lang="en-US" dirty="0" err="1"/>
+              <a:t>MemberType</a:t>
+            </a:r>
+            <a:r>
+              <a:rPr lang="en-US" dirty="0"/>
+              <a:t> -like "Method"}</a:t>
+            </a:r>
+          </a:p>
+        </p:txBody>
+      </p:sp>
+      <p:pic>
+        <p:nvPicPr>
+          <p:cNvPr id="7" name="Picture 6"/>
+          <p:cNvPicPr>
+            <a:picLocks noChangeAspect="1"/>
+          </p:cNvPicPr>
+          <p:nvPr/>
+        </p:nvPicPr>
+        <p:blipFill>
+          <a:blip r:embed="rId2"/>
+          <a:stretch>
+            <a:fillRect/>
+          </a:stretch>
+        </p:blipFill>
+        <p:spPr>
+          <a:xfrm>
+            <a:off x="717444" y="2532185"/>
+            <a:ext cx="10318843" cy="3328200"/>
+          </a:xfrm>
+          <a:prstGeom prst="rect">
+            <a:avLst/>
+          </a:prstGeom>
+        </p:spPr>
+      </p:pic>
+    </p:spTree>
+    <p:extLst>
+      <p:ext uri="{BB962C8B-B14F-4D97-AF65-F5344CB8AC3E}">
+        <p14:creationId xmlns:p14="http://schemas.microsoft.com/office/powerpoint/2010/main" val="3580670286"/>
+      </p:ext>
+    </p:extLst>
+  </p:cSld>
+  <p:clrMapOvr>
+    <a:masterClrMapping/>
+  </p:clrMapOvr>
+  <mc:AlternateContent xmlns:mc="http://schemas.openxmlformats.org/markup-compatibility/2006" xmlns:p14="http://schemas.microsoft.com/office/powerpoint/2010/main">
+    <mc:Choice Requires="p14">
+      <p:transition spd="med" p14:dur="700">
+        <p:fade/>
+      </p:transition>
+    </mc:Choice>
+    <mc:Fallback xmlns="">
+      <p:transition spd="med">
+        <p:fade/>
+      </p:transition>
+    </mc:Fallback>
+  </mc:AlternateContent>
+</p:sld>
+</file>
+
+<file path=ppt/slides/slide2.xml><?xml version="1.0" encoding="utf-8"?>
+<p:sld xmlns:a="http://schemas.openxmlformats.org/drawingml/2006/main" xmlns:r="http://schemas.openxmlformats.org/officeDocument/2006/relationships" xmlns:p="http://schemas.openxmlformats.org/presentationml/2006/main">
+  <p:cSld>
+    <p:spTree>
+      <p:nvGrpSpPr>
+        <p:cNvPr id="1" name=""/>
+        <p:cNvGrpSpPr/>
+        <p:nvPr/>
+      </p:nvGrpSpPr>
+      <p:grpSpPr>
+        <a:xfrm>
+          <a:off x="0" y="0"/>
+          <a:ext cx="0" cy="0"/>
+          <a:chOff x="0" y="0"/>
+          <a:chExt cx="0" cy="0"/>
+        </a:xfrm>
+      </p:grpSpPr>
+      <p:sp>
+        <p:nvSpPr>
           <p:cNvPr id="2" name="Title 1">
             <a:extLst>
               <a:ext uri="{FF2B5EF4-FFF2-40B4-BE49-F238E27FC236}">
@@ -21199,7 +22212,7 @@
         </p:nvSpPr>
         <p:spPr>
           <a:xfrm>
-            <a:off x="593766" y="3014482"/>
+            <a:off x="593766" y="3964052"/>
             <a:ext cx="5933158" cy="1229360"/>
           </a:xfrm>
         </p:spPr>
@@ -21208,14 +22221,14 @@
           <a:lstStyle/>
           <a:p>
             <a:r>
-              <a:rPr lang="en-US" sz="6000" dirty="0">
+              <a:rPr lang="en-US" sz="4000" dirty="0" smtClean="0">
                 <a:solidFill>
                   <a:schemeClr val="bg1"/>
                 </a:solidFill>
               </a:rPr>
-              <a:t>Thank You</a:t>
-            </a:r>
-            <a:endParaRPr lang="en-US" sz="6000" dirty="0"/>
+              <a:t>Justin Sider</a:t>
+            </a:r>
+            <a:endParaRPr lang="en-US" sz="4000" dirty="0"/>
           </a:p>
         </p:txBody>
       </p:sp>
@@ -21237,8 +22250,8 @@
         </p:nvSpPr>
         <p:spPr>
           <a:xfrm>
-            <a:off x="593766" y="4389699"/>
-            <a:ext cx="5933158" cy="700882"/>
+            <a:off x="4443717" y="1306530"/>
+            <a:ext cx="7292934" cy="4185139"/>
           </a:xfrm>
         </p:spPr>
         <p:txBody>
@@ -21246,12 +22259,62 @@
           <a:lstStyle/>
           <a:p>
             <a:r>
-              <a:rPr lang="en-US" dirty="0"/>
-              <a:t>Text</a:t>
-            </a:r>
-          </a:p>
-          <a:p>
-            <a:endParaRPr lang="en-US" dirty="0"/>
+              <a:rPr lang="en-US" sz="1800" dirty="0" smtClean="0"/>
+              <a:t>Blog</a:t>
+            </a:r>
+          </a:p>
+          <a:p>
+            <a:r>
+              <a:rPr lang="en-US" sz="1800" dirty="0" smtClean="0"/>
+              <a:t>	https://invoke-automation.blog</a:t>
+            </a:r>
+          </a:p>
+          <a:p>
+            <a:r>
+              <a:rPr lang="en-US" sz="1800" dirty="0" smtClean="0"/>
+              <a:t>GitHub</a:t>
+            </a:r>
+          </a:p>
+          <a:p>
+            <a:r>
+              <a:rPr lang="en-US" sz="1800" dirty="0" smtClean="0"/>
+              <a:t>	https://github.com/jpsider</a:t>
+            </a:r>
+          </a:p>
+          <a:p>
+            <a:r>
+              <a:rPr lang="en-US" sz="1800" dirty="0" smtClean="0"/>
+              <a:t>Twitter(X)/Slack</a:t>
+            </a:r>
+          </a:p>
+          <a:p>
+            <a:r>
+              <a:rPr lang="en-US" sz="1800" dirty="0" smtClean="0"/>
+              <a:t>	Jpsider</a:t>
+            </a:r>
+          </a:p>
+          <a:p>
+            <a:r>
+              <a:rPr lang="en-US" sz="1800" dirty="0" smtClean="0"/>
+              <a:t>VMware Community</a:t>
+            </a:r>
+          </a:p>
+          <a:p>
+            <a:r>
+              <a:rPr lang="en-US" sz="1800" dirty="0" smtClean="0"/>
+              <a:t>	</a:t>
+            </a:r>
+            <a:r>
+              <a:rPr lang="en-US" sz="1800" dirty="0" err="1" smtClean="0"/>
+              <a:t>vExpert</a:t>
+            </a:r>
+            <a:r>
+              <a:rPr lang="en-US" sz="1800" dirty="0" smtClean="0"/>
+              <a:t>, VMUG leader, {Code} Coach, VMUG BOD</a:t>
+            </a:r>
+          </a:p>
+          <a:p>
+            <a:endParaRPr lang="en-US" sz="1800" dirty="0"/>
           </a:p>
         </p:txBody>
       </p:sp>
@@ -21334,10 +22397,329 @@
           </a:p>
         </p:txBody>
       </p:sp>
+      <p:pic>
+        <p:nvPicPr>
+          <p:cNvPr id="5" name="Picture 4"/>
+          <p:cNvPicPr>
+            <a:picLocks noChangeAspect="1"/>
+          </p:cNvPicPr>
+          <p:nvPr/>
+        </p:nvPicPr>
+        <p:blipFill>
+          <a:blip r:embed="rId2">
+            <a:extLst>
+              <a:ext uri="{28A0092B-C50C-407E-A947-70E740481C1C}">
+                <a14:useLocalDpi xmlns:a14="http://schemas.microsoft.com/office/drawing/2010/main" val="0"/>
+              </a:ext>
+            </a:extLst>
+          </a:blip>
+          <a:stretch>
+            <a:fillRect/>
+          </a:stretch>
+        </p:blipFill>
+        <p:spPr>
+          <a:xfrm>
+            <a:off x="588494" y="1270822"/>
+            <a:ext cx="3016352" cy="2413082"/>
+          </a:xfrm>
+          <a:prstGeom prst="rect">
+            <a:avLst/>
+          </a:prstGeom>
+        </p:spPr>
+      </p:pic>
+      <p:sp>
+        <p:nvSpPr>
+          <p:cNvPr id="6" name="Subtitle 2">
+            <a:extLst>
+              <a:ext uri="{FF2B5EF4-FFF2-40B4-BE49-F238E27FC236}">
+                <a16:creationId xmlns:a16="http://schemas.microsoft.com/office/drawing/2014/main" id="{24BA032B-EB3B-30B3-4A0C-F7F8E9F7E1F2}"/>
+              </a:ext>
+            </a:extLst>
+          </p:cNvPr>
+          <p:cNvSpPr txBox="1">
+            <a:spLocks/>
+          </p:cNvSpPr>
+          <p:nvPr/>
+        </p:nvSpPr>
+        <p:spPr>
+          <a:xfrm>
+            <a:off x="746166" y="5491669"/>
+            <a:ext cx="7292934" cy="700882"/>
+          </a:xfrm>
+          <a:prstGeom prst="rect">
+            <a:avLst/>
+          </a:prstGeom>
+        </p:spPr>
+        <p:txBody>
+          <a:bodyPr vert="horz" lIns="0" tIns="0" rIns="0" bIns="0" rtlCol="0">
+            <a:noAutofit/>
+          </a:bodyPr>
+          <a:lstStyle>
+            <a:lvl1pPr marL="0" indent="0" algn="l" defTabSz="914400" rtl="0" eaLnBrk="1" latinLnBrk="0" hangingPunct="1">
+              <a:lnSpc>
+                <a:spcPct val="100000"/>
+              </a:lnSpc>
+              <a:spcBef>
+                <a:spcPts val="0"/>
+              </a:spcBef>
+              <a:spcAft>
+                <a:spcPts val="1200"/>
+              </a:spcAft>
+              <a:buClr>
+                <a:schemeClr val="tx1">
+                  <a:lumMod val="60000"/>
+                  <a:lumOff val="40000"/>
+                </a:schemeClr>
+              </a:buClr>
+              <a:buSzPct val="90000"/>
+              <a:buFont typeface="Arial" panose="020B0604020202020204" pitchFamily="34" charset="0"/>
+              <a:buNone/>
+              <a:defRPr sz="2400" kern="1200">
+                <a:solidFill>
+                  <a:schemeClr val="bg1"/>
+                </a:solidFill>
+                <a:latin typeface="+mj-lt"/>
+                <a:ea typeface="+mn-ea"/>
+                <a:cs typeface="+mn-cs"/>
+              </a:defRPr>
+            </a:lvl1pPr>
+            <a:lvl2pPr marL="457200" indent="0" algn="ctr" defTabSz="914400" rtl="0" eaLnBrk="1" latinLnBrk="0" hangingPunct="1">
+              <a:lnSpc>
+                <a:spcPct val="100000"/>
+              </a:lnSpc>
+              <a:spcBef>
+                <a:spcPts val="0"/>
+              </a:spcBef>
+              <a:spcAft>
+                <a:spcPts val="1200"/>
+              </a:spcAft>
+              <a:buClr>
+                <a:schemeClr val="bg2">
+                  <a:lumMod val="25000"/>
+                </a:schemeClr>
+              </a:buClr>
+              <a:buSzPct val="90000"/>
+              <a:buFont typeface="Arial" panose="020B0604020202020204" pitchFamily="34" charset="0"/>
+              <a:buNone/>
+              <a:defRPr sz="2000" kern="1200">
+                <a:solidFill>
+                  <a:schemeClr val="tx1"/>
+                </a:solidFill>
+                <a:latin typeface="+mn-lt"/>
+                <a:ea typeface="+mn-ea"/>
+                <a:cs typeface="+mn-cs"/>
+              </a:defRPr>
+            </a:lvl2pPr>
+            <a:lvl3pPr marL="914400" indent="0" algn="ctr" defTabSz="914400" rtl="0" eaLnBrk="1" latinLnBrk="0" hangingPunct="1">
+              <a:lnSpc>
+                <a:spcPct val="100000"/>
+              </a:lnSpc>
+              <a:spcBef>
+                <a:spcPts val="0"/>
+              </a:spcBef>
+              <a:spcAft>
+                <a:spcPts val="1200"/>
+              </a:spcAft>
+              <a:buClr>
+                <a:schemeClr val="bg2">
+                  <a:lumMod val="25000"/>
+                </a:schemeClr>
+              </a:buClr>
+              <a:buSzPct val="90000"/>
+              <a:buFont typeface="Camphor Std" panose="020B0504030404020204" pitchFamily="34" charset="0"/>
+              <a:buNone/>
+              <a:defRPr sz="1800" kern="1200">
+                <a:solidFill>
+                  <a:schemeClr val="tx1"/>
+                </a:solidFill>
+                <a:latin typeface="+mn-lt"/>
+                <a:ea typeface="+mn-ea"/>
+                <a:cs typeface="+mn-cs"/>
+              </a:defRPr>
+            </a:lvl3pPr>
+            <a:lvl4pPr marL="1371600" indent="0" algn="ctr" defTabSz="914400" rtl="0" eaLnBrk="1" latinLnBrk="0" hangingPunct="1">
+              <a:lnSpc>
+                <a:spcPct val="100000"/>
+              </a:lnSpc>
+              <a:spcBef>
+                <a:spcPts val="0"/>
+              </a:spcBef>
+              <a:spcAft>
+                <a:spcPts val="1200"/>
+              </a:spcAft>
+              <a:buClr>
+                <a:schemeClr val="bg2">
+                  <a:lumMod val="25000"/>
+                </a:schemeClr>
+              </a:buClr>
+              <a:buSzPct val="90000"/>
+              <a:buFont typeface="Arial" panose="020B0604020202020204" pitchFamily="34" charset="0"/>
+              <a:buNone/>
+              <a:defRPr sz="1600" kern="1200">
+                <a:solidFill>
+                  <a:schemeClr val="tx1"/>
+                </a:solidFill>
+                <a:latin typeface="+mn-lt"/>
+                <a:ea typeface="+mn-ea"/>
+                <a:cs typeface="+mn-cs"/>
+              </a:defRPr>
+            </a:lvl4pPr>
+            <a:lvl5pPr marL="1828800" indent="0" algn="ctr" defTabSz="914400" rtl="0" eaLnBrk="1" latinLnBrk="0" hangingPunct="1">
+              <a:lnSpc>
+                <a:spcPct val="100000"/>
+              </a:lnSpc>
+              <a:spcBef>
+                <a:spcPts val="0"/>
+              </a:spcBef>
+              <a:spcAft>
+                <a:spcPts val="1200"/>
+              </a:spcAft>
+              <a:buClr>
+                <a:schemeClr val="bg2">
+                  <a:lumMod val="25000"/>
+                </a:schemeClr>
+              </a:buClr>
+              <a:buSzPct val="90000"/>
+              <a:buFont typeface="Camphor Std" panose="020B0504030404020204" pitchFamily="34" charset="0"/>
+              <a:buNone/>
+              <a:tabLst/>
+              <a:defRPr sz="1600" kern="1200">
+                <a:solidFill>
+                  <a:schemeClr val="tx1"/>
+                </a:solidFill>
+                <a:latin typeface="+mn-lt"/>
+                <a:ea typeface="+mn-ea"/>
+                <a:cs typeface="+mn-cs"/>
+              </a:defRPr>
+            </a:lvl5pPr>
+            <a:lvl6pPr marL="2286000" indent="0" algn="ctr" defTabSz="914400" rtl="0" eaLnBrk="1" latinLnBrk="0" hangingPunct="1">
+              <a:lnSpc>
+                <a:spcPct val="100000"/>
+              </a:lnSpc>
+              <a:spcBef>
+                <a:spcPts val="0"/>
+              </a:spcBef>
+              <a:spcAft>
+                <a:spcPts val="1200"/>
+              </a:spcAft>
+              <a:buClr>
+                <a:schemeClr val="bg2">
+                  <a:lumMod val="25000"/>
+                </a:schemeClr>
+              </a:buClr>
+              <a:buSzPct val="90000"/>
+              <a:buFont typeface="Arial" panose="020B0604020202020204" pitchFamily="34" charset="0"/>
+              <a:buNone/>
+              <a:tabLst/>
+              <a:defRPr sz="1600" kern="1200">
+                <a:solidFill>
+                  <a:schemeClr val="tx1"/>
+                </a:solidFill>
+                <a:latin typeface="+mn-lt"/>
+                <a:ea typeface="+mn-ea"/>
+                <a:cs typeface="+mn-cs"/>
+              </a:defRPr>
+            </a:lvl6pPr>
+            <a:lvl7pPr marL="2743200" indent="0" algn="ctr" defTabSz="914400" rtl="0" eaLnBrk="1" latinLnBrk="0" hangingPunct="1">
+              <a:lnSpc>
+                <a:spcPct val="100000"/>
+              </a:lnSpc>
+              <a:spcBef>
+                <a:spcPts val="0"/>
+              </a:spcBef>
+              <a:spcAft>
+                <a:spcPts val="1200"/>
+              </a:spcAft>
+              <a:buClr>
+                <a:schemeClr val="bg2">
+                  <a:lumMod val="25000"/>
+                </a:schemeClr>
+              </a:buClr>
+              <a:buSzPct val="90000"/>
+              <a:buFont typeface="System Font Regular"/>
+              <a:buNone/>
+              <a:tabLst/>
+              <a:defRPr sz="1600" kern="1200">
+                <a:solidFill>
+                  <a:schemeClr val="tx1"/>
+                </a:solidFill>
+                <a:latin typeface="+mn-lt"/>
+                <a:ea typeface="+mn-ea"/>
+                <a:cs typeface="+mn-cs"/>
+              </a:defRPr>
+            </a:lvl7pPr>
+            <a:lvl8pPr marL="3200400" indent="0" algn="ctr" defTabSz="914400" rtl="0" eaLnBrk="1" latinLnBrk="0" hangingPunct="1">
+              <a:lnSpc>
+                <a:spcPct val="100000"/>
+              </a:lnSpc>
+              <a:spcBef>
+                <a:spcPts val="0"/>
+              </a:spcBef>
+              <a:spcAft>
+                <a:spcPts val="1200"/>
+              </a:spcAft>
+              <a:buClr>
+                <a:schemeClr val="bg2">
+                  <a:lumMod val="25000"/>
+                </a:schemeClr>
+              </a:buClr>
+              <a:buSzPct val="90000"/>
+              <a:buFont typeface="Arial" panose="020B0604020202020204" pitchFamily="34" charset="0"/>
+              <a:buNone/>
+              <a:tabLst/>
+              <a:defRPr sz="1600" kern="1200">
+                <a:solidFill>
+                  <a:schemeClr val="tx1"/>
+                </a:solidFill>
+                <a:latin typeface="+mn-lt"/>
+                <a:ea typeface="+mn-ea"/>
+                <a:cs typeface="+mn-cs"/>
+              </a:defRPr>
+            </a:lvl8pPr>
+            <a:lvl9pPr marL="3657600" indent="0" algn="ctr" defTabSz="914400" rtl="0" eaLnBrk="1" latinLnBrk="0" hangingPunct="1">
+              <a:lnSpc>
+                <a:spcPct val="100000"/>
+              </a:lnSpc>
+              <a:spcBef>
+                <a:spcPts val="0"/>
+              </a:spcBef>
+              <a:spcAft>
+                <a:spcPts val="1200"/>
+              </a:spcAft>
+              <a:buClr>
+                <a:schemeClr val="bg2">
+                  <a:lumMod val="25000"/>
+                </a:schemeClr>
+              </a:buClr>
+              <a:buSzPct val="90000"/>
+              <a:buFont typeface="System Font Regular"/>
+              <a:buNone/>
+              <a:tabLst/>
+              <a:defRPr sz="1600" kern="1200">
+                <a:solidFill>
+                  <a:schemeClr val="tx1"/>
+                </a:solidFill>
+                <a:latin typeface="+mn-lt"/>
+                <a:ea typeface="+mn-ea"/>
+                <a:cs typeface="+mn-cs"/>
+              </a:defRPr>
+            </a:lvl9pPr>
+          </a:lstStyle>
+          <a:p>
+            <a:r>
+              <a:rPr lang="en-US" smtClean="0"/>
+              <a:t>Chief Information Officer – Belay Technologies</a:t>
+            </a:r>
+          </a:p>
+          <a:p>
+            <a:endParaRPr lang="en-US" dirty="0"/>
+          </a:p>
+        </p:txBody>
+      </p:sp>
     </p:spTree>
     <p:extLst>
       <p:ext uri="{BB962C8B-B14F-4D97-AF65-F5344CB8AC3E}">
-        <p14:creationId xmlns:p14="http://schemas.microsoft.com/office/powerpoint/2010/main" val="4140715204"/>
+        <p14:creationId xmlns:p14="http://schemas.microsoft.com/office/powerpoint/2010/main" val="2381628402"/>
       </p:ext>
     </p:extLst>
   </p:cSld>
@@ -21359,8 +22741,8 @@
 </p:sld>
 </file>
 
-<file path=ppt/slides/slide2.xml><?xml version="1.0" encoding="utf-8"?>
-<p:sld xmlns:a="http://schemas.openxmlformats.org/drawingml/2006/main" xmlns:r="http://schemas.openxmlformats.org/officeDocument/2006/relationships" xmlns:p="http://schemas.openxmlformats.org/presentationml/2006/main" show="0">
+<file path=ppt/slides/slide20.xml><?xml version="1.0" encoding="utf-8"?>
+<p:sld xmlns:a="http://schemas.openxmlformats.org/drawingml/2006/main" xmlns:r="http://schemas.openxmlformats.org/officeDocument/2006/relationships" xmlns:p="http://schemas.openxmlformats.org/presentationml/2006/main">
   <p:cSld>
     <p:spTree>
       <p:nvGrpSpPr>
@@ -21381,7 +22763,7 @@
           <p:cNvPr id="2" name="Title 1">
             <a:extLst>
               <a:ext uri="{FF2B5EF4-FFF2-40B4-BE49-F238E27FC236}">
-                <a16:creationId xmlns:a16="http://schemas.microsoft.com/office/drawing/2014/main" id="{168374A4-8AEB-800A-566E-4F1AB585A89A}"/>
+                <a16:creationId xmlns:a16="http://schemas.microsoft.com/office/drawing/2014/main" id="{0D9FDAE6-550E-E975-BD01-08906590C472}"/>
               </a:ext>
             </a:extLst>
           </p:cNvPr>
@@ -21392,26 +22774,14 @@
             <p:ph type="title"/>
           </p:nvPr>
         </p:nvSpPr>
-        <p:spPr>
-          <a:xfrm>
-            <a:off x="608013" y="546019"/>
-            <a:ext cx="11001004" cy="381000"/>
-          </a:xfrm>
-        </p:spPr>
+        <p:spPr/>
         <p:txBody>
           <a:bodyPr/>
           <a:lstStyle/>
           <a:p>
             <a:r>
-              <a:rPr lang="en-US" dirty="0"/>
-              <a:t>Quick Guide</a:t>
-            </a:r>
-            <a:br>
-              <a:rPr lang="en-US" dirty="0"/>
-            </a:br>
-            <a:r>
-              <a:rPr lang="en-US" sz="2000" dirty="0"/>
-              <a:t>Start here to convert slides and avoid unexpected behavior</a:t>
+              <a:rPr lang="en-US" dirty="0" smtClean="0"/>
+              <a:t>Get-Help</a:t>
             </a:r>
             <a:endParaRPr lang="en-US" dirty="0"/>
           </a:p>
@@ -21419,729 +22789,335 @@
       </p:sp>
       <p:sp>
         <p:nvSpPr>
-          <p:cNvPr id="8" name="Content Placeholder 4">
+          <p:cNvPr id="5" name="Content Placeholder 4">
             <a:extLst>
               <a:ext uri="{FF2B5EF4-FFF2-40B4-BE49-F238E27FC236}">
-                <a16:creationId xmlns:a16="http://schemas.microsoft.com/office/drawing/2014/main" id="{8456DF7F-5EAE-0C1E-3B73-4DAF04583B48}"/>
+                <a16:creationId xmlns:a16="http://schemas.microsoft.com/office/drawing/2014/main" id="{8FBEB278-6650-3A11-7DCD-A90016572E5A}"/>
               </a:ext>
             </a:extLst>
           </p:cNvPr>
-          <p:cNvSpPr txBox="1">
-            <a:spLocks/>
+          <p:cNvSpPr>
+            <a:spLocks noGrp="1"/>
           </p:cNvSpPr>
+          <p:nvPr>
+            <p:ph sz="quarter" idx="14"/>
+          </p:nvPr>
+        </p:nvSpPr>
+        <p:spPr/>
+        <p:txBody>
+          <a:bodyPr/>
+          <a:lstStyle/>
+          <a:p>
+            <a:pPr marL="342900" indent="-342900"/>
+            <a:r>
+              <a:rPr lang="en-US" dirty="0" smtClean="0"/>
+              <a:t>Use this feature!</a:t>
+            </a:r>
+          </a:p>
+          <a:p>
+            <a:pPr marL="342900" indent="-342900"/>
+            <a:endParaRPr lang="en-US" dirty="0" smtClean="0"/>
+          </a:p>
+          <a:p>
+            <a:pPr marL="342900" indent="-342900"/>
+            <a:endParaRPr lang="en-US" dirty="0"/>
+          </a:p>
+        </p:txBody>
+      </p:sp>
+      <p:pic>
+        <p:nvPicPr>
+          <p:cNvPr id="3" name="Picture 2"/>
+          <p:cNvPicPr>
+            <a:picLocks noChangeAspect="1"/>
+          </p:cNvPicPr>
+          <p:nvPr/>
+        </p:nvPicPr>
+        <p:blipFill>
+          <a:blip r:embed="rId2"/>
+          <a:stretch>
+            <a:fillRect/>
+          </a:stretch>
+        </p:blipFill>
+        <p:spPr>
+          <a:xfrm>
+            <a:off x="967153" y="2353043"/>
+            <a:ext cx="9987019" cy="2600559"/>
+          </a:xfrm>
+          <a:prstGeom prst="rect">
+            <a:avLst/>
+          </a:prstGeom>
+        </p:spPr>
+      </p:pic>
+    </p:spTree>
+    <p:extLst>
+      <p:ext uri="{BB962C8B-B14F-4D97-AF65-F5344CB8AC3E}">
+        <p14:creationId xmlns:p14="http://schemas.microsoft.com/office/powerpoint/2010/main" val="3955589728"/>
+      </p:ext>
+    </p:extLst>
+  </p:cSld>
+  <p:clrMapOvr>
+    <a:masterClrMapping/>
+  </p:clrMapOvr>
+  <mc:AlternateContent xmlns:mc="http://schemas.openxmlformats.org/markup-compatibility/2006" xmlns:p14="http://schemas.microsoft.com/office/powerpoint/2010/main">
+    <mc:Choice Requires="p14">
+      <p:transition spd="med" p14:dur="700">
+        <p:fade/>
+      </p:transition>
+    </mc:Choice>
+    <mc:Fallback xmlns="">
+      <p:transition spd="med">
+        <p:fade/>
+      </p:transition>
+    </mc:Fallback>
+  </mc:AlternateContent>
+</p:sld>
+</file>
+
+<file path=ppt/slides/slide21.xml><?xml version="1.0" encoding="utf-8"?>
+<p:sld xmlns:a="http://schemas.openxmlformats.org/drawingml/2006/main" xmlns:r="http://schemas.openxmlformats.org/officeDocument/2006/relationships" xmlns:p="http://schemas.openxmlformats.org/presentationml/2006/main">
+  <p:cSld>
+    <p:spTree>
+      <p:nvGrpSpPr>
+        <p:cNvPr id="1" name=""/>
+        <p:cNvGrpSpPr/>
+        <p:nvPr/>
+      </p:nvGrpSpPr>
+      <p:grpSpPr>
+        <a:xfrm>
+          <a:off x="0" y="0"/>
+          <a:ext cx="0" cy="0"/>
+          <a:chOff x="0" y="0"/>
+          <a:chExt cx="0" cy="0"/>
+        </a:xfrm>
+      </p:grpSpPr>
+      <p:sp>
+        <p:nvSpPr>
+          <p:cNvPr id="2" name="Title 1"/>
+          <p:cNvSpPr>
+            <a:spLocks noGrp="1"/>
+          </p:cNvSpPr>
+          <p:nvPr>
+            <p:ph type="title"/>
+          </p:nvPr>
+        </p:nvSpPr>
+        <p:spPr/>
+        <p:txBody>
+          <a:bodyPr/>
+          <a:lstStyle/>
+          <a:p>
+            <a:r>
+              <a:rPr lang="en-US" dirty="0" smtClean="0"/>
+              <a:t>Related Links</a:t>
+            </a:r>
+            <a:endParaRPr lang="en-US" dirty="0"/>
+          </a:p>
+        </p:txBody>
+      </p:sp>
+      <p:sp>
+        <p:nvSpPr>
+          <p:cNvPr id="3" name="Subtitle 2"/>
+          <p:cNvSpPr>
+            <a:spLocks noGrp="1"/>
+          </p:cNvSpPr>
+          <p:nvPr>
+            <p:ph type="subTitle" idx="10"/>
+          </p:nvPr>
+        </p:nvSpPr>
+        <p:spPr/>
+        <p:txBody>
+          <a:bodyPr/>
+          <a:lstStyle/>
+          <a:p>
+            <a:r>
+              <a:rPr lang="en-US" dirty="0" smtClean="0"/>
+              <a:t>Need more information – or related commands?</a:t>
+            </a:r>
+            <a:endParaRPr lang="en-US" dirty="0"/>
+          </a:p>
+        </p:txBody>
+      </p:sp>
+      <p:pic>
+        <p:nvPicPr>
+          <p:cNvPr id="5" name="Picture 4"/>
+          <p:cNvPicPr>
+            <a:picLocks noChangeAspect="1"/>
+          </p:cNvPicPr>
+          <p:nvPr/>
+        </p:nvPicPr>
+        <p:blipFill>
+          <a:blip r:embed="rId2"/>
+          <a:stretch>
+            <a:fillRect/>
+          </a:stretch>
+        </p:blipFill>
+        <p:spPr>
+          <a:xfrm>
+            <a:off x="1468315" y="1332527"/>
+            <a:ext cx="8660294" cy="4772600"/>
+          </a:xfrm>
+          <a:prstGeom prst="rect">
+            <a:avLst/>
+          </a:prstGeom>
+        </p:spPr>
+      </p:pic>
+    </p:spTree>
+    <p:extLst>
+      <p:ext uri="{BB962C8B-B14F-4D97-AF65-F5344CB8AC3E}">
+        <p14:creationId xmlns:p14="http://schemas.microsoft.com/office/powerpoint/2010/main" val="3164082095"/>
+      </p:ext>
+    </p:extLst>
+  </p:cSld>
+  <p:clrMapOvr>
+    <a:masterClrMapping/>
+  </p:clrMapOvr>
+  <mc:AlternateContent xmlns:mc="http://schemas.openxmlformats.org/markup-compatibility/2006" xmlns:p14="http://schemas.microsoft.com/office/powerpoint/2010/main">
+    <mc:Choice Requires="p14">
+      <p:transition spd="med" p14:dur="700">
+        <p:fade/>
+      </p:transition>
+    </mc:Choice>
+    <mc:Fallback xmlns="">
+      <p:transition spd="med">
+        <p:fade/>
+      </p:transition>
+    </mc:Fallback>
+  </mc:AlternateContent>
+</p:sld>
+</file>
+
+<file path=ppt/slides/slide22.xml><?xml version="1.0" encoding="utf-8"?>
+<p:sld xmlns:a="http://schemas.openxmlformats.org/drawingml/2006/main" xmlns:r="http://schemas.openxmlformats.org/officeDocument/2006/relationships" xmlns:p="http://schemas.openxmlformats.org/presentationml/2006/main">
+  <p:cSld>
+    <p:spTree>
+      <p:nvGrpSpPr>
+        <p:cNvPr id="1" name=""/>
+        <p:cNvGrpSpPr/>
+        <p:nvPr/>
+      </p:nvGrpSpPr>
+      <p:grpSpPr>
+        <a:xfrm>
+          <a:off x="0" y="0"/>
+          <a:ext cx="0" cy="0"/>
+          <a:chOff x="0" y="0"/>
+          <a:chExt cx="0" cy="0"/>
+        </a:xfrm>
+      </p:grpSpPr>
+      <p:sp>
+        <p:nvSpPr>
+          <p:cNvPr id="2" name="Title 1"/>
+          <p:cNvSpPr>
+            <a:spLocks noGrp="1"/>
+          </p:cNvSpPr>
+          <p:nvPr>
+            <p:ph type="title"/>
+          </p:nvPr>
+        </p:nvSpPr>
+        <p:spPr/>
+        <p:txBody>
+          <a:bodyPr/>
+          <a:lstStyle/>
+          <a:p>
+            <a:r>
+              <a:rPr lang="en-US" dirty="0" smtClean="0"/>
+              <a:t>Demo Environment</a:t>
+            </a:r>
+            <a:endParaRPr lang="en-US" dirty="0"/>
+          </a:p>
+        </p:txBody>
+      </p:sp>
+      <p:sp>
+        <p:nvSpPr>
+          <p:cNvPr id="3" name="Subtitle 2"/>
+          <p:cNvSpPr>
+            <a:spLocks noGrp="1"/>
+          </p:cNvSpPr>
+          <p:nvPr>
+            <p:ph type="subTitle" idx="10"/>
+          </p:nvPr>
+        </p:nvSpPr>
+        <p:spPr/>
+        <p:txBody>
+          <a:bodyPr/>
+          <a:lstStyle/>
+          <a:p>
+            <a:r>
+              <a:rPr lang="en-US" dirty="0" smtClean="0"/>
+              <a:t>Lets go Live!</a:t>
+            </a:r>
+            <a:endParaRPr lang="en-US" dirty="0"/>
+          </a:p>
+        </p:txBody>
+      </p:sp>
+      <p:pic>
+        <p:nvPicPr>
+          <p:cNvPr id="5" name="Picture 4"/>
+          <p:cNvPicPr>
+            <a:picLocks noChangeAspect="1"/>
+          </p:cNvPicPr>
+          <p:nvPr/>
+        </p:nvPicPr>
+        <p:blipFill>
+          <a:blip r:embed="rId2"/>
+          <a:stretch>
+            <a:fillRect/>
+          </a:stretch>
+        </p:blipFill>
+        <p:spPr>
+          <a:xfrm>
+            <a:off x="3534628" y="5132731"/>
+            <a:ext cx="1419423" cy="1162212"/>
+          </a:xfrm>
+          <a:prstGeom prst="rect">
+            <a:avLst/>
+          </a:prstGeom>
+        </p:spPr>
+      </p:pic>
+      <p:sp>
+        <p:nvSpPr>
+          <p:cNvPr id="6" name="Rectangle 5"/>
+          <p:cNvSpPr/>
           <p:nvPr/>
         </p:nvSpPr>
         <p:spPr>
           <a:xfrm>
-            <a:off x="553442" y="1090450"/>
-            <a:ext cx="5700212" cy="4572000"/>
+            <a:off x="320040" y="1573241"/>
+            <a:ext cx="10561320" cy="3116580"/>
           </a:xfrm>
           <a:prstGeom prst="rect">
             <a:avLst/>
           </a:prstGeom>
-          <a:noFill/>
+          <a:solidFill>
+            <a:schemeClr val="bg1"/>
+          </a:solidFill>
         </p:spPr>
+        <p:style>
+          <a:lnRef idx="2">
+            <a:schemeClr val="accent1">
+              <a:shade val="50000"/>
+            </a:schemeClr>
+          </a:lnRef>
+          <a:fillRef idx="1">
+            <a:schemeClr val="accent1"/>
+          </a:fillRef>
+          <a:effectRef idx="0">
+            <a:schemeClr val="accent1"/>
+          </a:effectRef>
+          <a:fontRef idx="minor">
+            <a:schemeClr val="lt1"/>
+          </a:fontRef>
+        </p:style>
         <p:txBody>
-          <a:bodyPr/>
-          <a:lstStyle>
-            <a:lvl1pPr marL="0" indent="0" algn="l" defTabSz="914400" rtl="0" eaLnBrk="1" latinLnBrk="0" hangingPunct="1">
-              <a:lnSpc>
-                <a:spcPct val="100000"/>
-              </a:lnSpc>
-              <a:spcBef>
-                <a:spcPts val="0"/>
-              </a:spcBef>
-              <a:spcAft>
-                <a:spcPts val="1200"/>
-              </a:spcAft>
-              <a:buClr>
-                <a:schemeClr val="tx1">
-                  <a:lumMod val="60000"/>
-                  <a:lumOff val="40000"/>
-                </a:schemeClr>
-              </a:buClr>
-              <a:buSzPct val="90000"/>
-              <a:buFont typeface="Arial" panose="020B0604020202020204" pitchFamily="34" charset="0"/>
-              <a:buChar char="​"/>
-              <a:defRPr sz="2000" kern="1200">
-                <a:solidFill>
-                  <a:schemeClr val="tx1"/>
-                </a:solidFill>
-                <a:latin typeface="+mn-lt"/>
-                <a:ea typeface="+mn-ea"/>
-                <a:cs typeface="+mn-cs"/>
-              </a:defRPr>
-            </a:lvl1pPr>
-            <a:lvl2pPr marL="457200" indent="-184150" algn="l" defTabSz="914400" rtl="0" eaLnBrk="1" latinLnBrk="0" hangingPunct="1">
-              <a:lnSpc>
-                <a:spcPct val="100000"/>
-              </a:lnSpc>
-              <a:spcBef>
-                <a:spcPts val="0"/>
-              </a:spcBef>
-              <a:spcAft>
-                <a:spcPts val="1200"/>
-              </a:spcAft>
-              <a:buClr>
-                <a:schemeClr val="bg2">
-                  <a:lumMod val="25000"/>
-                </a:schemeClr>
-              </a:buClr>
-              <a:buSzPct val="90000"/>
-              <a:buFont typeface="Arial" panose="020B0604020202020204" pitchFamily="34" charset="0"/>
-              <a:buChar char="•"/>
-              <a:defRPr sz="1800" kern="1200">
-                <a:solidFill>
-                  <a:schemeClr val="tx1"/>
-                </a:solidFill>
-                <a:latin typeface="+mn-lt"/>
-                <a:ea typeface="+mn-ea"/>
-                <a:cs typeface="+mn-cs"/>
-              </a:defRPr>
-            </a:lvl2pPr>
-            <a:lvl3pPr marL="744538" indent="-169863" algn="l" defTabSz="914400" rtl="0" eaLnBrk="1" latinLnBrk="0" hangingPunct="1">
-              <a:lnSpc>
-                <a:spcPct val="100000"/>
-              </a:lnSpc>
-              <a:spcBef>
-                <a:spcPts val="0"/>
-              </a:spcBef>
-              <a:spcAft>
-                <a:spcPts val="1200"/>
-              </a:spcAft>
-              <a:buClr>
-                <a:schemeClr val="bg2">
-                  <a:lumMod val="25000"/>
-                </a:schemeClr>
-              </a:buClr>
-              <a:buSzPct val="90000"/>
-              <a:buFont typeface="Camphor Std" panose="020B0504030404020204" pitchFamily="34" charset="0"/>
-              <a:buChar char="–"/>
-              <a:defRPr sz="1600" kern="1200">
-                <a:solidFill>
-                  <a:schemeClr val="tx1"/>
-                </a:solidFill>
-                <a:latin typeface="+mn-lt"/>
-                <a:ea typeface="+mn-ea"/>
-                <a:cs typeface="+mn-cs"/>
-              </a:defRPr>
-            </a:lvl3pPr>
-            <a:lvl4pPr marL="969963" indent="-166688" algn="l" defTabSz="914400" rtl="0" eaLnBrk="1" latinLnBrk="0" hangingPunct="1">
-              <a:lnSpc>
-                <a:spcPct val="100000"/>
-              </a:lnSpc>
-              <a:spcBef>
-                <a:spcPts val="0"/>
-              </a:spcBef>
-              <a:spcAft>
-                <a:spcPts val="1200"/>
-              </a:spcAft>
-              <a:buClr>
-                <a:schemeClr val="bg2">
-                  <a:lumMod val="25000"/>
-                </a:schemeClr>
-              </a:buClr>
-              <a:buSzPct val="90000"/>
-              <a:buFont typeface="Arial" panose="020B0604020202020204" pitchFamily="34" charset="0"/>
-              <a:buChar char="•"/>
-              <a:defRPr sz="1400" kern="1200">
-                <a:solidFill>
-                  <a:schemeClr val="tx1"/>
-                </a:solidFill>
-                <a:latin typeface="+mn-lt"/>
-                <a:ea typeface="+mn-ea"/>
-                <a:cs typeface="+mn-cs"/>
-              </a:defRPr>
-            </a:lvl4pPr>
-            <a:lvl5pPr marL="1143000" indent="-138113" algn="l" defTabSz="914400" rtl="0" eaLnBrk="1" latinLnBrk="0" hangingPunct="1">
-              <a:lnSpc>
-                <a:spcPct val="100000"/>
-              </a:lnSpc>
-              <a:spcBef>
-                <a:spcPts val="0"/>
-              </a:spcBef>
-              <a:spcAft>
-                <a:spcPts val="1200"/>
-              </a:spcAft>
-              <a:buClr>
-                <a:schemeClr val="bg2">
-                  <a:lumMod val="25000"/>
-                </a:schemeClr>
-              </a:buClr>
-              <a:buSzPct val="90000"/>
-              <a:buFont typeface="Camphor Std" panose="020B0504030404020204" pitchFamily="34" charset="0"/>
-              <a:buChar char="–"/>
-              <a:tabLst/>
-              <a:defRPr sz="1400" kern="1200">
-                <a:solidFill>
-                  <a:schemeClr val="tx1"/>
-                </a:solidFill>
-                <a:latin typeface="+mn-lt"/>
-                <a:ea typeface="+mn-ea"/>
-                <a:cs typeface="+mn-cs"/>
-              </a:defRPr>
-            </a:lvl5pPr>
-            <a:lvl6pPr marL="1258888" indent="-111125" algn="l" defTabSz="914400" rtl="0" eaLnBrk="1" latinLnBrk="0" hangingPunct="1">
-              <a:lnSpc>
-                <a:spcPct val="100000"/>
-              </a:lnSpc>
-              <a:spcBef>
-                <a:spcPts val="0"/>
-              </a:spcBef>
-              <a:spcAft>
-                <a:spcPts val="1200"/>
-              </a:spcAft>
-              <a:buClr>
-                <a:schemeClr val="bg2">
-                  <a:lumMod val="25000"/>
-                </a:schemeClr>
-              </a:buClr>
-              <a:buSzPct val="90000"/>
-              <a:buFont typeface="Arial" panose="020B0604020202020204" pitchFamily="34" charset="0"/>
-              <a:buChar char="•"/>
-              <a:tabLst/>
-              <a:defRPr sz="1400" kern="1200">
-                <a:solidFill>
-                  <a:schemeClr val="tx1"/>
-                </a:solidFill>
-                <a:latin typeface="+mn-lt"/>
-                <a:ea typeface="+mn-ea"/>
-                <a:cs typeface="+mn-cs"/>
-              </a:defRPr>
-            </a:lvl6pPr>
-            <a:lvl7pPr marL="1379538" indent="-120650" algn="l" defTabSz="914400" rtl="0" eaLnBrk="1" latinLnBrk="0" hangingPunct="1">
-              <a:lnSpc>
-                <a:spcPct val="100000"/>
-              </a:lnSpc>
-              <a:spcBef>
-                <a:spcPts val="0"/>
-              </a:spcBef>
-              <a:spcAft>
-                <a:spcPts val="1200"/>
-              </a:spcAft>
-              <a:buClr>
-                <a:schemeClr val="bg2">
-                  <a:lumMod val="25000"/>
-                </a:schemeClr>
-              </a:buClr>
-              <a:buSzPct val="90000"/>
-              <a:buFont typeface="System Font Regular"/>
-              <a:buChar char="-"/>
-              <a:tabLst/>
-              <a:defRPr sz="1400" kern="1200">
-                <a:solidFill>
-                  <a:schemeClr val="tx1"/>
-                </a:solidFill>
-                <a:latin typeface="+mn-lt"/>
-                <a:ea typeface="+mn-ea"/>
-                <a:cs typeface="+mn-cs"/>
-              </a:defRPr>
-            </a:lvl7pPr>
-            <a:lvl8pPr marL="1550988" indent="-120650" algn="l" defTabSz="914400" rtl="0" eaLnBrk="1" latinLnBrk="0" hangingPunct="1">
-              <a:lnSpc>
-                <a:spcPct val="100000"/>
-              </a:lnSpc>
-              <a:spcBef>
-                <a:spcPts val="0"/>
-              </a:spcBef>
-              <a:spcAft>
-                <a:spcPts val="1200"/>
-              </a:spcAft>
-              <a:buClr>
-                <a:schemeClr val="bg2">
-                  <a:lumMod val="25000"/>
-                </a:schemeClr>
-              </a:buClr>
-              <a:buSzPct val="90000"/>
-              <a:buFont typeface="Arial" panose="020B0604020202020204" pitchFamily="34" charset="0"/>
-              <a:buChar char="•"/>
-              <a:tabLst/>
-              <a:defRPr sz="1400" kern="1200">
-                <a:solidFill>
-                  <a:schemeClr val="tx1"/>
-                </a:solidFill>
-                <a:latin typeface="+mn-lt"/>
-                <a:ea typeface="+mn-ea"/>
-                <a:cs typeface="+mn-cs"/>
-              </a:defRPr>
-            </a:lvl8pPr>
-            <a:lvl9pPr marL="1722438" indent="-120650" algn="l" defTabSz="914400" rtl="0" eaLnBrk="1" latinLnBrk="0" hangingPunct="1">
-              <a:lnSpc>
-                <a:spcPct val="100000"/>
-              </a:lnSpc>
-              <a:spcBef>
-                <a:spcPts val="0"/>
-              </a:spcBef>
-              <a:spcAft>
-                <a:spcPts val="1200"/>
-              </a:spcAft>
-              <a:buClr>
-                <a:schemeClr val="bg2">
-                  <a:lumMod val="25000"/>
-                </a:schemeClr>
-              </a:buClr>
-              <a:buSzPct val="90000"/>
-              <a:buFont typeface="System Font Regular"/>
-              <a:buChar char="-"/>
-              <a:tabLst/>
-              <a:defRPr sz="1400" kern="1200">
-                <a:solidFill>
-                  <a:schemeClr val="tx1"/>
-                </a:solidFill>
-                <a:latin typeface="+mn-lt"/>
-                <a:ea typeface="+mn-ea"/>
-                <a:cs typeface="+mn-cs"/>
-              </a:defRPr>
-            </a:lvl9pPr>
-          </a:lstStyle>
-          <a:p>
-            <a:r>
-              <a:rPr lang="en-US" sz="1200" dirty="0"/>
-              <a:t>How to convert your existing deck to this template</a:t>
-            </a:r>
-          </a:p>
-          <a:p>
-            <a:pPr marL="342900" indent="-342900">
-              <a:buFont typeface="+mj-lt"/>
-              <a:buAutoNum type="arabicPeriod"/>
-            </a:pPr>
-            <a:r>
-              <a:rPr lang="en-US" sz="1200" dirty="0"/>
-              <a:t>Open the deck you want to convert. Copy all the slides from the deck you want to convert (select all slides in the slide view pane and copy into the slide view pane of this template deck). </a:t>
-            </a:r>
-          </a:p>
-          <a:p>
-            <a:pPr marL="342900" indent="-342900">
-              <a:buFont typeface="+mj-lt"/>
-              <a:buAutoNum type="arabicPeriod"/>
-            </a:pPr>
-            <a:r>
-              <a:rPr lang="en-US" sz="1200" dirty="0"/>
-              <a:t>Paste the slides into this Explore 2024 PowerPoint template. </a:t>
-            </a:r>
-          </a:p>
-          <a:p>
-            <a:pPr marL="342900" indent="-342900">
-              <a:buFont typeface="+mj-lt"/>
-              <a:buAutoNum type="arabicPeriod"/>
-            </a:pPr>
-            <a:r>
-              <a:rPr lang="en-US" sz="1200" dirty="0"/>
-              <a:t>Important: Select “</a:t>
-            </a:r>
-            <a:r>
-              <a:rPr lang="en-US" sz="1200" b="1" dirty="0">
-                <a:solidFill>
-                  <a:schemeClr val="accent3"/>
-                </a:solidFill>
-              </a:rPr>
-              <a:t>Use destination theme</a:t>
-            </a:r>
-            <a:r>
-              <a:rPr lang="en-US" sz="1200" dirty="0"/>
-              <a:t>” from the drop down that appears by the clipboard icon in the slide view panel. </a:t>
-            </a:r>
-          </a:p>
-          <a:p>
-            <a:pPr marL="342900" indent="-342900">
-              <a:buFont typeface="+mj-lt"/>
-              <a:buAutoNum type="arabicPeriod"/>
-            </a:pPr>
-            <a:r>
-              <a:rPr lang="en-US" sz="1200" dirty="0"/>
-              <a:t>Shifts/changes to your content should be minimal. Click through your slides. Manually adjust as needed or reassign a master slide layout that is a better fit. </a:t>
-            </a:r>
-          </a:p>
-          <a:p>
-            <a:r>
-              <a:rPr lang="en-US" sz="1200" dirty="0"/>
-              <a:t>There are several other methods to convert your deck. </a:t>
-            </a:r>
-            <a:r>
-              <a:rPr lang="en-US" sz="1200" dirty="0">
-                <a:hlinkClick r:id="rId2"/>
-              </a:rPr>
-              <a:t>Reference the Microsoft PowerPoint Support Documentation for more information.</a:t>
-            </a:r>
-            <a:endParaRPr lang="en-US" sz="1200" dirty="0"/>
-          </a:p>
-        </p:txBody>
-      </p:sp>
-      <p:sp>
-        <p:nvSpPr>
-          <p:cNvPr id="9" name="Content Placeholder 4">
-            <a:extLst>
-              <a:ext uri="{FF2B5EF4-FFF2-40B4-BE49-F238E27FC236}">
-                <a16:creationId xmlns:a16="http://schemas.microsoft.com/office/drawing/2014/main" id="{D29BE506-6C6A-6A19-F728-637A00C5EFB7}"/>
-              </a:ext>
-            </a:extLst>
-          </p:cNvPr>
-          <p:cNvSpPr txBox="1">
-            <a:spLocks/>
-          </p:cNvSpPr>
-          <p:nvPr/>
-        </p:nvSpPr>
-        <p:spPr>
-          <a:xfrm>
-            <a:off x="6488613" y="1143000"/>
-            <a:ext cx="5700212" cy="4572000"/>
-          </a:xfrm>
-          <a:prstGeom prst="rect">
-            <a:avLst/>
-          </a:prstGeom>
-          <a:noFill/>
-        </p:spPr>
-        <p:txBody>
-          <a:bodyPr/>
-          <a:lstStyle>
-            <a:lvl1pPr marL="0" indent="0" algn="l" defTabSz="914400" rtl="0" eaLnBrk="1" latinLnBrk="0" hangingPunct="1">
-              <a:lnSpc>
-                <a:spcPct val="100000"/>
-              </a:lnSpc>
-              <a:spcBef>
-                <a:spcPts val="0"/>
-              </a:spcBef>
-              <a:spcAft>
-                <a:spcPts val="1200"/>
-              </a:spcAft>
-              <a:buClr>
-                <a:schemeClr val="tx1">
-                  <a:lumMod val="60000"/>
-                  <a:lumOff val="40000"/>
-                </a:schemeClr>
-              </a:buClr>
-              <a:buSzPct val="90000"/>
-              <a:buFont typeface="Arial" panose="020B0604020202020204" pitchFamily="34" charset="0"/>
-              <a:buChar char="​"/>
-              <a:defRPr sz="2000" kern="1200">
-                <a:solidFill>
-                  <a:schemeClr val="tx1"/>
-                </a:solidFill>
-                <a:latin typeface="+mn-lt"/>
-                <a:ea typeface="+mn-ea"/>
-                <a:cs typeface="+mn-cs"/>
-              </a:defRPr>
-            </a:lvl1pPr>
-            <a:lvl2pPr marL="457200" indent="-184150" algn="l" defTabSz="914400" rtl="0" eaLnBrk="1" latinLnBrk="0" hangingPunct="1">
-              <a:lnSpc>
-                <a:spcPct val="100000"/>
-              </a:lnSpc>
-              <a:spcBef>
-                <a:spcPts val="0"/>
-              </a:spcBef>
-              <a:spcAft>
-                <a:spcPts val="1200"/>
-              </a:spcAft>
-              <a:buClr>
-                <a:schemeClr val="bg2">
-                  <a:lumMod val="25000"/>
-                </a:schemeClr>
-              </a:buClr>
-              <a:buSzPct val="90000"/>
-              <a:buFont typeface="Arial" panose="020B0604020202020204" pitchFamily="34" charset="0"/>
-              <a:buChar char="•"/>
-              <a:defRPr sz="1800" kern="1200">
-                <a:solidFill>
-                  <a:schemeClr val="tx1"/>
-                </a:solidFill>
-                <a:latin typeface="+mn-lt"/>
-                <a:ea typeface="+mn-ea"/>
-                <a:cs typeface="+mn-cs"/>
-              </a:defRPr>
-            </a:lvl2pPr>
-            <a:lvl3pPr marL="744538" indent="-169863" algn="l" defTabSz="914400" rtl="0" eaLnBrk="1" latinLnBrk="0" hangingPunct="1">
-              <a:lnSpc>
-                <a:spcPct val="100000"/>
-              </a:lnSpc>
-              <a:spcBef>
-                <a:spcPts val="0"/>
-              </a:spcBef>
-              <a:spcAft>
-                <a:spcPts val="1200"/>
-              </a:spcAft>
-              <a:buClr>
-                <a:schemeClr val="bg2">
-                  <a:lumMod val="25000"/>
-                </a:schemeClr>
-              </a:buClr>
-              <a:buSzPct val="90000"/>
-              <a:buFont typeface="Camphor Std" panose="020B0504030404020204" pitchFamily="34" charset="0"/>
-              <a:buChar char="–"/>
-              <a:defRPr sz="1600" kern="1200">
-                <a:solidFill>
-                  <a:schemeClr val="tx1"/>
-                </a:solidFill>
-                <a:latin typeface="+mn-lt"/>
-                <a:ea typeface="+mn-ea"/>
-                <a:cs typeface="+mn-cs"/>
-              </a:defRPr>
-            </a:lvl3pPr>
-            <a:lvl4pPr marL="969963" indent="-166688" algn="l" defTabSz="914400" rtl="0" eaLnBrk="1" latinLnBrk="0" hangingPunct="1">
-              <a:lnSpc>
-                <a:spcPct val="100000"/>
-              </a:lnSpc>
-              <a:spcBef>
-                <a:spcPts val="0"/>
-              </a:spcBef>
-              <a:spcAft>
-                <a:spcPts val="1200"/>
-              </a:spcAft>
-              <a:buClr>
-                <a:schemeClr val="bg2">
-                  <a:lumMod val="25000"/>
-                </a:schemeClr>
-              </a:buClr>
-              <a:buSzPct val="90000"/>
-              <a:buFont typeface="Arial" panose="020B0604020202020204" pitchFamily="34" charset="0"/>
-              <a:buChar char="•"/>
-              <a:defRPr sz="1400" kern="1200">
-                <a:solidFill>
-                  <a:schemeClr val="tx1"/>
-                </a:solidFill>
-                <a:latin typeface="+mn-lt"/>
-                <a:ea typeface="+mn-ea"/>
-                <a:cs typeface="+mn-cs"/>
-              </a:defRPr>
-            </a:lvl4pPr>
-            <a:lvl5pPr marL="1143000" indent="-138113" algn="l" defTabSz="914400" rtl="0" eaLnBrk="1" latinLnBrk="0" hangingPunct="1">
-              <a:lnSpc>
-                <a:spcPct val="100000"/>
-              </a:lnSpc>
-              <a:spcBef>
-                <a:spcPts val="0"/>
-              </a:spcBef>
-              <a:spcAft>
-                <a:spcPts val="1200"/>
-              </a:spcAft>
-              <a:buClr>
-                <a:schemeClr val="bg2">
-                  <a:lumMod val="25000"/>
-                </a:schemeClr>
-              </a:buClr>
-              <a:buSzPct val="90000"/>
-              <a:buFont typeface="Camphor Std" panose="020B0504030404020204" pitchFamily="34" charset="0"/>
-              <a:buChar char="–"/>
-              <a:tabLst/>
-              <a:defRPr sz="1400" kern="1200">
-                <a:solidFill>
-                  <a:schemeClr val="tx1"/>
-                </a:solidFill>
-                <a:latin typeface="+mn-lt"/>
-                <a:ea typeface="+mn-ea"/>
-                <a:cs typeface="+mn-cs"/>
-              </a:defRPr>
-            </a:lvl5pPr>
-            <a:lvl6pPr marL="1258888" indent="-111125" algn="l" defTabSz="914400" rtl="0" eaLnBrk="1" latinLnBrk="0" hangingPunct="1">
-              <a:lnSpc>
-                <a:spcPct val="100000"/>
-              </a:lnSpc>
-              <a:spcBef>
-                <a:spcPts val="0"/>
-              </a:spcBef>
-              <a:spcAft>
-                <a:spcPts val="1200"/>
-              </a:spcAft>
-              <a:buClr>
-                <a:schemeClr val="bg2">
-                  <a:lumMod val="25000"/>
-                </a:schemeClr>
-              </a:buClr>
-              <a:buSzPct val="90000"/>
-              <a:buFont typeface="Arial" panose="020B0604020202020204" pitchFamily="34" charset="0"/>
-              <a:buChar char="•"/>
-              <a:tabLst/>
-              <a:defRPr sz="1400" kern="1200">
-                <a:solidFill>
-                  <a:schemeClr val="tx1"/>
-                </a:solidFill>
-                <a:latin typeface="+mn-lt"/>
-                <a:ea typeface="+mn-ea"/>
-                <a:cs typeface="+mn-cs"/>
-              </a:defRPr>
-            </a:lvl6pPr>
-            <a:lvl7pPr marL="1379538" indent="-120650" algn="l" defTabSz="914400" rtl="0" eaLnBrk="1" latinLnBrk="0" hangingPunct="1">
-              <a:lnSpc>
-                <a:spcPct val="100000"/>
-              </a:lnSpc>
-              <a:spcBef>
-                <a:spcPts val="0"/>
-              </a:spcBef>
-              <a:spcAft>
-                <a:spcPts val="1200"/>
-              </a:spcAft>
-              <a:buClr>
-                <a:schemeClr val="bg2">
-                  <a:lumMod val="25000"/>
-                </a:schemeClr>
-              </a:buClr>
-              <a:buSzPct val="90000"/>
-              <a:buFont typeface="System Font Regular"/>
-              <a:buChar char="-"/>
-              <a:tabLst/>
-              <a:defRPr sz="1400" kern="1200">
-                <a:solidFill>
-                  <a:schemeClr val="tx1"/>
-                </a:solidFill>
-                <a:latin typeface="+mn-lt"/>
-                <a:ea typeface="+mn-ea"/>
-                <a:cs typeface="+mn-cs"/>
-              </a:defRPr>
-            </a:lvl7pPr>
-            <a:lvl8pPr marL="1550988" indent="-120650" algn="l" defTabSz="914400" rtl="0" eaLnBrk="1" latinLnBrk="0" hangingPunct="1">
-              <a:lnSpc>
-                <a:spcPct val="100000"/>
-              </a:lnSpc>
-              <a:spcBef>
-                <a:spcPts val="0"/>
-              </a:spcBef>
-              <a:spcAft>
-                <a:spcPts val="1200"/>
-              </a:spcAft>
-              <a:buClr>
-                <a:schemeClr val="bg2">
-                  <a:lumMod val="25000"/>
-                </a:schemeClr>
-              </a:buClr>
-              <a:buSzPct val="90000"/>
-              <a:buFont typeface="Arial" panose="020B0604020202020204" pitchFamily="34" charset="0"/>
-              <a:buChar char="•"/>
-              <a:tabLst/>
-              <a:defRPr sz="1400" kern="1200">
-                <a:solidFill>
-                  <a:schemeClr val="tx1"/>
-                </a:solidFill>
-                <a:latin typeface="+mn-lt"/>
-                <a:ea typeface="+mn-ea"/>
-                <a:cs typeface="+mn-cs"/>
-              </a:defRPr>
-            </a:lvl8pPr>
-            <a:lvl9pPr marL="1722438" indent="-120650" algn="l" defTabSz="914400" rtl="0" eaLnBrk="1" latinLnBrk="0" hangingPunct="1">
-              <a:lnSpc>
-                <a:spcPct val="100000"/>
-              </a:lnSpc>
-              <a:spcBef>
-                <a:spcPts val="0"/>
-              </a:spcBef>
-              <a:spcAft>
-                <a:spcPts val="1200"/>
-              </a:spcAft>
-              <a:buClr>
-                <a:schemeClr val="bg2">
-                  <a:lumMod val="25000"/>
-                </a:schemeClr>
-              </a:buClr>
-              <a:buSzPct val="90000"/>
-              <a:buFont typeface="System Font Regular"/>
-              <a:buChar char="-"/>
-              <a:tabLst/>
-              <a:defRPr sz="1400" kern="1200">
-                <a:solidFill>
-                  <a:schemeClr val="tx1"/>
-                </a:solidFill>
-                <a:latin typeface="+mn-lt"/>
-                <a:ea typeface="+mn-ea"/>
-                <a:cs typeface="+mn-cs"/>
-              </a:defRPr>
-            </a:lvl9pPr>
-          </a:lstStyle>
-          <a:p>
-            <a:r>
-              <a:rPr lang="en-US" sz="1200" dirty="0"/>
-              <a:t>Known issues when converting from Broadcom PPT templates:</a:t>
-            </a:r>
-          </a:p>
-          <a:p>
-            <a:pPr marL="342900" indent="-342900">
-              <a:buFont typeface="Arial" panose="020B0604020202020204" pitchFamily="34" charset="0"/>
-              <a:buChar char="•"/>
-            </a:pPr>
-            <a:r>
-              <a:rPr lang="en-US" sz="1200" dirty="0"/>
-              <a:t>Title text should should be </a:t>
-            </a:r>
-            <a:r>
-              <a:rPr lang="en-US" sz="1200" dirty="0">
-                <a:solidFill>
-                  <a:schemeClr val="accent2"/>
-                </a:solidFill>
-              </a:rPr>
-              <a:t>Metropolis Light, 28 (dark teal, Accent 2), </a:t>
-            </a:r>
-            <a:r>
-              <a:rPr lang="en-US" sz="1200" dirty="0"/>
-              <a:t>not Bold</a:t>
-            </a:r>
-          </a:p>
-          <a:p>
-            <a:pPr marL="342900" indent="-342900">
-              <a:buFont typeface="Arial" panose="020B0604020202020204" pitchFamily="34" charset="0"/>
-              <a:buChar char="•"/>
-            </a:pPr>
-            <a:endParaRPr lang="en-US" sz="1200" dirty="0"/>
-          </a:p>
-          <a:p>
-            <a:pPr marL="342900" indent="-342900">
-              <a:buFont typeface="Arial" panose="020B0604020202020204" pitchFamily="34" charset="0"/>
-              <a:buChar char="•"/>
-            </a:pPr>
-            <a:endParaRPr lang="en-US" sz="1200" dirty="0"/>
-          </a:p>
-          <a:p>
-            <a:pPr marL="342900" indent="-342900">
-              <a:buFont typeface="Arial" panose="020B0604020202020204" pitchFamily="34" charset="0"/>
-              <a:buChar char="•"/>
-            </a:pPr>
-            <a:endParaRPr lang="en-US" sz="1200" dirty="0"/>
-          </a:p>
-          <a:p>
-            <a:pPr marL="342900" indent="-342900">
-              <a:buFont typeface="Arial" panose="020B0604020202020204" pitchFamily="34" charset="0"/>
-              <a:buChar char="•"/>
-            </a:pPr>
-            <a:endParaRPr lang="en-US" sz="1200" dirty="0"/>
-          </a:p>
-          <a:p>
-            <a:pPr marL="342900" indent="-342900">
-              <a:buFont typeface="Arial" panose="020B0604020202020204" pitchFamily="34" charset="0"/>
-              <a:buChar char="•"/>
-            </a:pPr>
-            <a:r>
-              <a:rPr lang="en-US" sz="1200" dirty="0"/>
-              <a:t>When converting from a VMware by Broadcom deck, some light gray backgrounds will default to lavender. Adjust the color manually.</a:t>
-            </a:r>
-          </a:p>
-          <a:p>
-            <a:pPr marL="342900" indent="-342900">
-              <a:buFont typeface="Arial" panose="020B0604020202020204" pitchFamily="34" charset="0"/>
-              <a:buChar char="•"/>
-            </a:pPr>
-            <a:endParaRPr lang="en-US" sz="1200" dirty="0">
-              <a:solidFill>
-                <a:schemeClr val="accent2"/>
-              </a:solidFill>
-            </a:endParaRPr>
-          </a:p>
-          <a:p>
-            <a:pPr>
-              <a:buNone/>
-            </a:pPr>
-            <a:endParaRPr lang="en-US" sz="1200" dirty="0">
-              <a:solidFill>
-                <a:schemeClr val="accent2"/>
-              </a:solidFill>
-            </a:endParaRPr>
+          <a:bodyPr rtlCol="0" anchor="ctr"/>
+          <a:lstStyle/>
+          <a:p>
+            <a:pPr algn="ctr"/>
+            <a:endParaRPr lang="en-US"/>
           </a:p>
         </p:txBody>
       </p:sp>
       <p:pic>
         <p:nvPicPr>
-          <p:cNvPr id="10" name="Picture 9" descr="A screenshot of a computer&#10;&#10;Description automatically generated">
-            <a:extLst>
-              <a:ext uri="{FF2B5EF4-FFF2-40B4-BE49-F238E27FC236}">
-                <a16:creationId xmlns:a16="http://schemas.microsoft.com/office/drawing/2014/main" id="{A11105A9-E3CC-5E96-7651-AA66228F9112}"/>
-              </a:ext>
-            </a:extLst>
-          </p:cNvPr>
+          <p:cNvPr id="7" name="Picture 6"/>
           <p:cNvPicPr>
             <a:picLocks noChangeAspect="1"/>
           </p:cNvPicPr>
@@ -22155,8 +23131,8 @@
         </p:blipFill>
         <p:spPr>
           <a:xfrm>
-            <a:off x="6930580" y="1979229"/>
-            <a:ext cx="2811384" cy="1226647"/>
+            <a:off x="6286500" y="3694205"/>
+            <a:ext cx="3508610" cy="852875"/>
           </a:xfrm>
           <a:prstGeom prst="rect">
             <a:avLst/>
@@ -22165,13 +23141,7 @@
       </p:pic>
       <p:pic>
         <p:nvPicPr>
-          <p:cNvPr id="11" name="Picture 10" descr="A screenshot of a computer&#10;&#10;Description automatically generated">
-            <a:extLst>
-              <a:ext uri="{FF2B5EF4-FFF2-40B4-BE49-F238E27FC236}">
-                <a16:creationId xmlns:a16="http://schemas.microsoft.com/office/drawing/2014/main" id="{4DCEB9D8-ACCA-ABD1-6185-0CA0ABE8A509}"/>
-              </a:ext>
-            </a:extLst>
-          </p:cNvPr>
+          <p:cNvPr id="8" name="Picture 7"/>
           <p:cNvPicPr>
             <a:picLocks noChangeAspect="1"/>
           </p:cNvPicPr>
@@ -22185,18 +23155,492 @@
         </p:blipFill>
         <p:spPr>
           <a:xfrm>
-            <a:off x="6963159" y="4020429"/>
-            <a:ext cx="2778805" cy="1642021"/>
+            <a:off x="6286500" y="2112784"/>
+            <a:ext cx="3513015" cy="1544921"/>
           </a:xfrm>
           <a:prstGeom prst="rect">
             <a:avLst/>
           </a:prstGeom>
         </p:spPr>
       </p:pic>
+      <p:pic>
+        <p:nvPicPr>
+          <p:cNvPr id="9" name="Picture 8"/>
+          <p:cNvPicPr>
+            <a:picLocks noChangeAspect="1"/>
+          </p:cNvPicPr>
+          <p:nvPr/>
+        </p:nvPicPr>
+        <p:blipFill>
+          <a:blip r:embed="rId5"/>
+          <a:stretch>
+            <a:fillRect/>
+          </a:stretch>
+        </p:blipFill>
+        <p:spPr>
+          <a:xfrm>
+            <a:off x="7470103" y="2336124"/>
+            <a:ext cx="1141403" cy="1098240"/>
+          </a:xfrm>
+          <a:prstGeom prst="rect">
+            <a:avLst/>
+          </a:prstGeom>
+        </p:spPr>
+      </p:pic>
+      <p:cxnSp>
+        <p:nvCxnSpPr>
+          <p:cNvPr id="10" name="Straight Connector 9"/>
+          <p:cNvCxnSpPr/>
+          <p:nvPr/>
+        </p:nvCxnSpPr>
+        <p:spPr>
+          <a:xfrm flipH="1" flipV="1">
+            <a:off x="388620" y="4743161"/>
+            <a:ext cx="3146008" cy="1226820"/>
+          </a:xfrm>
+          <a:prstGeom prst="line">
+            <a:avLst/>
+          </a:prstGeom>
+          <a:ln w="28575">
+            <a:solidFill>
+              <a:schemeClr val="tx1"/>
+            </a:solidFill>
+            <a:prstDash val="dash"/>
+          </a:ln>
+        </p:spPr>
+        <p:style>
+          <a:lnRef idx="1">
+            <a:schemeClr val="accent1"/>
+          </a:lnRef>
+          <a:fillRef idx="0">
+            <a:schemeClr val="accent1"/>
+          </a:fillRef>
+          <a:effectRef idx="0">
+            <a:schemeClr val="accent1"/>
+          </a:effectRef>
+          <a:fontRef idx="minor">
+            <a:schemeClr val="tx1"/>
+          </a:fontRef>
+        </p:style>
+      </p:cxnSp>
+      <p:cxnSp>
+        <p:nvCxnSpPr>
+          <p:cNvPr id="11" name="Straight Connector 10"/>
+          <p:cNvCxnSpPr/>
+          <p:nvPr/>
+        </p:nvCxnSpPr>
+        <p:spPr>
+          <a:xfrm flipV="1">
+            <a:off x="4954051" y="4743161"/>
+            <a:ext cx="5820629" cy="1150620"/>
+          </a:xfrm>
+          <a:prstGeom prst="line">
+            <a:avLst/>
+          </a:prstGeom>
+          <a:ln w="28575">
+            <a:solidFill>
+              <a:schemeClr val="tx1"/>
+            </a:solidFill>
+            <a:prstDash val="dash"/>
+          </a:ln>
+        </p:spPr>
+        <p:style>
+          <a:lnRef idx="1">
+            <a:schemeClr val="accent1"/>
+          </a:lnRef>
+          <a:fillRef idx="0">
+            <a:schemeClr val="accent1"/>
+          </a:fillRef>
+          <a:effectRef idx="0">
+            <a:schemeClr val="accent1"/>
+          </a:effectRef>
+          <a:fontRef idx="minor">
+            <a:schemeClr val="tx1"/>
+          </a:fontRef>
+        </p:style>
+      </p:cxnSp>
+      <p:pic>
+        <p:nvPicPr>
+          <p:cNvPr id="12" name="Picture 11"/>
+          <p:cNvPicPr>
+            <a:picLocks noChangeAspect="1"/>
+          </p:cNvPicPr>
+          <p:nvPr/>
+        </p:nvPicPr>
+        <p:blipFill>
+          <a:blip r:embed="rId6"/>
+          <a:stretch>
+            <a:fillRect/>
+          </a:stretch>
+        </p:blipFill>
+        <p:spPr>
+          <a:xfrm>
+            <a:off x="493815" y="2021732"/>
+            <a:ext cx="4124901" cy="1952898"/>
+          </a:xfrm>
+          <a:prstGeom prst="rect">
+            <a:avLst/>
+          </a:prstGeom>
+        </p:spPr>
+      </p:pic>
+      <p:cxnSp>
+        <p:nvCxnSpPr>
+          <p:cNvPr id="13" name="Straight Arrow Connector 12"/>
+          <p:cNvCxnSpPr/>
+          <p:nvPr/>
+        </p:nvCxnSpPr>
+        <p:spPr>
+          <a:xfrm flipV="1">
+            <a:off x="2891194" y="3051521"/>
+            <a:ext cx="3390900" cy="418475"/>
+          </a:xfrm>
+          <a:prstGeom prst="straightConnector1">
+            <a:avLst/>
+          </a:prstGeom>
+          <a:ln w="76200">
+            <a:tailEnd type="triangle"/>
+          </a:ln>
+        </p:spPr>
+        <p:style>
+          <a:lnRef idx="3">
+            <a:schemeClr val="accent4"/>
+          </a:lnRef>
+          <a:fillRef idx="0">
+            <a:schemeClr val="accent4"/>
+          </a:fillRef>
+          <a:effectRef idx="2">
+            <a:schemeClr val="accent4"/>
+          </a:effectRef>
+          <a:fontRef idx="minor">
+            <a:schemeClr val="tx1"/>
+          </a:fontRef>
+        </p:style>
+      </p:cxnSp>
     </p:spTree>
     <p:extLst>
       <p:ext uri="{BB962C8B-B14F-4D97-AF65-F5344CB8AC3E}">
-        <p14:creationId xmlns:p14="http://schemas.microsoft.com/office/powerpoint/2010/main" val="2001489596"/>
+        <p14:creationId xmlns:p14="http://schemas.microsoft.com/office/powerpoint/2010/main" val="2072747621"/>
+      </p:ext>
+    </p:extLst>
+  </p:cSld>
+  <p:clrMapOvr>
+    <a:masterClrMapping/>
+  </p:clrMapOvr>
+  <mc:AlternateContent xmlns:mc="http://schemas.openxmlformats.org/markup-compatibility/2006" xmlns:p14="http://schemas.microsoft.com/office/powerpoint/2010/main">
+    <mc:Choice Requires="p14">
+      <p:transition spd="med" p14:dur="700">
+        <p:fade/>
+      </p:transition>
+    </mc:Choice>
+    <mc:Fallback xmlns="">
+      <p:transition spd="med">
+        <p:fade/>
+      </p:transition>
+    </mc:Fallback>
+  </mc:AlternateContent>
+</p:sld>
+</file>
+
+<file path=ppt/slides/slide23.xml><?xml version="1.0" encoding="utf-8"?>
+<p:sld xmlns:a="http://schemas.openxmlformats.org/drawingml/2006/main" xmlns:r="http://schemas.openxmlformats.org/officeDocument/2006/relationships" xmlns:p="http://schemas.openxmlformats.org/presentationml/2006/main">
+  <p:cSld>
+    <p:spTree>
+      <p:nvGrpSpPr>
+        <p:cNvPr id="1" name=""/>
+        <p:cNvGrpSpPr/>
+        <p:nvPr/>
+      </p:nvGrpSpPr>
+      <p:grpSpPr>
+        <a:xfrm>
+          <a:off x="0" y="0"/>
+          <a:ext cx="0" cy="0"/>
+          <a:chOff x="0" y="0"/>
+          <a:chExt cx="0" cy="0"/>
+        </a:xfrm>
+      </p:grpSpPr>
+      <p:sp>
+        <p:nvSpPr>
+          <p:cNvPr id="2" name="Title 1">
+            <a:extLst>
+              <a:ext uri="{FF2B5EF4-FFF2-40B4-BE49-F238E27FC236}">
+                <a16:creationId xmlns:a16="http://schemas.microsoft.com/office/drawing/2014/main" id="{0D9FDAE6-550E-E975-BD01-08906590C472}"/>
+              </a:ext>
+            </a:extLst>
+          </p:cNvPr>
+          <p:cNvSpPr>
+            <a:spLocks noGrp="1"/>
+          </p:cNvSpPr>
+          <p:nvPr>
+            <p:ph type="title"/>
+          </p:nvPr>
+        </p:nvSpPr>
+        <p:spPr/>
+        <p:txBody>
+          <a:bodyPr/>
+          <a:lstStyle/>
+          <a:p>
+            <a:r>
+              <a:rPr lang="en-US" dirty="0" smtClean="0"/>
+              <a:t>Resources</a:t>
+            </a:r>
+            <a:endParaRPr lang="en-US" dirty="0"/>
+          </a:p>
+        </p:txBody>
+      </p:sp>
+      <p:sp>
+        <p:nvSpPr>
+          <p:cNvPr id="5" name="Content Placeholder 4">
+            <a:extLst>
+              <a:ext uri="{FF2B5EF4-FFF2-40B4-BE49-F238E27FC236}">
+                <a16:creationId xmlns:a16="http://schemas.microsoft.com/office/drawing/2014/main" id="{8FBEB278-6650-3A11-7DCD-A90016572E5A}"/>
+              </a:ext>
+            </a:extLst>
+          </p:cNvPr>
+          <p:cNvSpPr>
+            <a:spLocks noGrp="1"/>
+          </p:cNvSpPr>
+          <p:nvPr>
+            <p:ph sz="quarter" idx="14"/>
+          </p:nvPr>
+        </p:nvSpPr>
+        <p:spPr/>
+        <p:txBody>
+          <a:bodyPr/>
+          <a:lstStyle/>
+          <a:p>
+            <a:pPr marL="342900" indent="-342900"/>
+            <a:r>
+              <a:rPr lang="en-US" dirty="0"/>
+              <a:t>https://developer.broadcom.com/</a:t>
+            </a:r>
+            <a:endParaRPr lang="en-US" dirty="0" smtClean="0"/>
+          </a:p>
+          <a:p>
+            <a:pPr marL="342900" indent="-342900"/>
+            <a:r>
+              <a:rPr lang="en-US" dirty="0"/>
+              <a:t>https://community.broadcom.com/home</a:t>
+            </a:r>
+            <a:endParaRPr lang="en-US" dirty="0" smtClean="0"/>
+          </a:p>
+          <a:p>
+            <a:pPr marL="342900" indent="-342900"/>
+            <a:endParaRPr lang="en-US" dirty="0"/>
+          </a:p>
+        </p:txBody>
+      </p:sp>
+    </p:spTree>
+    <p:extLst>
+      <p:ext uri="{BB962C8B-B14F-4D97-AF65-F5344CB8AC3E}">
+        <p14:creationId xmlns:p14="http://schemas.microsoft.com/office/powerpoint/2010/main" val="471172170"/>
+      </p:ext>
+    </p:extLst>
+  </p:cSld>
+  <p:clrMapOvr>
+    <a:masterClrMapping/>
+  </p:clrMapOvr>
+  <mc:AlternateContent xmlns:mc="http://schemas.openxmlformats.org/markup-compatibility/2006" xmlns:p14="http://schemas.microsoft.com/office/powerpoint/2010/main">
+    <mc:Choice Requires="p14">
+      <p:transition spd="med" p14:dur="700">
+        <p:fade/>
+      </p:transition>
+    </mc:Choice>
+    <mc:Fallback xmlns="">
+      <p:transition spd="med">
+        <p:fade/>
+      </p:transition>
+    </mc:Fallback>
+  </mc:AlternateContent>
+</p:sld>
+</file>
+
+<file path=ppt/slides/slide24.xml><?xml version="1.0" encoding="utf-8"?>
+<p:sld xmlns:a="http://schemas.openxmlformats.org/drawingml/2006/main" xmlns:r="http://schemas.openxmlformats.org/officeDocument/2006/relationships" xmlns:p="http://schemas.openxmlformats.org/presentationml/2006/main">
+  <p:cSld>
+    <p:spTree>
+      <p:nvGrpSpPr>
+        <p:cNvPr id="1" name=""/>
+        <p:cNvGrpSpPr/>
+        <p:nvPr/>
+      </p:nvGrpSpPr>
+      <p:grpSpPr>
+        <a:xfrm>
+          <a:off x="0" y="0"/>
+          <a:ext cx="0" cy="0"/>
+          <a:chOff x="0" y="0"/>
+          <a:chExt cx="0" cy="0"/>
+        </a:xfrm>
+      </p:grpSpPr>
+      <p:sp>
+        <p:nvSpPr>
+          <p:cNvPr id="2" name="Title 1">
+            <a:extLst>
+              <a:ext uri="{FF2B5EF4-FFF2-40B4-BE49-F238E27FC236}">
+                <a16:creationId xmlns:a16="http://schemas.microsoft.com/office/drawing/2014/main" id="{8EB89D28-96EC-2EFE-AC89-524B0B698CEA}"/>
+              </a:ext>
+            </a:extLst>
+          </p:cNvPr>
+          <p:cNvSpPr>
+            <a:spLocks noGrp="1"/>
+          </p:cNvSpPr>
+          <p:nvPr>
+            <p:ph type="title"/>
+          </p:nvPr>
+        </p:nvSpPr>
+        <p:spPr/>
+        <p:txBody>
+          <a:bodyPr/>
+          <a:lstStyle/>
+          <a:p>
+            <a:r>
+              <a:rPr lang="en-US" sz="4000" dirty="0">
+                <a:solidFill>
+                  <a:schemeClr val="bg1"/>
+                </a:solidFill>
+              </a:rPr>
+              <a:t>Please take </a:t>
+            </a:r>
+            <a:br>
+              <a:rPr lang="en-US" sz="4000" dirty="0">
+                <a:solidFill>
+                  <a:schemeClr val="bg1"/>
+                </a:solidFill>
+              </a:rPr>
+            </a:br>
+            <a:r>
+              <a:rPr lang="en-US" sz="4000" dirty="0">
+                <a:solidFill>
+                  <a:schemeClr val="bg1"/>
+                </a:solidFill>
+              </a:rPr>
+              <a:t>your survey.</a:t>
+            </a:r>
+            <a:endParaRPr lang="en-US" sz="4000" dirty="0"/>
+          </a:p>
+        </p:txBody>
+      </p:sp>
+      <p:sp>
+        <p:nvSpPr>
+          <p:cNvPr id="3" name="Subtitle 2">
+            <a:extLst>
+              <a:ext uri="{FF2B5EF4-FFF2-40B4-BE49-F238E27FC236}">
+                <a16:creationId xmlns:a16="http://schemas.microsoft.com/office/drawing/2014/main" id="{72AB6EE2-A795-0B32-903A-22365F29631E}"/>
+              </a:ext>
+            </a:extLst>
+          </p:cNvPr>
+          <p:cNvSpPr>
+            <a:spLocks noGrp="1"/>
+          </p:cNvSpPr>
+          <p:nvPr>
+            <p:ph type="subTitle" idx="10"/>
+          </p:nvPr>
+        </p:nvSpPr>
+        <p:spPr>
+          <a:xfrm>
+            <a:off x="580291" y="3429000"/>
+            <a:ext cx="11608533" cy="1600200"/>
+          </a:xfrm>
+        </p:spPr>
+        <p:txBody>
+          <a:bodyPr/>
+          <a:lstStyle/>
+          <a:p>
+            <a:r>
+              <a:rPr lang="en-US" dirty="0" smtClean="0"/>
+              <a:t>Thank you!</a:t>
+            </a:r>
+          </a:p>
+          <a:p>
+            <a:r>
+              <a:rPr lang="en-US" sz="2000" dirty="0"/>
+              <a:t>https://github.com/jpsider/Invoke-Automation/tree/master/Powercli/VMwareExplore_2024</a:t>
+            </a:r>
+          </a:p>
+        </p:txBody>
+      </p:sp>
+      <p:sp>
+        <p:nvSpPr>
+          <p:cNvPr id="4" name="TextBox 3">
+            <a:extLst>
+              <a:ext uri="{FF2B5EF4-FFF2-40B4-BE49-F238E27FC236}">
+                <a16:creationId xmlns:a16="http://schemas.microsoft.com/office/drawing/2014/main" id="{1296680E-15AF-2278-3275-B47338D845B6}"/>
+              </a:ext>
+            </a:extLst>
+          </p:cNvPr>
+          <p:cNvSpPr txBox="1"/>
+          <p:nvPr/>
+        </p:nvSpPr>
+        <p:spPr>
+          <a:xfrm>
+            <a:off x="588494" y="6395860"/>
+            <a:ext cx="3855223" cy="215444"/>
+          </a:xfrm>
+          <a:prstGeom prst="rect">
+            <a:avLst/>
+          </a:prstGeom>
+          <a:noFill/>
+        </p:spPr>
+        <p:txBody>
+          <a:bodyPr wrap="none" lIns="0" tIns="0" rIns="0" bIns="0" rtlCol="0">
+            <a:spAutoFit/>
+          </a:bodyPr>
+          <a:lstStyle/>
+          <a:p>
+            <a:pPr algn="l">
+              <a:lnSpc>
+                <a:spcPct val="100000"/>
+              </a:lnSpc>
+            </a:pPr>
+            <a:r>
+              <a:rPr lang="en-US" sz="700" spc="0" baseline="0" dirty="0">
+                <a:ln/>
+                <a:solidFill>
+                  <a:schemeClr val="bg1"/>
+                </a:solidFill>
+                <a:latin typeface="Metropolis-Regular"/>
+                <a:sym typeface="Metropolis-Regular"/>
+                <a:rtl val="0"/>
+              </a:rPr>
+              <a:t>Broadcom Proprietary and Confidential. Copyright © 2024 Broadcom. </a:t>
+            </a:r>
+          </a:p>
+          <a:p>
+            <a:pPr marL="0" marR="0" lvl="0" indent="0" algn="l" defTabSz="914400" rtl="0" eaLnBrk="1" fontAlgn="auto" latinLnBrk="0" hangingPunct="1">
+              <a:lnSpc>
+                <a:spcPct val="100000"/>
+              </a:lnSpc>
+              <a:spcBef>
+                <a:spcPts val="0"/>
+              </a:spcBef>
+              <a:spcAft>
+                <a:spcPts val="0"/>
+              </a:spcAft>
+              <a:buClrTx/>
+              <a:buSzTx/>
+              <a:buFontTx/>
+              <a:buNone/>
+              <a:tabLst/>
+              <a:defRPr/>
+            </a:pPr>
+            <a:r>
+              <a:rPr lang="en-US" sz="700" spc="0" baseline="0" dirty="0">
+                <a:ln/>
+                <a:solidFill>
+                  <a:schemeClr val="bg1"/>
+                </a:solidFill>
+                <a:latin typeface="Metropolis-Regular"/>
+                <a:sym typeface="Metropolis-Regular"/>
+                <a:rtl val="0"/>
+              </a:rPr>
+              <a:t>All Rights Reserved. The term “Broadcom” refers to Broadcom Inc. and/or its subsidiaries.</a:t>
+            </a:r>
+          </a:p>
+        </p:txBody>
+      </p:sp>
+    </p:spTree>
+    <p:extLst>
+      <p:ext uri="{BB962C8B-B14F-4D97-AF65-F5344CB8AC3E}">
+        <p14:creationId xmlns:p14="http://schemas.microsoft.com/office/powerpoint/2010/main" val="2198077059"/>
       </p:ext>
     </p:extLst>
   </p:cSld>
@@ -22219,7 +23663,7 @@
 </file>
 
 <file path=ppt/slides/slide3.xml><?xml version="1.0" encoding="utf-8"?>
-<p:sld xmlns:a="http://schemas.openxmlformats.org/drawingml/2006/main" xmlns:r="http://schemas.openxmlformats.org/officeDocument/2006/relationships" xmlns:p="http://schemas.openxmlformats.org/presentationml/2006/main" show="0">
+<p:sld xmlns:a="http://schemas.openxmlformats.org/drawingml/2006/main" xmlns:r="http://schemas.openxmlformats.org/officeDocument/2006/relationships" xmlns:p="http://schemas.openxmlformats.org/presentationml/2006/main">
   <p:cSld>
     <p:spTree>
       <p:nvGrpSpPr>
@@ -22237,13 +23681,7 @@
       </p:grpSpPr>
       <p:sp>
         <p:nvSpPr>
-          <p:cNvPr id="2" name="Title 1">
-            <a:extLst>
-              <a:ext uri="{FF2B5EF4-FFF2-40B4-BE49-F238E27FC236}">
-                <a16:creationId xmlns:a16="http://schemas.microsoft.com/office/drawing/2014/main" id="{168374A4-8AEB-800A-566E-4F1AB585A89A}"/>
-              </a:ext>
-            </a:extLst>
-          </p:cNvPr>
+          <p:cNvPr id="2" name="Title 1"/>
           <p:cNvSpPr>
             <a:spLocks noGrp="1"/>
           </p:cNvSpPr>
@@ -22251,26 +23689,14 @@
             <p:ph type="title"/>
           </p:nvPr>
         </p:nvSpPr>
-        <p:spPr>
-          <a:xfrm>
-            <a:off x="608013" y="546019"/>
-            <a:ext cx="11001004" cy="381000"/>
-          </a:xfrm>
-        </p:spPr>
+        <p:spPr/>
         <p:txBody>
           <a:bodyPr/>
           <a:lstStyle/>
           <a:p>
             <a:r>
-              <a:rPr lang="en-US" dirty="0"/>
-              <a:t>Quick Guide</a:t>
-            </a:r>
-            <a:br>
-              <a:rPr lang="en-US" dirty="0"/>
-            </a:br>
-            <a:r>
-              <a:rPr lang="en-US" sz="2000" dirty="0"/>
-              <a:t>Start here to create effective, on-brand content</a:t>
+              <a:rPr lang="en-US" dirty="0" smtClean="0"/>
+              <a:t>Takeaways</a:t>
             </a:r>
             <a:endParaRPr lang="en-US" dirty="0"/>
           </a:p>
@@ -22278,359 +23704,63 @@
       </p:sp>
       <p:sp>
         <p:nvSpPr>
-          <p:cNvPr id="8" name="Content Placeholder 4">
-            <a:extLst>
-              <a:ext uri="{FF2B5EF4-FFF2-40B4-BE49-F238E27FC236}">
-                <a16:creationId xmlns:a16="http://schemas.microsoft.com/office/drawing/2014/main" id="{8456DF7F-5EAE-0C1E-3B73-4DAF04583B48}"/>
-              </a:ext>
-            </a:extLst>
-          </p:cNvPr>
-          <p:cNvSpPr txBox="1">
-            <a:spLocks/>
+          <p:cNvPr id="4" name="Content Placeholder 3"/>
+          <p:cNvSpPr>
+            <a:spLocks noGrp="1"/>
           </p:cNvSpPr>
-          <p:nvPr/>
+          <p:nvPr>
+            <p:ph sz="quarter" idx="14"/>
+          </p:nvPr>
         </p:nvSpPr>
-        <p:spPr>
-          <a:xfrm>
-            <a:off x="553442" y="1090450"/>
-            <a:ext cx="10256072" cy="4572000"/>
-          </a:xfrm>
-          <a:prstGeom prst="rect">
-            <a:avLst/>
-          </a:prstGeom>
-          <a:noFill/>
-        </p:spPr>
+        <p:spPr/>
         <p:txBody>
           <a:bodyPr/>
-          <a:lstStyle>
-            <a:lvl1pPr marL="0" indent="0" algn="l" defTabSz="914400" rtl="0" eaLnBrk="1" latinLnBrk="0" hangingPunct="1">
-              <a:lnSpc>
-                <a:spcPct val="100000"/>
-              </a:lnSpc>
-              <a:spcBef>
-                <a:spcPts val="0"/>
-              </a:spcBef>
-              <a:spcAft>
-                <a:spcPts val="1200"/>
-              </a:spcAft>
-              <a:buClr>
-                <a:schemeClr val="tx1">
-                  <a:lumMod val="60000"/>
-                  <a:lumOff val="40000"/>
-                </a:schemeClr>
-              </a:buClr>
-              <a:buSzPct val="90000"/>
-              <a:buFont typeface="Arial" panose="020B0604020202020204" pitchFamily="34" charset="0"/>
-              <a:buChar char="​"/>
-              <a:defRPr sz="2000" kern="1200">
-                <a:solidFill>
-                  <a:schemeClr val="tx1"/>
-                </a:solidFill>
-                <a:latin typeface="+mn-lt"/>
-                <a:ea typeface="+mn-ea"/>
-                <a:cs typeface="+mn-cs"/>
-              </a:defRPr>
-            </a:lvl1pPr>
-            <a:lvl2pPr marL="457200" indent="-184150" algn="l" defTabSz="914400" rtl="0" eaLnBrk="1" latinLnBrk="0" hangingPunct="1">
-              <a:lnSpc>
-                <a:spcPct val="100000"/>
-              </a:lnSpc>
-              <a:spcBef>
-                <a:spcPts val="0"/>
-              </a:spcBef>
-              <a:spcAft>
-                <a:spcPts val="1200"/>
-              </a:spcAft>
-              <a:buClr>
-                <a:schemeClr val="bg2">
-                  <a:lumMod val="25000"/>
-                </a:schemeClr>
-              </a:buClr>
-              <a:buSzPct val="90000"/>
-              <a:buFont typeface="Arial" panose="020B0604020202020204" pitchFamily="34" charset="0"/>
-              <a:buChar char="•"/>
-              <a:defRPr sz="1800" kern="1200">
-                <a:solidFill>
-                  <a:schemeClr val="tx1"/>
-                </a:solidFill>
-                <a:latin typeface="+mn-lt"/>
-                <a:ea typeface="+mn-ea"/>
-                <a:cs typeface="+mn-cs"/>
-              </a:defRPr>
-            </a:lvl2pPr>
-            <a:lvl3pPr marL="744538" indent="-169863" algn="l" defTabSz="914400" rtl="0" eaLnBrk="1" latinLnBrk="0" hangingPunct="1">
-              <a:lnSpc>
-                <a:spcPct val="100000"/>
-              </a:lnSpc>
-              <a:spcBef>
-                <a:spcPts val="0"/>
-              </a:spcBef>
-              <a:spcAft>
-                <a:spcPts val="1200"/>
-              </a:spcAft>
-              <a:buClr>
-                <a:schemeClr val="bg2">
-                  <a:lumMod val="25000"/>
-                </a:schemeClr>
-              </a:buClr>
-              <a:buSzPct val="90000"/>
-              <a:buFont typeface="Camphor Std" panose="020B0504030404020204" pitchFamily="34" charset="0"/>
-              <a:buChar char="–"/>
-              <a:defRPr sz="1600" kern="1200">
-                <a:solidFill>
-                  <a:schemeClr val="tx1"/>
-                </a:solidFill>
-                <a:latin typeface="+mn-lt"/>
-                <a:ea typeface="+mn-ea"/>
-                <a:cs typeface="+mn-cs"/>
-              </a:defRPr>
-            </a:lvl3pPr>
-            <a:lvl4pPr marL="969963" indent="-166688" algn="l" defTabSz="914400" rtl="0" eaLnBrk="1" latinLnBrk="0" hangingPunct="1">
-              <a:lnSpc>
-                <a:spcPct val="100000"/>
-              </a:lnSpc>
-              <a:spcBef>
-                <a:spcPts val="0"/>
-              </a:spcBef>
-              <a:spcAft>
-                <a:spcPts val="1200"/>
-              </a:spcAft>
-              <a:buClr>
-                <a:schemeClr val="bg2">
-                  <a:lumMod val="25000"/>
-                </a:schemeClr>
-              </a:buClr>
-              <a:buSzPct val="90000"/>
-              <a:buFont typeface="Arial" panose="020B0604020202020204" pitchFamily="34" charset="0"/>
-              <a:buChar char="•"/>
-              <a:defRPr sz="1400" kern="1200">
-                <a:solidFill>
-                  <a:schemeClr val="tx1"/>
-                </a:solidFill>
-                <a:latin typeface="+mn-lt"/>
-                <a:ea typeface="+mn-ea"/>
-                <a:cs typeface="+mn-cs"/>
-              </a:defRPr>
-            </a:lvl4pPr>
-            <a:lvl5pPr marL="1143000" indent="-138113" algn="l" defTabSz="914400" rtl="0" eaLnBrk="1" latinLnBrk="0" hangingPunct="1">
-              <a:lnSpc>
-                <a:spcPct val="100000"/>
-              </a:lnSpc>
-              <a:spcBef>
-                <a:spcPts val="0"/>
-              </a:spcBef>
-              <a:spcAft>
-                <a:spcPts val="1200"/>
-              </a:spcAft>
-              <a:buClr>
-                <a:schemeClr val="bg2">
-                  <a:lumMod val="25000"/>
-                </a:schemeClr>
-              </a:buClr>
-              <a:buSzPct val="90000"/>
-              <a:buFont typeface="Camphor Std" panose="020B0504030404020204" pitchFamily="34" charset="0"/>
-              <a:buChar char="–"/>
-              <a:tabLst/>
-              <a:defRPr sz="1400" kern="1200">
-                <a:solidFill>
-                  <a:schemeClr val="tx1"/>
-                </a:solidFill>
-                <a:latin typeface="+mn-lt"/>
-                <a:ea typeface="+mn-ea"/>
-                <a:cs typeface="+mn-cs"/>
-              </a:defRPr>
-            </a:lvl5pPr>
-            <a:lvl6pPr marL="1258888" indent="-111125" algn="l" defTabSz="914400" rtl="0" eaLnBrk="1" latinLnBrk="0" hangingPunct="1">
-              <a:lnSpc>
-                <a:spcPct val="100000"/>
-              </a:lnSpc>
-              <a:spcBef>
-                <a:spcPts val="0"/>
-              </a:spcBef>
-              <a:spcAft>
-                <a:spcPts val="1200"/>
-              </a:spcAft>
-              <a:buClr>
-                <a:schemeClr val="bg2">
-                  <a:lumMod val="25000"/>
-                </a:schemeClr>
-              </a:buClr>
-              <a:buSzPct val="90000"/>
-              <a:buFont typeface="Arial" panose="020B0604020202020204" pitchFamily="34" charset="0"/>
-              <a:buChar char="•"/>
-              <a:tabLst/>
-              <a:defRPr sz="1400" kern="1200">
-                <a:solidFill>
-                  <a:schemeClr val="tx1"/>
-                </a:solidFill>
-                <a:latin typeface="+mn-lt"/>
-                <a:ea typeface="+mn-ea"/>
-                <a:cs typeface="+mn-cs"/>
-              </a:defRPr>
-            </a:lvl6pPr>
-            <a:lvl7pPr marL="1379538" indent="-120650" algn="l" defTabSz="914400" rtl="0" eaLnBrk="1" latinLnBrk="0" hangingPunct="1">
-              <a:lnSpc>
-                <a:spcPct val="100000"/>
-              </a:lnSpc>
-              <a:spcBef>
-                <a:spcPts val="0"/>
-              </a:spcBef>
-              <a:spcAft>
-                <a:spcPts val="1200"/>
-              </a:spcAft>
-              <a:buClr>
-                <a:schemeClr val="bg2">
-                  <a:lumMod val="25000"/>
-                </a:schemeClr>
-              </a:buClr>
-              <a:buSzPct val="90000"/>
-              <a:buFont typeface="System Font Regular"/>
-              <a:buChar char="-"/>
-              <a:tabLst/>
-              <a:defRPr sz="1400" kern="1200">
-                <a:solidFill>
-                  <a:schemeClr val="tx1"/>
-                </a:solidFill>
-                <a:latin typeface="+mn-lt"/>
-                <a:ea typeface="+mn-ea"/>
-                <a:cs typeface="+mn-cs"/>
-              </a:defRPr>
-            </a:lvl7pPr>
-            <a:lvl8pPr marL="1550988" indent="-120650" algn="l" defTabSz="914400" rtl="0" eaLnBrk="1" latinLnBrk="0" hangingPunct="1">
-              <a:lnSpc>
-                <a:spcPct val="100000"/>
-              </a:lnSpc>
-              <a:spcBef>
-                <a:spcPts val="0"/>
-              </a:spcBef>
-              <a:spcAft>
-                <a:spcPts val="1200"/>
-              </a:spcAft>
-              <a:buClr>
-                <a:schemeClr val="bg2">
-                  <a:lumMod val="25000"/>
-                </a:schemeClr>
-              </a:buClr>
-              <a:buSzPct val="90000"/>
-              <a:buFont typeface="Arial" panose="020B0604020202020204" pitchFamily="34" charset="0"/>
-              <a:buChar char="•"/>
-              <a:tabLst/>
-              <a:defRPr sz="1400" kern="1200">
-                <a:solidFill>
-                  <a:schemeClr val="tx1"/>
-                </a:solidFill>
-                <a:latin typeface="+mn-lt"/>
-                <a:ea typeface="+mn-ea"/>
-                <a:cs typeface="+mn-cs"/>
-              </a:defRPr>
-            </a:lvl8pPr>
-            <a:lvl9pPr marL="1722438" indent="-120650" algn="l" defTabSz="914400" rtl="0" eaLnBrk="1" latinLnBrk="0" hangingPunct="1">
-              <a:lnSpc>
-                <a:spcPct val="100000"/>
-              </a:lnSpc>
-              <a:spcBef>
-                <a:spcPts val="0"/>
-              </a:spcBef>
-              <a:spcAft>
-                <a:spcPts val="1200"/>
-              </a:spcAft>
-              <a:buClr>
-                <a:schemeClr val="bg2">
-                  <a:lumMod val="25000"/>
-                </a:schemeClr>
-              </a:buClr>
-              <a:buSzPct val="90000"/>
-              <a:buFont typeface="System Font Regular"/>
-              <a:buChar char="-"/>
-              <a:tabLst/>
-              <a:defRPr sz="1400" kern="1200">
-                <a:solidFill>
-                  <a:schemeClr val="tx1"/>
-                </a:solidFill>
-                <a:latin typeface="+mn-lt"/>
-                <a:ea typeface="+mn-ea"/>
-                <a:cs typeface="+mn-cs"/>
-              </a:defRPr>
-            </a:lvl9pPr>
-          </a:lstStyle>
-          <a:p>
-            <a:r>
-              <a:rPr lang="en-US" sz="1200" dirty="0"/>
-              <a:t> Product Names</a:t>
-            </a:r>
-          </a:p>
-          <a:p>
-            <a:pPr marL="171450" indent="-171450">
-              <a:buFont typeface="Arial" panose="020B0604020202020204" pitchFamily="34" charset="0"/>
-              <a:buChar char="•"/>
+          <a:lstStyle/>
+          <a:p>
+            <a:pPr marL="457200" indent="-457200">
+              <a:buFont typeface="+mj-lt"/>
+              <a:buAutoNum type="arabicPeriod"/>
             </a:pPr>
             <a:r>
-              <a:rPr lang="en-US" sz="1200" dirty="0"/>
-              <a:t>Always use the full product name on first use.</a:t>
-            </a:r>
-          </a:p>
-          <a:p>
-            <a:pPr marL="171450" indent="-171450">
-              <a:buFont typeface="Arial" panose="020B0604020202020204" pitchFamily="34" charset="0"/>
-              <a:buChar char="•"/>
+              <a:rPr lang="en-US" dirty="0" smtClean="0"/>
+              <a:t>Review the Basics</a:t>
+            </a:r>
+          </a:p>
+          <a:p>
+            <a:pPr marL="457200" indent="-457200">
+              <a:buFont typeface="+mj-lt"/>
+              <a:buAutoNum type="arabicPeriod"/>
             </a:pPr>
             <a:r>
-              <a:rPr lang="en-US" sz="1200" dirty="0"/>
-              <a:t>Don’t abbreviate product names, especially trademarked ones. Doing so consistently can jeopardize our trademark ownership.</a:t>
-            </a:r>
-          </a:p>
-          <a:p>
-            <a:pPr marL="171450" indent="-171450">
-              <a:buFont typeface="Arial" panose="020B0604020202020204" pitchFamily="34" charset="0"/>
-              <a:buChar char="•"/>
+              <a:rPr lang="en-US" dirty="0" smtClean="0"/>
+              <a:t>Understand the Developer Center</a:t>
+            </a:r>
+          </a:p>
+          <a:p>
+            <a:pPr marL="457200" indent="-457200">
+              <a:buFont typeface="+mj-lt"/>
+              <a:buAutoNum type="arabicPeriod"/>
             </a:pPr>
             <a:r>
-              <a:rPr lang="en-US" sz="1200" dirty="0"/>
-              <a:t>Contact the </a:t>
-            </a:r>
-            <a:r>
-              <a:rPr lang="en-US" sz="1200" dirty="0">
-                <a:hlinkClick r:id="rId2"/>
-              </a:rPr>
-              <a:t>Brand team </a:t>
-            </a:r>
-            <a:r>
-              <a:rPr lang="en-US" sz="1200" dirty="0"/>
-              <a:t>if you have questions about how to write a product name in a small space.</a:t>
-            </a:r>
-          </a:p>
-          <a:p>
-            <a:r>
-              <a:rPr lang="en-US" sz="1200" dirty="0"/>
-              <a:t>Capitalization</a:t>
-            </a:r>
-          </a:p>
-          <a:p>
-            <a:pPr marL="171450" indent="-171450">
-              <a:buFont typeface="Arial" panose="020B0604020202020204" pitchFamily="34" charset="0"/>
-              <a:buChar char="•"/>
-            </a:pPr>
-            <a:r>
-              <a:rPr lang="en-US" sz="1200" dirty="0"/>
-              <a:t>Headlines Use Title Case: Capitalize the first letter of each word, except articles (e.g., a, the) and prepositions (e.g., with, for). Remember to capitalize “Is” in title case, because it’s a verb.</a:t>
-            </a:r>
-          </a:p>
-          <a:p>
-            <a:pPr marL="171450" indent="-171450">
-              <a:buFont typeface="Arial" panose="020B0604020202020204" pitchFamily="34" charset="0"/>
-              <a:buChar char="•"/>
-            </a:pPr>
-            <a:r>
-              <a:rPr lang="en-US" sz="1200" dirty="0"/>
-              <a:t>Subheads use sentence case: Only capitalize the first letter of the first word and any proper nouns (e.g., names of people, products or companies). Think about how you’d capitalize a sentence.  </a:t>
-            </a:r>
+              <a:rPr lang="en-US" dirty="0" smtClean="0"/>
+              <a:t>Convert UI Actions to </a:t>
+            </a:r>
+            <a:r>
+              <a:rPr lang="en-US" dirty="0" err="1" smtClean="0"/>
+              <a:t>PowerCLI</a:t>
+            </a:r>
+            <a:r>
+              <a:rPr lang="en-US" dirty="0" smtClean="0"/>
+              <a:t> code</a:t>
+            </a:r>
+            <a:endParaRPr lang="en-US" dirty="0"/>
           </a:p>
         </p:txBody>
       </p:sp>
     </p:spTree>
     <p:extLst>
       <p:ext uri="{BB962C8B-B14F-4D97-AF65-F5344CB8AC3E}">
-        <p14:creationId xmlns:p14="http://schemas.microsoft.com/office/powerpoint/2010/main" val="1975936213"/>
+        <p14:creationId xmlns:p14="http://schemas.microsoft.com/office/powerpoint/2010/main" val="3662664880"/>
       </p:ext>
     </p:extLst>
   </p:cSld>
@@ -22671,104 +23801,7 @@
       </p:grpSpPr>
       <p:sp>
         <p:nvSpPr>
-          <p:cNvPr id="13" name="Text Placeholder 12">
-            <a:extLst>
-              <a:ext uri="{FF2B5EF4-FFF2-40B4-BE49-F238E27FC236}">
-                <a16:creationId xmlns:a16="http://schemas.microsoft.com/office/drawing/2014/main" id="{222FB045-4DAE-A1C8-DF9F-B4AA0ED41E3E}"/>
-              </a:ext>
-            </a:extLst>
-          </p:cNvPr>
-          <p:cNvSpPr>
-            <a:spLocks noGrp="1"/>
-          </p:cNvSpPr>
-          <p:nvPr>
-            <p:ph type="body" sz="quarter" idx="11"/>
-          </p:nvPr>
-        </p:nvSpPr>
-        <p:spPr/>
-        <p:txBody>
-          <a:bodyPr/>
-          <a:lstStyle/>
-          <a:p>
-            <a:r>
-              <a:rPr lang="en-US" dirty="0" smtClean="0"/>
-              <a:t>Justin Sider</a:t>
-            </a:r>
-            <a:endParaRPr lang="en-US" dirty="0"/>
-          </a:p>
-        </p:txBody>
-      </p:sp>
-      <p:sp>
-        <p:nvSpPr>
-          <p:cNvPr id="14" name="Text Placeholder 13">
-            <a:extLst>
-              <a:ext uri="{FF2B5EF4-FFF2-40B4-BE49-F238E27FC236}">
-                <a16:creationId xmlns:a16="http://schemas.microsoft.com/office/drawing/2014/main" id="{C02107BA-34B4-85E7-3812-729A10DEF8A7}"/>
-              </a:ext>
-            </a:extLst>
-          </p:cNvPr>
-          <p:cNvSpPr>
-            <a:spLocks noGrp="1"/>
-          </p:cNvSpPr>
-          <p:nvPr>
-            <p:ph type="body" sz="quarter" idx="12"/>
-          </p:nvPr>
-        </p:nvSpPr>
-        <p:spPr/>
-        <p:txBody>
-          <a:bodyPr/>
-          <a:lstStyle/>
-          <a:p>
-            <a:r>
-              <a:rPr lang="en-US" dirty="0" smtClean="0"/>
-              <a:t>Chief PowerShell Officer – Belay Technologies</a:t>
-            </a:r>
-            <a:endParaRPr lang="en-US" dirty="0"/>
-          </a:p>
-        </p:txBody>
-      </p:sp>
-      <p:sp>
-        <p:nvSpPr>
-          <p:cNvPr id="15" name="Text Placeholder 14">
-            <a:extLst>
-              <a:ext uri="{FF2B5EF4-FFF2-40B4-BE49-F238E27FC236}">
-                <a16:creationId xmlns:a16="http://schemas.microsoft.com/office/drawing/2014/main" id="{E4890F4D-2A2A-476E-87B3-B4740C3D18E2}"/>
-              </a:ext>
-            </a:extLst>
-          </p:cNvPr>
-          <p:cNvSpPr>
-            <a:spLocks noGrp="1"/>
-          </p:cNvSpPr>
-          <p:nvPr>
-            <p:ph type="body" sz="quarter" idx="14"/>
-          </p:nvPr>
-        </p:nvSpPr>
-        <p:spPr/>
-        <p:txBody>
-          <a:bodyPr/>
-          <a:lstStyle/>
-          <a:p>
-            <a:r>
-              <a:rPr lang="en-US" dirty="0"/>
-              <a:t>#</a:t>
-            </a:r>
-            <a:r>
-              <a:rPr lang="en-US" dirty="0" smtClean="0"/>
-              <a:t>CODE1744LV</a:t>
-            </a:r>
-            <a:endParaRPr lang="en-US" dirty="0"/>
-          </a:p>
-        </p:txBody>
-      </p:sp>
-      <p:sp>
-        <p:nvSpPr>
-          <p:cNvPr id="8" name="Title 4" title="Title">
-            <a:extLst>
-              <a:ext uri="{FF2B5EF4-FFF2-40B4-BE49-F238E27FC236}">
-                <a16:creationId xmlns:a16="http://schemas.microsoft.com/office/drawing/2014/main" id="{6AF36ABC-9C30-E49E-A919-AC10E0F93B73}"/>
-              </a:ext>
-            </a:extLst>
-          </p:cNvPr>
+          <p:cNvPr id="2" name="Title 1"/>
           <p:cNvSpPr>
             <a:spLocks noGrp="1"/>
           </p:cNvSpPr>
@@ -22782,12 +23815,8 @@
           <a:lstStyle/>
           <a:p>
             <a:r>
-              <a:rPr lang="en-US" sz="4000" dirty="0" err="1" smtClean="0"/>
-              <a:t>PowerCLI</a:t>
-            </a:r>
-            <a:r>
-              <a:rPr lang="en-US" sz="4000" dirty="0" smtClean="0"/>
-              <a:t> 201</a:t>
+              <a:rPr lang="en-US" dirty="0" smtClean="0"/>
+              <a:t>Agenda</a:t>
             </a:r>
             <a:endParaRPr lang="en-US" dirty="0"/>
           </a:p>
@@ -22795,60 +23824,12 @@
       </p:sp>
       <p:sp>
         <p:nvSpPr>
-          <p:cNvPr id="9" name="Subtitle 5" title="Subtitle">
-            <a:extLst>
-              <a:ext uri="{FF2B5EF4-FFF2-40B4-BE49-F238E27FC236}">
-                <a16:creationId xmlns:a16="http://schemas.microsoft.com/office/drawing/2014/main" id="{5C458ECF-94C9-BC18-C2C8-2A294DE58AE8}"/>
-              </a:ext>
-            </a:extLst>
-          </p:cNvPr>
+          <p:cNvPr id="4" name="Content Placeholder 3"/>
           <p:cNvSpPr>
             <a:spLocks noGrp="1"/>
           </p:cNvSpPr>
           <p:nvPr>
-            <p:ph type="subTitle" idx="4294967295"/>
-          </p:nvPr>
-        </p:nvSpPr>
-        <p:spPr>
-          <a:xfrm>
-            <a:off x="588494" y="4446003"/>
-            <a:ext cx="5505917" cy="416403"/>
-          </a:xfrm>
-        </p:spPr>
-        <p:txBody>
-          <a:bodyPr/>
-          <a:lstStyle/>
-          <a:p>
-            <a:r>
-              <a:rPr lang="en-US" dirty="0" smtClean="0">
-                <a:solidFill>
-                  <a:schemeClr val="bg1"/>
-                </a:solidFill>
-              </a:rPr>
-              <a:t>From the Shell to Writing Scripts</a:t>
-            </a:r>
-            <a:endParaRPr lang="en-US" dirty="0">
-              <a:solidFill>
-                <a:schemeClr val="bg1"/>
-              </a:solidFill>
-            </a:endParaRPr>
-          </a:p>
-        </p:txBody>
-      </p:sp>
-      <p:sp>
-        <p:nvSpPr>
-          <p:cNvPr id="16" name="Text Placeholder 15">
-            <a:extLst>
-              <a:ext uri="{FF2B5EF4-FFF2-40B4-BE49-F238E27FC236}">
-                <a16:creationId xmlns:a16="http://schemas.microsoft.com/office/drawing/2014/main" id="{BF074FE7-E33A-7CFF-F7B5-3B08607D6660}"/>
-              </a:ext>
-            </a:extLst>
-          </p:cNvPr>
-          <p:cNvSpPr>
-            <a:spLocks noGrp="1"/>
-          </p:cNvSpPr>
-          <p:nvPr>
-            <p:ph type="body" sz="quarter" idx="15"/>
+            <p:ph sz="quarter" idx="14"/>
           </p:nvPr>
         </p:nvSpPr>
         <p:spPr/>
@@ -22856,97 +23837,143 @@
           <a:bodyPr/>
           <a:lstStyle/>
           <a:p>
+            <a:pPr marL="457200" indent="-457200">
+              <a:buFont typeface="+mj-lt"/>
+              <a:buAutoNum type="arabicPeriod"/>
+            </a:pPr>
             <a:r>
               <a:rPr lang="en-US" dirty="0" smtClean="0"/>
-              <a:t>CODE1744LV</a:t>
-            </a:r>
+              <a:t>PowerShell Basics</a:t>
+            </a:r>
+          </a:p>
+          <a:p>
+            <a:pPr marL="457200" indent="-457200">
+              <a:buFont typeface="+mj-lt"/>
+              <a:buAutoNum type="arabicPeriod"/>
+            </a:pPr>
+            <a:r>
+              <a:rPr lang="en-US" dirty="0" smtClean="0"/>
+              <a:t>What is a Script?</a:t>
+            </a:r>
+          </a:p>
+          <a:p>
+            <a:pPr marL="457200" indent="-457200">
+              <a:buFont typeface="+mj-lt"/>
+              <a:buAutoNum type="arabicPeriod"/>
+            </a:pPr>
+            <a:r>
+              <a:rPr lang="en-US" dirty="0" smtClean="0"/>
+              <a:t>VMware Developer Center</a:t>
+            </a:r>
+          </a:p>
+          <a:p>
+            <a:pPr marL="457200" indent="-457200">
+              <a:buFont typeface="+mj-lt"/>
+              <a:buAutoNum type="arabicPeriod"/>
+            </a:pPr>
+            <a:r>
+              <a:rPr lang="en-US" dirty="0" smtClean="0"/>
+              <a:t>PowerShell vs. C# vs. </a:t>
+            </a:r>
+            <a:r>
+              <a:rPr lang="en-US" dirty="0" err="1" smtClean="0"/>
+              <a:t>.Net</a:t>
+            </a:r>
+            <a:endParaRPr lang="en-US" dirty="0" smtClean="0"/>
+          </a:p>
+          <a:p>
+            <a:pPr marL="457200" indent="-457200">
+              <a:buFont typeface="+mj-lt"/>
+              <a:buAutoNum type="arabicPeriod"/>
+            </a:pPr>
+            <a:r>
+              <a:rPr lang="en-US" dirty="0" smtClean="0"/>
+              <a:t>Converting Developer Center Output to Useable PowerShell/</a:t>
+            </a:r>
+            <a:r>
+              <a:rPr lang="en-US" dirty="0" err="1" smtClean="0"/>
+              <a:t>PowerCLI</a:t>
+            </a:r>
+            <a:endParaRPr lang="en-US" dirty="0" smtClean="0"/>
+          </a:p>
+          <a:p>
+            <a:pPr marL="457200" indent="-457200">
+              <a:buFont typeface="+mj-lt"/>
+              <a:buAutoNum type="arabicPeriod"/>
+            </a:pPr>
+            <a:r>
+              <a:rPr lang="en-US" dirty="0" smtClean="0"/>
+              <a:t>Get-Member</a:t>
+            </a:r>
+          </a:p>
+          <a:p>
+            <a:pPr marL="457200" indent="-457200">
+              <a:buFont typeface="+mj-lt"/>
+              <a:buAutoNum type="arabicPeriod"/>
+            </a:pPr>
+            <a:r>
+              <a:rPr lang="en-US" dirty="0" smtClean="0"/>
+              <a:t>Get-Help</a:t>
+            </a:r>
+          </a:p>
+          <a:p>
+            <a:pPr marL="457200" indent="-457200">
+              <a:buFont typeface="+mj-lt"/>
+              <a:buAutoNum type="arabicPeriod"/>
+            </a:pPr>
+            <a:r>
+              <a:rPr lang="en-US" dirty="0"/>
+              <a:t>Related </a:t>
+            </a:r>
+            <a:r>
+              <a:rPr lang="en-US" dirty="0" smtClean="0"/>
+              <a:t>Links</a:t>
+            </a:r>
+          </a:p>
+          <a:p>
+            <a:pPr marL="457200" indent="-457200">
+              <a:buFont typeface="+mj-lt"/>
+              <a:buAutoNum type="arabicPeriod"/>
+            </a:pPr>
+            <a:r>
+              <a:rPr lang="en-US" dirty="0" smtClean="0"/>
+              <a:t>Resources</a:t>
+            </a:r>
+          </a:p>
+          <a:p>
+            <a:pPr marL="457200" indent="-457200">
+              <a:buFont typeface="+mj-lt"/>
+              <a:buAutoNum type="arabicPeriod"/>
+            </a:pPr>
+            <a:endParaRPr lang="en-US" dirty="0" smtClean="0"/>
+          </a:p>
+          <a:p>
+            <a:pPr marL="457200" indent="-457200">
+              <a:buFont typeface="+mj-lt"/>
+              <a:buAutoNum type="arabicPeriod"/>
+            </a:pPr>
+            <a:endParaRPr lang="en-US" dirty="0" smtClean="0"/>
+          </a:p>
+          <a:p>
+            <a:pPr marL="457200" indent="-457200">
+              <a:buFont typeface="+mj-lt"/>
+              <a:buAutoNum type="arabicPeriod"/>
+            </a:pPr>
+            <a:endParaRPr lang="en-US" dirty="0" smtClean="0"/>
+          </a:p>
+          <a:p>
+            <a:pPr marL="457200" indent="-457200">
+              <a:buFont typeface="+mj-lt"/>
+              <a:buAutoNum type="arabicPeriod"/>
+            </a:pPr>
             <a:endParaRPr lang="en-US" dirty="0"/>
-          </a:p>
-        </p:txBody>
-      </p:sp>
-      <p:sp>
-        <p:nvSpPr>
-          <p:cNvPr id="2" name="TextBox 1">
-            <a:extLst>
-              <a:ext uri="{FF2B5EF4-FFF2-40B4-BE49-F238E27FC236}">
-                <a16:creationId xmlns:a16="http://schemas.microsoft.com/office/drawing/2014/main" id="{918E8234-B800-C09A-FE76-981EEA56F954}"/>
-              </a:ext>
-            </a:extLst>
-          </p:cNvPr>
-          <p:cNvSpPr txBox="1"/>
-          <p:nvPr/>
-        </p:nvSpPr>
-        <p:spPr>
-          <a:xfrm>
-            <a:off x="588494" y="6395860"/>
-            <a:ext cx="3855223" cy="215444"/>
-          </a:xfrm>
-          <a:prstGeom prst="rect">
-            <a:avLst/>
-          </a:prstGeom>
-          <a:noFill/>
-        </p:spPr>
-        <p:txBody>
-          <a:bodyPr wrap="none" lIns="0" tIns="0" rIns="0" bIns="0" rtlCol="0">
-            <a:spAutoFit/>
-          </a:bodyPr>
-          <a:lstStyle/>
-          <a:p>
-            <a:pPr algn="l">
-              <a:lnSpc>
-                <a:spcPct val="100000"/>
-              </a:lnSpc>
-            </a:pPr>
-            <a:r>
-              <a:rPr lang="en-US" sz="700" spc="0" baseline="0" dirty="0">
-                <a:ln/>
-                <a:solidFill>
-                  <a:schemeClr val="bg1"/>
-                </a:solidFill>
-                <a:latin typeface="Metropolis-Regular"/>
-                <a:sym typeface="Metropolis-Regular"/>
-                <a:rtl val="0"/>
-              </a:rPr>
-              <a:t>Broadcom Proprietary and Confidential. Copyright © 2024 Broadcom. </a:t>
-            </a:r>
-          </a:p>
-          <a:p>
-            <a:pPr marL="0" marR="0" lvl="0" indent="0" algn="l" defTabSz="914400" rtl="0" eaLnBrk="1" fontAlgn="auto" latinLnBrk="0" hangingPunct="1">
-              <a:lnSpc>
-                <a:spcPct val="100000"/>
-              </a:lnSpc>
-              <a:spcBef>
-                <a:spcPts val="0"/>
-              </a:spcBef>
-              <a:spcAft>
-                <a:spcPts val="0"/>
-              </a:spcAft>
-              <a:buClrTx/>
-              <a:buSzTx/>
-              <a:buFontTx/>
-              <a:buNone/>
-              <a:tabLst/>
-              <a:defRPr/>
-            </a:pPr>
-            <a:r>
-              <a:rPr lang="en-US" sz="700" spc="0" baseline="0" dirty="0">
-                <a:ln/>
-                <a:solidFill>
-                  <a:schemeClr val="bg1"/>
-                </a:solidFill>
-                <a:latin typeface="Metropolis-Regular"/>
-                <a:sym typeface="Metropolis-Regular"/>
-                <a:rtl val="0"/>
-              </a:rPr>
-              <a:t>All Rights Reserved. The term “Broadcom” refers to Broadcom Inc. and/or its subsidiaries.</a:t>
-            </a:r>
           </a:p>
         </p:txBody>
       </p:sp>
     </p:spTree>
     <p:extLst>
       <p:ext uri="{BB962C8B-B14F-4D97-AF65-F5344CB8AC3E}">
-        <p14:creationId xmlns:p14="http://schemas.microsoft.com/office/powerpoint/2010/main" val="3129537273"/>
+        <p14:creationId xmlns:p14="http://schemas.microsoft.com/office/powerpoint/2010/main" val="1925369033"/>
       </p:ext>
     </p:extLst>
   </p:cSld>
@@ -23006,32 +24033,11 @@
           <a:bodyPr/>
           <a:lstStyle/>
           <a:p>
+            <a:r>
+              <a:rPr lang="en-US" dirty="0" smtClean="0"/>
+              <a:t>PowerShell 101</a:t>
+            </a:r>
             <a:endParaRPr lang="en-US" dirty="0"/>
-          </a:p>
-        </p:txBody>
-      </p:sp>
-      <p:sp>
-        <p:nvSpPr>
-          <p:cNvPr id="4" name="Subtitle 3">
-            <a:extLst>
-              <a:ext uri="{FF2B5EF4-FFF2-40B4-BE49-F238E27FC236}">
-                <a16:creationId xmlns:a16="http://schemas.microsoft.com/office/drawing/2014/main" id="{8F886DCA-5B59-24C0-2C79-4E661832C1EA}"/>
-              </a:ext>
-            </a:extLst>
-          </p:cNvPr>
-          <p:cNvSpPr>
-            <a:spLocks noGrp="1"/>
-          </p:cNvSpPr>
-          <p:nvPr>
-            <p:ph type="subTitle" idx="10"/>
-          </p:nvPr>
-        </p:nvSpPr>
-        <p:spPr/>
-        <p:txBody>
-          <a:bodyPr/>
-          <a:lstStyle/>
-          <a:p>
-            <a:endParaRPr lang="en-US"/>
           </a:p>
         </p:txBody>
       </p:sp>
@@ -23056,25 +24062,108 @@
           <a:bodyPr/>
           <a:lstStyle/>
           <a:p>
-            <a:r>
-              <a:rPr lang="en-US" dirty="0"/>
-              <a:t>In this session we will quickly review the PowerShell basics before jumping into the advanced topics of script writing. The focus will be on how to convert the UI actions into actionable PowerShell code. This session will cover the vSphere Developer center 'Code Capture' feature so that new </a:t>
-            </a:r>
-            <a:r>
-              <a:rPr lang="en-US" dirty="0" err="1"/>
-              <a:t>PowerCLI</a:t>
-            </a:r>
-            <a:r>
-              <a:rPr lang="en-US" dirty="0"/>
-              <a:t> users can understand how to generate their own code from the Center user interface.</a:t>
-            </a:r>
+            <a:pPr marL="342900" indent="-342900"/>
+            <a:r>
+              <a:rPr lang="en-US" dirty="0" smtClean="0"/>
+              <a:t>Verb-Noun (Functions)</a:t>
+            </a:r>
+          </a:p>
+          <a:p>
+            <a:pPr marL="342900" indent="-342900"/>
+            <a:endParaRPr lang="en-US" dirty="0"/>
+          </a:p>
+          <a:p>
+            <a:pPr marL="342900" indent="-342900"/>
+            <a:r>
+              <a:rPr lang="en-US" dirty="0" smtClean="0"/>
+              <a:t>Examples:</a:t>
+            </a:r>
+          </a:p>
+          <a:p>
+            <a:pPr marL="800100" lvl="1" indent="-342900"/>
+            <a:r>
+              <a:rPr lang="en-US" dirty="0" smtClean="0"/>
+              <a:t>Get-Process</a:t>
+            </a:r>
+          </a:p>
+          <a:p>
+            <a:pPr marL="800100" lvl="1" indent="-342900"/>
+            <a:r>
+              <a:rPr lang="en-US" dirty="0" smtClean="0"/>
+              <a:t>Write-Output</a:t>
+            </a:r>
+          </a:p>
+          <a:p>
+            <a:pPr marL="800100" lvl="1" indent="-342900"/>
+            <a:r>
+              <a:rPr lang="en-US" dirty="0" smtClean="0"/>
+              <a:t>Get-VM</a:t>
+            </a:r>
+          </a:p>
+          <a:p>
+            <a:pPr marL="800100" lvl="1" indent="-342900"/>
+            <a:r>
+              <a:rPr lang="en-US" dirty="0" smtClean="0"/>
+              <a:t>Restart-</a:t>
+            </a:r>
+            <a:r>
+              <a:rPr lang="en-US" dirty="0" err="1" smtClean="0"/>
+              <a:t>GuestOS</a:t>
+            </a:r>
+            <a:endParaRPr lang="en-US" dirty="0" smtClean="0"/>
+          </a:p>
+          <a:p>
+            <a:pPr marL="342900" indent="-342900"/>
+            <a:r>
+              <a:rPr lang="en-US" dirty="0" smtClean="0"/>
+              <a:t>Approved Verbs:</a:t>
+            </a:r>
+          </a:p>
+          <a:p>
+            <a:pPr marL="800100" lvl="1" indent="-342900"/>
+            <a:r>
+              <a:rPr lang="en-US" dirty="0" smtClean="0"/>
+              <a:t>Get-Verb</a:t>
+            </a:r>
+          </a:p>
+          <a:p>
+            <a:pPr marL="342900" indent="-342900"/>
+            <a:endParaRPr lang="en-US" dirty="0" smtClean="0"/>
+          </a:p>
+          <a:p>
+            <a:pPr marL="342900" indent="-342900"/>
+            <a:endParaRPr lang="en-US" dirty="0"/>
           </a:p>
         </p:txBody>
       </p:sp>
+      <p:pic>
+        <p:nvPicPr>
+          <p:cNvPr id="4" name="Picture 3"/>
+          <p:cNvPicPr>
+            <a:picLocks noChangeAspect="1"/>
+          </p:cNvPicPr>
+          <p:nvPr/>
+        </p:nvPicPr>
+        <p:blipFill>
+          <a:blip r:embed="rId2"/>
+          <a:stretch>
+            <a:fillRect/>
+          </a:stretch>
+        </p:blipFill>
+        <p:spPr>
+          <a:xfrm>
+            <a:off x="6295806" y="3543300"/>
+            <a:ext cx="5198356" cy="2353783"/>
+          </a:xfrm>
+          <a:prstGeom prst="rect">
+            <a:avLst/>
+          </a:prstGeom>
+        </p:spPr>
+      </p:pic>
     </p:spTree>
     <p:extLst>
       <p:ext uri="{BB962C8B-B14F-4D97-AF65-F5344CB8AC3E}">
-        <p14:creationId xmlns:p14="http://schemas.microsoft.com/office/powerpoint/2010/main" val="425867983"/>
+        <p14:creationId xmlns:p14="http://schemas.microsoft.com/office/powerpoint/2010/main" val="594509113"/>
       </p:ext>
     </p:extLst>
   </p:cSld>
@@ -23130,7 +24219,30 @@
           <a:p>
             <a:r>
               <a:rPr lang="en-US" dirty="0" smtClean="0"/>
-              <a:t>Agenda</a:t>
+              <a:t>PowerShell 102</a:t>
+            </a:r>
+            <a:endParaRPr lang="en-US" dirty="0"/>
+          </a:p>
+        </p:txBody>
+      </p:sp>
+      <p:sp>
+        <p:nvSpPr>
+          <p:cNvPr id="3" name="Subtitle 2"/>
+          <p:cNvSpPr>
+            <a:spLocks noGrp="1"/>
+          </p:cNvSpPr>
+          <p:nvPr>
+            <p:ph type="subTitle" idx="10"/>
+          </p:nvPr>
+        </p:nvSpPr>
+        <p:spPr/>
+        <p:txBody>
+          <a:bodyPr/>
+          <a:lstStyle/>
+          <a:p>
+            <a:r>
+              <a:rPr lang="en-US" dirty="0" smtClean="0"/>
+              <a:t>WTF – What the function?</a:t>
             </a:r>
             <a:endParaRPr lang="en-US" dirty="0"/>
           </a:p>
@@ -23151,139 +24263,92 @@
           <a:bodyPr/>
           <a:lstStyle/>
           <a:p>
-            <a:pPr marL="457200" indent="-457200">
-              <a:buFont typeface="+mj-lt"/>
-              <a:buAutoNum type="arabicPeriod"/>
-            </a:pPr>
             <a:r>
               <a:rPr lang="en-US" dirty="0" smtClean="0"/>
-              <a:t>PowerShell Basics</a:t>
-            </a:r>
-          </a:p>
-          <a:p>
-            <a:pPr marL="457200" indent="-457200">
-              <a:buFont typeface="+mj-lt"/>
-              <a:buAutoNum type="arabicPeriod"/>
-            </a:pPr>
+              <a:t>Functions &amp; Parameters</a:t>
+            </a:r>
+          </a:p>
+          <a:p>
             <a:r>
               <a:rPr lang="en-US" dirty="0" smtClean="0"/>
-              <a:t>What is a Script?</a:t>
-            </a:r>
-          </a:p>
-          <a:p>
-            <a:pPr marL="457200" indent="-457200">
-              <a:buFont typeface="+mj-lt"/>
-              <a:buAutoNum type="arabicPeriod"/>
-            </a:pPr>
+              <a:t>&lt;Function Name&gt; + &lt;Parameter Name&gt; + &lt;Parameter Value&gt;</a:t>
+            </a:r>
+          </a:p>
+          <a:p>
+            <a:pPr lvl="1"/>
             <a:r>
               <a:rPr lang="en-US" dirty="0" smtClean="0"/>
-              <a:t>VMware Developer Center</a:t>
-            </a:r>
-          </a:p>
-          <a:p>
-            <a:pPr marL="457200" indent="-457200">
-              <a:buFont typeface="+mj-lt"/>
-              <a:buAutoNum type="arabicPeriod"/>
-            </a:pPr>
+              <a:t>Get-Process –Name “</a:t>
+            </a:r>
+            <a:r>
+              <a:rPr lang="en-US" dirty="0" err="1" smtClean="0"/>
+              <a:t>Powershell</a:t>
+            </a:r>
             <a:r>
               <a:rPr lang="en-US" dirty="0" smtClean="0"/>
-              <a:t>PowerShell vs. C# vs. </a:t>
+              <a:t>”</a:t>
+            </a:r>
+          </a:p>
+          <a:p>
+            <a:r>
+              <a:rPr lang="en-US" dirty="0"/>
+              <a:t>&lt;Function Name&gt; + &lt;Parameter Name&gt; + &lt;Parameter Value&gt;</a:t>
+            </a:r>
+          </a:p>
+          <a:p>
+            <a:pPr lvl="1"/>
+            <a:r>
+              <a:rPr lang="en-US" dirty="0" smtClean="0"/>
+              <a:t>Update-</a:t>
             </a:r>
             <a:r>
               <a:rPr lang="en-US" dirty="0" err="1" smtClean="0"/>
-              <a:t>.Net</a:t>
-            </a:r>
-            <a:endParaRPr lang="en-US" dirty="0" smtClean="0"/>
-          </a:p>
-          <a:p>
-            <a:pPr marL="457200" indent="-457200">
-              <a:buFont typeface="+mj-lt"/>
-              <a:buAutoNum type="arabicPeriod"/>
-            </a:pPr>
+              <a:t>ConsoleTitle</a:t>
+            </a:r>
             <a:r>
               <a:rPr lang="en-US" dirty="0" smtClean="0"/>
-              <a:t>Converting Developer Center Output to Useable PowerShell/</a:t>
-            </a:r>
-            <a:r>
-              <a:rPr lang="en-US" dirty="0" err="1" smtClean="0"/>
-              <a:t>PowerCLI</a:t>
-            </a:r>
-            <a:endParaRPr lang="en-US" dirty="0" smtClean="0"/>
-          </a:p>
-          <a:p>
-            <a:pPr marL="457200" indent="-457200">
-              <a:buFont typeface="+mj-lt"/>
-              <a:buAutoNum type="arabicPeriod"/>
-            </a:pPr>
+              <a:t> –Title “Fancy New Title”</a:t>
+            </a:r>
+          </a:p>
+          <a:p>
+            <a:endParaRPr lang="en-US" dirty="0"/>
+          </a:p>
+          <a:p>
             <a:r>
               <a:rPr lang="en-US" dirty="0" smtClean="0"/>
-              <a:t>Get-Help</a:t>
-            </a:r>
-          </a:p>
-          <a:p>
-            <a:pPr marL="457200" indent="-457200">
-              <a:buFont typeface="+mj-lt"/>
-              <a:buAutoNum type="arabicPeriod"/>
-            </a:pPr>
-            <a:r>
-              <a:rPr lang="en-US" dirty="0" smtClean="0"/>
-              <a:t>Related Links</a:t>
-            </a:r>
-          </a:p>
-          <a:p>
-            <a:pPr marL="457200" indent="-457200">
-              <a:buFont typeface="+mj-lt"/>
-              <a:buAutoNum type="arabicPeriod"/>
-            </a:pPr>
-            <a:r>
-              <a:rPr lang="en-US" dirty="0" smtClean="0"/>
-              <a:t>Get-Member</a:t>
-            </a:r>
-          </a:p>
-          <a:p>
-            <a:pPr marL="457200" indent="-457200">
-              <a:buFont typeface="+mj-lt"/>
-              <a:buAutoNum type="arabicPeriod"/>
-            </a:pPr>
-            <a:r>
-              <a:rPr lang="en-US" dirty="0" smtClean="0"/>
-              <a:t>Resources</a:t>
-            </a:r>
-          </a:p>
-          <a:p>
-            <a:pPr marL="457200" indent="-457200">
-              <a:buFont typeface="+mj-lt"/>
-              <a:buAutoNum type="arabicPeriod"/>
-            </a:pPr>
-            <a:endParaRPr lang="en-US" dirty="0" smtClean="0"/>
-          </a:p>
-          <a:p>
-            <a:pPr marL="457200" indent="-457200">
-              <a:buFont typeface="+mj-lt"/>
-              <a:buAutoNum type="arabicPeriod"/>
-            </a:pPr>
-            <a:endParaRPr lang="en-US" dirty="0" smtClean="0"/>
-          </a:p>
-          <a:p>
-            <a:pPr marL="457200" indent="-457200">
-              <a:buFont typeface="+mj-lt"/>
-              <a:buAutoNum type="arabicPeriod"/>
-            </a:pPr>
-            <a:endParaRPr lang="en-US" dirty="0" smtClean="0"/>
-          </a:p>
-          <a:p>
-            <a:pPr marL="457200" indent="-457200">
-              <a:buFont typeface="+mj-lt"/>
-              <a:buAutoNum type="arabicPeriod"/>
-            </a:pPr>
-            <a:endParaRPr lang="en-US" dirty="0"/>
+              <a:t>If a Parameter is required, PowerShell will ask you for it!</a:t>
+            </a:r>
           </a:p>
         </p:txBody>
       </p:sp>
+      <p:pic>
+        <p:nvPicPr>
+          <p:cNvPr id="5" name="Picture 4"/>
+          <p:cNvPicPr>
+            <a:picLocks noChangeAspect="1"/>
+          </p:cNvPicPr>
+          <p:nvPr/>
+        </p:nvPicPr>
+        <p:blipFill>
+          <a:blip r:embed="rId2"/>
+          <a:stretch>
+            <a:fillRect/>
+          </a:stretch>
+        </p:blipFill>
+        <p:spPr>
+          <a:xfrm>
+            <a:off x="5600785" y="4628626"/>
+            <a:ext cx="6588040" cy="1543575"/>
+          </a:xfrm>
+          <a:prstGeom prst="rect">
+            <a:avLst/>
+          </a:prstGeom>
+        </p:spPr>
+      </p:pic>
     </p:spTree>
     <p:extLst>
       <p:ext uri="{BB962C8B-B14F-4D97-AF65-F5344CB8AC3E}">
-        <p14:creationId xmlns:p14="http://schemas.microsoft.com/office/powerpoint/2010/main" val="1925369033"/>
+        <p14:creationId xmlns:p14="http://schemas.microsoft.com/office/powerpoint/2010/main" val="4171922299"/>
       </p:ext>
     </p:extLst>
   </p:cSld>
@@ -23324,13 +24389,7 @@
       </p:grpSpPr>
       <p:sp>
         <p:nvSpPr>
-          <p:cNvPr id="2" name="Title 1">
-            <a:extLst>
-              <a:ext uri="{FF2B5EF4-FFF2-40B4-BE49-F238E27FC236}">
-                <a16:creationId xmlns:a16="http://schemas.microsoft.com/office/drawing/2014/main" id="{0D9FDAE6-550E-E975-BD01-08906590C472}"/>
-              </a:ext>
-            </a:extLst>
-          </p:cNvPr>
+          <p:cNvPr id="2" name="Title 1"/>
           <p:cNvSpPr>
             <a:spLocks noGrp="1"/>
           </p:cNvSpPr>
@@ -23345,7 +24404,7 @@
           <a:p>
             <a:r>
               <a:rPr lang="en-US" dirty="0" smtClean="0"/>
-              <a:t>PowerShell Basics</a:t>
+              <a:t>PowerShell 150</a:t>
             </a:r>
             <a:endParaRPr lang="en-US" dirty="0"/>
           </a:p>
@@ -23353,13 +24412,30 @@
       </p:sp>
       <p:sp>
         <p:nvSpPr>
-          <p:cNvPr id="5" name="Content Placeholder 4">
-            <a:extLst>
-              <a:ext uri="{FF2B5EF4-FFF2-40B4-BE49-F238E27FC236}">
-                <a16:creationId xmlns:a16="http://schemas.microsoft.com/office/drawing/2014/main" id="{8FBEB278-6650-3A11-7DCD-A90016572E5A}"/>
-              </a:ext>
-            </a:extLst>
-          </p:cNvPr>
+          <p:cNvPr id="3" name="Subtitle 2"/>
+          <p:cNvSpPr>
+            <a:spLocks noGrp="1"/>
+          </p:cNvSpPr>
+          <p:nvPr>
+            <p:ph type="subTitle" idx="10"/>
+          </p:nvPr>
+        </p:nvSpPr>
+        <p:spPr/>
+        <p:txBody>
+          <a:bodyPr/>
+          <a:lstStyle/>
+          <a:p>
+            <a:r>
+              <a:rPr lang="en-US" dirty="0" smtClean="0"/>
+              <a:t>Get to know your Objects</a:t>
+            </a:r>
+            <a:endParaRPr lang="en-US" dirty="0"/>
+          </a:p>
+        </p:txBody>
+      </p:sp>
+      <p:sp>
+        <p:nvSpPr>
+          <p:cNvPr id="4" name="Content Placeholder 3"/>
           <p:cNvSpPr>
             <a:spLocks noGrp="1"/>
           </p:cNvSpPr>
@@ -23372,26 +24448,98 @@
           <a:bodyPr/>
           <a:lstStyle/>
           <a:p>
-            <a:pPr marL="342900" indent="-342900"/>
             <a:r>
               <a:rPr lang="en-US" dirty="0" smtClean="0"/>
-              <a:t>PowerShell Basics</a:t>
-            </a:r>
-          </a:p>
-          <a:p>
-            <a:pPr marL="342900" indent="-342900"/>
-            <a:endParaRPr lang="en-US" dirty="0" smtClean="0"/>
-          </a:p>
-          <a:p>
-            <a:pPr marL="342900" indent="-342900"/>
+              <a:t>Objects</a:t>
+            </a:r>
+          </a:p>
+          <a:p>
+            <a:pPr lvl="1"/>
+            <a:r>
+              <a:rPr lang="en-US" dirty="0" smtClean="0"/>
+              <a:t>A collection of Data that represents an Item.</a:t>
+            </a:r>
+          </a:p>
+          <a:p>
+            <a:pPr lvl="1"/>
+            <a:r>
+              <a:rPr lang="en-US" dirty="0" smtClean="0"/>
+              <a:t>In PowerShell and Object is made up of 3 types of Data</a:t>
+            </a:r>
+          </a:p>
+          <a:p>
+            <a:pPr lvl="2"/>
+            <a:r>
+              <a:rPr lang="en-US" dirty="0" smtClean="0"/>
+              <a:t>Object Type</a:t>
+            </a:r>
+          </a:p>
+          <a:p>
+            <a:pPr lvl="3"/>
+            <a:r>
+              <a:rPr lang="en-US" dirty="0" smtClean="0"/>
+              <a:t>What am I?</a:t>
+            </a:r>
+          </a:p>
+          <a:p>
+            <a:pPr lvl="2"/>
+            <a:r>
+              <a:rPr lang="en-US" dirty="0" smtClean="0"/>
+              <a:t>Methods</a:t>
+            </a:r>
+          </a:p>
+          <a:p>
+            <a:pPr lvl="3"/>
+            <a:r>
+              <a:rPr lang="en-US" dirty="0" smtClean="0"/>
+              <a:t>What can you do to me?</a:t>
+            </a:r>
+          </a:p>
+          <a:p>
+            <a:pPr lvl="2"/>
+            <a:r>
+              <a:rPr lang="en-US" dirty="0" smtClean="0"/>
+              <a:t>Properties</a:t>
+            </a:r>
+          </a:p>
+          <a:p>
+            <a:pPr lvl="3"/>
+            <a:r>
+              <a:rPr lang="en-US" dirty="0" smtClean="0"/>
+              <a:t>What are the things that describe me?</a:t>
+            </a:r>
             <a:endParaRPr lang="en-US" dirty="0"/>
           </a:p>
         </p:txBody>
       </p:sp>
+      <p:pic>
+        <p:nvPicPr>
+          <p:cNvPr id="6" name="Picture 5"/>
+          <p:cNvPicPr>
+            <a:picLocks noChangeAspect="1"/>
+          </p:cNvPicPr>
+          <p:nvPr/>
+        </p:nvPicPr>
+        <p:blipFill>
+          <a:blip r:embed="rId2"/>
+          <a:stretch>
+            <a:fillRect/>
+          </a:stretch>
+        </p:blipFill>
+        <p:spPr>
+          <a:xfrm>
+            <a:off x="7022288" y="2242037"/>
+            <a:ext cx="4859784" cy="2723325"/>
+          </a:xfrm>
+          <a:prstGeom prst="rect">
+            <a:avLst/>
+          </a:prstGeom>
+        </p:spPr>
+      </p:pic>
     </p:spTree>
     <p:extLst>
       <p:ext uri="{BB962C8B-B14F-4D97-AF65-F5344CB8AC3E}">
-        <p14:creationId xmlns:p14="http://schemas.microsoft.com/office/powerpoint/2010/main" val="594509113"/>
+        <p14:creationId xmlns:p14="http://schemas.microsoft.com/office/powerpoint/2010/main" val="1971429807"/>
       </p:ext>
     </p:extLst>
   </p:cSld>
@@ -23432,13 +24580,7 @@
       </p:grpSpPr>
       <p:sp>
         <p:nvSpPr>
-          <p:cNvPr id="2" name="Title 1">
-            <a:extLst>
-              <a:ext uri="{FF2B5EF4-FFF2-40B4-BE49-F238E27FC236}">
-                <a16:creationId xmlns:a16="http://schemas.microsoft.com/office/drawing/2014/main" id="{0D9FDAE6-550E-E975-BD01-08906590C472}"/>
-              </a:ext>
-            </a:extLst>
-          </p:cNvPr>
+          <p:cNvPr id="2" name="Title 1"/>
           <p:cNvSpPr>
             <a:spLocks noGrp="1"/>
           </p:cNvSpPr>
@@ -23452,8 +24594,12 @@
           <a:lstStyle/>
           <a:p>
             <a:r>
+              <a:rPr lang="en-US" dirty="0" err="1" smtClean="0"/>
+              <a:t>PowerCLI</a:t>
+            </a:r>
+            <a:r>
               <a:rPr lang="en-US" dirty="0" smtClean="0"/>
-              <a:t>What is a Script?</a:t>
+              <a:t> 101</a:t>
             </a:r>
             <a:endParaRPr lang="en-US" dirty="0"/>
           </a:p>
@@ -23461,13 +24607,30 @@
       </p:sp>
       <p:sp>
         <p:nvSpPr>
-          <p:cNvPr id="5" name="Content Placeholder 4">
-            <a:extLst>
-              <a:ext uri="{FF2B5EF4-FFF2-40B4-BE49-F238E27FC236}">
-                <a16:creationId xmlns:a16="http://schemas.microsoft.com/office/drawing/2014/main" id="{8FBEB278-6650-3A11-7DCD-A90016572E5A}"/>
-              </a:ext>
-            </a:extLst>
-          </p:cNvPr>
+          <p:cNvPr id="3" name="Subtitle 2"/>
+          <p:cNvSpPr>
+            <a:spLocks noGrp="1"/>
+          </p:cNvSpPr>
+          <p:nvPr>
+            <p:ph type="subTitle" idx="10"/>
+          </p:nvPr>
+        </p:nvSpPr>
+        <p:spPr/>
+        <p:txBody>
+          <a:bodyPr/>
+          <a:lstStyle/>
+          <a:p>
+            <a:r>
+              <a:rPr lang="en-US" dirty="0" smtClean="0"/>
+              <a:t>The star of the show!</a:t>
+            </a:r>
+            <a:endParaRPr lang="en-US" dirty="0"/>
+          </a:p>
+        </p:txBody>
+      </p:sp>
+      <p:sp>
+        <p:nvSpPr>
+          <p:cNvPr id="4" name="Content Placeholder 3"/>
           <p:cNvSpPr>
             <a:spLocks noGrp="1"/>
           </p:cNvSpPr>
@@ -23480,26 +24643,198 @@
           <a:bodyPr/>
           <a:lstStyle/>
           <a:p>
-            <a:pPr marL="342900" indent="-342900"/>
             <a:r>
               <a:rPr lang="en-US" dirty="0" smtClean="0"/>
-              <a:t>What is a Script?</a:t>
-            </a:r>
-          </a:p>
-          <a:p>
-            <a:pPr marL="342900" indent="-342900"/>
+              <a:t>Getting Started with </a:t>
+            </a:r>
+            <a:r>
+              <a:rPr lang="en-US" dirty="0" err="1" smtClean="0"/>
+              <a:t>PowerCLI</a:t>
+            </a:r>
             <a:endParaRPr lang="en-US" dirty="0" smtClean="0"/>
           </a:p>
           <a:p>
-            <a:pPr marL="342900" indent="-342900"/>
+            <a:pPr lvl="1"/>
+            <a:r>
+              <a:rPr lang="en-US" dirty="0" smtClean="0"/>
+              <a:t>Install the </a:t>
+            </a:r>
+            <a:r>
+              <a:rPr lang="en-US" dirty="0" err="1" smtClean="0"/>
+              <a:t>PowerCLI</a:t>
+            </a:r>
+            <a:r>
+              <a:rPr lang="en-US" dirty="0" smtClean="0"/>
+              <a:t> module</a:t>
+            </a:r>
+          </a:p>
+          <a:p>
+            <a:pPr lvl="1"/>
+            <a:r>
+              <a:rPr lang="en-US" dirty="0" smtClean="0"/>
+              <a:t>Open </a:t>
+            </a:r>
+            <a:r>
+              <a:rPr lang="en-US" dirty="0" err="1" smtClean="0"/>
+              <a:t>Powershell</a:t>
+            </a:r>
+            <a:endParaRPr lang="en-US" dirty="0" smtClean="0"/>
+          </a:p>
+          <a:p>
+            <a:pPr lvl="2"/>
+            <a:r>
+              <a:rPr lang="en-US" dirty="0" smtClean="0"/>
+              <a:t>Install-Module </a:t>
+            </a:r>
+            <a:r>
+              <a:rPr lang="en-US" dirty="0" err="1" smtClean="0"/>
+              <a:t>Vmware.PowerCLI</a:t>
+            </a:r>
+            <a:endParaRPr lang="en-US" dirty="0" smtClean="0"/>
+          </a:p>
+          <a:p>
+            <a:pPr lvl="3"/>
+            <a:r>
+              <a:rPr lang="en-US" dirty="0" smtClean="0"/>
+              <a:t>Wait a little while </a:t>
+            </a:r>
+            <a:r>
+              <a:rPr lang="en-US" dirty="0" smtClean="0">
+                <a:sym typeface="Wingdings" panose="05000000000000000000" pitchFamily="2" charset="2"/>
+              </a:rPr>
+              <a:t></a:t>
+            </a:r>
+          </a:p>
+          <a:p>
+            <a:pPr lvl="2"/>
+            <a:r>
+              <a:rPr lang="en-US" dirty="0" smtClean="0">
+                <a:sym typeface="Wingdings" panose="05000000000000000000" pitchFamily="2" charset="2"/>
+              </a:rPr>
+              <a:t>Connect to a </a:t>
+            </a:r>
+            <a:r>
+              <a:rPr lang="en-US" dirty="0" err="1" smtClean="0">
+                <a:sym typeface="Wingdings" panose="05000000000000000000" pitchFamily="2" charset="2"/>
+              </a:rPr>
+              <a:t>vCenter</a:t>
+            </a:r>
+            <a:endParaRPr lang="en-US" dirty="0" smtClean="0">
+              <a:sym typeface="Wingdings" panose="05000000000000000000" pitchFamily="2" charset="2"/>
+            </a:endParaRPr>
+          </a:p>
+          <a:p>
+            <a:pPr lvl="3"/>
+            <a:r>
+              <a:rPr lang="en-US" dirty="0" smtClean="0">
+                <a:sym typeface="Wingdings" panose="05000000000000000000" pitchFamily="2" charset="2"/>
+              </a:rPr>
+              <a:t>Connect-</a:t>
+            </a:r>
+            <a:r>
+              <a:rPr lang="en-US" dirty="0" err="1" smtClean="0">
+                <a:sym typeface="Wingdings" panose="05000000000000000000" pitchFamily="2" charset="2"/>
+              </a:rPr>
+              <a:t>VIServer</a:t>
+            </a:r>
+            <a:r>
+              <a:rPr lang="en-US" dirty="0" smtClean="0">
+                <a:sym typeface="Wingdings" panose="05000000000000000000" pitchFamily="2" charset="2"/>
+              </a:rPr>
+              <a:t> –name </a:t>
+            </a:r>
+            <a:r>
+              <a:rPr lang="en-US" dirty="0" err="1" smtClean="0">
+                <a:sym typeface="Wingdings" panose="05000000000000000000" pitchFamily="2" charset="2"/>
+              </a:rPr>
+              <a:t>myvcenter</a:t>
+            </a:r>
+            <a:r>
+              <a:rPr lang="en-US" dirty="0" smtClean="0">
+                <a:sym typeface="Wingdings" panose="05000000000000000000" pitchFamily="2" charset="2"/>
+              </a:rPr>
+              <a:t> –Username “administrator” –Password “VMware1!”</a:t>
+            </a:r>
+          </a:p>
+          <a:p>
+            <a:pPr lvl="3"/>
+            <a:r>
+              <a:rPr lang="en-US" dirty="0" smtClean="0">
+                <a:sym typeface="Wingdings" panose="05000000000000000000" pitchFamily="2" charset="2"/>
+              </a:rPr>
+              <a:t>$</a:t>
+            </a:r>
+            <a:r>
+              <a:rPr lang="en-US" dirty="0" err="1" smtClean="0">
+                <a:sym typeface="Wingdings" panose="05000000000000000000" pitchFamily="2" charset="2"/>
+              </a:rPr>
+              <a:t>Global:DefaultVIServer</a:t>
+            </a:r>
+            <a:endParaRPr lang="en-US" dirty="0" smtClean="0">
+              <a:sym typeface="Wingdings" panose="05000000000000000000" pitchFamily="2" charset="2"/>
+            </a:endParaRPr>
+          </a:p>
+          <a:p>
+            <a:pPr lvl="3"/>
+            <a:r>
+              <a:rPr lang="en-US" dirty="0" smtClean="0">
+                <a:sym typeface="Wingdings" panose="05000000000000000000" pitchFamily="2" charset="2"/>
+              </a:rPr>
+              <a:t>Disconnect-</a:t>
+            </a:r>
+            <a:r>
+              <a:rPr lang="en-US" dirty="0" err="1" smtClean="0">
+                <a:sym typeface="Wingdings" panose="05000000000000000000" pitchFamily="2" charset="2"/>
+              </a:rPr>
+              <a:t>VIServer</a:t>
+            </a:r>
+            <a:r>
+              <a:rPr lang="en-US" dirty="0" smtClean="0">
+                <a:sym typeface="Wingdings" panose="05000000000000000000" pitchFamily="2" charset="2"/>
+              </a:rPr>
+              <a:t> –Force –Confirm:$false</a:t>
+            </a:r>
+          </a:p>
+          <a:p>
+            <a:pPr lvl="3"/>
+            <a:endParaRPr lang="en-US" dirty="0" smtClean="0">
+              <a:sym typeface="Wingdings" panose="05000000000000000000" pitchFamily="2" charset="2"/>
+            </a:endParaRPr>
+          </a:p>
+          <a:p>
+            <a:pPr lvl="2"/>
             <a:endParaRPr lang="en-US" dirty="0"/>
           </a:p>
         </p:txBody>
       </p:sp>
+      <p:pic>
+        <p:nvPicPr>
+          <p:cNvPr id="5" name="Picture 4"/>
+          <p:cNvPicPr>
+            <a:picLocks noChangeAspect="1"/>
+          </p:cNvPicPr>
+          <p:nvPr/>
+        </p:nvPicPr>
+        <p:blipFill>
+          <a:blip r:embed="rId2"/>
+          <a:stretch>
+            <a:fillRect/>
+          </a:stretch>
+        </p:blipFill>
+        <p:spPr>
+          <a:xfrm>
+            <a:off x="5985675" y="1225647"/>
+            <a:ext cx="5457220" cy="2341878"/>
+          </a:xfrm>
+          <a:prstGeom prst="rect">
+            <a:avLst/>
+          </a:prstGeom>
+        </p:spPr>
+      </p:pic>
     </p:spTree>
     <p:extLst>
       <p:ext uri="{BB962C8B-B14F-4D97-AF65-F5344CB8AC3E}">
-        <p14:creationId xmlns:p14="http://schemas.microsoft.com/office/powerpoint/2010/main" val="235647852"/>
+        <p14:creationId xmlns:p14="http://schemas.microsoft.com/office/powerpoint/2010/main" val="319006462"/>
       </p:ext>
     </p:extLst>
   </p:cSld>
@@ -23561,7 +24896,7 @@
           <a:p>
             <a:r>
               <a:rPr lang="en-US" dirty="0" smtClean="0"/>
-              <a:t>VMware Developer Center</a:t>
+              <a:t>What is a Script?</a:t>
             </a:r>
             <a:endParaRPr lang="en-US" dirty="0"/>
           </a:p>
@@ -23583,7 +24918,12 @@
             <p:ph sz="quarter" idx="14"/>
           </p:nvPr>
         </p:nvSpPr>
-        <p:spPr/>
+        <p:spPr>
+          <a:xfrm>
+            <a:off x="608013" y="1345224"/>
+            <a:ext cx="10972800" cy="4572000"/>
+          </a:xfrm>
+        </p:spPr>
         <p:txBody>
           <a:bodyPr/>
           <a:lstStyle/>
@@ -23591,15 +24931,78 @@
             <a:pPr marL="342900" indent="-342900"/>
             <a:r>
               <a:rPr lang="en-US" dirty="0" smtClean="0"/>
-              <a:t>VMware Developer Center</a:t>
+              <a:t>A script is a plain text file with one or more PowerShell Commands.</a:t>
             </a:r>
           </a:p>
           <a:p>
             <a:pPr marL="342900" indent="-342900"/>
-            <a:endParaRPr lang="en-US" dirty="0" smtClean="0"/>
+            <a:r>
+              <a:rPr lang="en-US" dirty="0" smtClean="0"/>
+              <a:t>PowerShell scripts have a .ps1 file extension</a:t>
+            </a:r>
           </a:p>
           <a:p>
             <a:pPr marL="342900" indent="-342900"/>
+            <a:r>
+              <a:rPr lang="en-US" dirty="0" smtClean="0"/>
+              <a:t>Yes, You can pass in Parameters!</a:t>
+            </a:r>
+          </a:p>
+          <a:p>
+            <a:pPr marL="342900" indent="-342900"/>
+            <a:r>
+              <a:rPr lang="en-US" dirty="0" smtClean="0"/>
+              <a:t>Not today! - but you should do some research!</a:t>
+            </a:r>
+          </a:p>
+          <a:p>
+            <a:pPr marL="800100" lvl="1" indent="-342900"/>
+            <a:r>
+              <a:rPr lang="en-US" dirty="0" smtClean="0"/>
+              <a:t>Execution Policy</a:t>
+            </a:r>
+          </a:p>
+          <a:p>
+            <a:pPr marL="800100" lvl="1" indent="-342900"/>
+            <a:r>
+              <a:rPr lang="en-US" dirty="0" smtClean="0"/>
+              <a:t>Comment based help</a:t>
+            </a:r>
+          </a:p>
+          <a:p>
+            <a:pPr marL="800100" lvl="1" indent="-342900"/>
+            <a:r>
+              <a:rPr lang="en-US" dirty="0" smtClean="0"/>
+              <a:t>Running Scripts against Remote Computers</a:t>
+            </a:r>
+          </a:p>
+          <a:p>
+            <a:pPr marL="800100" lvl="1" indent="-342900"/>
+            <a:r>
+              <a:rPr lang="en-US" dirty="0" smtClean="0"/>
+              <a:t>Exit codes</a:t>
+            </a:r>
+          </a:p>
+          <a:p>
+            <a:pPr marL="800100" lvl="1" indent="-342900"/>
+            <a:r>
+              <a:rPr lang="en-US" dirty="0" smtClean="0"/>
+              <a:t>Scope</a:t>
+            </a:r>
+          </a:p>
+          <a:p>
+            <a:pPr marL="800100" lvl="1" indent="-342900"/>
+            <a:r>
+              <a:rPr lang="en-US" dirty="0" smtClean="0"/>
+              <a:t>Dot Sourcing</a:t>
+            </a:r>
+          </a:p>
+          <a:p>
+            <a:pPr marL="800100" lvl="1" indent="-342900"/>
+            <a:r>
+              <a:rPr lang="en-US" dirty="0" smtClean="0"/>
+              <a:t>And more!</a:t>
+            </a:r>
             <a:endParaRPr lang="en-US" dirty="0"/>
           </a:p>
         </p:txBody>
@@ -23607,7 +25010,7 @@
     </p:spTree>
     <p:extLst>
       <p:ext uri="{BB962C8B-B14F-4D97-AF65-F5344CB8AC3E}">
-        <p14:creationId xmlns:p14="http://schemas.microsoft.com/office/powerpoint/2010/main" val="2568143770"/>
+        <p14:creationId xmlns:p14="http://schemas.microsoft.com/office/powerpoint/2010/main" val="235647852"/>
       </p:ext>
     </p:extLst>
   </p:cSld>
@@ -24541,15 +25944,6 @@
 </file>
 
 <file path=customXml/item1.xml><?xml version="1.0" encoding="utf-8"?>
-<?mso-contentType ?>
-<FormTemplates xmlns="http://schemas.microsoft.com/sharepoint/v3/contenttype/forms">
-  <Display>DocumentLibraryForm</Display>
-  <Edit>DocumentLibraryForm</Edit>
-  <New>DocumentLibraryForm</New>
-</FormTemplates>
-</file>
-
-<file path=customXml/item2.xml><?xml version="1.0" encoding="utf-8"?>
 <ct:contentTypeSchema xmlns:ct="http://schemas.microsoft.com/office/2006/metadata/contentType" xmlns:ma="http://schemas.microsoft.com/office/2006/metadata/properties/metaAttributes" ct:_="" ma:_="" ma:contentTypeName="Document" ma:contentTypeID="0x0101008B3F91C0C4ECEE479555FEA4A4EB2B48" ma:contentTypeVersion="15" ma:contentTypeDescription="Create a new document." ma:contentTypeScope="" ma:versionID="c6a87b1e4bc033b72f454e04dac54d88">
   <xsd:schema xmlns:xsd="http://www.w3.org/2001/XMLSchema" xmlns:xs="http://www.w3.org/2001/XMLSchema" xmlns:p="http://schemas.microsoft.com/office/2006/metadata/properties" xmlns:ns2="34d4d772-b3f2-47fc-9a2d-2126f9957ae8" xmlns:ns3="d345b56e-75a0-4ca8-9b4b-110cb999efd5" targetNamespace="http://schemas.microsoft.com/office/2006/metadata/properties" ma:root="true" ma:fieldsID="6eb14a52ad1190b1f78ecaeae027f828" ns2:_="" ns3:_="">
     <xsd:import namespace="34d4d772-b3f2-47fc-9a2d-2126f9957ae8"/>
@@ -24784,6 +26178,15 @@
 </ct:contentTypeSchema>
 </file>
 
+<file path=customXml/item2.xml><?xml version="1.0" encoding="utf-8"?>
+<?mso-contentType ?>
+<FormTemplates xmlns="http://schemas.microsoft.com/sharepoint/v3/contenttype/forms">
+  <Display>DocumentLibraryForm</Display>
+  <Edit>DocumentLibraryForm</Edit>
+  <New>DocumentLibraryForm</New>
+</FormTemplates>
+</file>
+
 <file path=customXml/item3.xml><?xml version="1.0" encoding="utf-8"?>
 <p:properties xmlns:p="http://schemas.microsoft.com/office/2006/metadata/properties" xmlns:xsi="http://www.w3.org/2001/XMLSchema-instance" xmlns:pc="http://schemas.microsoft.com/office/infopath/2007/PartnerControls">
   <documentManagement>
@@ -24808,14 +26211,6 @@
 </file>
 
 <file path=customXml/itemProps1.xml><?xml version="1.0" encoding="utf-8"?>
-<ds:datastoreItem xmlns:ds="http://schemas.openxmlformats.org/officeDocument/2006/customXml" ds:itemID="{BAD99180-4DF7-4231-B572-5E5D5B192DA4}">
-  <ds:schemaRefs>
-    <ds:schemaRef ds:uri="http://schemas.microsoft.com/sharepoint/v3/contenttype/forms"/>
-  </ds:schemaRefs>
-</ds:datastoreItem>
-</file>
-
-<file path=customXml/itemProps2.xml><?xml version="1.0" encoding="utf-8"?>
 <ds:datastoreItem xmlns:ds="http://schemas.openxmlformats.org/officeDocument/2006/customXml" ds:itemID="{28FF4D8F-9B19-4DA8-8A71-562BBA95DCB6}">
   <ds:schemaRefs>
     <ds:schemaRef ds:uri="http://schemas.microsoft.com/office/2006/metadata/contentType"/>
@@ -24830,6 +26225,14 @@
     <ds:schemaRef ds:uri="http://purl.org/dc/elements/1.1/"/>
     <ds:schemaRef ds:uri="http://purl.org/dc/terms/"/>
     <ds:schemaRef ds:uri="http://schemas.microsoft.com/internal/obd"/>
+  </ds:schemaRefs>
+</ds:datastoreItem>
+</file>
+
+<file path=customXml/itemProps2.xml><?xml version="1.0" encoding="utf-8"?>
+<ds:datastoreItem xmlns:ds="http://schemas.openxmlformats.org/officeDocument/2006/customXml" ds:itemID="{BAD99180-4DF7-4231-B572-5E5D5B192DA4}">
+  <ds:schemaRefs>
+    <ds:schemaRef ds:uri="http://schemas.microsoft.com/sharepoint/v3/contenttype/forms"/>
   </ds:schemaRefs>
 </ds:datastoreItem>
 </file>

--- a/Powercli/VMwareExplore_2024/CODE1744LV - PowerCLI 201 - From the Shell to Writing Scripts.pptx
+++ b/Powercli/VMwareExplore_2024/CODE1744LV - PowerCLI 201 - From the Shell to Writing Scripts.pptx
@@ -295,7 +295,7 @@
               <a:rPr lang="en-US" smtClean="0">
                 <a:latin typeface="Metropolis" panose="00000500000000000000" pitchFamily="50" charset="0"/>
               </a:rPr>
-              <a:t>8/17/2024</a:t>
+              <a:t>8/18/2024</a:t>
             </a:fld>
             <a:endParaRPr lang="en-US">
               <a:latin typeface="Metropolis" panose="00000500000000000000" pitchFamily="50" charset="0"/>
@@ -473,7 +473,7 @@
             <a:fld id="{3CB6F0DB-E055-41D0-9102-627A646E4242}" type="datetimeFigureOut">
               <a:rPr lang="en-US" smtClean="0"/>
               <a:pPr/>
-              <a:t>8/17/2024</a:t>
+              <a:t>8/18/2024</a:t>
             </a:fld>
             <a:endParaRPr lang="en-US"/>
           </a:p>
@@ -886,7 +886,7 @@
           <a:blip r:embed="rId3">
             <a:extLst>
               <a:ext uri="{96DAC541-7B7A-43D3-8B79-37D633B846F1}">
-                <asvg:svgBlip xmlns:asvg="http://schemas.microsoft.com/office/drawing/2016/SVG/main" xmlns="" r:embed="rId4"/>
+                <asvg:svgBlip xmlns="" xmlns:asvg="http://schemas.microsoft.com/office/drawing/2016/SVG/main" r:embed="rId4"/>
               </a:ext>
             </a:extLst>
           </a:blip>
@@ -1449,7 +1449,7 @@
                 <a16:creationId xmlns:a16="http://schemas.microsoft.com/office/drawing/2014/main" id="{AA1B5F83-A93D-544C-8DB4-B164DBF2F72D}"/>
               </a:ext>
               <a:ext uri="{C183D7F6-B498-43B3-948B-1728B52AA6E4}">
-                <adec:decorative xmlns:adec="http://schemas.microsoft.com/office/drawing/2017/decorative" xmlns="" val="1"/>
+                <adec:decorative xmlns="" xmlns:adec="http://schemas.microsoft.com/office/drawing/2017/decorative" val="1"/>
               </a:ext>
             </a:extLst>
           </p:cNvPr>
@@ -1661,7 +1661,7 @@
                 <a16:creationId xmlns:a16="http://schemas.microsoft.com/office/drawing/2014/main" id="{417D4F8B-2025-D14C-A41E-9C0B401DE6B0}"/>
               </a:ext>
               <a:ext uri="{C183D7F6-B498-43B3-948B-1728B52AA6E4}">
-                <adec:decorative xmlns:adec="http://schemas.microsoft.com/office/drawing/2017/decorative" xmlns="" val="1"/>
+                <adec:decorative xmlns="" xmlns:adec="http://schemas.microsoft.com/office/drawing/2017/decorative" val="1"/>
               </a:ext>
             </a:extLst>
           </p:cNvPr>
@@ -2127,7 +2127,7 @@
                 <a16:creationId xmlns:a16="http://schemas.microsoft.com/office/drawing/2014/main" id="{B164666E-28C9-844E-91D8-ECA2F1E57595}"/>
               </a:ext>
               <a:ext uri="{C183D7F6-B498-43B3-948B-1728B52AA6E4}">
-                <adec:decorative xmlns:adec="http://schemas.microsoft.com/office/drawing/2017/decorative" xmlns="" val="1"/>
+                <adec:decorative xmlns="" xmlns:adec="http://schemas.microsoft.com/office/drawing/2017/decorative" val="1"/>
               </a:ext>
             </a:extLst>
           </p:cNvPr>
@@ -2340,7 +2340,7 @@
                 <a16:creationId xmlns:a16="http://schemas.microsoft.com/office/drawing/2014/main" id="{97B963A1-3810-7A40-8918-6D6D68B4A836}"/>
               </a:ext>
               <a:ext uri="{C183D7F6-B498-43B3-948B-1728B52AA6E4}">
-                <adec:decorative xmlns:adec="http://schemas.microsoft.com/office/drawing/2017/decorative" xmlns="" val="1"/>
+                <adec:decorative xmlns="" xmlns:adec="http://schemas.microsoft.com/office/drawing/2017/decorative" val="1"/>
               </a:ext>
             </a:extLst>
           </p:cNvPr>
@@ -2462,7 +2462,7 @@
                 <a16:creationId xmlns:a16="http://schemas.microsoft.com/office/drawing/2014/main" id="{E17DA4B3-27AC-8A64-FD5E-59AEAE0D8559}"/>
               </a:ext>
               <a:ext uri="{C183D7F6-B498-43B3-948B-1728B52AA6E4}">
-                <adec:decorative xmlns:adec="http://schemas.microsoft.com/office/drawing/2017/decorative" xmlns="" val="1"/>
+                <adec:decorative xmlns="" xmlns:adec="http://schemas.microsoft.com/office/drawing/2017/decorative" val="1"/>
               </a:ext>
             </a:extLst>
           </p:cNvPr>
@@ -2982,7 +2982,7 @@
                 <a16:creationId xmlns:a16="http://schemas.microsoft.com/office/drawing/2014/main" id="{D864AC6E-1611-244C-BA28-696924BAB259}"/>
               </a:ext>
               <a:ext uri="{C183D7F6-B498-43B3-948B-1728B52AA6E4}">
-                <adec:decorative xmlns:adec="http://schemas.microsoft.com/office/drawing/2017/decorative" xmlns="" val="1"/>
+                <adec:decorative xmlns="" xmlns:adec="http://schemas.microsoft.com/office/drawing/2017/decorative" val="1"/>
               </a:ext>
             </a:extLst>
           </p:cNvPr>
@@ -3595,7 +3595,7 @@
                 <a16:creationId xmlns:a16="http://schemas.microsoft.com/office/drawing/2014/main" id="{85B60DB8-F067-969E-72B5-4E90025E5BF8}"/>
               </a:ext>
               <a:ext uri="{C183D7F6-B498-43B3-948B-1728B52AA6E4}">
-                <adec:decorative xmlns:adec="http://schemas.microsoft.com/office/drawing/2017/decorative" xmlns="" val="1"/>
+                <adec:decorative xmlns="" xmlns:adec="http://schemas.microsoft.com/office/drawing/2017/decorative" val="1"/>
               </a:ext>
             </a:extLst>
           </p:cNvPr>
@@ -4098,7 +4098,7 @@
                 <a16:creationId xmlns:a16="http://schemas.microsoft.com/office/drawing/2014/main" id="{F7E2C737-3A4D-924A-88B5-FA4D5C8A07C7}"/>
               </a:ext>
               <a:ext uri="{C183D7F6-B498-43B3-948B-1728B52AA6E4}">
-                <adec:decorative xmlns:adec="http://schemas.microsoft.com/office/drawing/2017/decorative" xmlns="" val="1"/>
+                <adec:decorative xmlns="" xmlns:adec="http://schemas.microsoft.com/office/drawing/2017/decorative" val="1"/>
               </a:ext>
             </a:extLst>
           </p:cNvPr>
@@ -4696,7 +4696,7 @@
                 <a16:creationId xmlns:a16="http://schemas.microsoft.com/office/drawing/2014/main" id="{56D4D92B-574E-4F63-A5BA-8F7282B54C27}"/>
               </a:ext>
               <a:ext uri="{C183D7F6-B498-43B3-948B-1728B52AA6E4}">
-                <adec:decorative xmlns:adec="http://schemas.microsoft.com/office/drawing/2017/decorative" xmlns="" val="1"/>
+                <adec:decorative xmlns="" xmlns:adec="http://schemas.microsoft.com/office/drawing/2017/decorative" val="1"/>
               </a:ext>
             </a:extLst>
           </p:cNvPr>
@@ -4860,7 +4860,7 @@
                 <a16:creationId xmlns:a16="http://schemas.microsoft.com/office/drawing/2014/main" id="{F789B473-DDE6-4450-A111-3761F341AAE3}"/>
               </a:ext>
               <a:ext uri="{C183D7F6-B498-43B3-948B-1728B52AA6E4}">
-                <adec:decorative xmlns:adec="http://schemas.microsoft.com/office/drawing/2017/decorative" xmlns="" val="1"/>
+                <adec:decorative xmlns="" xmlns:adec="http://schemas.microsoft.com/office/drawing/2017/decorative" val="1"/>
               </a:ext>
             </a:extLst>
           </p:cNvPr>
@@ -5370,7 +5370,7 @@
                 <a16:creationId xmlns:a16="http://schemas.microsoft.com/office/drawing/2014/main" id="{14F46384-B6E3-0D43-924E-874DEC2344B1}"/>
               </a:ext>
               <a:ext uri="{C183D7F6-B498-43B3-948B-1728B52AA6E4}">
-                <adec:decorative xmlns:adec="http://schemas.microsoft.com/office/drawing/2017/decorative" xmlns="" val="1"/>
+                <adec:decorative xmlns="" xmlns:adec="http://schemas.microsoft.com/office/drawing/2017/decorative" val="1"/>
               </a:ext>
             </a:extLst>
           </p:cNvPr>
@@ -5517,7 +5517,7 @@
                 <a16:creationId xmlns:a16="http://schemas.microsoft.com/office/drawing/2014/main" id="{33526770-8F35-FB4A-8638-521D0DA87F6C}"/>
               </a:ext>
               <a:ext uri="{C183D7F6-B498-43B3-948B-1728B52AA6E4}">
-                <adec:decorative xmlns:adec="http://schemas.microsoft.com/office/drawing/2017/decorative" xmlns="" val="1"/>
+                <adec:decorative xmlns="" xmlns:adec="http://schemas.microsoft.com/office/drawing/2017/decorative" val="1"/>
               </a:ext>
             </a:extLst>
           </p:cNvPr>
@@ -5664,7 +5664,7 @@
                 <a16:creationId xmlns:a16="http://schemas.microsoft.com/office/drawing/2014/main" id="{73C08A52-2522-8C40-B8B1-C98FEBB888F7}"/>
               </a:ext>
               <a:ext uri="{C183D7F6-B498-43B3-948B-1728B52AA6E4}">
-                <adec:decorative xmlns:adec="http://schemas.microsoft.com/office/drawing/2017/decorative" xmlns="" val="1"/>
+                <adec:decorative xmlns="" xmlns:adec="http://schemas.microsoft.com/office/drawing/2017/decorative" val="1"/>
               </a:ext>
             </a:extLst>
           </p:cNvPr>
@@ -5811,7 +5811,7 @@
                 <a16:creationId xmlns:a16="http://schemas.microsoft.com/office/drawing/2014/main" id="{9B57CCC6-06B1-7342-99B0-BC7C8FBE5E73}"/>
               </a:ext>
               <a:ext uri="{C183D7F6-B498-43B3-948B-1728B52AA6E4}">
-                <adec:decorative xmlns:adec="http://schemas.microsoft.com/office/drawing/2017/decorative" xmlns="" val="1"/>
+                <adec:decorative xmlns="" xmlns:adec="http://schemas.microsoft.com/office/drawing/2017/decorative" val="1"/>
               </a:ext>
             </a:extLst>
           </p:cNvPr>
@@ -5958,7 +5958,7 @@
                 <a16:creationId xmlns:a16="http://schemas.microsoft.com/office/drawing/2014/main" id="{23C87E7C-5ED2-214E-8A38-ED05177A65DC}"/>
               </a:ext>
               <a:ext uri="{C183D7F6-B498-43B3-948B-1728B52AA6E4}">
-                <adec:decorative xmlns:adec="http://schemas.microsoft.com/office/drawing/2017/decorative" xmlns="" val="1"/>
+                <adec:decorative xmlns="" xmlns:adec="http://schemas.microsoft.com/office/drawing/2017/decorative" val="1"/>
               </a:ext>
             </a:extLst>
           </p:cNvPr>
@@ -6727,7 +6727,7 @@
                 <a16:creationId xmlns:a16="http://schemas.microsoft.com/office/drawing/2014/main" id="{5CABBF0D-1BD1-F9E7-64FF-6B8D87E611B7}"/>
               </a:ext>
               <a:ext uri="{C183D7F6-B498-43B3-948B-1728B52AA6E4}">
-                <adec:decorative xmlns:adec="http://schemas.microsoft.com/office/drawing/2017/decorative" xmlns="" val="1"/>
+                <adec:decorative xmlns="" xmlns:adec="http://schemas.microsoft.com/office/drawing/2017/decorative" val="1"/>
               </a:ext>
             </a:extLst>
           </p:cNvPr>
@@ -7187,7 +7187,7 @@
                 <a16:creationId xmlns:a16="http://schemas.microsoft.com/office/drawing/2014/main" id="{B1C210DC-5DBB-4F0D-875F-CD8AAAB938CE}"/>
               </a:ext>
               <a:ext uri="{C183D7F6-B498-43B3-948B-1728B52AA6E4}">
-                <adec:decorative xmlns:adec="http://schemas.microsoft.com/office/drawing/2017/decorative" xmlns="" val="1"/>
+                <adec:decorative xmlns="" xmlns:adec="http://schemas.microsoft.com/office/drawing/2017/decorative" val="1"/>
               </a:ext>
             </a:extLst>
           </p:cNvPr>
@@ -7386,7 +7386,7 @@
                 <a16:creationId xmlns:a16="http://schemas.microsoft.com/office/drawing/2014/main" id="{6FECF9D0-D7A8-43DD-B38D-E1090C0B322F}"/>
               </a:ext>
               <a:ext uri="{C183D7F6-B498-43B3-948B-1728B52AA6E4}">
-                <adec:decorative xmlns:adec="http://schemas.microsoft.com/office/drawing/2017/decorative" xmlns="" val="1"/>
+                <adec:decorative xmlns="" xmlns:adec="http://schemas.microsoft.com/office/drawing/2017/decorative" val="1"/>
               </a:ext>
             </a:extLst>
           </p:cNvPr>
@@ -7599,7 +7599,7 @@
                 <a16:creationId xmlns:a16="http://schemas.microsoft.com/office/drawing/2014/main" id="{446F04B0-7860-407F-85B7-42E38FAFE34B}"/>
               </a:ext>
               <a:ext uri="{C183D7F6-B498-43B3-948B-1728B52AA6E4}">
-                <adec:decorative xmlns:adec="http://schemas.microsoft.com/office/drawing/2017/decorative" xmlns="" val="1"/>
+                <adec:decorative xmlns="" xmlns:adec="http://schemas.microsoft.com/office/drawing/2017/decorative" val="1"/>
               </a:ext>
             </a:extLst>
           </p:cNvPr>
@@ -8026,7 +8026,7 @@
                 <a16:creationId xmlns:a16="http://schemas.microsoft.com/office/drawing/2014/main" id="{085441A7-EBA5-4ABB-8D29-CE4338F0F9B5}"/>
               </a:ext>
               <a:ext uri="{C183D7F6-B498-43B3-948B-1728B52AA6E4}">
-                <adec:decorative xmlns:adec="http://schemas.microsoft.com/office/drawing/2017/decorative" xmlns="" val="1"/>
+                <adec:decorative xmlns="" xmlns:adec="http://schemas.microsoft.com/office/drawing/2017/decorative" val="1"/>
               </a:ext>
             </a:extLst>
           </p:cNvPr>
@@ -8243,7 +8243,7 @@
                 <a16:creationId xmlns:a16="http://schemas.microsoft.com/office/drawing/2014/main" id="{45D908EF-1F96-4808-A8DB-F55AB9E8E436}"/>
               </a:ext>
               <a:ext uri="{C183D7F6-B498-43B3-948B-1728B52AA6E4}">
-                <adec:decorative xmlns:adec="http://schemas.microsoft.com/office/drawing/2017/decorative" xmlns="" val="1"/>
+                <adec:decorative xmlns="" xmlns:adec="http://schemas.microsoft.com/office/drawing/2017/decorative" val="1"/>
               </a:ext>
             </a:extLst>
           </p:cNvPr>
@@ -8456,7 +8456,7 @@
                 <a16:creationId xmlns:a16="http://schemas.microsoft.com/office/drawing/2014/main" id="{5670C03F-6336-45E3-A9F4-0CD130D80D1B}"/>
               </a:ext>
               <a:ext uri="{C183D7F6-B498-43B3-948B-1728B52AA6E4}">
-                <adec:decorative xmlns:adec="http://schemas.microsoft.com/office/drawing/2017/decorative" xmlns="" val="1"/>
+                <adec:decorative xmlns="" xmlns:adec="http://schemas.microsoft.com/office/drawing/2017/decorative" val="1"/>
               </a:ext>
             </a:extLst>
           </p:cNvPr>
@@ -8669,7 +8669,7 @@
                 <a16:creationId xmlns:a16="http://schemas.microsoft.com/office/drawing/2014/main" id="{3019BB56-AE7C-42CA-A8FF-432F4F176B8B}"/>
               </a:ext>
               <a:ext uri="{C183D7F6-B498-43B3-948B-1728B52AA6E4}">
-                <adec:decorative xmlns:adec="http://schemas.microsoft.com/office/drawing/2017/decorative" xmlns="" val="1"/>
+                <adec:decorative xmlns="" xmlns:adec="http://schemas.microsoft.com/office/drawing/2017/decorative" val="1"/>
               </a:ext>
             </a:extLst>
           </p:cNvPr>
@@ -9096,7 +9096,7 @@
                 <a16:creationId xmlns:a16="http://schemas.microsoft.com/office/drawing/2014/main" id="{A1FDF9D3-5B68-4A75-97BF-2C5113CFAA66}"/>
               </a:ext>
               <a:ext uri="{C183D7F6-B498-43B3-948B-1728B52AA6E4}">
-                <adec:decorative xmlns:adec="http://schemas.microsoft.com/office/drawing/2017/decorative" xmlns="" val="1"/>
+                <adec:decorative xmlns="" xmlns:adec="http://schemas.microsoft.com/office/drawing/2017/decorative" val="1"/>
               </a:ext>
             </a:extLst>
           </p:cNvPr>
@@ -9295,7 +9295,7 @@
                 <a16:creationId xmlns:a16="http://schemas.microsoft.com/office/drawing/2014/main" id="{C551C90A-573F-4E4A-9359-5C7B0F546BF9}"/>
               </a:ext>
               <a:ext uri="{C183D7F6-B498-43B3-948B-1728B52AA6E4}">
-                <adec:decorative xmlns:adec="http://schemas.microsoft.com/office/drawing/2017/decorative" xmlns="" val="1"/>
+                <adec:decorative xmlns="" xmlns:adec="http://schemas.microsoft.com/office/drawing/2017/decorative" val="1"/>
               </a:ext>
             </a:extLst>
           </p:cNvPr>
@@ -9497,7 +9497,7 @@
                 <a16:creationId xmlns:a16="http://schemas.microsoft.com/office/drawing/2014/main" id="{AF79E162-3D8F-4829-A4AD-02A03597B11A}"/>
               </a:ext>
               <a:ext uri="{C183D7F6-B498-43B3-948B-1728B52AA6E4}">
-                <adec:decorative xmlns:adec="http://schemas.microsoft.com/office/drawing/2017/decorative" xmlns="" val="1"/>
+                <adec:decorative xmlns="" xmlns:adec="http://schemas.microsoft.com/office/drawing/2017/decorative" val="1"/>
               </a:ext>
             </a:extLst>
           </p:cNvPr>
@@ -9710,7 +9710,7 @@
                 <a16:creationId xmlns:a16="http://schemas.microsoft.com/office/drawing/2014/main" id="{026B9B36-08E7-4664-970C-13123F24C793}"/>
               </a:ext>
               <a:ext uri="{C183D7F6-B498-43B3-948B-1728B52AA6E4}">
-                <adec:decorative xmlns:adec="http://schemas.microsoft.com/office/drawing/2017/decorative" xmlns="" val="1"/>
+                <adec:decorative xmlns="" xmlns:adec="http://schemas.microsoft.com/office/drawing/2017/decorative" val="1"/>
               </a:ext>
             </a:extLst>
           </p:cNvPr>
@@ -9927,7 +9927,7 @@
                 <a16:creationId xmlns:a16="http://schemas.microsoft.com/office/drawing/2014/main" id="{7EAB1992-E472-4489-8A4E-A8FE45DE10CF}"/>
               </a:ext>
               <a:ext uri="{C183D7F6-B498-43B3-948B-1728B52AA6E4}">
-                <adec:decorative xmlns:adec="http://schemas.microsoft.com/office/drawing/2017/decorative" xmlns="" val="1"/>
+                <adec:decorative xmlns="" xmlns:adec="http://schemas.microsoft.com/office/drawing/2017/decorative" val="1"/>
               </a:ext>
             </a:extLst>
           </p:cNvPr>
@@ -10501,7 +10501,7 @@
           <a:blip r:embed="rId3">
             <a:extLst>
               <a:ext uri="{96DAC541-7B7A-43D3-8B79-37D633B846F1}">
-                <asvg:svgBlip xmlns:asvg="http://schemas.microsoft.com/office/drawing/2016/SVG/main" xmlns="" r:embed="rId4"/>
+                <asvg:svgBlip xmlns="" xmlns:asvg="http://schemas.microsoft.com/office/drawing/2016/SVG/main" r:embed="rId4"/>
               </a:ext>
             </a:extLst>
           </a:blip>
@@ -10686,7 +10686,7 @@
           <a:blip r:embed="rId3">
             <a:extLst>
               <a:ext uri="{96DAC541-7B7A-43D3-8B79-37D633B846F1}">
-                <asvg:svgBlip xmlns:asvg="http://schemas.microsoft.com/office/drawing/2016/SVG/main" xmlns="" r:embed="rId4"/>
+                <asvg:svgBlip xmlns="" xmlns:asvg="http://schemas.microsoft.com/office/drawing/2016/SVG/main" r:embed="rId4"/>
               </a:ext>
             </a:extLst>
           </a:blip>
@@ -10948,7 +10948,7 @@
           <a:blip r:embed="rId2">
             <a:extLst>
               <a:ext uri="{96DAC541-7B7A-43D3-8B79-37D633B846F1}">
-                <asvg:svgBlip xmlns:asvg="http://schemas.microsoft.com/office/drawing/2016/SVG/main" xmlns="" r:embed="rId3"/>
+                <asvg:svgBlip xmlns="" xmlns:asvg="http://schemas.microsoft.com/office/drawing/2016/SVG/main" r:embed="rId3"/>
               </a:ext>
             </a:extLst>
           </a:blip>
@@ -11201,7 +11201,7 @@
                 <a16:creationId xmlns:a16="http://schemas.microsoft.com/office/drawing/2014/main" id="{B59E37DB-3217-4772-AE8E-E9673A139975}"/>
               </a:ext>
               <a:ext uri="{C183D7F6-B498-43B3-948B-1728B52AA6E4}">
-                <adec:decorative xmlns:adec="http://schemas.microsoft.com/office/drawing/2017/decorative" xmlns="" val="1"/>
+                <adec:decorative xmlns="" xmlns:adec="http://schemas.microsoft.com/office/drawing/2017/decorative" val="1"/>
               </a:ext>
             </a:extLst>
           </p:cNvPr>
@@ -11250,7 +11250,7 @@
                 <a16:creationId xmlns:a16="http://schemas.microsoft.com/office/drawing/2014/main" id="{F0DFE264-D676-EA48-BBA7-F4F0331FA268}"/>
               </a:ext>
               <a:ext uri="{C183D7F6-B498-43B3-948B-1728B52AA6E4}">
-                <adec:decorative xmlns:adec="http://schemas.microsoft.com/office/drawing/2017/decorative" xmlns="" val="1"/>
+                <adec:decorative xmlns="" xmlns:adec="http://schemas.microsoft.com/office/drawing/2017/decorative" val="1"/>
               </a:ext>
             </a:extLst>
           </p:cNvPr>
@@ -11353,7 +11353,7 @@
                 <a16:creationId xmlns:a16="http://schemas.microsoft.com/office/drawing/2014/main" id="{A0BB7D6E-2488-A644-A910-415B17221FBC}"/>
               </a:ext>
               <a:ext uri="{C183D7F6-B498-43B3-948B-1728B52AA6E4}">
-                <adec:decorative xmlns:adec="http://schemas.microsoft.com/office/drawing/2017/decorative" xmlns="" val="1"/>
+                <adec:decorative xmlns="" xmlns:adec="http://schemas.microsoft.com/office/drawing/2017/decorative" val="1"/>
               </a:ext>
             </a:extLst>
           </p:cNvPr>
@@ -16302,7 +16302,7 @@
           <a:blip r:embed="rId2">
             <a:extLst>
               <a:ext uri="{96DAC541-7B7A-43D3-8B79-37D633B846F1}">
-                <asvg:svgBlip xmlns:asvg="http://schemas.microsoft.com/office/drawing/2016/SVG/main" xmlns="" r:embed="rId3"/>
+                <asvg:svgBlip xmlns="" xmlns:asvg="http://schemas.microsoft.com/office/drawing/2016/SVG/main" r:embed="rId3"/>
               </a:ext>
             </a:extLst>
           </a:blip>
@@ -18861,7 +18861,7 @@
           <a:blip r:embed="rId28">
             <a:extLst>
               <a:ext uri="{96DAC541-7B7A-43D3-8B79-37D633B846F1}">
-                <asvg:svgBlip xmlns:asvg="http://schemas.microsoft.com/office/drawing/2016/SVG/main" xmlns="" r:embed="rId29"/>
+                <asvg:svgBlip xmlns="" xmlns:asvg="http://schemas.microsoft.com/office/drawing/2016/SVG/main" r:embed="rId29"/>
               </a:ext>
             </a:extLst>
           </a:blip>
@@ -20698,31 +20698,7 @@
                   <a:schemeClr val="bg1"/>
                 </a:solidFill>
               </a:rPr>
-              <a:t>.</a:t>
-            </a:r>
-            <a:r>
-              <a:rPr lang="en-US" sz="1200" dirty="0" smtClean="0">
-                <a:solidFill>
-                  <a:schemeClr val="bg1"/>
-                </a:solidFill>
-              </a:rPr>
-              <a:t>NET</a:t>
-            </a:r>
-            <a:r>
-              <a:rPr lang="en-US" sz="1200" dirty="0" smtClean="0">
-                <a:solidFill>
-                  <a:schemeClr val="bg1"/>
-                </a:solidFill>
-              </a:rPr>
-              <a:t> </a:t>
-            </a:r>
-            <a:r>
-              <a:rPr lang="en-US" sz="1200" dirty="0" smtClean="0">
-                <a:solidFill>
-                  <a:schemeClr val="bg1"/>
-                </a:solidFill>
-              </a:rPr>
-              <a:t>(dot net)</a:t>
+              <a:t>.NET (dot net)</a:t>
             </a:r>
           </a:p>
           <a:p>
@@ -24951,8 +24927,12 @@
           <a:p>
             <a:pPr marL="342900" indent="-342900"/>
             <a:r>
+              <a:rPr lang="en-US" b="1" dirty="0" smtClean="0"/>
+              <a:t>Not today</a:t>
+            </a:r>
+            <a:r>
               <a:rPr lang="en-US" dirty="0" smtClean="0"/>
-              <a:t>Not today! - but you should do some research!</a:t>
+              <a:t>! - but you should do some research!</a:t>
             </a:r>
           </a:p>
           <a:p>
@@ -25944,6 +25924,15 @@
 </file>
 
 <file path=customXml/item1.xml><?xml version="1.0" encoding="utf-8"?>
+<?mso-contentType ?>
+<FormTemplates xmlns="http://schemas.microsoft.com/sharepoint/v3/contenttype/forms">
+  <Display>DocumentLibraryForm</Display>
+  <Edit>DocumentLibraryForm</Edit>
+  <New>DocumentLibraryForm</New>
+</FormTemplates>
+</file>
+
+<file path=customXml/item2.xml><?xml version="1.0" encoding="utf-8"?>
 <ct:contentTypeSchema xmlns:ct="http://schemas.microsoft.com/office/2006/metadata/contentType" xmlns:ma="http://schemas.microsoft.com/office/2006/metadata/properties/metaAttributes" ct:_="" ma:_="" ma:contentTypeName="Document" ma:contentTypeID="0x0101008B3F91C0C4ECEE479555FEA4A4EB2B48" ma:contentTypeVersion="15" ma:contentTypeDescription="Create a new document." ma:contentTypeScope="" ma:versionID="c6a87b1e4bc033b72f454e04dac54d88">
   <xsd:schema xmlns:xsd="http://www.w3.org/2001/XMLSchema" xmlns:xs="http://www.w3.org/2001/XMLSchema" xmlns:p="http://schemas.microsoft.com/office/2006/metadata/properties" xmlns:ns2="34d4d772-b3f2-47fc-9a2d-2126f9957ae8" xmlns:ns3="d345b56e-75a0-4ca8-9b4b-110cb999efd5" targetNamespace="http://schemas.microsoft.com/office/2006/metadata/properties" ma:root="true" ma:fieldsID="6eb14a52ad1190b1f78ecaeae027f828" ns2:_="" ns3:_="">
     <xsd:import namespace="34d4d772-b3f2-47fc-9a2d-2126f9957ae8"/>
@@ -26178,15 +26167,6 @@
 </ct:contentTypeSchema>
 </file>
 
-<file path=customXml/item2.xml><?xml version="1.0" encoding="utf-8"?>
-<?mso-contentType ?>
-<FormTemplates xmlns="http://schemas.microsoft.com/sharepoint/v3/contenttype/forms">
-  <Display>DocumentLibraryForm</Display>
-  <Edit>DocumentLibraryForm</Edit>
-  <New>DocumentLibraryForm</New>
-</FormTemplates>
-</file>
-
 <file path=customXml/item3.xml><?xml version="1.0" encoding="utf-8"?>
 <p:properties xmlns:p="http://schemas.microsoft.com/office/2006/metadata/properties" xmlns:xsi="http://www.w3.org/2001/XMLSchema-instance" xmlns:pc="http://schemas.microsoft.com/office/infopath/2007/PartnerControls">
   <documentManagement>
@@ -26211,6 +26191,14 @@
 </file>
 
 <file path=customXml/itemProps1.xml><?xml version="1.0" encoding="utf-8"?>
+<ds:datastoreItem xmlns:ds="http://schemas.openxmlformats.org/officeDocument/2006/customXml" ds:itemID="{BAD99180-4DF7-4231-B572-5E5D5B192DA4}">
+  <ds:schemaRefs>
+    <ds:schemaRef ds:uri="http://schemas.microsoft.com/sharepoint/v3/contenttype/forms"/>
+  </ds:schemaRefs>
+</ds:datastoreItem>
+</file>
+
+<file path=customXml/itemProps2.xml><?xml version="1.0" encoding="utf-8"?>
 <ds:datastoreItem xmlns:ds="http://schemas.openxmlformats.org/officeDocument/2006/customXml" ds:itemID="{28FF4D8F-9B19-4DA8-8A71-562BBA95DCB6}">
   <ds:schemaRefs>
     <ds:schemaRef ds:uri="http://schemas.microsoft.com/office/2006/metadata/contentType"/>
@@ -26225,14 +26213,6 @@
     <ds:schemaRef ds:uri="http://purl.org/dc/elements/1.1/"/>
     <ds:schemaRef ds:uri="http://purl.org/dc/terms/"/>
     <ds:schemaRef ds:uri="http://schemas.microsoft.com/internal/obd"/>
-  </ds:schemaRefs>
-</ds:datastoreItem>
-</file>
-
-<file path=customXml/itemProps2.xml><?xml version="1.0" encoding="utf-8"?>
-<ds:datastoreItem xmlns:ds="http://schemas.openxmlformats.org/officeDocument/2006/customXml" ds:itemID="{BAD99180-4DF7-4231-B572-5E5D5B192DA4}">
-  <ds:schemaRefs>
-    <ds:schemaRef ds:uri="http://schemas.microsoft.com/sharepoint/v3/contenttype/forms"/>
   </ds:schemaRefs>
 </ds:datastoreItem>
 </file>
